--- a/Presentations/Week 7.pptx
+++ b/Presentations/Week 7.pptx
@@ -8,15 +8,25 @@
     <p:sldId id="256" r:id="rId2"/>
     <p:sldId id="257" r:id="rId3"/>
     <p:sldId id="258" r:id="rId4"/>
+    <p:sldId id="259" r:id="rId5"/>
+    <p:sldId id="260" r:id="rId6"/>
+    <p:sldId id="263" r:id="rId7"/>
+    <p:sldId id="264" r:id="rId8"/>
+    <p:sldId id="269" r:id="rId9"/>
+    <p:sldId id="270" r:id="rId10"/>
+    <p:sldId id="265" r:id="rId11"/>
+    <p:sldId id="266" r:id="rId12"/>
+    <p:sldId id="267" r:id="rId13"/>
+    <p:sldId id="268" r:id="rId14"/>
   </p:sldIdLst>
-  <p:sldSz cx="12192000" cy="6858000"/>
+  <p:sldSz cx="9144000" cy="5715000" type="screen16x10"/>
   <p:notesSz cx="6858000" cy="9144000"/>
   <p:defaultTextStyle>
     <a:defPPr>
       <a:defRPr lang="en-US"/>
     </a:defPPr>
-    <a:lvl1pPr marL="0" algn="l" defTabSz="914400" rtl="0" eaLnBrk="1" latinLnBrk="0" hangingPunct="1">
-      <a:defRPr sz="1800" kern="1200">
+    <a:lvl1pPr marL="0" algn="l" defTabSz="713203" rtl="0" eaLnBrk="1" latinLnBrk="0" hangingPunct="1">
+      <a:defRPr sz="1404" kern="1200">
         <a:solidFill>
           <a:schemeClr val="tx1"/>
         </a:solidFill>
@@ -25,8 +35,8 @@
         <a:cs typeface="+mn-cs"/>
       </a:defRPr>
     </a:lvl1pPr>
-    <a:lvl2pPr marL="457200" algn="l" defTabSz="914400" rtl="0" eaLnBrk="1" latinLnBrk="0" hangingPunct="1">
-      <a:defRPr sz="1800" kern="1200">
+    <a:lvl2pPr marL="356602" algn="l" defTabSz="713203" rtl="0" eaLnBrk="1" latinLnBrk="0" hangingPunct="1">
+      <a:defRPr sz="1404" kern="1200">
         <a:solidFill>
           <a:schemeClr val="tx1"/>
         </a:solidFill>
@@ -35,8 +45,8 @@
         <a:cs typeface="+mn-cs"/>
       </a:defRPr>
     </a:lvl2pPr>
-    <a:lvl3pPr marL="914400" algn="l" defTabSz="914400" rtl="0" eaLnBrk="1" latinLnBrk="0" hangingPunct="1">
-      <a:defRPr sz="1800" kern="1200">
+    <a:lvl3pPr marL="713203" algn="l" defTabSz="713203" rtl="0" eaLnBrk="1" latinLnBrk="0" hangingPunct="1">
+      <a:defRPr sz="1404" kern="1200">
         <a:solidFill>
           <a:schemeClr val="tx1"/>
         </a:solidFill>
@@ -45,8 +55,8 @@
         <a:cs typeface="+mn-cs"/>
       </a:defRPr>
     </a:lvl3pPr>
-    <a:lvl4pPr marL="1371600" algn="l" defTabSz="914400" rtl="0" eaLnBrk="1" latinLnBrk="0" hangingPunct="1">
-      <a:defRPr sz="1800" kern="1200">
+    <a:lvl4pPr marL="1069805" algn="l" defTabSz="713203" rtl="0" eaLnBrk="1" latinLnBrk="0" hangingPunct="1">
+      <a:defRPr sz="1404" kern="1200">
         <a:solidFill>
           <a:schemeClr val="tx1"/>
         </a:solidFill>
@@ -55,8 +65,8 @@
         <a:cs typeface="+mn-cs"/>
       </a:defRPr>
     </a:lvl4pPr>
-    <a:lvl5pPr marL="1828800" algn="l" defTabSz="914400" rtl="0" eaLnBrk="1" latinLnBrk="0" hangingPunct="1">
-      <a:defRPr sz="1800" kern="1200">
+    <a:lvl5pPr marL="1426407" algn="l" defTabSz="713203" rtl="0" eaLnBrk="1" latinLnBrk="0" hangingPunct="1">
+      <a:defRPr sz="1404" kern="1200">
         <a:solidFill>
           <a:schemeClr val="tx1"/>
         </a:solidFill>
@@ -65,8 +75,8 @@
         <a:cs typeface="+mn-cs"/>
       </a:defRPr>
     </a:lvl5pPr>
-    <a:lvl6pPr marL="2286000" algn="l" defTabSz="914400" rtl="0" eaLnBrk="1" latinLnBrk="0" hangingPunct="1">
-      <a:defRPr sz="1800" kern="1200">
+    <a:lvl6pPr marL="1783009" algn="l" defTabSz="713203" rtl="0" eaLnBrk="1" latinLnBrk="0" hangingPunct="1">
+      <a:defRPr sz="1404" kern="1200">
         <a:solidFill>
           <a:schemeClr val="tx1"/>
         </a:solidFill>
@@ -75,8 +85,8 @@
         <a:cs typeface="+mn-cs"/>
       </a:defRPr>
     </a:lvl6pPr>
-    <a:lvl7pPr marL="2743200" algn="l" defTabSz="914400" rtl="0" eaLnBrk="1" latinLnBrk="0" hangingPunct="1">
-      <a:defRPr sz="1800" kern="1200">
+    <a:lvl7pPr marL="2139610" algn="l" defTabSz="713203" rtl="0" eaLnBrk="1" latinLnBrk="0" hangingPunct="1">
+      <a:defRPr sz="1404" kern="1200">
         <a:solidFill>
           <a:schemeClr val="tx1"/>
         </a:solidFill>
@@ -85,8 +95,8 @@
         <a:cs typeface="+mn-cs"/>
       </a:defRPr>
     </a:lvl7pPr>
-    <a:lvl8pPr marL="3200400" algn="l" defTabSz="914400" rtl="0" eaLnBrk="1" latinLnBrk="0" hangingPunct="1">
-      <a:defRPr sz="1800" kern="1200">
+    <a:lvl8pPr marL="2496212" algn="l" defTabSz="713203" rtl="0" eaLnBrk="1" latinLnBrk="0" hangingPunct="1">
+      <a:defRPr sz="1404" kern="1200">
         <a:solidFill>
           <a:schemeClr val="tx1"/>
         </a:solidFill>
@@ -95,8 +105,8 @@
         <a:cs typeface="+mn-cs"/>
       </a:defRPr>
     </a:lvl8pPr>
-    <a:lvl9pPr marL="3657600" algn="l" defTabSz="914400" rtl="0" eaLnBrk="1" latinLnBrk="0" hangingPunct="1">
-      <a:defRPr sz="1800" kern="1200">
+    <a:lvl9pPr marL="2852814" algn="l" defTabSz="713203" rtl="0" eaLnBrk="1" latinLnBrk="0" hangingPunct="1">
+      <a:defRPr sz="1404" kern="1200">
         <a:solidFill>
           <a:schemeClr val="tx1"/>
         </a:solidFill>
@@ -106,6 +116,11 @@
       </a:defRPr>
     </a:lvl9pPr>
   </p:defaultTextStyle>
+  <p:extLst>
+    <p:ext uri="{EFAFB233-063F-42B5-8137-9DF3F51BA10A}">
+      <p15:sldGuideLst xmlns:p15="http://schemas.microsoft.com/office/powerpoint/2012/main"/>
+    </p:ext>
+  </p:extLst>
 </p:presentation>
 </file>
 
@@ -113,19 +128,27 @@
 <pc:chgInfo xmlns:a="http://schemas.openxmlformats.org/drawingml/2006/main" xmlns:r="http://schemas.openxmlformats.org/officeDocument/2006/relationships" xmlns:ac="http://schemas.microsoft.com/office/drawing/2013/main/command" xmlns:pc="http://schemas.microsoft.com/office/powerpoint/2013/main/command">
   <pc:docChgLst>
     <pc:chgData name="Ryan Klugman" userId="670d81e9-7bea-4656-8ed9-82a65e9ee468" providerId="ADAL" clId="{6BD92137-2C65-49DE-B21E-A147DD137012}"/>
-    <pc:docChg chg="undo redo custSel addSld modSld">
-      <pc:chgData name="Ryan Klugman" userId="670d81e9-7bea-4656-8ed9-82a65e9ee468" providerId="ADAL" clId="{6BD92137-2C65-49DE-B21E-A147DD137012}" dt="2017-09-03T22:45:14.300" v="68" actId="179"/>
+    <pc:docChg chg="undo redo custSel addSld delSld modSld sldOrd modMainMaster">
+      <pc:chgData name="Ryan Klugman" userId="670d81e9-7bea-4656-8ed9-82a65e9ee468" providerId="ADAL" clId="{6BD92137-2C65-49DE-B21E-A147DD137012}" dt="2017-09-04T01:23:54.962" v="2619" actId="20577"/>
       <pc:docMkLst>
         <pc:docMk/>
       </pc:docMkLst>
       <pc:sldChg chg="modSp">
-        <pc:chgData name="Ryan Klugman" userId="670d81e9-7bea-4656-8ed9-82a65e9ee468" providerId="ADAL" clId="{6BD92137-2C65-49DE-B21E-A147DD137012}" dt="2017-09-03T22:43:15.562" v="24" actId="403"/>
+        <pc:chgData name="Ryan Klugman" userId="670d81e9-7bea-4656-8ed9-82a65e9ee468" providerId="ADAL" clId="{6BD92137-2C65-49DE-B21E-A147DD137012}" dt="2017-09-04T00:55:29.415" v="2400" actId="1076"/>
         <pc:sldMkLst>
           <pc:docMk/>
           <pc:sldMk cId="4085155410" sldId="256"/>
         </pc:sldMkLst>
         <pc:spChg chg="mod">
-          <ac:chgData name="Ryan Klugman" userId="670d81e9-7bea-4656-8ed9-82a65e9ee468" providerId="ADAL" clId="{6BD92137-2C65-49DE-B21E-A147DD137012}" dt="2017-09-03T22:43:15.562" v="24" actId="403"/>
+          <ac:chgData name="Ryan Klugman" userId="670d81e9-7bea-4656-8ed9-82a65e9ee468" providerId="ADAL" clId="{6BD92137-2C65-49DE-B21E-A147DD137012}" dt="2017-09-04T00:55:07.212" v="2386" actId="20577"/>
+          <ac:spMkLst>
+            <pc:docMk/>
+            <pc:sldMk cId="4085155410" sldId="256"/>
+            <ac:spMk id="2" creationId="{1A6547D3-2727-46AC-8B3E-73478A317E59}"/>
+          </ac:spMkLst>
+        </pc:spChg>
+        <pc:spChg chg="mod">
+          <ac:chgData name="Ryan Klugman" userId="670d81e9-7bea-4656-8ed9-82a65e9ee468" providerId="ADAL" clId="{6BD92137-2C65-49DE-B21E-A147DD137012}" dt="2017-09-04T00:55:29.415" v="2400" actId="1076"/>
           <ac:spMkLst>
             <pc:docMk/>
             <pc:sldMk cId="4085155410" sldId="256"/>
@@ -134,13 +157,13 @@
         </pc:spChg>
       </pc:sldChg>
       <pc:sldChg chg="addSp delSp modSp">
-        <pc:chgData name="Ryan Klugman" userId="670d81e9-7bea-4656-8ed9-82a65e9ee468" providerId="ADAL" clId="{6BD92137-2C65-49DE-B21E-A147DD137012}" dt="2017-09-03T22:43:50.371" v="31" actId="403"/>
+        <pc:chgData name="Ryan Klugman" userId="670d81e9-7bea-4656-8ed9-82a65e9ee468" providerId="ADAL" clId="{6BD92137-2C65-49DE-B21E-A147DD137012}" dt="2017-09-04T01:18:37.582" v="2586"/>
         <pc:sldMkLst>
           <pc:docMk/>
           <pc:sldMk cId="3867896498" sldId="257"/>
         </pc:sldMkLst>
         <pc:spChg chg="mod">
-          <ac:chgData name="Ryan Klugman" userId="670d81e9-7bea-4656-8ed9-82a65e9ee468" providerId="ADAL" clId="{6BD92137-2C65-49DE-B21E-A147DD137012}" dt="2017-09-03T22:43:50.371" v="31" actId="403"/>
+          <ac:chgData name="Ryan Klugman" userId="670d81e9-7bea-4656-8ed9-82a65e9ee468" providerId="ADAL" clId="{6BD92137-2C65-49DE-B21E-A147DD137012}" dt="2017-09-03T22:55:05.013" v="526" actId="403"/>
           <ac:spMkLst>
             <pc:docMk/>
             <pc:sldMk cId="3867896498" sldId="257"/>
@@ -164,7 +187,7 @@
           </ac:picMkLst>
         </pc:picChg>
         <pc:picChg chg="add mod">
-          <ac:chgData name="Ryan Klugman" userId="670d81e9-7bea-4656-8ed9-82a65e9ee468" providerId="ADAL" clId="{6BD92137-2C65-49DE-B21E-A147DD137012}" dt="2017-09-03T22:43:00.368" v="8" actId="1076"/>
+          <ac:chgData name="Ryan Klugman" userId="670d81e9-7bea-4656-8ed9-82a65e9ee468" providerId="ADAL" clId="{6BD92137-2C65-49DE-B21E-A147DD137012}" dt="2017-09-04T01:18:37.582" v="2586"/>
           <ac:picMkLst>
             <pc:docMk/>
             <pc:sldMk cId="3867896498" sldId="257"/>
@@ -173,13 +196,13 @@
         </pc:picChg>
       </pc:sldChg>
       <pc:sldChg chg="modSp add">
-        <pc:chgData name="Ryan Klugman" userId="670d81e9-7bea-4656-8ed9-82a65e9ee468" providerId="ADAL" clId="{6BD92137-2C65-49DE-B21E-A147DD137012}" dt="2017-09-03T22:45:14.300" v="68" actId="179"/>
+        <pc:chgData name="Ryan Klugman" userId="670d81e9-7bea-4656-8ed9-82a65e9ee468" providerId="ADAL" clId="{6BD92137-2C65-49DE-B21E-A147DD137012}" dt="2017-09-03T23:49:40.298" v="2384" actId="20577"/>
         <pc:sldMkLst>
           <pc:docMk/>
           <pc:sldMk cId="119419367" sldId="258"/>
         </pc:sldMkLst>
         <pc:spChg chg="mod">
-          <ac:chgData name="Ryan Klugman" userId="670d81e9-7bea-4656-8ed9-82a65e9ee468" providerId="ADAL" clId="{6BD92137-2C65-49DE-B21E-A147DD137012}" dt="2017-09-03T22:45:14.300" v="68" actId="179"/>
+          <ac:chgData name="Ryan Klugman" userId="670d81e9-7bea-4656-8ed9-82a65e9ee468" providerId="ADAL" clId="{6BD92137-2C65-49DE-B21E-A147DD137012}" dt="2017-09-03T23:49:40.298" v="2384" actId="20577"/>
           <ac:spMkLst>
             <pc:docMk/>
             <pc:sldMk cId="119419367" sldId="258"/>
@@ -187,7 +210,7 @@
           </ac:spMkLst>
         </pc:spChg>
         <pc:spChg chg="mod">
-          <ac:chgData name="Ryan Klugman" userId="670d81e9-7bea-4656-8ed9-82a65e9ee468" providerId="ADAL" clId="{6BD92137-2C65-49DE-B21E-A147DD137012}" dt="2017-09-03T22:44:06.592" v="44" actId="20577"/>
+          <ac:chgData name="Ryan Klugman" userId="670d81e9-7bea-4656-8ed9-82a65e9ee468" providerId="ADAL" clId="{6BD92137-2C65-49DE-B21E-A147DD137012}" dt="2017-09-03T22:54:57.654" v="525" actId="404"/>
           <ac:spMkLst>
             <pc:docMk/>
             <pc:sldMk cId="119419367" sldId="258"/>
@@ -195,6 +218,1367 @@
           </ac:spMkLst>
         </pc:spChg>
       </pc:sldChg>
+      <pc:sldChg chg="addSp modSp add">
+        <pc:chgData name="Ryan Klugman" userId="670d81e9-7bea-4656-8ed9-82a65e9ee468" providerId="ADAL" clId="{6BD92137-2C65-49DE-B21E-A147DD137012}" dt="2017-09-04T01:17:46.424" v="2585" actId="1076"/>
+        <pc:sldMkLst>
+          <pc:docMk/>
+          <pc:sldMk cId="832432314" sldId="259"/>
+        </pc:sldMkLst>
+        <pc:spChg chg="mod">
+          <ac:chgData name="Ryan Klugman" userId="670d81e9-7bea-4656-8ed9-82a65e9ee468" providerId="ADAL" clId="{6BD92137-2C65-49DE-B21E-A147DD137012}" dt="2017-09-04T01:17:21.808" v="2582" actId="20577"/>
+          <ac:spMkLst>
+            <pc:docMk/>
+            <pc:sldMk cId="832432314" sldId="259"/>
+            <ac:spMk id="2" creationId="{E03CE05D-C3DA-47CC-AC1F-8C674769EC66}"/>
+          </ac:spMkLst>
+        </pc:spChg>
+        <pc:spChg chg="mod">
+          <ac:chgData name="Ryan Klugman" userId="670d81e9-7bea-4656-8ed9-82a65e9ee468" providerId="ADAL" clId="{6BD92137-2C65-49DE-B21E-A147DD137012}" dt="2017-09-03T22:52:39.909" v="390" actId="6549"/>
+          <ac:spMkLst>
+            <pc:docMk/>
+            <pc:sldMk cId="832432314" sldId="259"/>
+            <ac:spMk id="3" creationId="{7E5726A0-0EE0-4D5E-8ABB-50D864C4AA11}"/>
+          </ac:spMkLst>
+        </pc:spChg>
+        <pc:picChg chg="add mod modCrop">
+          <ac:chgData name="Ryan Klugman" userId="670d81e9-7bea-4656-8ed9-82a65e9ee468" providerId="ADAL" clId="{6BD92137-2C65-49DE-B21E-A147DD137012}" dt="2017-09-04T01:17:46.424" v="2585" actId="1076"/>
+          <ac:picMkLst>
+            <pc:docMk/>
+            <pc:sldMk cId="832432314" sldId="259"/>
+            <ac:picMk id="4" creationId="{B1A51FBC-98B9-4CD6-BD77-59D222D31439}"/>
+          </ac:picMkLst>
+        </pc:picChg>
+      </pc:sldChg>
+      <pc:sldChg chg="addSp modSp add">
+        <pc:chgData name="Ryan Klugman" userId="670d81e9-7bea-4656-8ed9-82a65e9ee468" providerId="ADAL" clId="{6BD92137-2C65-49DE-B21E-A147DD137012}" dt="2017-09-04T01:06:04.495" v="2495" actId="20577"/>
+        <pc:sldMkLst>
+          <pc:docMk/>
+          <pc:sldMk cId="931049609" sldId="260"/>
+        </pc:sldMkLst>
+        <pc:spChg chg="mod">
+          <ac:chgData name="Ryan Klugman" userId="670d81e9-7bea-4656-8ed9-82a65e9ee468" providerId="ADAL" clId="{6BD92137-2C65-49DE-B21E-A147DD137012}" dt="2017-09-03T23:41:37.249" v="2053" actId="114"/>
+          <ac:spMkLst>
+            <pc:docMk/>
+            <pc:sldMk cId="931049609" sldId="260"/>
+            <ac:spMk id="2" creationId="{E03CE05D-C3DA-47CC-AC1F-8C674769EC66}"/>
+          </ac:spMkLst>
+        </pc:spChg>
+        <pc:spChg chg="mod">
+          <ac:chgData name="Ryan Klugman" userId="670d81e9-7bea-4656-8ed9-82a65e9ee468" providerId="ADAL" clId="{6BD92137-2C65-49DE-B21E-A147DD137012}" dt="2017-09-03T22:56:57.442" v="632" actId="20577"/>
+          <ac:spMkLst>
+            <pc:docMk/>
+            <pc:sldMk cId="931049609" sldId="260"/>
+            <ac:spMk id="3" creationId="{7E5726A0-0EE0-4D5E-8ABB-50D864C4AA11}"/>
+          </ac:spMkLst>
+        </pc:spChg>
+        <pc:spChg chg="add mod">
+          <ac:chgData name="Ryan Klugman" userId="670d81e9-7bea-4656-8ed9-82a65e9ee468" providerId="ADAL" clId="{6BD92137-2C65-49DE-B21E-A147DD137012}" dt="2017-09-04T01:05:12.967" v="2450" actId="208"/>
+          <ac:spMkLst>
+            <pc:docMk/>
+            <pc:sldMk cId="931049609" sldId="260"/>
+            <ac:spMk id="4" creationId="{96A81932-1AD6-47DA-B859-05F62DA78B00}"/>
+          </ac:spMkLst>
+        </pc:spChg>
+        <pc:spChg chg="add mod">
+          <ac:chgData name="Ryan Klugman" userId="670d81e9-7bea-4656-8ed9-82a65e9ee468" providerId="ADAL" clId="{6BD92137-2C65-49DE-B21E-A147DD137012}" dt="2017-09-04T01:05:12.967" v="2450" actId="208"/>
+          <ac:spMkLst>
+            <pc:docMk/>
+            <pc:sldMk cId="931049609" sldId="260"/>
+            <ac:spMk id="5" creationId="{66578AD9-FA7D-44B3-B393-0E8BA0EACCC0}"/>
+          </ac:spMkLst>
+        </pc:spChg>
+        <pc:spChg chg="add mod">
+          <ac:chgData name="Ryan Klugman" userId="670d81e9-7bea-4656-8ed9-82a65e9ee468" providerId="ADAL" clId="{6BD92137-2C65-49DE-B21E-A147DD137012}" dt="2017-09-04T01:05:12.967" v="2450" actId="208"/>
+          <ac:spMkLst>
+            <pc:docMk/>
+            <pc:sldMk cId="931049609" sldId="260"/>
+            <ac:spMk id="6" creationId="{BB6AB299-E094-4475-AD26-9B769FC68AFF}"/>
+          </ac:spMkLst>
+        </pc:spChg>
+        <pc:spChg chg="add mod">
+          <ac:chgData name="Ryan Klugman" userId="670d81e9-7bea-4656-8ed9-82a65e9ee468" providerId="ADAL" clId="{6BD92137-2C65-49DE-B21E-A147DD137012}" dt="2017-09-04T01:05:03.452" v="2449" actId="20577"/>
+          <ac:spMkLst>
+            <pc:docMk/>
+            <pc:sldMk cId="931049609" sldId="260"/>
+            <ac:spMk id="7" creationId="{4E2F8FB9-78D3-4E47-947F-C66B487AC748}"/>
+          </ac:spMkLst>
+        </pc:spChg>
+        <pc:spChg chg="add mod">
+          <ac:chgData name="Ryan Klugman" userId="670d81e9-7bea-4656-8ed9-82a65e9ee468" providerId="ADAL" clId="{6BD92137-2C65-49DE-B21E-A147DD137012}" dt="2017-09-04T01:05:46.638" v="2479" actId="14100"/>
+          <ac:spMkLst>
+            <pc:docMk/>
+            <pc:sldMk cId="931049609" sldId="260"/>
+            <ac:spMk id="8" creationId="{E58FC45A-4E52-4579-822C-58D569917D10}"/>
+          </ac:spMkLst>
+        </pc:spChg>
+        <pc:spChg chg="add mod">
+          <ac:chgData name="Ryan Klugman" userId="670d81e9-7bea-4656-8ed9-82a65e9ee468" providerId="ADAL" clId="{6BD92137-2C65-49DE-B21E-A147DD137012}" dt="2017-09-04T01:06:04.495" v="2495" actId="20577"/>
+          <ac:spMkLst>
+            <pc:docMk/>
+            <pc:sldMk cId="931049609" sldId="260"/>
+            <ac:spMk id="9" creationId="{3282D43D-7315-450C-B51E-5F21FC57821F}"/>
+          </ac:spMkLst>
+        </pc:spChg>
+      </pc:sldChg>
+      <pc:sldChg chg="addSp delSp modSp add del ord">
+        <pc:chgData name="Ryan Klugman" userId="670d81e9-7bea-4656-8ed9-82a65e9ee468" providerId="ADAL" clId="{6BD92137-2C65-49DE-B21E-A147DD137012}" dt="2017-09-03T23:31:29.328" v="1504" actId="2696"/>
+        <pc:sldMkLst>
+          <pc:docMk/>
+          <pc:sldMk cId="3544058874" sldId="261"/>
+        </pc:sldMkLst>
+        <pc:spChg chg="del">
+          <ac:chgData name="Ryan Klugman" userId="670d81e9-7bea-4656-8ed9-82a65e9ee468" providerId="ADAL" clId="{6BD92137-2C65-49DE-B21E-A147DD137012}" dt="2017-09-03T22:59:55.296" v="700" actId="478"/>
+          <ac:spMkLst>
+            <pc:docMk/>
+            <pc:sldMk cId="3544058874" sldId="261"/>
+            <ac:spMk id="2" creationId="{E03CE05D-C3DA-47CC-AC1F-8C674769EC66}"/>
+          </ac:spMkLst>
+        </pc:spChg>
+        <pc:spChg chg="add del mod">
+          <ac:chgData name="Ryan Klugman" userId="670d81e9-7bea-4656-8ed9-82a65e9ee468" providerId="ADAL" clId="{6BD92137-2C65-49DE-B21E-A147DD137012}" dt="2017-09-03T22:59:57.014" v="701" actId="478"/>
+          <ac:spMkLst>
+            <pc:docMk/>
+            <pc:sldMk cId="3544058874" sldId="261"/>
+            <ac:spMk id="5" creationId="{84E5E5FC-2D20-4FDE-9CED-67DDE27D72A0}"/>
+          </ac:spMkLst>
+        </pc:spChg>
+        <pc:spChg chg="add del mod">
+          <ac:chgData name="Ryan Klugman" userId="670d81e9-7bea-4656-8ed9-82a65e9ee468" providerId="ADAL" clId="{6BD92137-2C65-49DE-B21E-A147DD137012}" dt="2017-09-03T23:03:44.197" v="747" actId="478"/>
+          <ac:spMkLst>
+            <pc:docMk/>
+            <pc:sldMk cId="3544058874" sldId="261"/>
+            <ac:spMk id="18" creationId="{710DA0DA-3562-4037-ACB2-3A455C11A563}"/>
+          </ac:spMkLst>
+        </pc:spChg>
+        <pc:spChg chg="add mod">
+          <ac:chgData name="Ryan Klugman" userId="670d81e9-7bea-4656-8ed9-82a65e9ee468" providerId="ADAL" clId="{6BD92137-2C65-49DE-B21E-A147DD137012}" dt="2017-09-03T23:11:45.053" v="948" actId="14100"/>
+          <ac:spMkLst>
+            <pc:docMk/>
+            <pc:sldMk cId="3544058874" sldId="261"/>
+            <ac:spMk id="19" creationId="{6EFA0B39-E47E-40BA-91E1-8FEC7CC1EFD0}"/>
+          </ac:spMkLst>
+        </pc:spChg>
+        <pc:spChg chg="add del mod">
+          <ac:chgData name="Ryan Klugman" userId="670d81e9-7bea-4656-8ed9-82a65e9ee468" providerId="ADAL" clId="{6BD92137-2C65-49DE-B21E-A147DD137012}" dt="2017-09-03T23:03:04.759" v="737" actId="2696"/>
+          <ac:spMkLst>
+            <pc:docMk/>
+            <pc:sldMk cId="3544058874" sldId="261"/>
+            <ac:spMk id="20" creationId="{F576A3FE-842D-4B0B-8AD1-BD2600B178EB}"/>
+          </ac:spMkLst>
+        </pc:spChg>
+        <pc:spChg chg="add del mod">
+          <ac:chgData name="Ryan Klugman" userId="670d81e9-7bea-4656-8ed9-82a65e9ee468" providerId="ADAL" clId="{6BD92137-2C65-49DE-B21E-A147DD137012}" dt="2017-09-03T23:03:49.885" v="749" actId="478"/>
+          <ac:spMkLst>
+            <pc:docMk/>
+            <pc:sldMk cId="3544058874" sldId="261"/>
+            <ac:spMk id="21" creationId="{2761B000-F73F-477D-BE5C-9AF22122F2A3}"/>
+          </ac:spMkLst>
+        </pc:spChg>
+        <pc:spChg chg="add mod">
+          <ac:chgData name="Ryan Klugman" userId="670d81e9-7bea-4656-8ed9-82a65e9ee468" providerId="ADAL" clId="{6BD92137-2C65-49DE-B21E-A147DD137012}" dt="2017-09-03T23:11:48.257" v="949" actId="14100"/>
+          <ac:spMkLst>
+            <pc:docMk/>
+            <pc:sldMk cId="3544058874" sldId="261"/>
+            <ac:spMk id="22" creationId="{DE46858C-DD31-4852-B3B3-E49758D0BC89}"/>
+          </ac:spMkLst>
+        </pc:spChg>
+        <pc:spChg chg="add mod">
+          <ac:chgData name="Ryan Klugman" userId="670d81e9-7bea-4656-8ed9-82a65e9ee468" providerId="ADAL" clId="{6BD92137-2C65-49DE-B21E-A147DD137012}" dt="2017-09-03T23:04:00.875" v="753" actId="1076"/>
+          <ac:spMkLst>
+            <pc:docMk/>
+            <pc:sldMk cId="3544058874" sldId="261"/>
+            <ac:spMk id="23" creationId="{8C40C898-71E0-49DD-9934-482DB3828F28}"/>
+          </ac:spMkLst>
+        </pc:spChg>
+        <pc:spChg chg="add mod">
+          <ac:chgData name="Ryan Klugman" userId="670d81e9-7bea-4656-8ed9-82a65e9ee468" providerId="ADAL" clId="{6BD92137-2C65-49DE-B21E-A147DD137012}" dt="2017-09-03T23:08:03.926" v="853" actId="1076"/>
+          <ac:spMkLst>
+            <pc:docMk/>
+            <pc:sldMk cId="3544058874" sldId="261"/>
+            <ac:spMk id="68" creationId="{33B07938-5B02-4927-B64E-83A3C626945A}"/>
+          </ac:spMkLst>
+        </pc:spChg>
+        <pc:spChg chg="add mod">
+          <ac:chgData name="Ryan Klugman" userId="670d81e9-7bea-4656-8ed9-82a65e9ee468" providerId="ADAL" clId="{6BD92137-2C65-49DE-B21E-A147DD137012}" dt="2017-09-03T23:07:54.403" v="852" actId="1076"/>
+          <ac:spMkLst>
+            <pc:docMk/>
+            <pc:sldMk cId="3544058874" sldId="261"/>
+            <ac:spMk id="69" creationId="{249450C3-D78E-470C-BB71-D16609A55CA5}"/>
+          </ac:spMkLst>
+        </pc:spChg>
+        <pc:spChg chg="add mod">
+          <ac:chgData name="Ryan Klugman" userId="670d81e9-7bea-4656-8ed9-82a65e9ee468" providerId="ADAL" clId="{6BD92137-2C65-49DE-B21E-A147DD137012}" dt="2017-09-03T23:07:52.174" v="851" actId="1076"/>
+          <ac:spMkLst>
+            <pc:docMk/>
+            <pc:sldMk cId="3544058874" sldId="261"/>
+            <ac:spMk id="70" creationId="{1DB985CF-8E78-44C3-B78C-563F602B0E63}"/>
+          </ac:spMkLst>
+        </pc:spChg>
+        <pc:spChg chg="add mod">
+          <ac:chgData name="Ryan Klugman" userId="670d81e9-7bea-4656-8ed9-82a65e9ee468" providerId="ADAL" clId="{6BD92137-2C65-49DE-B21E-A147DD137012}" dt="2017-09-03T23:08:41.247" v="861" actId="20577"/>
+          <ac:spMkLst>
+            <pc:docMk/>
+            <pc:sldMk cId="3544058874" sldId="261"/>
+            <ac:spMk id="72" creationId="{73842922-4453-431E-BCFE-99307B5440C8}"/>
+          </ac:spMkLst>
+        </pc:spChg>
+        <pc:spChg chg="add del mod">
+          <ac:chgData name="Ryan Klugman" userId="670d81e9-7bea-4656-8ed9-82a65e9ee468" providerId="ADAL" clId="{6BD92137-2C65-49DE-B21E-A147DD137012}" dt="2017-09-03T23:09:03.065" v="863" actId="2696"/>
+          <ac:spMkLst>
+            <pc:docMk/>
+            <pc:sldMk cId="3544058874" sldId="261"/>
+            <ac:spMk id="77" creationId="{94C07634-655E-4953-8117-A982EB64F0FD}"/>
+          </ac:spMkLst>
+        </pc:spChg>
+        <pc:spChg chg="add mod">
+          <ac:chgData name="Ryan Klugman" userId="670d81e9-7bea-4656-8ed9-82a65e9ee468" providerId="ADAL" clId="{6BD92137-2C65-49DE-B21E-A147DD137012}" dt="2017-09-03T23:13:26.471" v="1011" actId="1076"/>
+          <ac:spMkLst>
+            <pc:docMk/>
+            <pc:sldMk cId="3544058874" sldId="261"/>
+            <ac:spMk id="82" creationId="{B48436AE-3CD9-47D8-821E-474B9F52152F}"/>
+          </ac:spMkLst>
+        </pc:spChg>
+        <pc:spChg chg="add mod">
+          <ac:chgData name="Ryan Klugman" userId="670d81e9-7bea-4656-8ed9-82a65e9ee468" providerId="ADAL" clId="{6BD92137-2C65-49DE-B21E-A147DD137012}" dt="2017-09-03T23:13:26.471" v="1011" actId="1076"/>
+          <ac:spMkLst>
+            <pc:docMk/>
+            <pc:sldMk cId="3544058874" sldId="261"/>
+            <ac:spMk id="83" creationId="{D37F30C2-6CFA-4104-A467-2D3B016E6A0E}"/>
+          </ac:spMkLst>
+        </pc:spChg>
+        <pc:spChg chg="add mod">
+          <ac:chgData name="Ryan Klugman" userId="670d81e9-7bea-4656-8ed9-82a65e9ee468" providerId="ADAL" clId="{6BD92137-2C65-49DE-B21E-A147DD137012}" dt="2017-09-03T23:13:26.471" v="1011" actId="1076"/>
+          <ac:spMkLst>
+            <pc:docMk/>
+            <pc:sldMk cId="3544058874" sldId="261"/>
+            <ac:spMk id="84" creationId="{CEBFF9F8-D4A2-4484-A897-1405E3FF2DF4}"/>
+          </ac:spMkLst>
+        </pc:spChg>
+        <pc:spChg chg="add mod">
+          <ac:chgData name="Ryan Klugman" userId="670d81e9-7bea-4656-8ed9-82a65e9ee468" providerId="ADAL" clId="{6BD92137-2C65-49DE-B21E-A147DD137012}" dt="2017-09-03T23:13:26.471" v="1011" actId="1076"/>
+          <ac:spMkLst>
+            <pc:docMk/>
+            <pc:sldMk cId="3544058874" sldId="261"/>
+            <ac:spMk id="85" creationId="{61DB5F18-0CE2-41CF-8E6A-6A7A3D45C374}"/>
+          </ac:spMkLst>
+        </pc:spChg>
+        <pc:spChg chg="add mod">
+          <ac:chgData name="Ryan Klugman" userId="670d81e9-7bea-4656-8ed9-82a65e9ee468" providerId="ADAL" clId="{6BD92137-2C65-49DE-B21E-A147DD137012}" dt="2017-09-03T23:13:26.471" v="1011" actId="1076"/>
+          <ac:spMkLst>
+            <pc:docMk/>
+            <pc:sldMk cId="3544058874" sldId="261"/>
+            <ac:spMk id="86" creationId="{02614571-EFC9-493D-8B25-6EFCC130D806}"/>
+          </ac:spMkLst>
+        </pc:spChg>
+        <pc:spChg chg="add mod">
+          <ac:chgData name="Ryan Klugman" userId="670d81e9-7bea-4656-8ed9-82a65e9ee468" providerId="ADAL" clId="{6BD92137-2C65-49DE-B21E-A147DD137012}" dt="2017-09-03T23:13:26.471" v="1011" actId="1076"/>
+          <ac:spMkLst>
+            <pc:docMk/>
+            <pc:sldMk cId="3544058874" sldId="261"/>
+            <ac:spMk id="87" creationId="{537DC6CE-98BB-4FF1-AEED-31C6E3898F4A}"/>
+          </ac:spMkLst>
+        </pc:spChg>
+        <pc:inkChg chg="add del">
+          <ac:chgData name="Ryan Klugman" userId="670d81e9-7bea-4656-8ed9-82a65e9ee468" providerId="ADAL" clId="{6BD92137-2C65-49DE-B21E-A147DD137012}" dt="2017-09-03T23:00:25.566" v="706" actId="2696"/>
+          <ac:inkMkLst>
+            <pc:docMk/>
+            <pc:sldMk cId="3544058874" sldId="261"/>
+            <ac:inkMk id="2" creationId="{F7EC787F-7D69-4B35-B486-B1AC3D86FAAA}"/>
+          </ac:inkMkLst>
+        </pc:inkChg>
+        <pc:inkChg chg="add del">
+          <ac:chgData name="Ryan Klugman" userId="670d81e9-7bea-4656-8ed9-82a65e9ee468" providerId="ADAL" clId="{6BD92137-2C65-49DE-B21E-A147DD137012}" dt="2017-09-03T23:00:24.968" v="705" actId="2696"/>
+          <ac:inkMkLst>
+            <pc:docMk/>
+            <pc:sldMk cId="3544058874" sldId="261"/>
+            <ac:inkMk id="4" creationId="{0B8158FD-7FC4-4834-B108-D930F0A265EB}"/>
+          </ac:inkMkLst>
+        </pc:inkChg>
+        <pc:inkChg chg="add">
+          <ac:chgData name="Ryan Klugman" userId="670d81e9-7bea-4656-8ed9-82a65e9ee468" providerId="ADAL" clId="{6BD92137-2C65-49DE-B21E-A147DD137012}" dt="2017-09-03T23:00:23.201" v="704" actId="2696"/>
+          <ac:inkMkLst>
+            <pc:docMk/>
+            <pc:sldMk cId="3544058874" sldId="261"/>
+            <ac:inkMk id="5" creationId="{F83D77E7-3C2B-4FCB-BD6C-DC5BD7016A29}"/>
+          </ac:inkMkLst>
+        </pc:inkChg>
+        <pc:inkChg chg="add del">
+          <ac:chgData name="Ryan Klugman" userId="670d81e9-7bea-4656-8ed9-82a65e9ee468" providerId="ADAL" clId="{6BD92137-2C65-49DE-B21E-A147DD137012}" dt="2017-09-03T23:00:36.859" v="711" actId="2696"/>
+          <ac:inkMkLst>
+            <pc:docMk/>
+            <pc:sldMk cId="3544058874" sldId="261"/>
+            <ac:inkMk id="6" creationId="{3FD50E31-1AE8-4387-A5E3-379769943893}"/>
+          </ac:inkMkLst>
+        </pc:inkChg>
+        <pc:inkChg chg="add del">
+          <ac:chgData name="Ryan Klugman" userId="670d81e9-7bea-4656-8ed9-82a65e9ee468" providerId="ADAL" clId="{6BD92137-2C65-49DE-B21E-A147DD137012}" dt="2017-09-03T23:00:36.464" v="710" actId="2696"/>
+          <ac:inkMkLst>
+            <pc:docMk/>
+            <pc:sldMk cId="3544058874" sldId="261"/>
+            <ac:inkMk id="7" creationId="{3A680329-2F7F-494C-8CBA-B34E1DF4D5E6}"/>
+          </ac:inkMkLst>
+        </pc:inkChg>
+        <pc:inkChg chg="add">
+          <ac:chgData name="Ryan Klugman" userId="670d81e9-7bea-4656-8ed9-82a65e9ee468" providerId="ADAL" clId="{6BD92137-2C65-49DE-B21E-A147DD137012}" dt="2017-09-03T23:00:35.742" v="709" actId="2696"/>
+          <ac:inkMkLst>
+            <pc:docMk/>
+            <pc:sldMk cId="3544058874" sldId="261"/>
+            <ac:inkMk id="8" creationId="{80DDD453-821C-4B7D-B826-176F5139551E}"/>
+          </ac:inkMkLst>
+        </pc:inkChg>
+        <pc:inkChg chg="add del">
+          <ac:chgData name="Ryan Klugman" userId="670d81e9-7bea-4656-8ed9-82a65e9ee468" providerId="ADAL" clId="{6BD92137-2C65-49DE-B21E-A147DD137012}" dt="2017-09-03T23:00:50.398" v="716" actId="2696"/>
+          <ac:inkMkLst>
+            <pc:docMk/>
+            <pc:sldMk cId="3544058874" sldId="261"/>
+            <ac:inkMk id="9" creationId="{A582D55A-9166-45FC-A97B-DAC7D43FEAF8}"/>
+          </ac:inkMkLst>
+        </pc:inkChg>
+        <pc:inkChg chg="add del">
+          <ac:chgData name="Ryan Klugman" userId="670d81e9-7bea-4656-8ed9-82a65e9ee468" providerId="ADAL" clId="{6BD92137-2C65-49DE-B21E-A147DD137012}" dt="2017-09-03T23:00:48.992" v="715" actId="2696"/>
+          <ac:inkMkLst>
+            <pc:docMk/>
+            <pc:sldMk cId="3544058874" sldId="261"/>
+            <ac:inkMk id="10" creationId="{C0A40D04-0346-4E69-B8CE-F57926AE6AB1}"/>
+          </ac:inkMkLst>
+        </pc:inkChg>
+        <pc:inkChg chg="add">
+          <ac:chgData name="Ryan Klugman" userId="670d81e9-7bea-4656-8ed9-82a65e9ee468" providerId="ADAL" clId="{6BD92137-2C65-49DE-B21E-A147DD137012}" dt="2017-09-03T23:00:44.441" v="714" actId="2696"/>
+          <ac:inkMkLst>
+            <pc:docMk/>
+            <pc:sldMk cId="3544058874" sldId="261"/>
+            <ac:inkMk id="11" creationId="{DA47A4BA-CF9E-4E44-9B3E-18747CED455C}"/>
+          </ac:inkMkLst>
+        </pc:inkChg>
+        <pc:inkChg chg="add del">
+          <ac:chgData name="Ryan Klugman" userId="670d81e9-7bea-4656-8ed9-82a65e9ee468" providerId="ADAL" clId="{6BD92137-2C65-49DE-B21E-A147DD137012}" dt="2017-09-03T23:01:30.705" v="726" actId="2696"/>
+          <ac:inkMkLst>
+            <pc:docMk/>
+            <pc:sldMk cId="3544058874" sldId="261"/>
+            <ac:inkMk id="12" creationId="{31AA2E85-333B-4EB6-95FF-C37D51432DC7}"/>
+          </ac:inkMkLst>
+        </pc:inkChg>
+        <pc:inkChg chg="add del">
+          <ac:chgData name="Ryan Klugman" userId="670d81e9-7bea-4656-8ed9-82a65e9ee468" providerId="ADAL" clId="{6BD92137-2C65-49DE-B21E-A147DD137012}" dt="2017-09-03T23:01:30.464" v="725" actId="2696"/>
+          <ac:inkMkLst>
+            <pc:docMk/>
+            <pc:sldMk cId="3544058874" sldId="261"/>
+            <ac:inkMk id="13" creationId="{C318C25B-F647-44C9-A114-A51371E22F50}"/>
+          </ac:inkMkLst>
+        </pc:inkChg>
+        <pc:inkChg chg="add del">
+          <ac:chgData name="Ryan Klugman" userId="670d81e9-7bea-4656-8ed9-82a65e9ee468" providerId="ADAL" clId="{6BD92137-2C65-49DE-B21E-A147DD137012}" dt="2017-09-03T23:01:30.267" v="724" actId="2696"/>
+          <ac:inkMkLst>
+            <pc:docMk/>
+            <pc:sldMk cId="3544058874" sldId="261"/>
+            <ac:inkMk id="14" creationId="{2CC4F263-D299-46ED-8FD5-E173C7AA08D9}"/>
+          </ac:inkMkLst>
+        </pc:inkChg>
+        <pc:inkChg chg="add del">
+          <ac:chgData name="Ryan Klugman" userId="670d81e9-7bea-4656-8ed9-82a65e9ee468" providerId="ADAL" clId="{6BD92137-2C65-49DE-B21E-A147DD137012}" dt="2017-09-03T23:01:22.566" v="722" actId="2696"/>
+          <ac:inkMkLst>
+            <pc:docMk/>
+            <pc:sldMk cId="3544058874" sldId="261"/>
+            <ac:inkMk id="15" creationId="{128BB03E-863F-4E31-9308-244C4F500182}"/>
+          </ac:inkMkLst>
+        </pc:inkChg>
+        <pc:inkChg chg="add del">
+          <ac:chgData name="Ryan Klugman" userId="670d81e9-7bea-4656-8ed9-82a65e9ee468" providerId="ADAL" clId="{6BD92137-2C65-49DE-B21E-A147DD137012}" dt="2017-09-03T23:01:30.070" v="723" actId="2696"/>
+          <ac:inkMkLst>
+            <pc:docMk/>
+            <pc:sldMk cId="3544058874" sldId="261"/>
+            <ac:inkMk id="16" creationId="{76FE2C32-3FF8-4A14-A4CD-4FEEAF9B2087}"/>
+          </ac:inkMkLst>
+        </pc:inkChg>
+        <pc:inkChg chg="add">
+          <ac:chgData name="Ryan Klugman" userId="670d81e9-7bea-4656-8ed9-82a65e9ee468" providerId="ADAL" clId="{6BD92137-2C65-49DE-B21E-A147DD137012}" dt="2017-09-03T23:01:22.566" v="722" actId="2696"/>
+          <ac:inkMkLst>
+            <pc:docMk/>
+            <pc:sldMk cId="3544058874" sldId="261"/>
+            <ac:inkMk id="17" creationId="{348C6D42-518C-42DC-8574-4C14CEF5350D}"/>
+          </ac:inkMkLst>
+        </pc:inkChg>
+        <pc:inkChg chg="add del">
+          <ac:chgData name="Ryan Klugman" userId="670d81e9-7bea-4656-8ed9-82a65e9ee468" providerId="ADAL" clId="{6BD92137-2C65-49DE-B21E-A147DD137012}" dt="2017-09-03T23:04:21.372" v="756" actId="2696"/>
+          <ac:inkMkLst>
+            <pc:docMk/>
+            <pc:sldMk cId="3544058874" sldId="261"/>
+            <ac:inkMk id="24" creationId="{9ACC488B-C528-498A-B21F-FBCEF54F42D6}"/>
+          </ac:inkMkLst>
+        </pc:inkChg>
+        <pc:inkChg chg="add del">
+          <ac:chgData name="Ryan Klugman" userId="670d81e9-7bea-4656-8ed9-82a65e9ee468" providerId="ADAL" clId="{6BD92137-2C65-49DE-B21E-A147DD137012}" dt="2017-09-03T23:04:36.684" v="793" actId="2696"/>
+          <ac:inkMkLst>
+            <pc:docMk/>
+            <pc:sldMk cId="3544058874" sldId="261"/>
+            <ac:inkMk id="25" creationId="{2A4F269C-9423-4AF2-9388-9A98E4DA678F}"/>
+          </ac:inkMkLst>
+        </pc:inkChg>
+        <pc:inkChg chg="add del">
+          <ac:chgData name="Ryan Klugman" userId="670d81e9-7bea-4656-8ed9-82a65e9ee468" providerId="ADAL" clId="{6BD92137-2C65-49DE-B21E-A147DD137012}" dt="2017-09-03T23:04:36.206" v="792" actId="2696"/>
+          <ac:inkMkLst>
+            <pc:docMk/>
+            <pc:sldMk cId="3544058874" sldId="261"/>
+            <ac:inkMk id="26" creationId="{088C560F-412B-4E5F-9755-1DBDB428B46A}"/>
+          </ac:inkMkLst>
+        </pc:inkChg>
+        <pc:inkChg chg="add del">
+          <ac:chgData name="Ryan Klugman" userId="670d81e9-7bea-4656-8ed9-82a65e9ee468" providerId="ADAL" clId="{6BD92137-2C65-49DE-B21E-A147DD137012}" dt="2017-09-03T23:04:26.540" v="761" actId="2696"/>
+          <ac:inkMkLst>
+            <pc:docMk/>
+            <pc:sldMk cId="3544058874" sldId="261"/>
+            <ac:inkMk id="27" creationId="{D24B56F5-6663-4498-BF01-FE76CD55BA8D}"/>
+          </ac:inkMkLst>
+        </pc:inkChg>
+        <pc:inkChg chg="add del">
+          <ac:chgData name="Ryan Klugman" userId="670d81e9-7bea-4656-8ed9-82a65e9ee468" providerId="ADAL" clId="{6BD92137-2C65-49DE-B21E-A147DD137012}" dt="2017-09-03T23:04:35.731" v="791" actId="2696"/>
+          <ac:inkMkLst>
+            <pc:docMk/>
+            <pc:sldMk cId="3544058874" sldId="261"/>
+            <ac:inkMk id="28" creationId="{18A8436F-A11A-4AFE-A53D-F4FC045C1EF3}"/>
+          </ac:inkMkLst>
+        </pc:inkChg>
+        <pc:inkChg chg="add del">
+          <ac:chgData name="Ryan Klugman" userId="670d81e9-7bea-4656-8ed9-82a65e9ee468" providerId="ADAL" clId="{6BD92137-2C65-49DE-B21E-A147DD137012}" dt="2017-09-03T23:04:27.017" v="764" actId="2696"/>
+          <ac:inkMkLst>
+            <pc:docMk/>
+            <pc:sldMk cId="3544058874" sldId="261"/>
+            <ac:inkMk id="29" creationId="{C1A39227-AB25-4582-9981-1281B398D994}"/>
+          </ac:inkMkLst>
+        </pc:inkChg>
+        <pc:inkChg chg="add del">
+          <ac:chgData name="Ryan Klugman" userId="670d81e9-7bea-4656-8ed9-82a65e9ee468" providerId="ADAL" clId="{6BD92137-2C65-49DE-B21E-A147DD137012}" dt="2017-09-03T23:04:35.454" v="790" actId="2696"/>
+          <ac:inkMkLst>
+            <pc:docMk/>
+            <pc:sldMk cId="3544058874" sldId="261"/>
+            <ac:inkMk id="30" creationId="{FA88A3DD-4DCA-4CDF-BBCD-F58F84E4CD00}"/>
+          </ac:inkMkLst>
+        </pc:inkChg>
+        <pc:inkChg chg="add del">
+          <ac:chgData name="Ryan Klugman" userId="670d81e9-7bea-4656-8ed9-82a65e9ee468" providerId="ADAL" clId="{6BD92137-2C65-49DE-B21E-A147DD137012}" dt="2017-09-03T23:04:35.122" v="789" actId="2696"/>
+          <ac:inkMkLst>
+            <pc:docMk/>
+            <pc:sldMk cId="3544058874" sldId="261"/>
+            <ac:inkMk id="31" creationId="{55B6416C-535D-40D2-995F-AD21D0CF202B}"/>
+          </ac:inkMkLst>
+        </pc:inkChg>
+        <pc:inkChg chg="add del">
+          <ac:chgData name="Ryan Klugman" userId="670d81e9-7bea-4656-8ed9-82a65e9ee468" providerId="ADAL" clId="{6BD92137-2C65-49DE-B21E-A147DD137012}" dt="2017-09-03T23:04:27.496" v="767" actId="2696"/>
+          <ac:inkMkLst>
+            <pc:docMk/>
+            <pc:sldMk cId="3544058874" sldId="261"/>
+            <ac:inkMk id="32" creationId="{84A6DAA6-B4B3-4C18-98C8-0316B4F31E19}"/>
+          </ac:inkMkLst>
+        </pc:inkChg>
+        <pc:inkChg chg="add del">
+          <ac:chgData name="Ryan Klugman" userId="670d81e9-7bea-4656-8ed9-82a65e9ee468" providerId="ADAL" clId="{6BD92137-2C65-49DE-B21E-A147DD137012}" dt="2017-09-03T23:04:34.806" v="788" actId="2696"/>
+          <ac:inkMkLst>
+            <pc:docMk/>
+            <pc:sldMk cId="3544058874" sldId="261"/>
+            <ac:inkMk id="33" creationId="{18259453-0411-467F-B8F9-4CD2EF6E5D30}"/>
+          </ac:inkMkLst>
+        </pc:inkChg>
+        <pc:inkChg chg="add del">
+          <ac:chgData name="Ryan Klugman" userId="670d81e9-7bea-4656-8ed9-82a65e9ee468" providerId="ADAL" clId="{6BD92137-2C65-49DE-B21E-A147DD137012}" dt="2017-09-03T23:04:34.437" v="787" actId="2696"/>
+          <ac:inkMkLst>
+            <pc:docMk/>
+            <pc:sldMk cId="3544058874" sldId="261"/>
+            <ac:inkMk id="34" creationId="{5B02D45E-8932-44CB-92F1-4A19B965A1DD}"/>
+          </ac:inkMkLst>
+        </pc:inkChg>
+        <pc:inkChg chg="add">
+          <ac:chgData name="Ryan Klugman" userId="670d81e9-7bea-4656-8ed9-82a65e9ee468" providerId="ADAL" clId="{6BD92137-2C65-49DE-B21E-A147DD137012}" dt="2017-09-03T23:04:27.496" v="767" actId="2696"/>
+          <ac:inkMkLst>
+            <pc:docMk/>
+            <pc:sldMk cId="3544058874" sldId="261"/>
+            <ac:inkMk id="35" creationId="{C5845D4C-5495-4293-BAAA-AD964F69F8CB}"/>
+          </ac:inkMkLst>
+        </pc:inkChg>
+        <pc:inkChg chg="add del">
+          <ac:chgData name="Ryan Klugman" userId="670d81e9-7bea-4656-8ed9-82a65e9ee468" providerId="ADAL" clId="{6BD92137-2C65-49DE-B21E-A147DD137012}" dt="2017-09-03T23:04:34.118" v="786" actId="2696"/>
+          <ac:inkMkLst>
+            <pc:docMk/>
+            <pc:sldMk cId="3544058874" sldId="261"/>
+            <ac:inkMk id="36" creationId="{FC836C01-E55E-4260-827F-600FE3DC7C39}"/>
+          </ac:inkMkLst>
+        </pc:inkChg>
+        <pc:inkChg chg="add del">
+          <ac:chgData name="Ryan Klugman" userId="670d81e9-7bea-4656-8ed9-82a65e9ee468" providerId="ADAL" clId="{6BD92137-2C65-49DE-B21E-A147DD137012}" dt="2017-09-03T23:04:33.747" v="785" actId="2696"/>
+          <ac:inkMkLst>
+            <pc:docMk/>
+            <pc:sldMk cId="3544058874" sldId="261"/>
+            <ac:inkMk id="37" creationId="{752AB44F-9C76-4B25-B194-8B080A8EA261}"/>
+          </ac:inkMkLst>
+        </pc:inkChg>
+        <pc:inkChg chg="add del">
+          <ac:chgData name="Ryan Klugman" userId="670d81e9-7bea-4656-8ed9-82a65e9ee468" providerId="ADAL" clId="{6BD92137-2C65-49DE-B21E-A147DD137012}" dt="2017-09-03T23:04:29.685" v="772" actId="2696"/>
+          <ac:inkMkLst>
+            <pc:docMk/>
+            <pc:sldMk cId="3544058874" sldId="261"/>
+            <ac:inkMk id="38" creationId="{48987980-B3A4-44B8-B42A-D53CF3B39436}"/>
+          </ac:inkMkLst>
+        </pc:inkChg>
+        <pc:inkChg chg="add del">
+          <ac:chgData name="Ryan Klugman" userId="670d81e9-7bea-4656-8ed9-82a65e9ee468" providerId="ADAL" clId="{6BD92137-2C65-49DE-B21E-A147DD137012}" dt="2017-09-03T23:04:33.491" v="784" actId="2696"/>
+          <ac:inkMkLst>
+            <pc:docMk/>
+            <pc:sldMk cId="3544058874" sldId="261"/>
+            <ac:inkMk id="39" creationId="{404A46AF-9250-456D-92B5-D826804F636F}"/>
+          </ac:inkMkLst>
+        </pc:inkChg>
+        <pc:inkChg chg="add del">
+          <ac:chgData name="Ryan Klugman" userId="670d81e9-7bea-4656-8ed9-82a65e9ee468" providerId="ADAL" clId="{6BD92137-2C65-49DE-B21E-A147DD137012}" dt="2017-09-03T23:04:30.229" v="774" actId="2696"/>
+          <ac:inkMkLst>
+            <pc:docMk/>
+            <pc:sldMk cId="3544058874" sldId="261"/>
+            <ac:inkMk id="40" creationId="{30EDBB6D-C540-4962-BB04-0CC512C1D58A}"/>
+          </ac:inkMkLst>
+        </pc:inkChg>
+        <pc:inkChg chg="add del">
+          <ac:chgData name="Ryan Klugman" userId="670d81e9-7bea-4656-8ed9-82a65e9ee468" providerId="ADAL" clId="{6BD92137-2C65-49DE-B21E-A147DD137012}" dt="2017-09-03T23:04:33.244" v="783" actId="2696"/>
+          <ac:inkMkLst>
+            <pc:docMk/>
+            <pc:sldMk cId="3544058874" sldId="261"/>
+            <ac:inkMk id="41" creationId="{00D7EB01-B52C-4111-B63E-7FB8F3596778}"/>
+          </ac:inkMkLst>
+        </pc:inkChg>
+        <pc:inkChg chg="add del">
+          <ac:chgData name="Ryan Klugman" userId="670d81e9-7bea-4656-8ed9-82a65e9ee468" providerId="ADAL" clId="{6BD92137-2C65-49DE-B21E-A147DD137012}" dt="2017-09-03T23:04:30.809" v="776" actId="2696"/>
+          <ac:inkMkLst>
+            <pc:docMk/>
+            <pc:sldMk cId="3544058874" sldId="261"/>
+            <ac:inkMk id="42" creationId="{B2D1320D-06D2-437C-8996-60AF2A839255}"/>
+          </ac:inkMkLst>
+        </pc:inkChg>
+        <pc:inkChg chg="add del">
+          <ac:chgData name="Ryan Klugman" userId="670d81e9-7bea-4656-8ed9-82a65e9ee468" providerId="ADAL" clId="{6BD92137-2C65-49DE-B21E-A147DD137012}" dt="2017-09-03T23:04:33.050" v="782" actId="2696"/>
+          <ac:inkMkLst>
+            <pc:docMk/>
+            <pc:sldMk cId="3544058874" sldId="261"/>
+            <ac:inkMk id="43" creationId="{365CE7C5-1CE4-421E-8669-A3FBCC4B2992}"/>
+          </ac:inkMkLst>
+        </pc:inkChg>
+        <pc:inkChg chg="add del">
+          <ac:chgData name="Ryan Klugman" userId="670d81e9-7bea-4656-8ed9-82a65e9ee468" providerId="ADAL" clId="{6BD92137-2C65-49DE-B21E-A147DD137012}" dt="2017-09-03T23:04:31.339" v="779" actId="2696"/>
+          <ac:inkMkLst>
+            <pc:docMk/>
+            <pc:sldMk cId="3544058874" sldId="261"/>
+            <ac:inkMk id="44" creationId="{B6F2C6BB-49D9-4E42-B0F0-D6E574D1E6DF}"/>
+          </ac:inkMkLst>
+        </pc:inkChg>
+        <pc:inkChg chg="add del">
+          <ac:chgData name="Ryan Klugman" userId="670d81e9-7bea-4656-8ed9-82a65e9ee468" providerId="ADAL" clId="{6BD92137-2C65-49DE-B21E-A147DD137012}" dt="2017-09-03T23:04:32.857" v="781" actId="2696"/>
+          <ac:inkMkLst>
+            <pc:docMk/>
+            <pc:sldMk cId="3544058874" sldId="261"/>
+            <ac:inkMk id="45" creationId="{7AE76171-171F-41BF-BB25-8F5AE31B1493}"/>
+          </ac:inkMkLst>
+        </pc:inkChg>
+        <pc:inkChg chg="add del">
+          <ac:chgData name="Ryan Klugman" userId="670d81e9-7bea-4656-8ed9-82a65e9ee468" providerId="ADAL" clId="{6BD92137-2C65-49DE-B21E-A147DD137012}" dt="2017-09-03T23:04:32.475" v="780" actId="2696"/>
+          <ac:inkMkLst>
+            <pc:docMk/>
+            <pc:sldMk cId="3544058874" sldId="261"/>
+            <ac:inkMk id="46" creationId="{CE61931F-6B32-4EAB-9B02-67D0B9AEADC6}"/>
+          </ac:inkMkLst>
+        </pc:inkChg>
+        <pc:inkChg chg="add">
+          <ac:chgData name="Ryan Klugman" userId="670d81e9-7bea-4656-8ed9-82a65e9ee468" providerId="ADAL" clId="{6BD92137-2C65-49DE-B21E-A147DD137012}" dt="2017-09-03T23:04:31.339" v="779" actId="2696"/>
+          <ac:inkMkLst>
+            <pc:docMk/>
+            <pc:sldMk cId="3544058874" sldId="261"/>
+            <ac:inkMk id="47" creationId="{9A25516E-6A41-47FA-9D42-909301AEED20}"/>
+          </ac:inkMkLst>
+        </pc:inkChg>
+        <pc:inkChg chg="add del">
+          <ac:chgData name="Ryan Klugman" userId="670d81e9-7bea-4656-8ed9-82a65e9ee468" providerId="ADAL" clId="{6BD92137-2C65-49DE-B21E-A147DD137012}" dt="2017-09-03T23:05:14.091" v="820" actId="2696"/>
+          <ac:inkMkLst>
+            <pc:docMk/>
+            <pc:sldMk cId="3544058874" sldId="261"/>
+            <ac:inkMk id="48" creationId="{4B16CF92-6C17-4FCE-9194-E1A8454E1A92}"/>
+          </ac:inkMkLst>
+        </pc:inkChg>
+        <pc:inkChg chg="add del">
+          <ac:chgData name="Ryan Klugman" userId="670d81e9-7bea-4656-8ed9-82a65e9ee468" providerId="ADAL" clId="{6BD92137-2C65-49DE-B21E-A147DD137012}" dt="2017-09-03T23:05:13.714" v="819" actId="2696"/>
+          <ac:inkMkLst>
+            <pc:docMk/>
+            <pc:sldMk cId="3544058874" sldId="261"/>
+            <ac:inkMk id="49" creationId="{1865B64B-9D64-4DEC-9584-698888461722}"/>
+          </ac:inkMkLst>
+        </pc:inkChg>
+        <pc:inkChg chg="add del">
+          <ac:chgData name="Ryan Klugman" userId="670d81e9-7bea-4656-8ed9-82a65e9ee468" providerId="ADAL" clId="{6BD92137-2C65-49DE-B21E-A147DD137012}" dt="2017-09-03T23:05:13.529" v="818" actId="2696"/>
+          <ac:inkMkLst>
+            <pc:docMk/>
+            <pc:sldMk cId="3544058874" sldId="261"/>
+            <ac:inkMk id="50" creationId="{8B379F98-83E2-4666-9625-C270E3415E7D}"/>
+          </ac:inkMkLst>
+        </pc:inkChg>
+        <pc:inkChg chg="add del">
+          <ac:chgData name="Ryan Klugman" userId="670d81e9-7bea-4656-8ed9-82a65e9ee468" providerId="ADAL" clId="{6BD92137-2C65-49DE-B21E-A147DD137012}" dt="2017-09-03T23:04:49.770" v="800" actId="2696"/>
+          <ac:inkMkLst>
+            <pc:docMk/>
+            <pc:sldMk cId="3544058874" sldId="261"/>
+            <ac:inkMk id="51" creationId="{7A41A778-F8AE-43E5-858D-DB83F7A6A1AA}"/>
+          </ac:inkMkLst>
+        </pc:inkChg>
+        <pc:inkChg chg="add del">
+          <ac:chgData name="Ryan Klugman" userId="670d81e9-7bea-4656-8ed9-82a65e9ee468" providerId="ADAL" clId="{6BD92137-2C65-49DE-B21E-A147DD137012}" dt="2017-09-03T23:05:13.329" v="817" actId="2696"/>
+          <ac:inkMkLst>
+            <pc:docMk/>
+            <pc:sldMk cId="3544058874" sldId="261"/>
+            <ac:inkMk id="52" creationId="{1AE5A2A5-3162-4B12-A788-2B8E9EE93E46}"/>
+          </ac:inkMkLst>
+        </pc:inkChg>
+        <pc:inkChg chg="add del">
+          <ac:chgData name="Ryan Klugman" userId="670d81e9-7bea-4656-8ed9-82a65e9ee468" providerId="ADAL" clId="{6BD92137-2C65-49DE-B21E-A147DD137012}" dt="2017-09-03T23:05:13.064" v="816" actId="2696"/>
+          <ac:inkMkLst>
+            <pc:docMk/>
+            <pc:sldMk cId="3544058874" sldId="261"/>
+            <ac:inkMk id="53" creationId="{E4B0531A-28F7-4000-8909-AD64492566DD}"/>
+          </ac:inkMkLst>
+        </pc:inkChg>
+        <pc:inkChg chg="add">
+          <ac:chgData name="Ryan Klugman" userId="670d81e9-7bea-4656-8ed9-82a65e9ee468" providerId="ADAL" clId="{6BD92137-2C65-49DE-B21E-A147DD137012}" dt="2017-09-03T23:04:49.770" v="800" actId="2696"/>
+          <ac:inkMkLst>
+            <pc:docMk/>
+            <pc:sldMk cId="3544058874" sldId="261"/>
+            <ac:inkMk id="54" creationId="{28E7A4E2-E4A7-42EC-ADCA-A9EB1F0681E3}"/>
+          </ac:inkMkLst>
+        </pc:inkChg>
+        <pc:inkChg chg="add del">
+          <ac:chgData name="Ryan Klugman" userId="670d81e9-7bea-4656-8ed9-82a65e9ee468" providerId="ADAL" clId="{6BD92137-2C65-49DE-B21E-A147DD137012}" dt="2017-09-03T23:04:59.522" v="815" actId="2696"/>
+          <ac:inkMkLst>
+            <pc:docMk/>
+            <pc:sldMk cId="3544058874" sldId="261"/>
+            <ac:inkMk id="55" creationId="{6FB4515F-C93B-4DF2-80AD-A4CD23CC8E1B}"/>
+          </ac:inkMkLst>
+        </pc:inkChg>
+        <pc:inkChg chg="add del">
+          <ac:chgData name="Ryan Klugman" userId="670d81e9-7bea-4656-8ed9-82a65e9ee468" providerId="ADAL" clId="{6BD92137-2C65-49DE-B21E-A147DD137012}" dt="2017-09-03T23:04:59.269" v="814" actId="2696"/>
+          <ac:inkMkLst>
+            <pc:docMk/>
+            <pc:sldMk cId="3544058874" sldId="261"/>
+            <ac:inkMk id="56" creationId="{78F269B1-FDDC-4DC0-B181-29294E5240FB}"/>
+          </ac:inkMkLst>
+        </pc:inkChg>
+        <pc:inkChg chg="add del">
+          <ac:chgData name="Ryan Klugman" userId="670d81e9-7bea-4656-8ed9-82a65e9ee468" providerId="ADAL" clId="{6BD92137-2C65-49DE-B21E-A147DD137012}" dt="2017-09-03T23:04:58.995" v="813" actId="2696"/>
+          <ac:inkMkLst>
+            <pc:docMk/>
+            <pc:sldMk cId="3544058874" sldId="261"/>
+            <ac:inkMk id="57" creationId="{AAD0BB44-BF44-4351-A17B-CC5CC3C4A348}"/>
+          </ac:inkMkLst>
+        </pc:inkChg>
+        <pc:inkChg chg="add del">
+          <ac:chgData name="Ryan Klugman" userId="670d81e9-7bea-4656-8ed9-82a65e9ee468" providerId="ADAL" clId="{6BD92137-2C65-49DE-B21E-A147DD137012}" dt="2017-09-03T23:04:58.639" v="812" actId="2696"/>
+          <ac:inkMkLst>
+            <pc:docMk/>
+            <pc:sldMk cId="3544058874" sldId="261"/>
+            <ac:inkMk id="58" creationId="{C72CA33C-5081-468D-BA89-44181B1DA136}"/>
+          </ac:inkMkLst>
+        </pc:inkChg>
+        <pc:inkChg chg="add del">
+          <ac:chgData name="Ryan Klugman" userId="670d81e9-7bea-4656-8ed9-82a65e9ee468" providerId="ADAL" clId="{6BD92137-2C65-49DE-B21E-A147DD137012}" dt="2017-09-03T23:04:56.548" v="807" actId="2696"/>
+          <ac:inkMkLst>
+            <pc:docMk/>
+            <pc:sldMk cId="3544058874" sldId="261"/>
+            <ac:inkMk id="59" creationId="{ED01F192-1DC8-4212-B837-23633450C35A}"/>
+          </ac:inkMkLst>
+        </pc:inkChg>
+        <pc:inkChg chg="add del">
+          <ac:chgData name="Ryan Klugman" userId="670d81e9-7bea-4656-8ed9-82a65e9ee468" providerId="ADAL" clId="{6BD92137-2C65-49DE-B21E-A147DD137012}" dt="2017-09-03T23:04:58.399" v="811" actId="2696"/>
+          <ac:inkMkLst>
+            <pc:docMk/>
+            <pc:sldMk cId="3544058874" sldId="261"/>
+            <ac:inkMk id="60" creationId="{90305C6E-0A2F-400E-8839-E2E1A8518017}"/>
+          </ac:inkMkLst>
+        </pc:inkChg>
+        <pc:inkChg chg="add del">
+          <ac:chgData name="Ryan Klugman" userId="670d81e9-7bea-4656-8ed9-82a65e9ee468" providerId="ADAL" clId="{6BD92137-2C65-49DE-B21E-A147DD137012}" dt="2017-09-03T23:04:57.270" v="809" actId="2696"/>
+          <ac:inkMkLst>
+            <pc:docMk/>
+            <pc:sldMk cId="3544058874" sldId="261"/>
+            <ac:inkMk id="61" creationId="{0D6DC5CC-36EE-4C4A-BA2B-560243F48670}"/>
+          </ac:inkMkLst>
+        </pc:inkChg>
+        <pc:inkChg chg="add del">
+          <ac:chgData name="Ryan Klugman" userId="670d81e9-7bea-4656-8ed9-82a65e9ee468" providerId="ADAL" clId="{6BD92137-2C65-49DE-B21E-A147DD137012}" dt="2017-09-03T23:04:58.141" v="810" actId="2696"/>
+          <ac:inkMkLst>
+            <pc:docMk/>
+            <pc:sldMk cId="3544058874" sldId="261"/>
+            <ac:inkMk id="62" creationId="{4207AC45-2088-42D5-9308-CA5282C0F96E}"/>
+          </ac:inkMkLst>
+        </pc:inkChg>
+        <pc:inkChg chg="add">
+          <ac:chgData name="Ryan Klugman" userId="670d81e9-7bea-4656-8ed9-82a65e9ee468" providerId="ADAL" clId="{6BD92137-2C65-49DE-B21E-A147DD137012}" dt="2017-09-03T23:04:57.270" v="809" actId="2696"/>
+          <ac:inkMkLst>
+            <pc:docMk/>
+            <pc:sldMk cId="3544058874" sldId="261"/>
+            <ac:inkMk id="63" creationId="{48AF041E-6DD8-41F3-B5CE-05208CBFA593}"/>
+          </ac:inkMkLst>
+        </pc:inkChg>
+        <pc:cxnChg chg="add mod">
+          <ac:chgData name="Ryan Klugman" userId="670d81e9-7bea-4656-8ed9-82a65e9ee468" providerId="ADAL" clId="{6BD92137-2C65-49DE-B21E-A147DD137012}" dt="2017-09-03T23:05:33.005" v="823" actId="1582"/>
+          <ac:cxnSpMkLst>
+            <pc:docMk/>
+            <pc:sldMk cId="3544058874" sldId="261"/>
+            <ac:cxnSpMk id="65" creationId="{70FB9C09-C5BF-4A27-86F8-5B7F2CC0C687}"/>
+          </ac:cxnSpMkLst>
+        </pc:cxnChg>
+        <pc:cxnChg chg="add mod">
+          <ac:chgData name="Ryan Klugman" userId="670d81e9-7bea-4656-8ed9-82a65e9ee468" providerId="ADAL" clId="{6BD92137-2C65-49DE-B21E-A147DD137012}" dt="2017-09-03T23:06:34.236" v="831" actId="1076"/>
+          <ac:cxnSpMkLst>
+            <pc:docMk/>
+            <pc:sldMk cId="3544058874" sldId="261"/>
+            <ac:cxnSpMk id="66" creationId="{76A17D14-37DB-453D-8098-0AED21536517}"/>
+          </ac:cxnSpMkLst>
+        </pc:cxnChg>
+        <pc:cxnChg chg="add mod">
+          <ac:chgData name="Ryan Klugman" userId="670d81e9-7bea-4656-8ed9-82a65e9ee468" providerId="ADAL" clId="{6BD92137-2C65-49DE-B21E-A147DD137012}" dt="2017-09-03T23:06:32.982" v="830" actId="1076"/>
+          <ac:cxnSpMkLst>
+            <pc:docMk/>
+            <pc:sldMk cId="3544058874" sldId="261"/>
+            <ac:cxnSpMk id="67" creationId="{348B670F-9A0B-4665-AE9C-5D7AE2205373}"/>
+          </ac:cxnSpMkLst>
+        </pc:cxnChg>
+        <pc:cxnChg chg="add mod">
+          <ac:chgData name="Ryan Klugman" userId="670d81e9-7bea-4656-8ed9-82a65e9ee468" providerId="ADAL" clId="{6BD92137-2C65-49DE-B21E-A147DD137012}" dt="2017-09-03T23:09:05.919" v="864" actId="14100"/>
+          <ac:cxnSpMkLst>
+            <pc:docMk/>
+            <pc:sldMk cId="3544058874" sldId="261"/>
+            <ac:cxnSpMk id="71" creationId="{600CA548-52B4-4D8E-A90A-1B0ABDD96C28}"/>
+          </ac:cxnSpMkLst>
+        </pc:cxnChg>
+        <pc:cxnChg chg="add del mod">
+          <ac:chgData name="Ryan Klugman" userId="670d81e9-7bea-4656-8ed9-82a65e9ee468" providerId="ADAL" clId="{6BD92137-2C65-49DE-B21E-A147DD137012}" dt="2017-09-03T23:08:32.131" v="857" actId="2696"/>
+          <ac:cxnSpMkLst>
+            <pc:docMk/>
+            <pc:sldMk cId="3544058874" sldId="261"/>
+            <ac:cxnSpMk id="74" creationId="{87C2E82D-25C4-49D8-AFAF-5768A5515C2D}"/>
+          </ac:cxnSpMkLst>
+        </pc:cxnChg>
+        <pc:cxnChg chg="add del mod">
+          <ac:chgData name="Ryan Klugman" userId="670d81e9-7bea-4656-8ed9-82a65e9ee468" providerId="ADAL" clId="{6BD92137-2C65-49DE-B21E-A147DD137012}" dt="2017-09-03T23:08:39.694" v="859" actId="2696"/>
+          <ac:cxnSpMkLst>
+            <pc:docMk/>
+            <pc:sldMk cId="3544058874" sldId="261"/>
+            <ac:cxnSpMk id="76" creationId="{8F1F2433-872B-4AD8-A98C-2F80B8747840}"/>
+          </ac:cxnSpMkLst>
+        </pc:cxnChg>
+        <pc:cxnChg chg="add mod">
+          <ac:chgData name="Ryan Klugman" userId="670d81e9-7bea-4656-8ed9-82a65e9ee468" providerId="ADAL" clId="{6BD92137-2C65-49DE-B21E-A147DD137012}" dt="2017-09-03T23:09:16.129" v="868" actId="14100"/>
+          <ac:cxnSpMkLst>
+            <pc:docMk/>
+            <pc:sldMk cId="3544058874" sldId="261"/>
+            <ac:cxnSpMk id="79" creationId="{7680DD05-8FCA-483D-9B3E-D30F1E358F23}"/>
+          </ac:cxnSpMkLst>
+        </pc:cxnChg>
+      </pc:sldChg>
+      <pc:sldChg chg="add del">
+        <pc:chgData name="Ryan Klugman" userId="670d81e9-7bea-4656-8ed9-82a65e9ee468" providerId="ADAL" clId="{6BD92137-2C65-49DE-B21E-A147DD137012}" dt="2017-09-03T23:28:00.362" v="1340" actId="2696"/>
+        <pc:sldMkLst>
+          <pc:docMk/>
+          <pc:sldMk cId="692235979" sldId="262"/>
+        </pc:sldMkLst>
+      </pc:sldChg>
+      <pc:sldChg chg="modSp add">
+        <pc:chgData name="Ryan Klugman" userId="670d81e9-7bea-4656-8ed9-82a65e9ee468" providerId="ADAL" clId="{6BD92137-2C65-49DE-B21E-A147DD137012}" dt="2017-09-04T01:23:42.735" v="2613" actId="20577"/>
+        <pc:sldMkLst>
+          <pc:docMk/>
+          <pc:sldMk cId="1948289515" sldId="263"/>
+        </pc:sldMkLst>
+        <pc:spChg chg="mod">
+          <ac:chgData name="Ryan Klugman" userId="670d81e9-7bea-4656-8ed9-82a65e9ee468" providerId="ADAL" clId="{6BD92137-2C65-49DE-B21E-A147DD137012}" dt="2017-09-04T01:23:42.735" v="2613" actId="20577"/>
+          <ac:spMkLst>
+            <pc:docMk/>
+            <pc:sldMk cId="1948289515" sldId="263"/>
+            <ac:spMk id="2" creationId="{E03CE05D-C3DA-47CC-AC1F-8C674769EC66}"/>
+          </ac:spMkLst>
+        </pc:spChg>
+        <pc:spChg chg="mod">
+          <ac:chgData name="Ryan Klugman" userId="670d81e9-7bea-4656-8ed9-82a65e9ee468" providerId="ADAL" clId="{6BD92137-2C65-49DE-B21E-A147DD137012}" dt="2017-09-03T23:20:25.539" v="1133" actId="20577"/>
+          <ac:spMkLst>
+            <pc:docMk/>
+            <pc:sldMk cId="1948289515" sldId="263"/>
+            <ac:spMk id="3" creationId="{7E5726A0-0EE0-4D5E-8ABB-50D864C4AA11}"/>
+          </ac:spMkLst>
+        </pc:spChg>
+      </pc:sldChg>
+      <pc:sldChg chg="modSp add">
+        <pc:chgData name="Ryan Klugman" userId="670d81e9-7bea-4656-8ed9-82a65e9ee468" providerId="ADAL" clId="{6BD92137-2C65-49DE-B21E-A147DD137012}" dt="2017-09-03T23:26:06.358" v="1276" actId="20577"/>
+        <pc:sldMkLst>
+          <pc:docMk/>
+          <pc:sldMk cId="1191827598" sldId="264"/>
+        </pc:sldMkLst>
+        <pc:spChg chg="mod">
+          <ac:chgData name="Ryan Klugman" userId="670d81e9-7bea-4656-8ed9-82a65e9ee468" providerId="ADAL" clId="{6BD92137-2C65-49DE-B21E-A147DD137012}" dt="2017-09-03T23:25:49.042" v="1248" actId="20577"/>
+          <ac:spMkLst>
+            <pc:docMk/>
+            <pc:sldMk cId="1191827598" sldId="264"/>
+            <ac:spMk id="2" creationId="{E03CE05D-C3DA-47CC-AC1F-8C674769EC66}"/>
+          </ac:spMkLst>
+        </pc:spChg>
+        <pc:spChg chg="mod">
+          <ac:chgData name="Ryan Klugman" userId="670d81e9-7bea-4656-8ed9-82a65e9ee468" providerId="ADAL" clId="{6BD92137-2C65-49DE-B21E-A147DD137012}" dt="2017-09-03T23:26:06.358" v="1276" actId="20577"/>
+          <ac:spMkLst>
+            <pc:docMk/>
+            <pc:sldMk cId="1191827598" sldId="264"/>
+            <ac:spMk id="3" creationId="{7E5726A0-0EE0-4D5E-8ABB-50D864C4AA11}"/>
+          </ac:spMkLst>
+        </pc:spChg>
+      </pc:sldChg>
+      <pc:sldChg chg="modSp add">
+        <pc:chgData name="Ryan Klugman" userId="670d81e9-7bea-4656-8ed9-82a65e9ee468" providerId="ADAL" clId="{6BD92137-2C65-49DE-B21E-A147DD137012}" dt="2017-09-04T01:23:54.962" v="2619" actId="20577"/>
+        <pc:sldMkLst>
+          <pc:docMk/>
+          <pc:sldMk cId="3887823411" sldId="265"/>
+        </pc:sldMkLst>
+        <pc:spChg chg="mod">
+          <ac:chgData name="Ryan Klugman" userId="670d81e9-7bea-4656-8ed9-82a65e9ee468" providerId="ADAL" clId="{6BD92137-2C65-49DE-B21E-A147DD137012}" dt="2017-09-04T01:23:54.962" v="2619" actId="20577"/>
+          <ac:spMkLst>
+            <pc:docMk/>
+            <pc:sldMk cId="3887823411" sldId="265"/>
+            <ac:spMk id="2" creationId="{E03CE05D-C3DA-47CC-AC1F-8C674769EC66}"/>
+          </ac:spMkLst>
+        </pc:spChg>
+        <pc:spChg chg="mod">
+          <ac:chgData name="Ryan Klugman" userId="670d81e9-7bea-4656-8ed9-82a65e9ee468" providerId="ADAL" clId="{6BD92137-2C65-49DE-B21E-A147DD137012}" dt="2017-09-03T23:27:46.813" v="1339" actId="20577"/>
+          <ac:spMkLst>
+            <pc:docMk/>
+            <pc:sldMk cId="3887823411" sldId="265"/>
+            <ac:spMk id="3" creationId="{7E5726A0-0EE0-4D5E-8ABB-50D864C4AA11}"/>
+          </ac:spMkLst>
+        </pc:spChg>
+      </pc:sldChg>
+      <pc:sldChg chg="modSp add del ord">
+        <pc:chgData name="Ryan Klugman" userId="670d81e9-7bea-4656-8ed9-82a65e9ee468" providerId="ADAL" clId="{6BD92137-2C65-49DE-B21E-A147DD137012}" dt="2017-09-03T23:30:57.279" v="1503" actId="2696"/>
+        <pc:sldMkLst>
+          <pc:docMk/>
+          <pc:sldMk cId="4150448887" sldId="266"/>
+        </pc:sldMkLst>
+        <pc:spChg chg="mod">
+          <ac:chgData name="Ryan Klugman" userId="670d81e9-7bea-4656-8ed9-82a65e9ee468" providerId="ADAL" clId="{6BD92137-2C65-49DE-B21E-A147DD137012}" dt="2017-09-03T23:30:47.272" v="1501" actId="20577"/>
+          <ac:spMkLst>
+            <pc:docMk/>
+            <pc:sldMk cId="4150448887" sldId="266"/>
+            <ac:spMk id="2" creationId="{E03CE05D-C3DA-47CC-AC1F-8C674769EC66}"/>
+          </ac:spMkLst>
+        </pc:spChg>
+      </pc:sldChg>
+      <pc:sldChg chg="addSp modSp add modAnim">
+        <pc:chgData name="Ryan Klugman" userId="670d81e9-7bea-4656-8ed9-82a65e9ee468" providerId="ADAL" clId="{6BD92137-2C65-49DE-B21E-A147DD137012}" dt="2017-09-04T01:13:56.518" v="2510" actId="20577"/>
+        <pc:sldMkLst>
+          <pc:docMk/>
+          <pc:sldMk cId="1016004100" sldId="267"/>
+        </pc:sldMkLst>
+        <pc:spChg chg="mod">
+          <ac:chgData name="Ryan Klugman" userId="670d81e9-7bea-4656-8ed9-82a65e9ee468" providerId="ADAL" clId="{6BD92137-2C65-49DE-B21E-A147DD137012}" dt="2017-09-03T23:37:21.857" v="1819" actId="20577"/>
+          <ac:spMkLst>
+            <pc:docMk/>
+            <pc:sldMk cId="1016004100" sldId="267"/>
+            <ac:spMk id="2" creationId="{E03CE05D-C3DA-47CC-AC1F-8C674769EC66}"/>
+          </ac:spMkLst>
+        </pc:spChg>
+        <pc:spChg chg="mod">
+          <ac:chgData name="Ryan Klugman" userId="670d81e9-7bea-4656-8ed9-82a65e9ee468" providerId="ADAL" clId="{6BD92137-2C65-49DE-B21E-A147DD137012}" dt="2017-09-04T01:13:56.518" v="2510" actId="20577"/>
+          <ac:spMkLst>
+            <pc:docMk/>
+            <pc:sldMk cId="1016004100" sldId="267"/>
+            <ac:spMk id="3" creationId="{7E5726A0-0EE0-4D5E-8ABB-50D864C4AA11}"/>
+          </ac:spMkLst>
+        </pc:spChg>
+        <pc:picChg chg="add mod">
+          <ac:chgData name="Ryan Klugman" userId="670d81e9-7bea-4656-8ed9-82a65e9ee468" providerId="ADAL" clId="{6BD92137-2C65-49DE-B21E-A147DD137012}" dt="2017-09-03T23:36:55.817" v="1779" actId="1076"/>
+          <ac:picMkLst>
+            <pc:docMk/>
+            <pc:sldMk cId="1016004100" sldId="267"/>
+            <ac:picMk id="4" creationId="{12F9A7E7-D57B-4247-B9E5-E8FBDC1FD1B3}"/>
+          </ac:picMkLst>
+        </pc:picChg>
+      </pc:sldChg>
+      <pc:sldChg chg="modSp add ord">
+        <pc:chgData name="Ryan Klugman" userId="670d81e9-7bea-4656-8ed9-82a65e9ee468" providerId="ADAL" clId="{6BD92137-2C65-49DE-B21E-A147DD137012}" dt="2017-09-03T23:39:58.716" v="2044" actId="20577"/>
+        <pc:sldMkLst>
+          <pc:docMk/>
+          <pc:sldMk cId="302643827" sldId="268"/>
+        </pc:sldMkLst>
+        <pc:spChg chg="mod">
+          <ac:chgData name="Ryan Klugman" userId="670d81e9-7bea-4656-8ed9-82a65e9ee468" providerId="ADAL" clId="{6BD92137-2C65-49DE-B21E-A147DD137012}" dt="2017-09-03T23:39:58.716" v="2044" actId="20577"/>
+          <ac:spMkLst>
+            <pc:docMk/>
+            <pc:sldMk cId="302643827" sldId="268"/>
+            <ac:spMk id="2" creationId="{E03CE05D-C3DA-47CC-AC1F-8C674769EC66}"/>
+          </ac:spMkLst>
+        </pc:spChg>
+        <pc:spChg chg="mod">
+          <ac:chgData name="Ryan Klugman" userId="670d81e9-7bea-4656-8ed9-82a65e9ee468" providerId="ADAL" clId="{6BD92137-2C65-49DE-B21E-A147DD137012}" dt="2017-09-03T23:38:15.490" v="1837" actId="20577"/>
+          <ac:spMkLst>
+            <pc:docMk/>
+            <pc:sldMk cId="302643827" sldId="268"/>
+            <ac:spMk id="3" creationId="{7E5726A0-0EE0-4D5E-8ABB-50D864C4AA11}"/>
+          </ac:spMkLst>
+        </pc:spChg>
+      </pc:sldChg>
+      <pc:sldChg chg="addSp delSp modSp add">
+        <pc:chgData name="Ryan Klugman" userId="670d81e9-7bea-4656-8ed9-82a65e9ee468" providerId="ADAL" clId="{6BD92137-2C65-49DE-B21E-A147DD137012}" dt="2017-09-03T23:48:37.381" v="2331" actId="14100"/>
+        <pc:sldMkLst>
+          <pc:docMk/>
+          <pc:sldMk cId="2614139376" sldId="269"/>
+        </pc:sldMkLst>
+        <pc:spChg chg="del">
+          <ac:chgData name="Ryan Klugman" userId="670d81e9-7bea-4656-8ed9-82a65e9ee468" providerId="ADAL" clId="{6BD92137-2C65-49DE-B21E-A147DD137012}" dt="2017-09-03T23:42:40.685" v="2064" actId="478"/>
+          <ac:spMkLst>
+            <pc:docMk/>
+            <pc:sldMk cId="2614139376" sldId="269"/>
+            <ac:spMk id="2" creationId="{E03CE05D-C3DA-47CC-AC1F-8C674769EC66}"/>
+          </ac:spMkLst>
+        </pc:spChg>
+        <pc:spChg chg="mod">
+          <ac:chgData name="Ryan Klugman" userId="670d81e9-7bea-4656-8ed9-82a65e9ee468" providerId="ADAL" clId="{6BD92137-2C65-49DE-B21E-A147DD137012}" dt="2017-09-03T23:42:34.717" v="2063" actId="20577"/>
+          <ac:spMkLst>
+            <pc:docMk/>
+            <pc:sldMk cId="2614139376" sldId="269"/>
+            <ac:spMk id="3" creationId="{7E5726A0-0EE0-4D5E-8ABB-50D864C4AA11}"/>
+          </ac:spMkLst>
+        </pc:spChg>
+        <pc:spChg chg="add del mod">
+          <ac:chgData name="Ryan Klugman" userId="670d81e9-7bea-4656-8ed9-82a65e9ee468" providerId="ADAL" clId="{6BD92137-2C65-49DE-B21E-A147DD137012}" dt="2017-09-03T23:42:53.147" v="2071" actId="14100"/>
+          <ac:spMkLst>
+            <pc:docMk/>
+            <pc:sldMk cId="2614139376" sldId="269"/>
+            <ac:spMk id="5" creationId="{4B62CF24-2447-4ED5-B1CE-6B2A57AB2449}"/>
+          </ac:spMkLst>
+        </pc:spChg>
+        <pc:spChg chg="add del">
+          <ac:chgData name="Ryan Klugman" userId="670d81e9-7bea-4656-8ed9-82a65e9ee468" providerId="ADAL" clId="{6BD92137-2C65-49DE-B21E-A147DD137012}" dt="2017-09-03T23:42:44.702" v="2068" actId="14100"/>
+          <ac:spMkLst>
+            <pc:docMk/>
+            <pc:sldMk cId="2614139376" sldId="269"/>
+            <ac:spMk id="6" creationId="{85CA8D03-1BE0-43D9-B12E-9244259F20EA}"/>
+          </ac:spMkLst>
+        </pc:spChg>
+        <pc:spChg chg="add del">
+          <ac:chgData name="Ryan Klugman" userId="670d81e9-7bea-4656-8ed9-82a65e9ee468" providerId="ADAL" clId="{6BD92137-2C65-49DE-B21E-A147DD137012}" dt="2017-09-03T23:42:45.887" v="2070" actId="14100"/>
+          <ac:spMkLst>
+            <pc:docMk/>
+            <pc:sldMk cId="2614139376" sldId="269"/>
+            <ac:spMk id="7" creationId="{69EDAE6E-6E17-49A6-8453-9BE47453DA29}"/>
+          </ac:spMkLst>
+        </pc:spChg>
+        <pc:graphicFrameChg chg="add mod modGraphic">
+          <ac:chgData name="Ryan Klugman" userId="670d81e9-7bea-4656-8ed9-82a65e9ee468" providerId="ADAL" clId="{6BD92137-2C65-49DE-B21E-A147DD137012}" dt="2017-09-03T23:48:37.381" v="2331" actId="14100"/>
+          <ac:graphicFrameMkLst>
+            <pc:docMk/>
+            <pc:sldMk cId="2614139376" sldId="269"/>
+            <ac:graphicFrameMk id="8" creationId="{A89B464B-DA73-4449-8338-63B37CDC0533}"/>
+          </ac:graphicFrameMkLst>
+        </pc:graphicFrameChg>
+      </pc:sldChg>
+      <pc:sldChg chg="add ord">
+        <pc:chgData name="Ryan Klugman" userId="670d81e9-7bea-4656-8ed9-82a65e9ee468" providerId="ADAL" clId="{6BD92137-2C65-49DE-B21E-A147DD137012}" dt="2017-09-03T23:48:58.599" v="2333" actId="1076"/>
+        <pc:sldMkLst>
+          <pc:docMk/>
+          <pc:sldMk cId="1409169864" sldId="270"/>
+        </pc:sldMkLst>
+      </pc:sldChg>
+      <pc:sldMasterChg chg="modSp modSldLayout">
+        <pc:chgData name="Ryan Klugman" userId="670d81e9-7bea-4656-8ed9-82a65e9ee468" providerId="ADAL" clId="{6BD92137-2C65-49DE-B21E-A147DD137012}" dt="2017-09-03T22:54:45.204" v="522" actId="478"/>
+        <pc:sldMasterMkLst>
+          <pc:docMk/>
+          <pc:sldMasterMk cId="2480753860" sldId="2147483672"/>
+        </pc:sldMasterMkLst>
+        <pc:spChg chg="mod">
+          <ac:chgData name="Ryan Klugman" userId="670d81e9-7bea-4656-8ed9-82a65e9ee468" providerId="ADAL" clId="{6BD92137-2C65-49DE-B21E-A147DD137012}" dt="2017-09-03T22:54:45.204" v="522" actId="478"/>
+          <ac:spMkLst>
+            <pc:docMk/>
+            <pc:sldMasterMk cId="2480753860" sldId="2147483672"/>
+            <ac:spMk id="2" creationId="{00000000-0000-0000-0000-000000000000}"/>
+          </ac:spMkLst>
+        </pc:spChg>
+        <pc:spChg chg="mod">
+          <ac:chgData name="Ryan Klugman" userId="670d81e9-7bea-4656-8ed9-82a65e9ee468" providerId="ADAL" clId="{6BD92137-2C65-49DE-B21E-A147DD137012}" dt="2017-09-03T22:54:45.204" v="522" actId="478"/>
+          <ac:spMkLst>
+            <pc:docMk/>
+            <pc:sldMasterMk cId="2480753860" sldId="2147483672"/>
+            <ac:spMk id="3" creationId="{00000000-0000-0000-0000-000000000000}"/>
+          </ac:spMkLst>
+        </pc:spChg>
+        <pc:spChg chg="mod">
+          <ac:chgData name="Ryan Klugman" userId="670d81e9-7bea-4656-8ed9-82a65e9ee468" providerId="ADAL" clId="{6BD92137-2C65-49DE-B21E-A147DD137012}" dt="2017-09-03T22:54:45.204" v="522" actId="478"/>
+          <ac:spMkLst>
+            <pc:docMk/>
+            <pc:sldMasterMk cId="2480753860" sldId="2147483672"/>
+            <ac:spMk id="4" creationId="{00000000-0000-0000-0000-000000000000}"/>
+          </ac:spMkLst>
+        </pc:spChg>
+        <pc:spChg chg="mod">
+          <ac:chgData name="Ryan Klugman" userId="670d81e9-7bea-4656-8ed9-82a65e9ee468" providerId="ADAL" clId="{6BD92137-2C65-49DE-B21E-A147DD137012}" dt="2017-09-03T22:54:45.204" v="522" actId="478"/>
+          <ac:spMkLst>
+            <pc:docMk/>
+            <pc:sldMasterMk cId="2480753860" sldId="2147483672"/>
+            <ac:spMk id="5" creationId="{00000000-0000-0000-0000-000000000000}"/>
+          </ac:spMkLst>
+        </pc:spChg>
+        <pc:spChg chg="mod">
+          <ac:chgData name="Ryan Klugman" userId="670d81e9-7bea-4656-8ed9-82a65e9ee468" providerId="ADAL" clId="{6BD92137-2C65-49DE-B21E-A147DD137012}" dt="2017-09-03T22:54:45.204" v="522" actId="478"/>
+          <ac:spMkLst>
+            <pc:docMk/>
+            <pc:sldMasterMk cId="2480753860" sldId="2147483672"/>
+            <ac:spMk id="6" creationId="{00000000-0000-0000-0000-000000000000}"/>
+          </ac:spMkLst>
+        </pc:spChg>
+        <pc:spChg chg="mod">
+          <ac:chgData name="Ryan Klugman" userId="670d81e9-7bea-4656-8ed9-82a65e9ee468" providerId="ADAL" clId="{6BD92137-2C65-49DE-B21E-A147DD137012}" dt="2017-09-03T22:54:45.204" v="522" actId="478"/>
+          <ac:spMkLst>
+            <pc:docMk/>
+            <pc:sldMasterMk cId="2480753860" sldId="2147483672"/>
+            <ac:spMk id="8" creationId="{00000000-0000-0000-0000-000000000000}"/>
+          </ac:spMkLst>
+        </pc:spChg>
+        <pc:spChg chg="mod">
+          <ac:chgData name="Ryan Klugman" userId="670d81e9-7bea-4656-8ed9-82a65e9ee468" providerId="ADAL" clId="{6BD92137-2C65-49DE-B21E-A147DD137012}" dt="2017-09-03T22:54:45.204" v="522" actId="478"/>
+          <ac:spMkLst>
+            <pc:docMk/>
+            <pc:sldMasterMk cId="2480753860" sldId="2147483672"/>
+            <ac:spMk id="9" creationId="{00000000-0000-0000-0000-000000000000}"/>
+          </ac:spMkLst>
+        </pc:spChg>
+        <pc:sldLayoutChg chg="modSp">
+          <pc:chgData name="Ryan Klugman" userId="670d81e9-7bea-4656-8ed9-82a65e9ee468" providerId="ADAL" clId="{6BD92137-2C65-49DE-B21E-A147DD137012}" dt="2017-09-03T22:54:45.204" v="522" actId="478"/>
+          <pc:sldLayoutMkLst>
+            <pc:docMk/>
+            <pc:sldMasterMk cId="2480753860" sldId="2147483672"/>
+            <pc:sldLayoutMk cId="2324119036" sldId="2147483673"/>
+          </pc:sldLayoutMkLst>
+          <pc:spChg chg="mod">
+            <ac:chgData name="Ryan Klugman" userId="670d81e9-7bea-4656-8ed9-82a65e9ee468" providerId="ADAL" clId="{6BD92137-2C65-49DE-B21E-A147DD137012}" dt="2017-09-03T22:54:45.204" v="522" actId="478"/>
+            <ac:spMkLst>
+              <pc:docMk/>
+              <pc:sldMasterMk cId="2480753860" sldId="2147483672"/>
+              <pc:sldLayoutMk cId="2324119036" sldId="2147483673"/>
+              <ac:spMk id="3" creationId="{00000000-0000-0000-0000-000000000000}"/>
+            </ac:spMkLst>
+          </pc:spChg>
+          <pc:spChg chg="mod">
+            <ac:chgData name="Ryan Klugman" userId="670d81e9-7bea-4656-8ed9-82a65e9ee468" providerId="ADAL" clId="{6BD92137-2C65-49DE-B21E-A147DD137012}" dt="2017-09-03T22:54:45.204" v="522" actId="478"/>
+            <ac:spMkLst>
+              <pc:docMk/>
+              <pc:sldMasterMk cId="2480753860" sldId="2147483672"/>
+              <pc:sldLayoutMk cId="2324119036" sldId="2147483673"/>
+              <ac:spMk id="7" creationId="{00000000-0000-0000-0000-000000000000}"/>
+            </ac:spMkLst>
+          </pc:spChg>
+          <pc:spChg chg="mod">
+            <ac:chgData name="Ryan Klugman" userId="670d81e9-7bea-4656-8ed9-82a65e9ee468" providerId="ADAL" clId="{6BD92137-2C65-49DE-B21E-A147DD137012}" dt="2017-09-03T22:54:45.204" v="522" actId="478"/>
+            <ac:spMkLst>
+              <pc:docMk/>
+              <pc:sldMasterMk cId="2480753860" sldId="2147483672"/>
+              <pc:sldLayoutMk cId="2324119036" sldId="2147483673"/>
+              <ac:spMk id="8" creationId="{00000000-0000-0000-0000-000000000000}"/>
+            </ac:spMkLst>
+          </pc:spChg>
+          <pc:spChg chg="mod">
+            <ac:chgData name="Ryan Klugman" userId="670d81e9-7bea-4656-8ed9-82a65e9ee468" providerId="ADAL" clId="{6BD92137-2C65-49DE-B21E-A147DD137012}" dt="2017-09-03T22:54:45.204" v="522" actId="478"/>
+            <ac:spMkLst>
+              <pc:docMk/>
+              <pc:sldMasterMk cId="2480753860" sldId="2147483672"/>
+              <pc:sldLayoutMk cId="2324119036" sldId="2147483673"/>
+              <ac:spMk id="13" creationId="{00000000-0000-0000-0000-000000000000}"/>
+            </ac:spMkLst>
+          </pc:spChg>
+        </pc:sldLayoutChg>
+        <pc:sldLayoutChg chg="modSp">
+          <pc:chgData name="Ryan Klugman" userId="670d81e9-7bea-4656-8ed9-82a65e9ee468" providerId="ADAL" clId="{6BD92137-2C65-49DE-B21E-A147DD137012}" dt="2017-09-03T22:54:45.204" v="522" actId="478"/>
+          <pc:sldLayoutMkLst>
+            <pc:docMk/>
+            <pc:sldMasterMk cId="2480753860" sldId="2147483672"/>
+            <pc:sldLayoutMk cId="4274006213" sldId="2147483675"/>
+          </pc:sldLayoutMkLst>
+          <pc:spChg chg="mod">
+            <ac:chgData name="Ryan Klugman" userId="670d81e9-7bea-4656-8ed9-82a65e9ee468" providerId="ADAL" clId="{6BD92137-2C65-49DE-B21E-A147DD137012}" dt="2017-09-03T22:54:45.204" v="522" actId="478"/>
+            <ac:spMkLst>
+              <pc:docMk/>
+              <pc:sldMasterMk cId="2480753860" sldId="2147483672"/>
+              <pc:sldLayoutMk cId="4274006213" sldId="2147483675"/>
+              <ac:spMk id="3" creationId="{00000000-0000-0000-0000-000000000000}"/>
+            </ac:spMkLst>
+          </pc:spChg>
+          <pc:spChg chg="mod">
+            <ac:chgData name="Ryan Klugman" userId="670d81e9-7bea-4656-8ed9-82a65e9ee468" providerId="ADAL" clId="{6BD92137-2C65-49DE-B21E-A147DD137012}" dt="2017-09-03T22:54:45.204" v="522" actId="478"/>
+            <ac:spMkLst>
+              <pc:docMk/>
+              <pc:sldMasterMk cId="2480753860" sldId="2147483672"/>
+              <pc:sldLayoutMk cId="4274006213" sldId="2147483675"/>
+              <ac:spMk id="7" creationId="{00000000-0000-0000-0000-000000000000}"/>
+            </ac:spMkLst>
+          </pc:spChg>
+          <pc:spChg chg="mod">
+            <ac:chgData name="Ryan Klugman" userId="670d81e9-7bea-4656-8ed9-82a65e9ee468" providerId="ADAL" clId="{6BD92137-2C65-49DE-B21E-A147DD137012}" dt="2017-09-03T22:54:45.204" v="522" actId="478"/>
+            <ac:spMkLst>
+              <pc:docMk/>
+              <pc:sldMasterMk cId="2480753860" sldId="2147483672"/>
+              <pc:sldLayoutMk cId="4274006213" sldId="2147483675"/>
+              <ac:spMk id="8" creationId="{00000000-0000-0000-0000-000000000000}"/>
+            </ac:spMkLst>
+          </pc:spChg>
+          <pc:spChg chg="mod">
+            <ac:chgData name="Ryan Klugman" userId="670d81e9-7bea-4656-8ed9-82a65e9ee468" providerId="ADAL" clId="{6BD92137-2C65-49DE-B21E-A147DD137012}" dt="2017-09-03T22:54:45.204" v="522" actId="478"/>
+            <ac:spMkLst>
+              <pc:docMk/>
+              <pc:sldMasterMk cId="2480753860" sldId="2147483672"/>
+              <pc:sldLayoutMk cId="4274006213" sldId="2147483675"/>
+              <ac:spMk id="12" creationId="{00000000-0000-0000-0000-000000000000}"/>
+            </ac:spMkLst>
+          </pc:spChg>
+        </pc:sldLayoutChg>
+        <pc:sldLayoutChg chg="modSp">
+          <pc:chgData name="Ryan Klugman" userId="670d81e9-7bea-4656-8ed9-82a65e9ee468" providerId="ADAL" clId="{6BD92137-2C65-49DE-B21E-A147DD137012}" dt="2017-09-03T22:54:45.204" v="522" actId="478"/>
+          <pc:sldLayoutMkLst>
+            <pc:docMk/>
+            <pc:sldMasterMk cId="2480753860" sldId="2147483672"/>
+            <pc:sldLayoutMk cId="4177416185" sldId="2147483676"/>
+          </pc:sldLayoutMkLst>
+          <pc:spChg chg="mod">
+            <ac:chgData name="Ryan Klugman" userId="670d81e9-7bea-4656-8ed9-82a65e9ee468" providerId="ADAL" clId="{6BD92137-2C65-49DE-B21E-A147DD137012}" dt="2017-09-03T22:54:45.204" v="522" actId="478"/>
+            <ac:spMkLst>
+              <pc:docMk/>
+              <pc:sldMasterMk cId="2480753860" sldId="2147483672"/>
+              <pc:sldLayoutMk cId="4177416185" sldId="2147483676"/>
+              <ac:spMk id="3" creationId="{00000000-0000-0000-0000-000000000000}"/>
+            </ac:spMkLst>
+          </pc:spChg>
+          <pc:spChg chg="mod">
+            <ac:chgData name="Ryan Klugman" userId="670d81e9-7bea-4656-8ed9-82a65e9ee468" providerId="ADAL" clId="{6BD92137-2C65-49DE-B21E-A147DD137012}" dt="2017-09-03T22:54:45.204" v="522" actId="478"/>
+            <ac:spMkLst>
+              <pc:docMk/>
+              <pc:sldMasterMk cId="2480753860" sldId="2147483672"/>
+              <pc:sldLayoutMk cId="4177416185" sldId="2147483676"/>
+              <ac:spMk id="4" creationId="{00000000-0000-0000-0000-000000000000}"/>
+            </ac:spMkLst>
+          </pc:spChg>
+        </pc:sldLayoutChg>
+        <pc:sldLayoutChg chg="modSp">
+          <pc:chgData name="Ryan Klugman" userId="670d81e9-7bea-4656-8ed9-82a65e9ee468" providerId="ADAL" clId="{6BD92137-2C65-49DE-B21E-A147DD137012}" dt="2017-09-03T22:54:45.204" v="522" actId="478"/>
+          <pc:sldLayoutMkLst>
+            <pc:docMk/>
+            <pc:sldMasterMk cId="2480753860" sldId="2147483672"/>
+            <pc:sldLayoutMk cId="1869464134" sldId="2147483677"/>
+          </pc:sldLayoutMkLst>
+          <pc:spChg chg="mod">
+            <ac:chgData name="Ryan Klugman" userId="670d81e9-7bea-4656-8ed9-82a65e9ee468" providerId="ADAL" clId="{6BD92137-2C65-49DE-B21E-A147DD137012}" dt="2017-09-03T22:54:45.204" v="522" actId="478"/>
+            <ac:spMkLst>
+              <pc:docMk/>
+              <pc:sldMasterMk cId="2480753860" sldId="2147483672"/>
+              <pc:sldLayoutMk cId="1869464134" sldId="2147483677"/>
+              <ac:spMk id="3" creationId="{00000000-0000-0000-0000-000000000000}"/>
+            </ac:spMkLst>
+          </pc:spChg>
+          <pc:spChg chg="mod">
+            <ac:chgData name="Ryan Klugman" userId="670d81e9-7bea-4656-8ed9-82a65e9ee468" providerId="ADAL" clId="{6BD92137-2C65-49DE-B21E-A147DD137012}" dt="2017-09-03T22:54:45.204" v="522" actId="478"/>
+            <ac:spMkLst>
+              <pc:docMk/>
+              <pc:sldMasterMk cId="2480753860" sldId="2147483672"/>
+              <pc:sldLayoutMk cId="1869464134" sldId="2147483677"/>
+              <ac:spMk id="4" creationId="{00000000-0000-0000-0000-000000000000}"/>
+            </ac:spMkLst>
+          </pc:spChg>
+          <pc:spChg chg="mod">
+            <ac:chgData name="Ryan Klugman" userId="670d81e9-7bea-4656-8ed9-82a65e9ee468" providerId="ADAL" clId="{6BD92137-2C65-49DE-B21E-A147DD137012}" dt="2017-09-03T22:54:45.204" v="522" actId="478"/>
+            <ac:spMkLst>
+              <pc:docMk/>
+              <pc:sldMasterMk cId="2480753860" sldId="2147483672"/>
+              <pc:sldLayoutMk cId="1869464134" sldId="2147483677"/>
+              <ac:spMk id="5" creationId="{00000000-0000-0000-0000-000000000000}"/>
+            </ac:spMkLst>
+          </pc:spChg>
+          <pc:spChg chg="mod">
+            <ac:chgData name="Ryan Klugman" userId="670d81e9-7bea-4656-8ed9-82a65e9ee468" providerId="ADAL" clId="{6BD92137-2C65-49DE-B21E-A147DD137012}" dt="2017-09-03T22:54:45.204" v="522" actId="478"/>
+            <ac:spMkLst>
+              <pc:docMk/>
+              <pc:sldMasterMk cId="2480753860" sldId="2147483672"/>
+              <pc:sldLayoutMk cId="1869464134" sldId="2147483677"/>
+              <ac:spMk id="6" creationId="{00000000-0000-0000-0000-000000000000}"/>
+            </ac:spMkLst>
+          </pc:spChg>
+        </pc:sldLayoutChg>
+        <pc:sldLayoutChg chg="modSp">
+          <pc:chgData name="Ryan Klugman" userId="670d81e9-7bea-4656-8ed9-82a65e9ee468" providerId="ADAL" clId="{6BD92137-2C65-49DE-B21E-A147DD137012}" dt="2017-09-03T22:54:45.204" v="522" actId="478"/>
+          <pc:sldLayoutMkLst>
+            <pc:docMk/>
+            <pc:sldMasterMk cId="2480753860" sldId="2147483672"/>
+            <pc:sldLayoutMk cId="3809954199" sldId="2147483679"/>
+          </pc:sldLayoutMkLst>
+          <pc:spChg chg="mod">
+            <ac:chgData name="Ryan Klugman" userId="670d81e9-7bea-4656-8ed9-82a65e9ee468" providerId="ADAL" clId="{6BD92137-2C65-49DE-B21E-A147DD137012}" dt="2017-09-03T22:54:45.204" v="522" actId="478"/>
+            <ac:spMkLst>
+              <pc:docMk/>
+              <pc:sldMasterMk cId="2480753860" sldId="2147483672"/>
+              <pc:sldLayoutMk cId="3809954199" sldId="2147483679"/>
+              <ac:spMk id="5" creationId="{00000000-0000-0000-0000-000000000000}"/>
+            </ac:spMkLst>
+          </pc:spChg>
+        </pc:sldLayoutChg>
+        <pc:sldLayoutChg chg="modSp">
+          <pc:chgData name="Ryan Klugman" userId="670d81e9-7bea-4656-8ed9-82a65e9ee468" providerId="ADAL" clId="{6BD92137-2C65-49DE-B21E-A147DD137012}" dt="2017-09-03T22:54:45.204" v="522" actId="478"/>
+          <pc:sldLayoutMkLst>
+            <pc:docMk/>
+            <pc:sldMasterMk cId="2480753860" sldId="2147483672"/>
+            <pc:sldLayoutMk cId="2815977357" sldId="2147483680"/>
+          </pc:sldLayoutMkLst>
+          <pc:spChg chg="mod">
+            <ac:chgData name="Ryan Klugman" userId="670d81e9-7bea-4656-8ed9-82a65e9ee468" providerId="ADAL" clId="{6BD92137-2C65-49DE-B21E-A147DD137012}" dt="2017-09-03T22:54:45.204" v="522" actId="478"/>
+            <ac:spMkLst>
+              <pc:docMk/>
+              <pc:sldMasterMk cId="2480753860" sldId="2147483672"/>
+              <pc:sldLayoutMk cId="2815977357" sldId="2147483680"/>
+              <ac:spMk id="3" creationId="{00000000-0000-0000-0000-000000000000}"/>
+            </ac:spMkLst>
+          </pc:spChg>
+          <pc:spChg chg="mod">
+            <ac:chgData name="Ryan Klugman" userId="670d81e9-7bea-4656-8ed9-82a65e9ee468" providerId="ADAL" clId="{6BD92137-2C65-49DE-B21E-A147DD137012}" dt="2017-09-03T22:54:45.204" v="522" actId="478"/>
+            <ac:spMkLst>
+              <pc:docMk/>
+              <pc:sldMasterMk cId="2480753860" sldId="2147483672"/>
+              <pc:sldLayoutMk cId="2815977357" sldId="2147483680"/>
+              <ac:spMk id="4" creationId="{00000000-0000-0000-0000-000000000000}"/>
+            </ac:spMkLst>
+          </pc:spChg>
+          <pc:spChg chg="mod">
+            <ac:chgData name="Ryan Klugman" userId="670d81e9-7bea-4656-8ed9-82a65e9ee468" providerId="ADAL" clId="{6BD92137-2C65-49DE-B21E-A147DD137012}" dt="2017-09-03T22:54:45.204" v="522" actId="478"/>
+            <ac:spMkLst>
+              <pc:docMk/>
+              <pc:sldMasterMk cId="2480753860" sldId="2147483672"/>
+              <pc:sldLayoutMk cId="2815977357" sldId="2147483680"/>
+              <ac:spMk id="8" creationId="{00000000-0000-0000-0000-000000000000}"/>
+            </ac:spMkLst>
+          </pc:spChg>
+          <pc:spChg chg="mod">
+            <ac:chgData name="Ryan Klugman" userId="670d81e9-7bea-4656-8ed9-82a65e9ee468" providerId="ADAL" clId="{6BD92137-2C65-49DE-B21E-A147DD137012}" dt="2017-09-03T22:54:45.204" v="522" actId="478"/>
+            <ac:spMkLst>
+              <pc:docMk/>
+              <pc:sldMasterMk cId="2480753860" sldId="2147483672"/>
+              <pc:sldLayoutMk cId="2815977357" sldId="2147483680"/>
+              <ac:spMk id="9" creationId="{00000000-0000-0000-0000-000000000000}"/>
+            </ac:spMkLst>
+          </pc:spChg>
+          <pc:spChg chg="mod">
+            <ac:chgData name="Ryan Klugman" userId="670d81e9-7bea-4656-8ed9-82a65e9ee468" providerId="ADAL" clId="{6BD92137-2C65-49DE-B21E-A147DD137012}" dt="2017-09-03T22:54:45.204" v="522" actId="478"/>
+            <ac:spMkLst>
+              <pc:docMk/>
+              <pc:sldMasterMk cId="2480753860" sldId="2147483672"/>
+              <pc:sldLayoutMk cId="2815977357" sldId="2147483680"/>
+              <ac:spMk id="10" creationId="{00000000-0000-0000-0000-000000000000}"/>
+            </ac:spMkLst>
+          </pc:spChg>
+          <pc:spChg chg="mod">
+            <ac:chgData name="Ryan Klugman" userId="670d81e9-7bea-4656-8ed9-82a65e9ee468" providerId="ADAL" clId="{6BD92137-2C65-49DE-B21E-A147DD137012}" dt="2017-09-03T22:54:45.204" v="522" actId="478"/>
+            <ac:spMkLst>
+              <pc:docMk/>
+              <pc:sldMasterMk cId="2480753860" sldId="2147483672"/>
+              <pc:sldLayoutMk cId="2815977357" sldId="2147483680"/>
+              <ac:spMk id="11" creationId="{00000000-0000-0000-0000-000000000000}"/>
+            </ac:spMkLst>
+          </pc:spChg>
+        </pc:sldLayoutChg>
+        <pc:sldLayoutChg chg="modSp">
+          <pc:chgData name="Ryan Klugman" userId="670d81e9-7bea-4656-8ed9-82a65e9ee468" providerId="ADAL" clId="{6BD92137-2C65-49DE-B21E-A147DD137012}" dt="2017-09-03T22:54:45.204" v="522" actId="478"/>
+          <pc:sldLayoutMkLst>
+            <pc:docMk/>
+            <pc:sldMasterMk cId="2480753860" sldId="2147483672"/>
+            <pc:sldLayoutMk cId="957380759" sldId="2147483681"/>
+          </pc:sldLayoutMkLst>
+          <pc:spChg chg="mod">
+            <ac:chgData name="Ryan Klugman" userId="670d81e9-7bea-4656-8ed9-82a65e9ee468" providerId="ADAL" clId="{6BD92137-2C65-49DE-B21E-A147DD137012}" dt="2017-09-03T22:54:45.204" v="522" actId="478"/>
+            <ac:spMkLst>
+              <pc:docMk/>
+              <pc:sldMasterMk cId="2480753860" sldId="2147483672"/>
+              <pc:sldLayoutMk cId="957380759" sldId="2147483681"/>
+              <ac:spMk id="3" creationId="{00000000-0000-0000-0000-000000000000}"/>
+            </ac:spMkLst>
+          </pc:spChg>
+          <pc:spChg chg="mod">
+            <ac:chgData name="Ryan Klugman" userId="670d81e9-7bea-4656-8ed9-82a65e9ee468" providerId="ADAL" clId="{6BD92137-2C65-49DE-B21E-A147DD137012}" dt="2017-09-03T22:54:45.204" v="522" actId="478"/>
+            <ac:spMkLst>
+              <pc:docMk/>
+              <pc:sldMasterMk cId="2480753860" sldId="2147483672"/>
+              <pc:sldLayoutMk cId="957380759" sldId="2147483681"/>
+              <ac:spMk id="4" creationId="{00000000-0000-0000-0000-000000000000}"/>
+            </ac:spMkLst>
+          </pc:spChg>
+          <pc:spChg chg="mod">
+            <ac:chgData name="Ryan Klugman" userId="670d81e9-7bea-4656-8ed9-82a65e9ee468" providerId="ADAL" clId="{6BD92137-2C65-49DE-B21E-A147DD137012}" dt="2017-09-03T22:54:45.204" v="522" actId="478"/>
+            <ac:spMkLst>
+              <pc:docMk/>
+              <pc:sldMasterMk cId="2480753860" sldId="2147483672"/>
+              <pc:sldLayoutMk cId="957380759" sldId="2147483681"/>
+              <ac:spMk id="8" creationId="{00000000-0000-0000-0000-000000000000}"/>
+            </ac:spMkLst>
+          </pc:spChg>
+          <pc:spChg chg="mod">
+            <ac:chgData name="Ryan Klugman" userId="670d81e9-7bea-4656-8ed9-82a65e9ee468" providerId="ADAL" clId="{6BD92137-2C65-49DE-B21E-A147DD137012}" dt="2017-09-03T22:54:45.204" v="522" actId="478"/>
+            <ac:spMkLst>
+              <pc:docMk/>
+              <pc:sldMasterMk cId="2480753860" sldId="2147483672"/>
+              <pc:sldLayoutMk cId="957380759" sldId="2147483681"/>
+              <ac:spMk id="9" creationId="{00000000-0000-0000-0000-000000000000}"/>
+            </ac:spMkLst>
+          </pc:spChg>
+          <pc:spChg chg="mod">
+            <ac:chgData name="Ryan Klugman" userId="670d81e9-7bea-4656-8ed9-82a65e9ee468" providerId="ADAL" clId="{6BD92137-2C65-49DE-B21E-A147DD137012}" dt="2017-09-03T22:54:45.204" v="522" actId="478"/>
+            <ac:spMkLst>
+              <pc:docMk/>
+              <pc:sldMasterMk cId="2480753860" sldId="2147483672"/>
+              <pc:sldLayoutMk cId="957380759" sldId="2147483681"/>
+              <ac:spMk id="10" creationId="{00000000-0000-0000-0000-000000000000}"/>
+            </ac:spMkLst>
+          </pc:spChg>
+        </pc:sldLayoutChg>
+        <pc:sldLayoutChg chg="modSp">
+          <pc:chgData name="Ryan Klugman" userId="670d81e9-7bea-4656-8ed9-82a65e9ee468" providerId="ADAL" clId="{6BD92137-2C65-49DE-B21E-A147DD137012}" dt="2017-09-03T22:54:45.204" v="522" actId="478"/>
+          <pc:sldLayoutMkLst>
+            <pc:docMk/>
+            <pc:sldMasterMk cId="2480753860" sldId="2147483672"/>
+            <pc:sldLayoutMk cId="2375483148" sldId="2147483683"/>
+          </pc:sldLayoutMkLst>
+          <pc:spChg chg="mod">
+            <ac:chgData name="Ryan Klugman" userId="670d81e9-7bea-4656-8ed9-82a65e9ee468" providerId="ADAL" clId="{6BD92137-2C65-49DE-B21E-A147DD137012}" dt="2017-09-03T22:54:45.204" v="522" actId="478"/>
+            <ac:spMkLst>
+              <pc:docMk/>
+              <pc:sldMasterMk cId="2480753860" sldId="2147483672"/>
+              <pc:sldLayoutMk cId="2375483148" sldId="2147483683"/>
+              <ac:spMk id="2" creationId="{00000000-0000-0000-0000-000000000000}"/>
+            </ac:spMkLst>
+          </pc:spChg>
+          <pc:spChg chg="mod">
+            <ac:chgData name="Ryan Klugman" userId="670d81e9-7bea-4656-8ed9-82a65e9ee468" providerId="ADAL" clId="{6BD92137-2C65-49DE-B21E-A147DD137012}" dt="2017-09-03T22:54:45.204" v="522" actId="478"/>
+            <ac:spMkLst>
+              <pc:docMk/>
+              <pc:sldMasterMk cId="2480753860" sldId="2147483672"/>
+              <pc:sldLayoutMk cId="2375483148" sldId="2147483683"/>
+              <ac:spMk id="3" creationId="{00000000-0000-0000-0000-000000000000}"/>
+            </ac:spMkLst>
+          </pc:spChg>
+          <pc:spChg chg="mod">
+            <ac:chgData name="Ryan Klugman" userId="670d81e9-7bea-4656-8ed9-82a65e9ee468" providerId="ADAL" clId="{6BD92137-2C65-49DE-B21E-A147DD137012}" dt="2017-09-03T22:54:45.204" v="522" actId="478"/>
+            <ac:spMkLst>
+              <pc:docMk/>
+              <pc:sldMasterMk cId="2480753860" sldId="2147483672"/>
+              <pc:sldLayoutMk cId="2375483148" sldId="2147483683"/>
+              <ac:spMk id="7" creationId="{00000000-0000-0000-0000-000000000000}"/>
+            </ac:spMkLst>
+          </pc:spChg>
+          <pc:spChg chg="mod">
+            <ac:chgData name="Ryan Klugman" userId="670d81e9-7bea-4656-8ed9-82a65e9ee468" providerId="ADAL" clId="{6BD92137-2C65-49DE-B21E-A147DD137012}" dt="2017-09-03T22:54:45.204" v="522" actId="478"/>
+            <ac:spMkLst>
+              <pc:docMk/>
+              <pc:sldMasterMk cId="2480753860" sldId="2147483672"/>
+              <pc:sldLayoutMk cId="2375483148" sldId="2147483683"/>
+              <ac:spMk id="8" creationId="{00000000-0000-0000-0000-000000000000}"/>
+            </ac:spMkLst>
+          </pc:spChg>
+        </pc:sldLayoutChg>
+      </pc:sldMasterChg>
     </pc:docChg>
   </pc:docChgLst>
 </pc:chgInfo>
@@ -225,8 +1609,8 @@
         </p:nvSpPr>
         <p:spPr>
           <a:xfrm>
-            <a:off x="9347200" y="152399"/>
-            <a:ext cx="2641600" cy="6556248"/>
+            <a:off x="7010400" y="126999"/>
+            <a:ext cx="1981200" cy="5463540"/>
           </a:xfrm>
           <a:prstGeom prst="rect">
             <a:avLst/>
@@ -259,7 +1643,7 @@
           <a:lstStyle/>
           <a:p>
             <a:pPr algn="ctr"/>
-            <a:endParaRPr lang="en-US" sz="1800"/>
+            <a:endParaRPr lang="en-US" sz="1350"/>
           </a:p>
         </p:txBody>
       </p:sp>
@@ -271,8 +1655,8 @@
         </p:nvSpPr>
         <p:spPr>
           <a:xfrm>
-            <a:off x="203200" y="153923"/>
-            <a:ext cx="8940800" cy="6553200"/>
+            <a:off x="152400" y="128269"/>
+            <a:ext cx="6705600" cy="5461000"/>
           </a:xfrm>
           <a:prstGeom prst="rect">
             <a:avLst/>
@@ -305,7 +1689,7 @@
           <a:lstStyle/>
           <a:p>
             <a:pPr algn="ctr"/>
-            <a:endParaRPr lang="en-US" sz="1800"/>
+            <a:endParaRPr lang="en-US" sz="1350"/>
           </a:p>
         </p:txBody>
       </p:sp>
@@ -321,8 +1705,8 @@
         </p:nvSpPr>
         <p:spPr>
           <a:xfrm>
-            <a:off x="9347200" y="2052960"/>
-            <a:ext cx="2641600" cy="1828800"/>
+            <a:off x="7010400" y="1710800"/>
+            <a:ext cx="1981200" cy="1524000"/>
           </a:xfrm>
         </p:spPr>
         <p:txBody>
@@ -332,13 +1716,13 @@
           <a:lstStyle>
             <a:lvl1pPr marL="0" indent="0" algn="l">
               <a:buNone/>
-              <a:defRPr sz="1900">
+              <a:defRPr sz="1425">
                 <a:solidFill>
                   <a:srgbClr val="FFFFFF"/>
                 </a:solidFill>
               </a:defRPr>
             </a:lvl1pPr>
-            <a:lvl2pPr marL="457200" indent="0" algn="ctr">
+            <a:lvl2pPr marL="342900" indent="0" algn="ctr">
               <a:buNone/>
               <a:defRPr>
                 <a:solidFill>
@@ -348,7 +1732,7 @@
                 </a:solidFill>
               </a:defRPr>
             </a:lvl2pPr>
-            <a:lvl3pPr marL="914400" indent="0" algn="ctr">
+            <a:lvl3pPr marL="685800" indent="0" algn="ctr">
               <a:buNone/>
               <a:defRPr>
                 <a:solidFill>
@@ -358,7 +1742,7 @@
                 </a:solidFill>
               </a:defRPr>
             </a:lvl3pPr>
-            <a:lvl4pPr marL="1371600" indent="0" algn="ctr">
+            <a:lvl4pPr marL="1028700" indent="0" algn="ctr">
               <a:buNone/>
               <a:defRPr>
                 <a:solidFill>
@@ -368,7 +1752,7 @@
                 </a:solidFill>
               </a:defRPr>
             </a:lvl4pPr>
-            <a:lvl5pPr marL="1828800" indent="0" algn="ctr">
+            <a:lvl5pPr marL="1371600" indent="0" algn="ctr">
               <a:buNone/>
               <a:defRPr>
                 <a:solidFill>
@@ -378,7 +1762,7 @@
                 </a:solidFill>
               </a:defRPr>
             </a:lvl5pPr>
-            <a:lvl6pPr marL="2286000" indent="0" algn="ctr">
+            <a:lvl6pPr marL="1714500" indent="0" algn="ctr">
               <a:buNone/>
               <a:defRPr>
                 <a:solidFill>
@@ -388,7 +1772,7 @@
                 </a:solidFill>
               </a:defRPr>
             </a:lvl6pPr>
-            <a:lvl7pPr marL="2743200" indent="0" algn="ctr">
+            <a:lvl7pPr marL="2057400" indent="0" algn="ctr">
               <a:buNone/>
               <a:defRPr>
                 <a:solidFill>
@@ -398,7 +1782,7 @@
                 </a:solidFill>
               </a:defRPr>
             </a:lvl7pPr>
-            <a:lvl8pPr marL="3200400" indent="0" algn="ctr">
+            <a:lvl8pPr marL="2400300" indent="0" algn="ctr">
               <a:buNone/>
               <a:defRPr>
                 <a:solidFill>
@@ -408,7 +1792,7 @@
                 </a:solidFill>
               </a:defRPr>
             </a:lvl8pPr>
-            <a:lvl9pPr marL="3657600" indent="0" algn="ctr">
+            <a:lvl9pPr marL="2743200" indent="0" algn="ctr">
               <a:buNone/>
               <a:defRPr>
                 <a:solidFill>
@@ -529,15 +1913,15 @@
         </p:nvSpPr>
         <p:spPr>
           <a:xfrm>
-            <a:off x="609600" y="2052960"/>
-            <a:ext cx="8432800" cy="1828800"/>
+            <a:off x="457200" y="1710800"/>
+            <a:ext cx="6324600" cy="1524000"/>
           </a:xfrm>
         </p:spPr>
         <p:txBody>
           <a:bodyPr/>
           <a:lstStyle>
             <a:lvl1pPr algn="r">
-              <a:defRPr sz="4200" spc="150" baseline="0"/>
+              <a:defRPr sz="3150" spc="113" baseline="0"/>
             </a:lvl1pPr>
           </a:lstStyle>
           <a:p>
@@ -755,8 +2139,8 @@
         </p:nvSpPr>
         <p:spPr>
           <a:xfrm>
-            <a:off x="203200" y="147319"/>
-            <a:ext cx="8940800" cy="6556248"/>
+            <a:off x="152400" y="122766"/>
+            <a:ext cx="6705600" cy="5463540"/>
           </a:xfrm>
           <a:prstGeom prst="rect">
             <a:avLst/>
@@ -789,7 +2173,7 @@
           <a:lstStyle/>
           <a:p>
             <a:pPr algn="ctr"/>
-            <a:endParaRPr lang="en-US" sz="1800"/>
+            <a:endParaRPr lang="en-US" sz="1350"/>
           </a:p>
         </p:txBody>
       </p:sp>
@@ -801,8 +2185,8 @@
         </p:nvSpPr>
         <p:spPr>
           <a:xfrm>
-            <a:off x="9347200" y="147319"/>
-            <a:ext cx="2608061" cy="6556248"/>
+            <a:off x="7010400" y="122766"/>
+            <a:ext cx="1956046" cy="5463540"/>
           </a:xfrm>
           <a:prstGeom prst="rect">
             <a:avLst/>
@@ -835,7 +2219,7 @@
           <a:lstStyle/>
           <a:p>
             <a:pPr algn="ctr"/>
-            <a:endParaRPr lang="en-US" sz="1800"/>
+            <a:endParaRPr lang="en-US" sz="1350"/>
           </a:p>
         </p:txBody>
       </p:sp>
@@ -851,8 +2235,8 @@
         </p:nvSpPr>
         <p:spPr>
           <a:xfrm>
-            <a:off x="9550400" y="274639"/>
-            <a:ext cx="2235200" cy="5851525"/>
+            <a:off x="7162800" y="228867"/>
+            <a:ext cx="1676400" cy="4876271"/>
           </a:xfrm>
         </p:spPr>
         <p:txBody>
@@ -879,8 +2263,8 @@
         </p:nvSpPr>
         <p:spPr>
           <a:xfrm>
-            <a:off x="609600" y="274639"/>
-            <a:ext cx="8026400" cy="5851525"/>
+            <a:off x="457200" y="228867"/>
+            <a:ext cx="6019800" cy="4876271"/>
           </a:xfrm>
         </p:spPr>
         <p:txBody>
@@ -1204,8 +2588,8 @@
         </p:nvSpPr>
         <p:spPr>
           <a:xfrm>
-            <a:off x="9347200" y="152399"/>
-            <a:ext cx="2641600" cy="6556248"/>
+            <a:off x="7010400" y="126999"/>
+            <a:ext cx="1981200" cy="5463540"/>
           </a:xfrm>
           <a:prstGeom prst="rect">
             <a:avLst/>
@@ -1238,7 +2622,7 @@
           <a:lstStyle/>
           <a:p>
             <a:pPr algn="ctr"/>
-            <a:endParaRPr lang="en-US" sz="1800"/>
+            <a:endParaRPr lang="en-US" sz="1350"/>
           </a:p>
         </p:txBody>
       </p:sp>
@@ -1250,8 +2634,8 @@
         </p:nvSpPr>
         <p:spPr>
           <a:xfrm>
-            <a:off x="203200" y="153923"/>
-            <a:ext cx="8940800" cy="6553200"/>
+            <a:off x="152400" y="128269"/>
+            <a:ext cx="6705600" cy="5461000"/>
           </a:xfrm>
           <a:prstGeom prst="rect">
             <a:avLst/>
@@ -1284,7 +2668,7 @@
           <a:lstStyle/>
           <a:p>
             <a:pPr algn="ctr"/>
-            <a:endParaRPr lang="en-US" sz="1800"/>
+            <a:endParaRPr lang="en-US" sz="1350"/>
           </a:p>
         </p:txBody>
       </p:sp>
@@ -1300,8 +2684,8 @@
         </p:nvSpPr>
         <p:spPr>
           <a:xfrm>
-            <a:off x="9550400" y="2892277"/>
-            <a:ext cx="2133601" cy="1645920"/>
+            <a:off x="7162801" y="2410231"/>
+            <a:ext cx="1600201" cy="1371600"/>
           </a:xfrm>
         </p:spPr>
         <p:txBody>
@@ -1309,15 +2693,15 @@
           <a:lstStyle>
             <a:lvl1pPr marL="0" indent="0">
               <a:buNone/>
-              <a:defRPr sz="2000">
+              <a:defRPr sz="1500">
                 <a:solidFill>
                   <a:schemeClr val="bg2"/>
                 </a:solidFill>
               </a:defRPr>
             </a:lvl1pPr>
-            <a:lvl2pPr marL="457200" indent="0">
+            <a:lvl2pPr marL="342900" indent="0">
               <a:buNone/>
-              <a:defRPr sz="1800">
+              <a:defRPr sz="1350">
                 <a:solidFill>
                   <a:schemeClr val="tx1">
                     <a:tint val="75000"/>
@@ -1325,9 +2709,9 @@
                 </a:solidFill>
               </a:defRPr>
             </a:lvl2pPr>
-            <a:lvl3pPr marL="914400" indent="0">
+            <a:lvl3pPr marL="685800" indent="0">
               <a:buNone/>
-              <a:defRPr sz="1600">
+              <a:defRPr sz="1200">
                 <a:solidFill>
                   <a:schemeClr val="tx1">
                     <a:tint val="75000"/>
@@ -1335,9 +2719,9 @@
                 </a:solidFill>
               </a:defRPr>
             </a:lvl3pPr>
-            <a:lvl4pPr marL="1371600" indent="0">
+            <a:lvl4pPr marL="1028700" indent="0">
               <a:buNone/>
-              <a:defRPr sz="1400">
+              <a:defRPr sz="1050">
                 <a:solidFill>
                   <a:schemeClr val="tx1">
                     <a:tint val="75000"/>
@@ -1345,9 +2729,9 @@
                 </a:solidFill>
               </a:defRPr>
             </a:lvl4pPr>
-            <a:lvl5pPr marL="1828800" indent="0">
+            <a:lvl5pPr marL="1371600" indent="0">
               <a:buNone/>
-              <a:defRPr sz="1400">
+              <a:defRPr sz="1050">
                 <a:solidFill>
                   <a:schemeClr val="tx1">
                     <a:tint val="75000"/>
@@ -1355,9 +2739,9 @@
                 </a:solidFill>
               </a:defRPr>
             </a:lvl5pPr>
-            <a:lvl6pPr marL="2286000" indent="0">
+            <a:lvl6pPr marL="1714500" indent="0">
               <a:buNone/>
-              <a:defRPr sz="1400">
+              <a:defRPr sz="1050">
                 <a:solidFill>
                   <a:schemeClr val="tx1">
                     <a:tint val="75000"/>
@@ -1365,9 +2749,9 @@
                 </a:solidFill>
               </a:defRPr>
             </a:lvl6pPr>
-            <a:lvl7pPr marL="2743200" indent="0">
+            <a:lvl7pPr marL="2057400" indent="0">
               <a:buNone/>
-              <a:defRPr sz="1400">
+              <a:defRPr sz="1050">
                 <a:solidFill>
                   <a:schemeClr val="tx1">
                     <a:tint val="75000"/>
@@ -1375,9 +2759,9 @@
                 </a:solidFill>
               </a:defRPr>
             </a:lvl7pPr>
-            <a:lvl8pPr marL="3200400" indent="0">
+            <a:lvl8pPr marL="2400300" indent="0">
               <a:buNone/>
-              <a:defRPr sz="1400">
+              <a:defRPr sz="1050">
                 <a:solidFill>
                   <a:schemeClr val="tx1">
                     <a:tint val="75000"/>
@@ -1385,9 +2769,9 @@
                 </a:solidFill>
               </a:defRPr>
             </a:lvl8pPr>
-            <a:lvl9pPr marL="3657600" indent="0">
+            <a:lvl9pPr marL="2743200" indent="0">
               <a:buNone/>
-              <a:defRPr sz="1400">
+              <a:defRPr sz="1050">
                 <a:solidFill>
                   <a:schemeClr val="tx1">
                     <a:tint val="75000"/>
@@ -1506,15 +2890,15 @@
         </p:nvSpPr>
         <p:spPr>
           <a:xfrm>
-            <a:off x="508000" y="2892277"/>
-            <a:ext cx="8432800" cy="1645920"/>
+            <a:off x="381000" y="2410231"/>
+            <a:ext cx="6324600" cy="1371600"/>
           </a:xfrm>
         </p:spPr>
         <p:txBody>
           <a:bodyPr/>
           <a:lstStyle>
             <a:lvl1pPr algn="r">
-              <a:defRPr sz="4200" spc="150" baseline="0"/>
+              <a:defRPr sz="3150" spc="113" baseline="0"/>
             </a:lvl1pPr>
           </a:lstStyle>
           <a:p>
@@ -1568,39 +2952,39 @@
         </p:nvSpPr>
         <p:spPr>
           <a:xfrm>
-            <a:off x="609600" y="1719072"/>
-            <a:ext cx="5384800" cy="4407408"/>
+            <a:off x="457200" y="1432560"/>
+            <a:ext cx="4038600" cy="3672840"/>
           </a:xfrm>
         </p:spPr>
         <p:txBody>
           <a:bodyPr/>
           <a:lstStyle>
             <a:lvl1pPr>
-              <a:defRPr sz="2800"/>
+              <a:defRPr sz="2100"/>
             </a:lvl1pPr>
             <a:lvl2pPr>
-              <a:defRPr sz="2400"/>
+              <a:defRPr sz="1800"/>
             </a:lvl2pPr>
             <a:lvl3pPr>
-              <a:defRPr sz="2000"/>
+              <a:defRPr sz="1500"/>
             </a:lvl3pPr>
             <a:lvl4pPr>
-              <a:defRPr sz="1800"/>
+              <a:defRPr sz="1350"/>
             </a:lvl4pPr>
             <a:lvl5pPr>
-              <a:defRPr sz="1800"/>
+              <a:defRPr sz="1350"/>
             </a:lvl5pPr>
             <a:lvl6pPr>
-              <a:defRPr sz="1800"/>
+              <a:defRPr sz="1350"/>
             </a:lvl6pPr>
             <a:lvl7pPr>
-              <a:defRPr sz="1800"/>
+              <a:defRPr sz="1350"/>
             </a:lvl7pPr>
             <a:lvl8pPr>
-              <a:defRPr sz="1800"/>
+              <a:defRPr sz="1350"/>
             </a:lvl8pPr>
             <a:lvl9pPr>
-              <a:defRPr sz="1800"/>
+              <a:defRPr sz="1350"/>
             </a:lvl9pPr>
           </a:lstStyle>
           <a:p>
@@ -1653,39 +3037,39 @@
         </p:nvSpPr>
         <p:spPr>
           <a:xfrm>
-            <a:off x="6197600" y="1719072"/>
-            <a:ext cx="5384800" cy="4407408"/>
+            <a:off x="4648200" y="1432560"/>
+            <a:ext cx="4038600" cy="3672840"/>
           </a:xfrm>
         </p:spPr>
         <p:txBody>
           <a:bodyPr/>
           <a:lstStyle>
             <a:lvl1pPr>
-              <a:defRPr sz="2800"/>
+              <a:defRPr sz="2100"/>
             </a:lvl1pPr>
             <a:lvl2pPr>
-              <a:defRPr sz="2400"/>
+              <a:defRPr sz="1800"/>
             </a:lvl2pPr>
             <a:lvl3pPr>
-              <a:defRPr sz="2000"/>
+              <a:defRPr sz="1500"/>
             </a:lvl3pPr>
             <a:lvl4pPr>
-              <a:defRPr sz="1800"/>
+              <a:defRPr sz="1350"/>
             </a:lvl4pPr>
             <a:lvl5pPr>
-              <a:defRPr sz="1800"/>
+              <a:defRPr sz="1350"/>
             </a:lvl5pPr>
             <a:lvl6pPr>
-              <a:defRPr sz="1800"/>
+              <a:defRPr sz="1350"/>
             </a:lvl6pPr>
             <a:lvl7pPr>
-              <a:defRPr sz="1800"/>
+              <a:defRPr sz="1350"/>
             </a:lvl7pPr>
             <a:lvl8pPr>
-              <a:defRPr sz="1800"/>
+              <a:defRPr sz="1350"/>
             </a:lvl8pPr>
             <a:lvl9pPr>
-              <a:defRPr sz="1800"/>
+              <a:defRPr sz="1350"/>
             </a:lvl9pPr>
           </a:lstStyle>
           <a:p>
@@ -1855,8 +3239,8 @@
         </p:nvSpPr>
         <p:spPr>
           <a:xfrm>
-            <a:off x="609600" y="1722438"/>
-            <a:ext cx="5386917" cy="639762"/>
+            <a:off x="457200" y="1435366"/>
+            <a:ext cx="4040188" cy="533135"/>
           </a:xfrm>
         </p:spPr>
         <p:txBody>
@@ -1864,43 +3248,43 @@
           <a:lstStyle>
             <a:lvl1pPr marL="0" indent="0" algn="ctr">
               <a:buNone/>
-              <a:defRPr sz="2400" b="0">
+              <a:defRPr sz="1800" b="0">
                 <a:solidFill>
                   <a:schemeClr val="tx2"/>
                 </a:solidFill>
               </a:defRPr>
             </a:lvl1pPr>
-            <a:lvl2pPr marL="457200" indent="0">
+            <a:lvl2pPr marL="342900" indent="0">
               <a:buNone/>
-              <a:defRPr sz="2000" b="1"/>
+              <a:defRPr sz="1500" b="1"/>
             </a:lvl2pPr>
-            <a:lvl3pPr marL="914400" indent="0">
+            <a:lvl3pPr marL="685800" indent="0">
               <a:buNone/>
-              <a:defRPr sz="1800" b="1"/>
+              <a:defRPr sz="1350" b="1"/>
             </a:lvl3pPr>
-            <a:lvl4pPr marL="1371600" indent="0">
+            <a:lvl4pPr marL="1028700" indent="0">
               <a:buNone/>
-              <a:defRPr sz="1600" b="1"/>
+              <a:defRPr sz="1200" b="1"/>
             </a:lvl4pPr>
-            <a:lvl5pPr marL="1828800" indent="0">
+            <a:lvl5pPr marL="1371600" indent="0">
               <a:buNone/>
-              <a:defRPr sz="1600" b="1"/>
+              <a:defRPr sz="1200" b="1"/>
             </a:lvl5pPr>
-            <a:lvl6pPr marL="2286000" indent="0">
+            <a:lvl6pPr marL="1714500" indent="0">
               <a:buNone/>
-              <a:defRPr sz="1600" b="1"/>
+              <a:defRPr sz="1200" b="1"/>
             </a:lvl6pPr>
-            <a:lvl7pPr marL="2743200" indent="0">
+            <a:lvl7pPr marL="2057400" indent="0">
               <a:buNone/>
-              <a:defRPr sz="1600" b="1"/>
+              <a:defRPr sz="1200" b="1"/>
             </a:lvl7pPr>
-            <a:lvl8pPr marL="3200400" indent="0">
+            <a:lvl8pPr marL="2400300" indent="0">
               <a:buNone/>
-              <a:defRPr sz="1600" b="1"/>
+              <a:defRPr sz="1200" b="1"/>
             </a:lvl8pPr>
-            <a:lvl9pPr marL="3657600" indent="0">
+            <a:lvl9pPr marL="2743200" indent="0">
               <a:buNone/>
-              <a:defRPr sz="1600" b="1"/>
+              <a:defRPr sz="1200" b="1"/>
             </a:lvl9pPr>
           </a:lstStyle>
           <a:p>
@@ -1924,39 +3308,39 @@
         </p:nvSpPr>
         <p:spPr>
           <a:xfrm>
-            <a:off x="609600" y="2438400"/>
-            <a:ext cx="5386917" cy="3687763"/>
+            <a:off x="457200" y="2032000"/>
+            <a:ext cx="4040188" cy="3073136"/>
           </a:xfrm>
         </p:spPr>
         <p:txBody>
           <a:bodyPr/>
           <a:lstStyle>
             <a:lvl1pPr>
-              <a:defRPr sz="2400"/>
+              <a:defRPr sz="1800"/>
             </a:lvl1pPr>
             <a:lvl2pPr>
-              <a:defRPr sz="2000"/>
+              <a:defRPr sz="1500"/>
             </a:lvl2pPr>
             <a:lvl3pPr>
-              <a:defRPr sz="1800"/>
+              <a:defRPr sz="1350"/>
             </a:lvl3pPr>
             <a:lvl4pPr>
-              <a:defRPr sz="1600"/>
+              <a:defRPr sz="1200"/>
             </a:lvl4pPr>
             <a:lvl5pPr>
-              <a:defRPr sz="1600"/>
+              <a:defRPr sz="1200"/>
             </a:lvl5pPr>
             <a:lvl6pPr>
-              <a:defRPr sz="1600"/>
+              <a:defRPr sz="1200"/>
             </a:lvl6pPr>
             <a:lvl7pPr>
-              <a:defRPr sz="1600"/>
+              <a:defRPr sz="1200"/>
             </a:lvl7pPr>
             <a:lvl8pPr>
-              <a:defRPr sz="1600"/>
+              <a:defRPr sz="1200"/>
             </a:lvl8pPr>
             <a:lvl9pPr>
-              <a:defRPr sz="1600"/>
+              <a:defRPr sz="1200"/>
             </a:lvl9pPr>
           </a:lstStyle>
           <a:p>
@@ -2009,8 +3393,8 @@
         </p:nvSpPr>
         <p:spPr>
           <a:xfrm>
-            <a:off x="6193368" y="1722438"/>
-            <a:ext cx="5389033" cy="639762"/>
+            <a:off x="4645027" y="1435366"/>
+            <a:ext cx="4041775" cy="533135"/>
           </a:xfrm>
         </p:spPr>
         <p:txBody>
@@ -2018,43 +3402,43 @@
           <a:lstStyle>
             <a:lvl1pPr marL="0" indent="0" algn="ctr">
               <a:buNone/>
-              <a:defRPr sz="2400" b="0">
+              <a:defRPr sz="1800" b="0">
                 <a:solidFill>
                   <a:schemeClr val="tx2"/>
                 </a:solidFill>
               </a:defRPr>
             </a:lvl1pPr>
-            <a:lvl2pPr marL="457200" indent="0">
+            <a:lvl2pPr marL="342900" indent="0">
               <a:buNone/>
-              <a:defRPr sz="2000" b="1"/>
+              <a:defRPr sz="1500" b="1"/>
             </a:lvl2pPr>
-            <a:lvl3pPr marL="914400" indent="0">
+            <a:lvl3pPr marL="685800" indent="0">
               <a:buNone/>
-              <a:defRPr sz="1800" b="1"/>
+              <a:defRPr sz="1350" b="1"/>
             </a:lvl3pPr>
-            <a:lvl4pPr marL="1371600" indent="0">
+            <a:lvl4pPr marL="1028700" indent="0">
               <a:buNone/>
-              <a:defRPr sz="1600" b="1"/>
+              <a:defRPr sz="1200" b="1"/>
             </a:lvl4pPr>
-            <a:lvl5pPr marL="1828800" indent="0">
+            <a:lvl5pPr marL="1371600" indent="0">
               <a:buNone/>
-              <a:defRPr sz="1600" b="1"/>
+              <a:defRPr sz="1200" b="1"/>
             </a:lvl5pPr>
-            <a:lvl6pPr marL="2286000" indent="0">
+            <a:lvl6pPr marL="1714500" indent="0">
               <a:buNone/>
-              <a:defRPr sz="1600" b="1"/>
+              <a:defRPr sz="1200" b="1"/>
             </a:lvl6pPr>
-            <a:lvl7pPr marL="2743200" indent="0">
+            <a:lvl7pPr marL="2057400" indent="0">
               <a:buNone/>
-              <a:defRPr sz="1600" b="1"/>
+              <a:defRPr sz="1200" b="1"/>
             </a:lvl7pPr>
-            <a:lvl8pPr marL="3200400" indent="0">
+            <a:lvl8pPr marL="2400300" indent="0">
               <a:buNone/>
-              <a:defRPr sz="1600" b="1"/>
+              <a:defRPr sz="1200" b="1"/>
             </a:lvl8pPr>
-            <a:lvl9pPr marL="3657600" indent="0">
+            <a:lvl9pPr marL="2743200" indent="0">
               <a:buNone/>
-              <a:defRPr sz="1600" b="1"/>
+              <a:defRPr sz="1200" b="1"/>
             </a:lvl9pPr>
           </a:lstStyle>
           <a:p>
@@ -2078,39 +3462,39 @@
         </p:nvSpPr>
         <p:spPr>
           <a:xfrm>
-            <a:off x="6193368" y="2438400"/>
-            <a:ext cx="5389033" cy="3687763"/>
+            <a:off x="4645027" y="2032000"/>
+            <a:ext cx="4041775" cy="3073136"/>
           </a:xfrm>
         </p:spPr>
         <p:txBody>
           <a:bodyPr/>
           <a:lstStyle>
             <a:lvl1pPr>
-              <a:defRPr sz="2400"/>
+              <a:defRPr sz="1800"/>
             </a:lvl1pPr>
             <a:lvl2pPr>
-              <a:defRPr sz="2000"/>
+              <a:defRPr sz="1500"/>
             </a:lvl2pPr>
             <a:lvl3pPr>
-              <a:defRPr sz="1800"/>
+              <a:defRPr sz="1350"/>
             </a:lvl3pPr>
             <a:lvl4pPr>
-              <a:defRPr sz="1600"/>
+              <a:defRPr sz="1200"/>
             </a:lvl4pPr>
             <a:lvl5pPr>
-              <a:defRPr sz="1600"/>
+              <a:defRPr sz="1200"/>
             </a:lvl5pPr>
             <a:lvl6pPr>
-              <a:defRPr sz="1600"/>
+              <a:defRPr sz="1200"/>
             </a:lvl6pPr>
             <a:lvl7pPr>
-              <a:defRPr sz="1600"/>
+              <a:defRPr sz="1200"/>
             </a:lvl7pPr>
             <a:lvl8pPr>
-              <a:defRPr sz="1600"/>
+              <a:defRPr sz="1200"/>
             </a:lvl8pPr>
             <a:lvl9pPr>
-              <a:defRPr sz="1600"/>
+              <a:defRPr sz="1200"/>
             </a:lvl9pPr>
           </a:lstStyle>
           <a:p>
@@ -2393,8 +3777,8 @@
         </p:nvSpPr>
         <p:spPr>
           <a:xfrm>
-            <a:off x="203200" y="150919"/>
-            <a:ext cx="11775736" cy="6556248"/>
+            <a:off x="152400" y="125766"/>
+            <a:ext cx="8831802" cy="5463540"/>
           </a:xfrm>
           <a:prstGeom prst="rect">
             <a:avLst/>
@@ -2427,7 +3811,7 @@
           <a:lstStyle/>
           <a:p>
             <a:pPr algn="ctr"/>
-            <a:endParaRPr lang="en-US" sz="1800"/>
+            <a:endParaRPr lang="en-US" sz="1350"/>
           </a:p>
         </p:txBody>
       </p:sp>
@@ -2540,7 +3924,7 @@
         <p:spPr>
           <a:xfrm>
             <a:off x="0" y="0"/>
-            <a:ext cx="12192000" cy="6858000"/>
+            <a:ext cx="9144000" cy="5715000"/>
           </a:xfrm>
           <a:prstGeom prst="rect">
             <a:avLst/>
@@ -2573,7 +3957,7 @@
           <a:lstStyle/>
           <a:p>
             <a:pPr algn="ctr"/>
-            <a:endParaRPr lang="en-US" sz="1800"/>
+            <a:endParaRPr lang="en-US" sz="1350"/>
           </a:p>
         </p:txBody>
       </p:sp>
@@ -2585,8 +3969,8 @@
         </p:nvSpPr>
         <p:spPr>
           <a:xfrm>
-            <a:off x="9347200" y="150876"/>
-            <a:ext cx="2641600" cy="6556248"/>
+            <a:off x="7010400" y="125730"/>
+            <a:ext cx="1981200" cy="5463540"/>
           </a:xfrm>
           <a:prstGeom prst="rect">
             <a:avLst/>
@@ -2619,7 +4003,7 @@
           <a:lstStyle/>
           <a:p>
             <a:pPr algn="ctr"/>
-            <a:endParaRPr lang="en-US" sz="1800"/>
+            <a:endParaRPr lang="en-US" sz="1350"/>
           </a:p>
         </p:txBody>
       </p:sp>
@@ -2631,8 +4015,8 @@
         </p:nvSpPr>
         <p:spPr>
           <a:xfrm>
-            <a:off x="203200" y="152400"/>
-            <a:ext cx="8940800" cy="6553200"/>
+            <a:off x="152400" y="127000"/>
+            <a:ext cx="6705600" cy="5461000"/>
           </a:xfrm>
           <a:prstGeom prst="rect">
             <a:avLst/>
@@ -2662,7 +4046,7 @@
           <a:lstStyle/>
           <a:p>
             <a:pPr algn="ctr"/>
-            <a:endParaRPr lang="en-US" sz="1800"/>
+            <a:endParaRPr lang="en-US" sz="1350"/>
           </a:p>
         </p:txBody>
       </p:sp>
@@ -2678,39 +4062,39 @@
         </p:nvSpPr>
         <p:spPr>
           <a:xfrm>
-            <a:off x="812800" y="304801"/>
-            <a:ext cx="7823200" cy="5853113"/>
+            <a:off x="609600" y="254001"/>
+            <a:ext cx="5867400" cy="4877594"/>
           </a:xfrm>
         </p:spPr>
         <p:txBody>
           <a:bodyPr/>
           <a:lstStyle>
             <a:lvl1pPr>
-              <a:defRPr sz="3200"/>
+              <a:defRPr sz="2400"/>
             </a:lvl1pPr>
             <a:lvl2pPr>
-              <a:defRPr sz="2800"/>
+              <a:defRPr sz="2100"/>
             </a:lvl2pPr>
             <a:lvl3pPr>
-              <a:defRPr sz="2400"/>
+              <a:defRPr sz="1800"/>
             </a:lvl3pPr>
             <a:lvl4pPr>
-              <a:defRPr sz="2000"/>
+              <a:defRPr sz="1500"/>
             </a:lvl4pPr>
             <a:lvl5pPr>
-              <a:defRPr sz="2000"/>
+              <a:defRPr sz="1500"/>
             </a:lvl5pPr>
             <a:lvl6pPr>
-              <a:defRPr sz="2000"/>
+              <a:defRPr sz="1500"/>
             </a:lvl6pPr>
             <a:lvl7pPr>
-              <a:defRPr sz="2000"/>
+              <a:defRPr sz="1500"/>
             </a:lvl7pPr>
             <a:lvl8pPr>
-              <a:defRPr sz="2000"/>
+              <a:defRPr sz="1500"/>
             </a:lvl8pPr>
             <a:lvl9pPr>
-              <a:defRPr sz="2000"/>
+              <a:defRPr sz="1500"/>
             </a:lvl9pPr>
           </a:lstStyle>
           <a:p>
@@ -2762,8 +4146,8 @@
         </p:nvSpPr>
         <p:spPr>
           <a:xfrm>
-            <a:off x="9546336" y="2130552"/>
-            <a:ext cx="2231136" cy="2816352"/>
+            <a:off x="7159752" y="1775460"/>
+            <a:ext cx="1673352" cy="2346960"/>
           </a:xfrm>
         </p:spPr>
         <p:txBody>
@@ -2771,43 +4155,43 @@
           <a:lstStyle>
             <a:lvl1pPr marL="0" indent="0">
               <a:buNone/>
-              <a:defRPr sz="1400">
+              <a:defRPr sz="1050">
                 <a:solidFill>
                   <a:srgbClr val="FFFFFF"/>
                 </a:solidFill>
               </a:defRPr>
             </a:lvl1pPr>
-            <a:lvl2pPr marL="457200" indent="0">
-              <a:buNone/>
-              <a:defRPr sz="1200"/>
-            </a:lvl2pPr>
-            <a:lvl3pPr marL="914400" indent="0">
-              <a:buNone/>
-              <a:defRPr sz="1000"/>
-            </a:lvl3pPr>
-            <a:lvl4pPr marL="1371600" indent="0">
+            <a:lvl2pPr marL="342900" indent="0">
               <a:buNone/>
               <a:defRPr sz="900"/>
+            </a:lvl2pPr>
+            <a:lvl3pPr marL="685800" indent="0">
+              <a:buNone/>
+              <a:defRPr sz="750"/>
+            </a:lvl3pPr>
+            <a:lvl4pPr marL="1028700" indent="0">
+              <a:buNone/>
+              <a:defRPr sz="675"/>
             </a:lvl4pPr>
-            <a:lvl5pPr marL="1828800" indent="0">
+            <a:lvl5pPr marL="1371600" indent="0">
               <a:buNone/>
-              <a:defRPr sz="900"/>
+              <a:defRPr sz="675"/>
             </a:lvl5pPr>
-            <a:lvl6pPr marL="2286000" indent="0">
+            <a:lvl6pPr marL="1714500" indent="0">
               <a:buNone/>
-              <a:defRPr sz="900"/>
+              <a:defRPr sz="675"/>
             </a:lvl6pPr>
-            <a:lvl7pPr marL="2743200" indent="0">
+            <a:lvl7pPr marL="2057400" indent="0">
               <a:buNone/>
-              <a:defRPr sz="900"/>
+              <a:defRPr sz="675"/>
             </a:lvl7pPr>
-            <a:lvl8pPr marL="3200400" indent="0">
+            <a:lvl8pPr marL="2400300" indent="0">
               <a:buNone/>
-              <a:defRPr sz="900"/>
+              <a:defRPr sz="675"/>
             </a:lvl8pPr>
-            <a:lvl9pPr marL="3657600" indent="0">
+            <a:lvl9pPr marL="2743200" indent="0">
               <a:buNone/>
-              <a:defRPr sz="900"/>
+              <a:defRPr sz="675"/>
             </a:lvl9pPr>
           </a:lstStyle>
           <a:p>
@@ -2908,15 +4292,15 @@
         </p:nvSpPr>
         <p:spPr>
           <a:xfrm>
-            <a:off x="9546336" y="457200"/>
-            <a:ext cx="2234213" cy="1673352"/>
+            <a:off x="7159752" y="381000"/>
+            <a:ext cx="1675660" cy="1394460"/>
           </a:xfrm>
         </p:spPr>
         <p:txBody>
           <a:bodyPr anchor="b"/>
           <a:lstStyle>
             <a:lvl1pPr algn="l">
-              <a:defRPr sz="2000" spc="150" baseline="0"/>
+              <a:defRPr sz="1500" spc="113" baseline="0"/>
             </a:lvl1pPr>
           </a:lstStyle>
           <a:p>
@@ -2972,7 +4356,7 @@
         <p:spPr>
           <a:xfrm>
             <a:off x="0" y="0"/>
-            <a:ext cx="12192000" cy="6858000"/>
+            <a:ext cx="9144000" cy="5715000"/>
           </a:xfrm>
           <a:prstGeom prst="rect">
             <a:avLst/>
@@ -3005,7 +4389,7 @@
           <a:lstStyle/>
           <a:p>
             <a:pPr algn="ctr"/>
-            <a:endParaRPr lang="en-US" sz="1800"/>
+            <a:endParaRPr lang="en-US" sz="1350"/>
           </a:p>
         </p:txBody>
       </p:sp>
@@ -3017,8 +4401,8 @@
         </p:nvSpPr>
         <p:spPr>
           <a:xfrm>
-            <a:off x="9347200" y="150876"/>
-            <a:ext cx="2641600" cy="6556248"/>
+            <a:off x="7010400" y="125730"/>
+            <a:ext cx="1981200" cy="5463540"/>
           </a:xfrm>
           <a:prstGeom prst="rect">
             <a:avLst/>
@@ -3048,7 +4432,7 @@
           <a:lstStyle/>
           <a:p>
             <a:pPr algn="ctr"/>
-            <a:endParaRPr lang="en-US" sz="1800"/>
+            <a:endParaRPr lang="en-US" sz="1350"/>
           </a:p>
         </p:txBody>
       </p:sp>
@@ -3064,8 +4448,8 @@
         </p:nvSpPr>
         <p:spPr>
           <a:xfrm>
-            <a:off x="203200" y="152400"/>
-            <a:ext cx="8940800" cy="6553200"/>
+            <a:off x="152400" y="127000"/>
+            <a:ext cx="6705600" cy="5461000"/>
           </a:xfrm>
         </p:spPr>
         <p:txBody>
@@ -3073,39 +4457,39 @@
           <a:lstStyle>
             <a:lvl1pPr marL="0" indent="0" algn="ctr">
               <a:buNone/>
-              <a:defRPr sz="3200"/>
+              <a:defRPr sz="2400"/>
             </a:lvl1pPr>
-            <a:lvl2pPr marL="457200" indent="0">
+            <a:lvl2pPr marL="342900" indent="0">
               <a:buNone/>
-              <a:defRPr sz="2800"/>
+              <a:defRPr sz="2100"/>
             </a:lvl2pPr>
-            <a:lvl3pPr marL="914400" indent="0">
+            <a:lvl3pPr marL="685800" indent="0">
               <a:buNone/>
-              <a:defRPr sz="2400"/>
+              <a:defRPr sz="1800"/>
             </a:lvl3pPr>
-            <a:lvl4pPr marL="1371600" indent="0">
+            <a:lvl4pPr marL="1028700" indent="0">
               <a:buNone/>
-              <a:defRPr sz="2000"/>
+              <a:defRPr sz="1500"/>
             </a:lvl4pPr>
-            <a:lvl5pPr marL="1828800" indent="0">
+            <a:lvl5pPr marL="1371600" indent="0">
               <a:buNone/>
-              <a:defRPr sz="2000"/>
+              <a:defRPr sz="1500"/>
             </a:lvl5pPr>
-            <a:lvl6pPr marL="2286000" indent="0">
+            <a:lvl6pPr marL="1714500" indent="0">
               <a:buNone/>
-              <a:defRPr sz="2000"/>
+              <a:defRPr sz="1500"/>
             </a:lvl6pPr>
-            <a:lvl7pPr marL="2743200" indent="0">
+            <a:lvl7pPr marL="2057400" indent="0">
               <a:buNone/>
-              <a:defRPr sz="2000"/>
+              <a:defRPr sz="1500"/>
             </a:lvl7pPr>
-            <a:lvl8pPr marL="3200400" indent="0">
+            <a:lvl8pPr marL="2400300" indent="0">
               <a:buNone/>
-              <a:defRPr sz="2000"/>
+              <a:defRPr sz="1500"/>
             </a:lvl8pPr>
-            <a:lvl9pPr marL="3657600" indent="0">
+            <a:lvl9pPr marL="2743200" indent="0">
               <a:buNone/>
-              <a:defRPr sz="2000"/>
+              <a:defRPr sz="1500"/>
             </a:lvl9pPr>
           </a:lstStyle>
           <a:p>
@@ -3129,8 +4513,8 @@
         </p:nvSpPr>
         <p:spPr>
           <a:xfrm>
-            <a:off x="9550400" y="2133600"/>
-            <a:ext cx="2235200" cy="2971800"/>
+            <a:off x="7162800" y="1778000"/>
+            <a:ext cx="1676400" cy="2476500"/>
           </a:xfrm>
         </p:spPr>
         <p:txBody>
@@ -3138,43 +4522,43 @@
           <a:lstStyle>
             <a:lvl1pPr marL="0" indent="0">
               <a:buNone/>
-              <a:defRPr sz="1400">
+              <a:defRPr sz="1050">
                 <a:solidFill>
                   <a:schemeClr val="tx1"/>
                 </a:solidFill>
               </a:defRPr>
             </a:lvl1pPr>
-            <a:lvl2pPr marL="457200" indent="0">
-              <a:buNone/>
-              <a:defRPr sz="1200"/>
-            </a:lvl2pPr>
-            <a:lvl3pPr marL="914400" indent="0">
-              <a:buNone/>
-              <a:defRPr sz="1000"/>
-            </a:lvl3pPr>
-            <a:lvl4pPr marL="1371600" indent="0">
+            <a:lvl2pPr marL="342900" indent="0">
               <a:buNone/>
               <a:defRPr sz="900"/>
+            </a:lvl2pPr>
+            <a:lvl3pPr marL="685800" indent="0">
+              <a:buNone/>
+              <a:defRPr sz="750"/>
+            </a:lvl3pPr>
+            <a:lvl4pPr marL="1028700" indent="0">
+              <a:buNone/>
+              <a:defRPr sz="675"/>
             </a:lvl4pPr>
-            <a:lvl5pPr marL="1828800" indent="0">
+            <a:lvl5pPr marL="1371600" indent="0">
               <a:buNone/>
-              <a:defRPr sz="900"/>
+              <a:defRPr sz="675"/>
             </a:lvl5pPr>
-            <a:lvl6pPr marL="2286000" indent="0">
+            <a:lvl6pPr marL="1714500" indent="0">
               <a:buNone/>
-              <a:defRPr sz="900"/>
+              <a:defRPr sz="675"/>
             </a:lvl6pPr>
-            <a:lvl7pPr marL="2743200" indent="0">
+            <a:lvl7pPr marL="2057400" indent="0">
               <a:buNone/>
-              <a:defRPr sz="900"/>
+              <a:defRPr sz="675"/>
             </a:lvl7pPr>
-            <a:lvl8pPr marL="3200400" indent="0">
+            <a:lvl8pPr marL="2400300" indent="0">
               <a:buNone/>
-              <a:defRPr sz="900"/>
+              <a:defRPr sz="675"/>
             </a:lvl8pPr>
-            <a:lvl9pPr marL="3657600" indent="0">
+            <a:lvl9pPr marL="2743200" indent="0">
               <a:buNone/>
-              <a:defRPr sz="900"/>
+              <a:defRPr sz="675"/>
             </a:lvl9pPr>
           </a:lstStyle>
           <a:p>
@@ -3263,15 +4647,15 @@
         </p:nvSpPr>
         <p:spPr>
           <a:xfrm>
-            <a:off x="9550400" y="460248"/>
-            <a:ext cx="2235200" cy="1673352"/>
+            <a:off x="7162800" y="383540"/>
+            <a:ext cx="1676400" cy="1394460"/>
           </a:xfrm>
         </p:spPr>
         <p:txBody>
           <a:bodyPr anchor="b"/>
           <a:lstStyle>
             <a:lvl1pPr algn="l">
-              <a:defRPr sz="2000" spc="150" baseline="0">
+              <a:defRPr sz="1500" spc="113" baseline="0">
                 <a:solidFill>
                   <a:schemeClr val="tx2"/>
                 </a:solidFill>
@@ -3330,8 +4714,8 @@
         </p:nvSpPr>
         <p:spPr>
           <a:xfrm>
-            <a:off x="203200" y="1634971"/>
-            <a:ext cx="11775736" cy="5045476"/>
+            <a:off x="152400" y="1362477"/>
+            <a:ext cx="8831802" cy="4204563"/>
           </a:xfrm>
           <a:prstGeom prst="rect">
             <a:avLst/>
@@ -3364,7 +4748,7 @@
           <a:lstStyle/>
           <a:p>
             <a:pPr algn="ctr"/>
-            <a:endParaRPr lang="en-US" sz="1800"/>
+            <a:endParaRPr lang="en-US" sz="1350"/>
           </a:p>
         </p:txBody>
       </p:sp>
@@ -3376,8 +4760,8 @@
         </p:nvSpPr>
         <p:spPr>
           <a:xfrm>
-            <a:off x="203199" y="152401"/>
-            <a:ext cx="11752063" cy="1346447"/>
+            <a:off x="152401" y="127002"/>
+            <a:ext cx="8814047" cy="1122039"/>
           </a:xfrm>
           <a:prstGeom prst="rect">
             <a:avLst/>
@@ -3410,7 +4794,7 @@
           <a:lstStyle/>
           <a:p>
             <a:pPr algn="ctr"/>
-            <a:endParaRPr lang="en-US" sz="1800"/>
+            <a:endParaRPr lang="en-US" sz="1350"/>
           </a:p>
         </p:txBody>
       </p:sp>
@@ -3426,8 +4810,8 @@
         </p:nvSpPr>
         <p:spPr>
           <a:xfrm>
-            <a:off x="508000" y="355847"/>
-            <a:ext cx="11175013" cy="1054394"/>
+            <a:off x="381000" y="296539"/>
+            <a:ext cx="8381260" cy="878662"/>
           </a:xfrm>
           <a:prstGeom prst="rect">
             <a:avLst/>
@@ -3459,8 +4843,8 @@
         </p:nvSpPr>
         <p:spPr>
           <a:xfrm>
-            <a:off x="507999" y="1719071"/>
-            <a:ext cx="11210524" cy="4407408"/>
+            <a:off x="380999" y="1432559"/>
+            <a:ext cx="8407893" cy="3672840"/>
           </a:xfrm>
           <a:prstGeom prst="rect">
             <a:avLst/>
@@ -3521,8 +4905,8 @@
         </p:nvSpPr>
         <p:spPr>
           <a:xfrm>
-            <a:off x="494517" y="6356350"/>
-            <a:ext cx="2844800" cy="274320"/>
+            <a:off x="370888" y="5296958"/>
+            <a:ext cx="2133600" cy="228600"/>
           </a:xfrm>
           <a:prstGeom prst="rect">
             <a:avLst/>
@@ -3532,7 +4916,7 @@
           <a:bodyPr vert="horz" lIns="91440" tIns="45720" rIns="91440" bIns="45720" rtlCol="0" anchor="ctr"/>
           <a:lstStyle>
             <a:lvl1pPr algn="l">
-              <a:defRPr sz="1100">
+              <a:defRPr sz="825">
                 <a:solidFill>
                   <a:schemeClr val="tx2"/>
                 </a:solidFill>
@@ -3560,8 +4944,8 @@
         </p:nvSpPr>
         <p:spPr>
           <a:xfrm>
-            <a:off x="4064000" y="6356350"/>
-            <a:ext cx="4470400" cy="274320"/>
+            <a:off x="3048000" y="5296958"/>
+            <a:ext cx="3352800" cy="228600"/>
           </a:xfrm>
           <a:prstGeom prst="rect">
             <a:avLst/>
@@ -3571,7 +4955,7 @@
           <a:bodyPr vert="horz" lIns="91440" tIns="45720" rIns="91440" bIns="45720" rtlCol="0" anchor="ctr"/>
           <a:lstStyle>
             <a:lvl1pPr algn="ctr">
-              <a:defRPr sz="1100">
+              <a:defRPr sz="825">
                 <a:solidFill>
                   <a:schemeClr val="tx2"/>
                 </a:solidFill>
@@ -3595,8 +4979,8 @@
         </p:nvSpPr>
         <p:spPr>
           <a:xfrm>
-            <a:off x="10979573" y="6355080"/>
-            <a:ext cx="777288" cy="274320"/>
+            <a:off x="8234680" y="5295900"/>
+            <a:ext cx="582966" cy="228600"/>
           </a:xfrm>
           <a:prstGeom prst="rect">
             <a:avLst/>
@@ -3609,7 +4993,7 @@
           <a:bodyPr vert="horz" lIns="91440" tIns="45720" rIns="91440" bIns="45720" rtlCol="0" anchor="ctr"/>
           <a:lstStyle>
             <a:lvl1pPr algn="ctr">
-              <a:defRPr sz="1100">
+              <a:defRPr sz="825">
                 <a:solidFill>
                   <a:schemeClr val="tx2"/>
                 </a:solidFill>
@@ -3648,12 +5032,12 @@
   </p:sldLayoutIdLst>
   <p:txStyles>
     <p:titleStyle>
-      <a:lvl1pPr algn="ctr" defTabSz="914400" rtl="0" eaLnBrk="1" latinLnBrk="0" hangingPunct="1">
+      <a:lvl1pPr algn="ctr" defTabSz="685800" rtl="0" eaLnBrk="1" latinLnBrk="0" hangingPunct="1">
         <a:spcBef>
           <a:spcPct val="0"/>
         </a:spcBef>
         <a:buNone/>
-        <a:defRPr sz="3200" kern="1200" cap="all" spc="200" baseline="0">
+        <a:defRPr sz="2400" kern="1200" cap="all" spc="150" baseline="0">
           <a:ln>
             <a:noFill/>
           </a:ln>
@@ -3668,7 +5052,7 @@
       </a:lvl1pPr>
     </p:titleStyle>
     <p:bodyStyle>
-      <a:lvl1pPr marL="274320" indent="-228600" algn="l" defTabSz="914400" rtl="0" eaLnBrk="1" latinLnBrk="0" hangingPunct="1">
+      <a:lvl1pPr marL="205740" indent="-171450" algn="l" defTabSz="685800" rtl="0" eaLnBrk="1" latinLnBrk="0" hangingPunct="1">
         <a:spcBef>
           <a:spcPct val="20000"/>
         </a:spcBef>
@@ -3677,7 +5061,7 @@
         </a:buClr>
         <a:buFont typeface="Wingdings 2" pitchFamily="18" charset="2"/>
         <a:buChar char=""/>
-        <a:defRPr sz="2000" kern="1200" spc="150" baseline="0">
+        <a:defRPr sz="1500" kern="1200" spc="113" baseline="0">
           <a:solidFill>
             <a:schemeClr val="tx2"/>
           </a:solidFill>
@@ -3686,7 +5070,7 @@
           <a:cs typeface="+mn-cs"/>
         </a:defRPr>
       </a:lvl1pPr>
-      <a:lvl2pPr marL="548640" indent="-182880" algn="l" defTabSz="914400" rtl="0" eaLnBrk="1" latinLnBrk="0" hangingPunct="1">
+      <a:lvl2pPr marL="411480" indent="-137160" algn="l" defTabSz="685800" rtl="0" eaLnBrk="1" latinLnBrk="0" hangingPunct="1">
         <a:spcBef>
           <a:spcPct val="20000"/>
         </a:spcBef>
@@ -3695,7 +5079,7 @@
         </a:buClr>
         <a:buFont typeface="Wingdings" pitchFamily="2" charset="2"/>
         <a:buChar char="§"/>
-        <a:defRPr sz="1800" kern="1200" spc="100" baseline="0">
+        <a:defRPr sz="1350" kern="1200" spc="75" baseline="0">
           <a:solidFill>
             <a:schemeClr val="tx2"/>
           </a:solidFill>
@@ -3704,7 +5088,7 @@
           <a:cs typeface="+mn-cs"/>
         </a:defRPr>
       </a:lvl2pPr>
-      <a:lvl3pPr marL="822960" indent="-182880" algn="l" defTabSz="914400" rtl="0" eaLnBrk="1" latinLnBrk="0" hangingPunct="1">
+      <a:lvl3pPr marL="617220" indent="-137160" algn="l" defTabSz="685800" rtl="0" eaLnBrk="1" latinLnBrk="0" hangingPunct="1">
         <a:spcBef>
           <a:spcPct val="20000"/>
         </a:spcBef>
@@ -3713,7 +5097,7 @@
         </a:buClr>
         <a:buFont typeface="Wingdings" pitchFamily="2" charset="2"/>
         <a:buChar char="§"/>
-        <a:defRPr sz="1600" kern="1200" spc="100" baseline="0">
+        <a:defRPr sz="1200" kern="1200" spc="75" baseline="0">
           <a:solidFill>
             <a:schemeClr val="tx2"/>
           </a:solidFill>
@@ -3722,7 +5106,7 @@
           <a:cs typeface="+mn-cs"/>
         </a:defRPr>
       </a:lvl3pPr>
-      <a:lvl4pPr marL="1097280" indent="-182880" algn="l" defTabSz="914400" rtl="0" eaLnBrk="1" latinLnBrk="0" hangingPunct="1">
+      <a:lvl4pPr marL="822960" indent="-137160" algn="l" defTabSz="685800" rtl="0" eaLnBrk="1" latinLnBrk="0" hangingPunct="1">
         <a:spcBef>
           <a:spcPct val="20000"/>
         </a:spcBef>
@@ -3731,7 +5115,7 @@
         </a:buClr>
         <a:buFont typeface="Wingdings" pitchFamily="2" charset="2"/>
         <a:buChar char="§"/>
-        <a:defRPr sz="1400" kern="1200">
+        <a:defRPr sz="1050" kern="1200">
           <a:solidFill>
             <a:schemeClr val="tx2"/>
           </a:solidFill>
@@ -3740,7 +5124,7 @@
           <a:cs typeface="+mn-cs"/>
         </a:defRPr>
       </a:lvl4pPr>
-      <a:lvl5pPr marL="1280160" indent="-182880" algn="l" defTabSz="914400" rtl="0" eaLnBrk="1" latinLnBrk="0" hangingPunct="1">
+      <a:lvl5pPr marL="960120" indent="-137160" algn="l" defTabSz="685800" rtl="0" eaLnBrk="1" latinLnBrk="0" hangingPunct="1">
         <a:spcBef>
           <a:spcPct val="20000"/>
         </a:spcBef>
@@ -3749,7 +5133,7 @@
         </a:buClr>
         <a:buFont typeface="Wingdings" pitchFamily="2" charset="2"/>
         <a:buChar char="§"/>
-        <a:defRPr sz="1300" kern="1200" spc="100" baseline="0">
+        <a:defRPr sz="975" kern="1200" spc="75" baseline="0">
           <a:solidFill>
             <a:schemeClr val="tx2"/>
           </a:solidFill>
@@ -3758,7 +5142,7 @@
           <a:cs typeface="+mn-cs"/>
         </a:defRPr>
       </a:lvl5pPr>
-      <a:lvl6pPr marL="1554480" indent="-182880" algn="l" defTabSz="914400" rtl="0" eaLnBrk="1" latinLnBrk="0" hangingPunct="1">
+      <a:lvl6pPr marL="1165860" indent="-137160" algn="l" defTabSz="685800" rtl="0" eaLnBrk="1" latinLnBrk="0" hangingPunct="1">
         <a:spcBef>
           <a:spcPct val="20000"/>
         </a:spcBef>
@@ -3767,7 +5151,7 @@
         </a:buClr>
         <a:buFont typeface="Wingdings" pitchFamily="2" charset="2"/>
         <a:buChar char="§"/>
-        <a:defRPr sz="1200" kern="1200">
+        <a:defRPr sz="900" kern="1200">
           <a:solidFill>
             <a:schemeClr val="tx2"/>
           </a:solidFill>
@@ -3776,7 +5160,7 @@
           <a:cs typeface="+mn-cs"/>
         </a:defRPr>
       </a:lvl6pPr>
-      <a:lvl7pPr marL="1828800" indent="-182880" algn="l" defTabSz="914400" rtl="0" eaLnBrk="1" latinLnBrk="0" hangingPunct="1">
+      <a:lvl7pPr marL="1371600" indent="-137160" algn="l" defTabSz="685800" rtl="0" eaLnBrk="1" latinLnBrk="0" hangingPunct="1">
         <a:spcBef>
           <a:spcPct val="20000"/>
         </a:spcBef>
@@ -3785,7 +5169,7 @@
         </a:buClr>
         <a:buFont typeface="Wingdings" pitchFamily="2" charset="2"/>
         <a:buChar char="§"/>
-        <a:defRPr sz="1200" kern="1200">
+        <a:defRPr sz="900" kern="1200">
           <a:solidFill>
             <a:schemeClr val="tx2"/>
           </a:solidFill>
@@ -3794,7 +5178,7 @@
           <a:cs typeface="+mn-cs"/>
         </a:defRPr>
       </a:lvl7pPr>
-      <a:lvl8pPr marL="2103120" indent="-182880" algn="l" defTabSz="914400" rtl="0" eaLnBrk="1" latinLnBrk="0" hangingPunct="1">
+      <a:lvl8pPr marL="1577340" indent="-137160" algn="l" defTabSz="685800" rtl="0" eaLnBrk="1" latinLnBrk="0" hangingPunct="1">
         <a:spcBef>
           <a:spcPct val="20000"/>
         </a:spcBef>
@@ -3803,7 +5187,7 @@
         </a:buClr>
         <a:buFont typeface="Wingdings" pitchFamily="2" charset="2"/>
         <a:buChar char="§"/>
-        <a:defRPr sz="1200" kern="1200">
+        <a:defRPr sz="900" kern="1200">
           <a:solidFill>
             <a:schemeClr val="tx2"/>
           </a:solidFill>
@@ -3812,7 +5196,7 @@
           <a:cs typeface="+mn-cs"/>
         </a:defRPr>
       </a:lvl8pPr>
-      <a:lvl9pPr marL="2377440" indent="-182880" algn="l" defTabSz="914400" rtl="0" eaLnBrk="1" latinLnBrk="0" hangingPunct="1">
+      <a:lvl9pPr marL="1783080" indent="-137160" algn="l" defTabSz="685800" rtl="0" eaLnBrk="1" latinLnBrk="0" hangingPunct="1">
         <a:spcBef>
           <a:spcPct val="20000"/>
         </a:spcBef>
@@ -3821,7 +5205,7 @@
         </a:buClr>
         <a:buFont typeface="Wingdings" pitchFamily="2" charset="2"/>
         <a:buChar char="§"/>
-        <a:defRPr sz="1200" kern="1200">
+        <a:defRPr sz="900" kern="1200">
           <a:solidFill>
             <a:schemeClr val="tx2"/>
           </a:solidFill>
@@ -3835,8 +5219,8 @@
       <a:defPPr>
         <a:defRPr lang="en-US"/>
       </a:defPPr>
-      <a:lvl1pPr marL="0" algn="l" defTabSz="914400" rtl="0" eaLnBrk="1" latinLnBrk="0" hangingPunct="1">
-        <a:defRPr sz="1800" kern="1200">
+      <a:lvl1pPr marL="0" algn="l" defTabSz="685800" rtl="0" eaLnBrk="1" latinLnBrk="0" hangingPunct="1">
+        <a:defRPr sz="1350" kern="1200">
           <a:solidFill>
             <a:schemeClr val="tx1"/>
           </a:solidFill>
@@ -3845,8 +5229,8 @@
           <a:cs typeface="+mn-cs"/>
         </a:defRPr>
       </a:lvl1pPr>
-      <a:lvl2pPr marL="457200" algn="l" defTabSz="914400" rtl="0" eaLnBrk="1" latinLnBrk="0" hangingPunct="1">
-        <a:defRPr sz="1800" kern="1200">
+      <a:lvl2pPr marL="342900" algn="l" defTabSz="685800" rtl="0" eaLnBrk="1" latinLnBrk="0" hangingPunct="1">
+        <a:defRPr sz="1350" kern="1200">
           <a:solidFill>
             <a:schemeClr val="tx1"/>
           </a:solidFill>
@@ -3855,8 +5239,8 @@
           <a:cs typeface="+mn-cs"/>
         </a:defRPr>
       </a:lvl2pPr>
-      <a:lvl3pPr marL="914400" algn="l" defTabSz="914400" rtl="0" eaLnBrk="1" latinLnBrk="0" hangingPunct="1">
-        <a:defRPr sz="1800" kern="1200">
+      <a:lvl3pPr marL="685800" algn="l" defTabSz="685800" rtl="0" eaLnBrk="1" latinLnBrk="0" hangingPunct="1">
+        <a:defRPr sz="1350" kern="1200">
           <a:solidFill>
             <a:schemeClr val="tx1"/>
           </a:solidFill>
@@ -3865,8 +5249,8 @@
           <a:cs typeface="+mn-cs"/>
         </a:defRPr>
       </a:lvl3pPr>
-      <a:lvl4pPr marL="1371600" algn="l" defTabSz="914400" rtl="0" eaLnBrk="1" latinLnBrk="0" hangingPunct="1">
-        <a:defRPr sz="1800" kern="1200">
+      <a:lvl4pPr marL="1028700" algn="l" defTabSz="685800" rtl="0" eaLnBrk="1" latinLnBrk="0" hangingPunct="1">
+        <a:defRPr sz="1350" kern="1200">
           <a:solidFill>
             <a:schemeClr val="tx1"/>
           </a:solidFill>
@@ -3875,8 +5259,8 @@
           <a:cs typeface="+mn-cs"/>
         </a:defRPr>
       </a:lvl4pPr>
-      <a:lvl5pPr marL="1828800" algn="l" defTabSz="914400" rtl="0" eaLnBrk="1" latinLnBrk="0" hangingPunct="1">
-        <a:defRPr sz="1800" kern="1200">
+      <a:lvl5pPr marL="1371600" algn="l" defTabSz="685800" rtl="0" eaLnBrk="1" latinLnBrk="0" hangingPunct="1">
+        <a:defRPr sz="1350" kern="1200">
           <a:solidFill>
             <a:schemeClr val="tx1"/>
           </a:solidFill>
@@ -3885,8 +5269,8 @@
           <a:cs typeface="+mn-cs"/>
         </a:defRPr>
       </a:lvl5pPr>
-      <a:lvl6pPr marL="2286000" algn="l" defTabSz="914400" rtl="0" eaLnBrk="1" latinLnBrk="0" hangingPunct="1">
-        <a:defRPr sz="1800" kern="1200">
+      <a:lvl6pPr marL="1714500" algn="l" defTabSz="685800" rtl="0" eaLnBrk="1" latinLnBrk="0" hangingPunct="1">
+        <a:defRPr sz="1350" kern="1200">
           <a:solidFill>
             <a:schemeClr val="tx1"/>
           </a:solidFill>
@@ -3895,8 +5279,8 @@
           <a:cs typeface="+mn-cs"/>
         </a:defRPr>
       </a:lvl6pPr>
-      <a:lvl7pPr marL="2743200" algn="l" defTabSz="914400" rtl="0" eaLnBrk="1" latinLnBrk="0" hangingPunct="1">
-        <a:defRPr sz="1800" kern="1200">
+      <a:lvl7pPr marL="2057400" algn="l" defTabSz="685800" rtl="0" eaLnBrk="1" latinLnBrk="0" hangingPunct="1">
+        <a:defRPr sz="1350" kern="1200">
           <a:solidFill>
             <a:schemeClr val="tx1"/>
           </a:solidFill>
@@ -3905,8 +5289,8 @@
           <a:cs typeface="+mn-cs"/>
         </a:defRPr>
       </a:lvl7pPr>
-      <a:lvl8pPr marL="3200400" algn="l" defTabSz="914400" rtl="0" eaLnBrk="1" latinLnBrk="0" hangingPunct="1">
-        <a:defRPr sz="1800" kern="1200">
+      <a:lvl8pPr marL="2400300" algn="l" defTabSz="685800" rtl="0" eaLnBrk="1" latinLnBrk="0" hangingPunct="1">
+        <a:defRPr sz="1350" kern="1200">
           <a:solidFill>
             <a:schemeClr val="tx1"/>
           </a:solidFill>
@@ -3915,8 +5299,8 @@
           <a:cs typeface="+mn-cs"/>
         </a:defRPr>
       </a:lvl8pPr>
-      <a:lvl9pPr marL="3657600" algn="l" defTabSz="914400" rtl="0" eaLnBrk="1" latinLnBrk="0" hangingPunct="1">
-        <a:defRPr sz="1800" kern="1200">
+      <a:lvl9pPr marL="2743200" algn="l" defTabSz="685800" rtl="0" eaLnBrk="1" latinLnBrk="0" hangingPunct="1">
+        <a:defRPr sz="1350" kern="1200">
           <a:solidFill>
             <a:schemeClr val="tx1"/>
           </a:solidFill>
@@ -3970,8 +5354,8 @@
         </p:nvSpPr>
         <p:spPr>
           <a:xfrm>
-            <a:off x="6299200" y="3420205"/>
-            <a:ext cx="2641600" cy="1828800"/>
+            <a:off x="4747071" y="2631751"/>
+            <a:ext cx="1981200" cy="2386114"/>
           </a:xfrm>
         </p:spPr>
         <p:txBody>
@@ -3982,25 +5366,36 @@
           <a:p>
             <a:pPr algn="r"/>
             <a:r>
-              <a:rPr lang="en-AU" sz="2400" dirty="0"/>
+              <a:rPr lang="en-AU" sz="2000" dirty="0"/>
+              <a:t>WEEK 7</a:t>
+            </a:r>
+          </a:p>
+          <a:p>
+            <a:pPr algn="r"/>
+            <a:endParaRPr lang="en-AU" sz="2000" dirty="0"/>
+          </a:p>
+          <a:p>
+            <a:pPr algn="r"/>
+            <a:r>
+              <a:rPr lang="en-AU" sz="2000" dirty="0"/>
               <a:t>Ryan Klugman</a:t>
             </a:r>
           </a:p>
           <a:p>
             <a:pPr algn="r"/>
             <a:r>
-              <a:rPr lang="en-AU" sz="2400" dirty="0" err="1"/>
+              <a:rPr lang="en-AU" sz="2000" dirty="0" err="1"/>
               <a:t>Bowei</a:t>
             </a:r>
             <a:r>
-              <a:rPr lang="en-AU" sz="2400" dirty="0"/>
+              <a:rPr lang="en-AU" sz="2000" dirty="0"/>
               <a:t> Liu</a:t>
             </a:r>
           </a:p>
           <a:p>
             <a:pPr algn="r"/>
             <a:r>
-              <a:rPr lang="en-AU" sz="2400" dirty="0"/>
+              <a:rPr lang="en-AU" sz="2000" dirty="0"/>
               <a:t>Isabel Barlow</a:t>
             </a:r>
           </a:p>
@@ -4028,7 +5423,7 @@
           <a:lstStyle/>
           <a:p>
             <a:r>
-              <a:rPr lang="en-AU" sz="6600" dirty="0"/>
+              <a:rPr lang="en-AU" sz="4950" dirty="0"/>
               <a:t>Group G</a:t>
             </a:r>
           </a:p>
@@ -4038,6 +5433,1154 @@
     <p:extLst>
       <p:ext uri="{BB962C8B-B14F-4D97-AF65-F5344CB8AC3E}">
         <p14:creationId xmlns:p14="http://schemas.microsoft.com/office/powerpoint/2010/main" val="4085155410"/>
+      </p:ext>
+    </p:extLst>
+  </p:cSld>
+  <p:clrMapOvr>
+    <a:masterClrMapping/>
+  </p:clrMapOvr>
+</p:sld>
+</file>
+
+<file path=ppt/slides/slide10.xml><?xml version="1.0" encoding="utf-8"?>
+<p:sld xmlns:a="http://schemas.openxmlformats.org/drawingml/2006/main" xmlns:r="http://schemas.openxmlformats.org/officeDocument/2006/relationships" xmlns:p="http://schemas.openxmlformats.org/presentationml/2006/main">
+  <p:cSld>
+    <p:spTree>
+      <p:nvGrpSpPr>
+        <p:cNvPr id="1" name=""/>
+        <p:cNvGrpSpPr/>
+        <p:nvPr/>
+      </p:nvGrpSpPr>
+      <p:grpSpPr>
+        <a:xfrm>
+          <a:off x="0" y="0"/>
+          <a:ext cx="0" cy="0"/>
+          <a:chOff x="0" y="0"/>
+          <a:chExt cx="0" cy="0"/>
+        </a:xfrm>
+      </p:grpSpPr>
+      <p:sp>
+        <p:nvSpPr>
+          <p:cNvPr id="2" name="Content Placeholder 1">
+            <a:extLst>
+              <a:ext uri="{FF2B5EF4-FFF2-40B4-BE49-F238E27FC236}">
+                <a16:creationId xmlns:a16="http://schemas.microsoft.com/office/drawing/2014/main" id="{E03CE05D-C3DA-47CC-AC1F-8C674769EC66}"/>
+              </a:ext>
+            </a:extLst>
+          </p:cNvPr>
+          <p:cNvSpPr>
+            <a:spLocks noGrp="1"/>
+          </p:cNvSpPr>
+          <p:nvPr>
+            <p:ph idx="1"/>
+          </p:nvPr>
+        </p:nvSpPr>
+        <p:spPr>
+          <a:xfrm>
+            <a:off x="380999" y="1432558"/>
+            <a:ext cx="8407893" cy="4038727"/>
+          </a:xfrm>
+        </p:spPr>
+        <p:txBody>
+          <a:bodyPr>
+            <a:normAutofit/>
+          </a:bodyPr>
+          <a:lstStyle/>
+          <a:p>
+            <a:pPr marL="34290" indent="0">
+              <a:spcAft>
+                <a:spcPts val="0"/>
+              </a:spcAft>
+              <a:buNone/>
+            </a:pPr>
+            <a:r>
+              <a:rPr lang="en-AU" sz="2000" dirty="0">
+                <a:solidFill>
+                  <a:srgbClr val="0000FF"/>
+                </a:solidFill>
+                <a:latin typeface="Consolas" panose="020B0609020204030204" pitchFamily="49" charset="0"/>
+                <a:ea typeface="Times New Roman" panose="02020603050405020304" pitchFamily="18" charset="0"/>
+                <a:cs typeface="Times New Roman" panose="02020603050405020304" pitchFamily="18" charset="0"/>
+              </a:rPr>
+              <a:t>component</a:t>
+            </a:r>
+            <a:r>
+              <a:rPr lang="en-AU" sz="2000" dirty="0">
+                <a:solidFill>
+                  <a:srgbClr val="000000"/>
+                </a:solidFill>
+                <a:latin typeface="Consolas" panose="020B0609020204030204" pitchFamily="49" charset="0"/>
+                <a:ea typeface="Times New Roman" panose="02020603050405020304" pitchFamily="18" charset="0"/>
+                <a:cs typeface="Times New Roman" panose="02020603050405020304" pitchFamily="18" charset="0"/>
+              </a:rPr>
+              <a:t> </a:t>
+            </a:r>
+            <a:r>
+              <a:rPr lang="en-AU" sz="2000" dirty="0" err="1">
+                <a:solidFill>
+                  <a:srgbClr val="000000"/>
+                </a:solidFill>
+                <a:latin typeface="Consolas" panose="020B0609020204030204" pitchFamily="49" charset="0"/>
+                <a:ea typeface="Times New Roman" panose="02020603050405020304" pitchFamily="18" charset="0"/>
+                <a:cs typeface="Times New Roman" panose="02020603050405020304" pitchFamily="18" charset="0"/>
+              </a:rPr>
+              <a:t>note_pitch_player</a:t>
+            </a:r>
+            <a:r>
+              <a:rPr lang="en-AU" sz="2000" dirty="0">
+                <a:solidFill>
+                  <a:srgbClr val="000000"/>
+                </a:solidFill>
+                <a:latin typeface="Consolas" panose="020B0609020204030204" pitchFamily="49" charset="0"/>
+                <a:ea typeface="Times New Roman" panose="02020603050405020304" pitchFamily="18" charset="0"/>
+                <a:cs typeface="Times New Roman" panose="02020603050405020304" pitchFamily="18" charset="0"/>
+              </a:rPr>
+              <a:t> </a:t>
+            </a:r>
+            <a:r>
+              <a:rPr lang="en-AU" sz="2000" dirty="0">
+                <a:solidFill>
+                  <a:srgbClr val="0000FF"/>
+                </a:solidFill>
+                <a:latin typeface="Consolas" panose="020B0609020204030204" pitchFamily="49" charset="0"/>
+                <a:ea typeface="Times New Roman" panose="02020603050405020304" pitchFamily="18" charset="0"/>
+                <a:cs typeface="Times New Roman" panose="02020603050405020304" pitchFamily="18" charset="0"/>
+              </a:rPr>
+              <a:t>is</a:t>
+            </a:r>
+            <a:endParaRPr lang="en-AU" sz="2400" dirty="0">
+              <a:latin typeface="Calibri" panose="020F0502020204030204" pitchFamily="34" charset="0"/>
+              <a:ea typeface="Calibri" panose="020F0502020204030204" pitchFamily="34" charset="0"/>
+              <a:cs typeface="Times New Roman" panose="02020603050405020304" pitchFamily="18" charset="0"/>
+            </a:endParaRPr>
+          </a:p>
+          <a:p>
+            <a:pPr marL="34290" indent="0">
+              <a:spcAft>
+                <a:spcPts val="0"/>
+              </a:spcAft>
+              <a:buNone/>
+            </a:pPr>
+            <a:r>
+              <a:rPr lang="en-AU" sz="2000" dirty="0">
+                <a:solidFill>
+                  <a:srgbClr val="000000"/>
+                </a:solidFill>
+                <a:latin typeface="Consolas" panose="020B0609020204030204" pitchFamily="49" charset="0"/>
+                <a:ea typeface="Times New Roman" panose="02020603050405020304" pitchFamily="18" charset="0"/>
+                <a:cs typeface="Times New Roman" panose="02020603050405020304" pitchFamily="18" charset="0"/>
+              </a:rPr>
+              <a:t>    </a:t>
+            </a:r>
+            <a:r>
+              <a:rPr lang="en-AU" sz="2000" dirty="0">
+                <a:solidFill>
+                  <a:srgbClr val="0000FF"/>
+                </a:solidFill>
+                <a:latin typeface="Consolas" panose="020B0609020204030204" pitchFamily="49" charset="0"/>
+                <a:ea typeface="Times New Roman" panose="02020603050405020304" pitchFamily="18" charset="0"/>
+                <a:cs typeface="Times New Roman" panose="02020603050405020304" pitchFamily="18" charset="0"/>
+              </a:rPr>
+              <a:t>port</a:t>
+            </a:r>
+            <a:r>
+              <a:rPr lang="en-AU" sz="2000" dirty="0">
+                <a:solidFill>
+                  <a:srgbClr val="000000"/>
+                </a:solidFill>
+                <a:latin typeface="Consolas" panose="020B0609020204030204" pitchFamily="49" charset="0"/>
+                <a:ea typeface="Times New Roman" panose="02020603050405020304" pitchFamily="18" charset="0"/>
+                <a:cs typeface="Times New Roman" panose="02020603050405020304" pitchFamily="18" charset="0"/>
+              </a:rPr>
+              <a:t> (  </a:t>
+            </a:r>
+            <a:endParaRPr lang="en-AU" sz="2400" dirty="0">
+              <a:latin typeface="Calibri" panose="020F0502020204030204" pitchFamily="34" charset="0"/>
+              <a:ea typeface="Calibri" panose="020F0502020204030204" pitchFamily="34" charset="0"/>
+              <a:cs typeface="Times New Roman" panose="02020603050405020304" pitchFamily="18" charset="0"/>
+            </a:endParaRPr>
+          </a:p>
+          <a:p>
+            <a:pPr marL="34290" indent="0">
+              <a:spcAft>
+                <a:spcPts val="0"/>
+              </a:spcAft>
+              <a:buNone/>
+            </a:pPr>
+            <a:r>
+              <a:rPr lang="en-AU" sz="2000" dirty="0">
+                <a:solidFill>
+                  <a:srgbClr val="000000"/>
+                </a:solidFill>
+                <a:latin typeface="Consolas" panose="020B0609020204030204" pitchFamily="49" charset="0"/>
+                <a:ea typeface="Times New Roman" panose="02020603050405020304" pitchFamily="18" charset="0"/>
+                <a:cs typeface="Times New Roman" panose="02020603050405020304" pitchFamily="18" charset="0"/>
+              </a:rPr>
+              <a:t>        </a:t>
+            </a:r>
+            <a:r>
+              <a:rPr lang="en-AU" sz="2000" dirty="0" err="1">
+                <a:solidFill>
+                  <a:srgbClr val="000000"/>
+                </a:solidFill>
+                <a:latin typeface="Consolas" panose="020B0609020204030204" pitchFamily="49" charset="0"/>
+                <a:ea typeface="Times New Roman" panose="02020603050405020304" pitchFamily="18" charset="0"/>
+                <a:cs typeface="Times New Roman" panose="02020603050405020304" pitchFamily="18" charset="0"/>
+              </a:rPr>
+              <a:t>rst</a:t>
+            </a:r>
+            <a:r>
+              <a:rPr lang="en-AU" sz="2000" dirty="0">
+                <a:solidFill>
+                  <a:srgbClr val="000000"/>
+                </a:solidFill>
+                <a:latin typeface="Consolas" panose="020B0609020204030204" pitchFamily="49" charset="0"/>
+                <a:ea typeface="Times New Roman" panose="02020603050405020304" pitchFamily="18" charset="0"/>
+                <a:cs typeface="Times New Roman" panose="02020603050405020304" pitchFamily="18" charset="0"/>
+              </a:rPr>
+              <a:t> : </a:t>
+            </a:r>
+            <a:r>
+              <a:rPr lang="en-AU" sz="2000" dirty="0">
+                <a:solidFill>
+                  <a:srgbClr val="0000FF"/>
+                </a:solidFill>
+                <a:latin typeface="Consolas" panose="020B0609020204030204" pitchFamily="49" charset="0"/>
+                <a:ea typeface="Times New Roman" panose="02020603050405020304" pitchFamily="18" charset="0"/>
+                <a:cs typeface="Times New Roman" panose="02020603050405020304" pitchFamily="18" charset="0"/>
+              </a:rPr>
+              <a:t>in</a:t>
+            </a:r>
+            <a:r>
+              <a:rPr lang="en-AU" sz="2000" dirty="0">
+                <a:solidFill>
+                  <a:srgbClr val="000000"/>
+                </a:solidFill>
+                <a:latin typeface="Consolas" panose="020B0609020204030204" pitchFamily="49" charset="0"/>
+                <a:ea typeface="Times New Roman" panose="02020603050405020304" pitchFamily="18" charset="0"/>
+                <a:cs typeface="Times New Roman" panose="02020603050405020304" pitchFamily="18" charset="0"/>
+              </a:rPr>
+              <a:t> </a:t>
+            </a:r>
+            <a:r>
+              <a:rPr lang="en-AU" sz="2000" dirty="0" err="1">
+                <a:solidFill>
+                  <a:srgbClr val="000000"/>
+                </a:solidFill>
+                <a:latin typeface="Consolas" panose="020B0609020204030204" pitchFamily="49" charset="0"/>
+                <a:ea typeface="Times New Roman" panose="02020603050405020304" pitchFamily="18" charset="0"/>
+                <a:cs typeface="Times New Roman" panose="02020603050405020304" pitchFamily="18" charset="0"/>
+              </a:rPr>
+              <a:t>std_logic</a:t>
+            </a:r>
+            <a:r>
+              <a:rPr lang="en-AU" sz="2000" dirty="0">
+                <a:solidFill>
+                  <a:srgbClr val="000000"/>
+                </a:solidFill>
+                <a:latin typeface="Consolas" panose="020B0609020204030204" pitchFamily="49" charset="0"/>
+                <a:ea typeface="Times New Roman" panose="02020603050405020304" pitchFamily="18" charset="0"/>
+                <a:cs typeface="Times New Roman" panose="02020603050405020304" pitchFamily="18" charset="0"/>
+              </a:rPr>
+              <a:t>;</a:t>
+            </a:r>
+            <a:endParaRPr lang="en-AU" sz="2400" dirty="0">
+              <a:latin typeface="Calibri" panose="020F0502020204030204" pitchFamily="34" charset="0"/>
+              <a:ea typeface="Calibri" panose="020F0502020204030204" pitchFamily="34" charset="0"/>
+              <a:cs typeface="Times New Roman" panose="02020603050405020304" pitchFamily="18" charset="0"/>
+            </a:endParaRPr>
+          </a:p>
+          <a:p>
+            <a:pPr marL="34290" indent="0">
+              <a:spcAft>
+                <a:spcPts val="0"/>
+              </a:spcAft>
+              <a:buNone/>
+            </a:pPr>
+            <a:r>
+              <a:rPr lang="en-AU" sz="2000" dirty="0">
+                <a:solidFill>
+                  <a:srgbClr val="000000"/>
+                </a:solidFill>
+                <a:latin typeface="Consolas" panose="020B0609020204030204" pitchFamily="49" charset="0"/>
+                <a:ea typeface="Times New Roman" panose="02020603050405020304" pitchFamily="18" charset="0"/>
+                <a:cs typeface="Times New Roman" panose="02020603050405020304" pitchFamily="18" charset="0"/>
+              </a:rPr>
+              <a:t>        </a:t>
+            </a:r>
+            <a:r>
+              <a:rPr lang="en-AU" sz="2000" dirty="0" err="1">
+                <a:solidFill>
+                  <a:srgbClr val="000000"/>
+                </a:solidFill>
+                <a:latin typeface="Consolas" panose="020B0609020204030204" pitchFamily="49" charset="0"/>
+                <a:ea typeface="Times New Roman" panose="02020603050405020304" pitchFamily="18" charset="0"/>
+                <a:cs typeface="Times New Roman" panose="02020603050405020304" pitchFamily="18" charset="0"/>
+              </a:rPr>
+              <a:t>clk</a:t>
+            </a:r>
+            <a:r>
+              <a:rPr lang="en-AU" sz="2000" dirty="0">
+                <a:solidFill>
+                  <a:srgbClr val="000000"/>
+                </a:solidFill>
+                <a:latin typeface="Consolas" panose="020B0609020204030204" pitchFamily="49" charset="0"/>
+                <a:ea typeface="Times New Roman" panose="02020603050405020304" pitchFamily="18" charset="0"/>
+                <a:cs typeface="Times New Roman" panose="02020603050405020304" pitchFamily="18" charset="0"/>
+              </a:rPr>
+              <a:t> : </a:t>
+            </a:r>
+            <a:r>
+              <a:rPr lang="en-AU" sz="2000" dirty="0">
+                <a:solidFill>
+                  <a:srgbClr val="0000FF"/>
+                </a:solidFill>
+                <a:latin typeface="Consolas" panose="020B0609020204030204" pitchFamily="49" charset="0"/>
+                <a:ea typeface="Times New Roman" panose="02020603050405020304" pitchFamily="18" charset="0"/>
+                <a:cs typeface="Times New Roman" panose="02020603050405020304" pitchFamily="18" charset="0"/>
+              </a:rPr>
+              <a:t>in</a:t>
+            </a:r>
+            <a:r>
+              <a:rPr lang="en-AU" sz="2000" dirty="0">
+                <a:solidFill>
+                  <a:srgbClr val="000000"/>
+                </a:solidFill>
+                <a:latin typeface="Consolas" panose="020B0609020204030204" pitchFamily="49" charset="0"/>
+                <a:ea typeface="Times New Roman" panose="02020603050405020304" pitchFamily="18" charset="0"/>
+                <a:cs typeface="Times New Roman" panose="02020603050405020304" pitchFamily="18" charset="0"/>
+              </a:rPr>
+              <a:t> </a:t>
+            </a:r>
+            <a:r>
+              <a:rPr lang="en-AU" sz="2000" dirty="0" err="1">
+                <a:solidFill>
+                  <a:srgbClr val="000000"/>
+                </a:solidFill>
+                <a:latin typeface="Consolas" panose="020B0609020204030204" pitchFamily="49" charset="0"/>
+                <a:ea typeface="Times New Roman" panose="02020603050405020304" pitchFamily="18" charset="0"/>
+                <a:cs typeface="Times New Roman" panose="02020603050405020304" pitchFamily="18" charset="0"/>
+              </a:rPr>
+              <a:t>std_logic</a:t>
+            </a:r>
+            <a:r>
+              <a:rPr lang="en-AU" sz="2000" dirty="0">
+                <a:solidFill>
+                  <a:srgbClr val="000000"/>
+                </a:solidFill>
+                <a:latin typeface="Consolas" panose="020B0609020204030204" pitchFamily="49" charset="0"/>
+                <a:ea typeface="Times New Roman" panose="02020603050405020304" pitchFamily="18" charset="0"/>
+                <a:cs typeface="Times New Roman" panose="02020603050405020304" pitchFamily="18" charset="0"/>
+              </a:rPr>
+              <a:t>;</a:t>
+            </a:r>
+            <a:endParaRPr lang="en-AU" sz="2400" dirty="0">
+              <a:latin typeface="Calibri" panose="020F0502020204030204" pitchFamily="34" charset="0"/>
+              <a:ea typeface="Calibri" panose="020F0502020204030204" pitchFamily="34" charset="0"/>
+              <a:cs typeface="Times New Roman" panose="02020603050405020304" pitchFamily="18" charset="0"/>
+            </a:endParaRPr>
+          </a:p>
+          <a:p>
+            <a:pPr marL="34290" indent="0">
+              <a:spcAft>
+                <a:spcPts val="0"/>
+              </a:spcAft>
+              <a:buNone/>
+            </a:pPr>
+            <a:r>
+              <a:rPr lang="en-AU" sz="2000" dirty="0">
+                <a:solidFill>
+                  <a:srgbClr val="000000"/>
+                </a:solidFill>
+                <a:latin typeface="Consolas" panose="020B0609020204030204" pitchFamily="49" charset="0"/>
+                <a:ea typeface="Times New Roman" panose="02020603050405020304" pitchFamily="18" charset="0"/>
+                <a:cs typeface="Times New Roman" panose="02020603050405020304" pitchFamily="18" charset="0"/>
+              </a:rPr>
+              <a:t>        </a:t>
+            </a:r>
+            <a:r>
+              <a:rPr lang="en-AU" sz="2000" dirty="0" err="1">
+                <a:solidFill>
+                  <a:srgbClr val="000000"/>
+                </a:solidFill>
+                <a:latin typeface="Consolas" panose="020B0609020204030204" pitchFamily="49" charset="0"/>
+                <a:ea typeface="Times New Roman" panose="02020603050405020304" pitchFamily="18" charset="0"/>
+                <a:cs typeface="Times New Roman" panose="02020603050405020304" pitchFamily="18" charset="0"/>
+              </a:rPr>
+              <a:t>note_pitch_cc</a:t>
+            </a:r>
+            <a:r>
+              <a:rPr lang="en-AU" sz="2000" dirty="0">
+                <a:solidFill>
+                  <a:srgbClr val="000000"/>
+                </a:solidFill>
+                <a:latin typeface="Consolas" panose="020B0609020204030204" pitchFamily="49" charset="0"/>
+                <a:ea typeface="Times New Roman" panose="02020603050405020304" pitchFamily="18" charset="0"/>
+                <a:cs typeface="Times New Roman" panose="02020603050405020304" pitchFamily="18" charset="0"/>
+              </a:rPr>
+              <a:t> : </a:t>
+            </a:r>
+            <a:r>
+              <a:rPr lang="en-AU" sz="2000" dirty="0">
+                <a:solidFill>
+                  <a:srgbClr val="0000FF"/>
+                </a:solidFill>
+                <a:latin typeface="Consolas" panose="020B0609020204030204" pitchFamily="49" charset="0"/>
+                <a:ea typeface="Times New Roman" panose="02020603050405020304" pitchFamily="18" charset="0"/>
+                <a:cs typeface="Times New Roman" panose="02020603050405020304" pitchFamily="18" charset="0"/>
+              </a:rPr>
+              <a:t>in</a:t>
+            </a:r>
+            <a:r>
+              <a:rPr lang="en-AU" sz="2000" dirty="0">
+                <a:solidFill>
+                  <a:srgbClr val="000000"/>
+                </a:solidFill>
+                <a:latin typeface="Consolas" panose="020B0609020204030204" pitchFamily="49" charset="0"/>
+                <a:ea typeface="Times New Roman" panose="02020603050405020304" pitchFamily="18" charset="0"/>
+                <a:cs typeface="Times New Roman" panose="02020603050405020304" pitchFamily="18" charset="0"/>
+              </a:rPr>
+              <a:t> natural </a:t>
+            </a:r>
+            <a:r>
+              <a:rPr lang="en-AU" sz="2000" dirty="0">
+                <a:solidFill>
+                  <a:srgbClr val="0000FF"/>
+                </a:solidFill>
+                <a:latin typeface="Consolas" panose="020B0609020204030204" pitchFamily="49" charset="0"/>
+                <a:ea typeface="Times New Roman" panose="02020603050405020304" pitchFamily="18" charset="0"/>
+                <a:cs typeface="Times New Roman" panose="02020603050405020304" pitchFamily="18" charset="0"/>
+              </a:rPr>
+              <a:t>range</a:t>
+            </a:r>
+            <a:r>
+              <a:rPr lang="en-AU" sz="2000" dirty="0">
+                <a:solidFill>
+                  <a:srgbClr val="000000"/>
+                </a:solidFill>
+                <a:latin typeface="Consolas" panose="020B0609020204030204" pitchFamily="49" charset="0"/>
+                <a:ea typeface="Times New Roman" panose="02020603050405020304" pitchFamily="18" charset="0"/>
+                <a:cs typeface="Times New Roman" panose="02020603050405020304" pitchFamily="18" charset="0"/>
+              </a:rPr>
+              <a:t> </a:t>
+            </a:r>
+            <a:r>
+              <a:rPr lang="en-AU" sz="2000" dirty="0" err="1">
+                <a:solidFill>
+                  <a:srgbClr val="000000"/>
+                </a:solidFill>
+                <a:latin typeface="Consolas" panose="020B0609020204030204" pitchFamily="49" charset="0"/>
+                <a:ea typeface="Times New Roman" panose="02020603050405020304" pitchFamily="18" charset="0"/>
+                <a:cs typeface="Times New Roman" panose="02020603050405020304" pitchFamily="18" charset="0"/>
+              </a:rPr>
+              <a:t>min_note_cc</a:t>
+            </a:r>
+            <a:r>
+              <a:rPr lang="en-AU" sz="2000" dirty="0">
+                <a:solidFill>
+                  <a:srgbClr val="000000"/>
+                </a:solidFill>
+                <a:latin typeface="Consolas" panose="020B0609020204030204" pitchFamily="49" charset="0"/>
+                <a:ea typeface="Times New Roman" panose="02020603050405020304" pitchFamily="18" charset="0"/>
+                <a:cs typeface="Times New Roman" panose="02020603050405020304" pitchFamily="18" charset="0"/>
+              </a:rPr>
+              <a:t> </a:t>
+            </a:r>
+            <a:br>
+              <a:rPr lang="en-AU" sz="2000" dirty="0">
+                <a:solidFill>
+                  <a:srgbClr val="000000"/>
+                </a:solidFill>
+                <a:latin typeface="Consolas" panose="020B0609020204030204" pitchFamily="49" charset="0"/>
+                <a:ea typeface="Times New Roman" panose="02020603050405020304" pitchFamily="18" charset="0"/>
+                <a:cs typeface="Times New Roman" panose="02020603050405020304" pitchFamily="18" charset="0"/>
+              </a:rPr>
+            </a:br>
+            <a:r>
+              <a:rPr lang="en-AU" sz="2000" dirty="0">
+                <a:solidFill>
+                  <a:srgbClr val="000000"/>
+                </a:solidFill>
+                <a:latin typeface="Consolas" panose="020B0609020204030204" pitchFamily="49" charset="0"/>
+                <a:ea typeface="Times New Roman" panose="02020603050405020304" pitchFamily="18" charset="0"/>
+                <a:cs typeface="Times New Roman" panose="02020603050405020304" pitchFamily="18" charset="0"/>
+              </a:rPr>
+              <a:t>	        </a:t>
+            </a:r>
+            <a:r>
+              <a:rPr lang="en-AU" sz="2000" dirty="0">
+                <a:solidFill>
+                  <a:srgbClr val="0000FF"/>
+                </a:solidFill>
+                <a:latin typeface="Consolas" panose="020B0609020204030204" pitchFamily="49" charset="0"/>
+                <a:ea typeface="Times New Roman" panose="02020603050405020304" pitchFamily="18" charset="0"/>
+                <a:cs typeface="Times New Roman" panose="02020603050405020304" pitchFamily="18" charset="0"/>
+              </a:rPr>
+              <a:t>to</a:t>
+            </a:r>
+            <a:r>
+              <a:rPr lang="en-AU" sz="2000" dirty="0">
+                <a:solidFill>
+                  <a:srgbClr val="000000"/>
+                </a:solidFill>
+                <a:latin typeface="Consolas" panose="020B0609020204030204" pitchFamily="49" charset="0"/>
+                <a:ea typeface="Times New Roman" panose="02020603050405020304" pitchFamily="18" charset="0"/>
+                <a:cs typeface="Times New Roman" panose="02020603050405020304" pitchFamily="18" charset="0"/>
+              </a:rPr>
+              <a:t> </a:t>
+            </a:r>
+            <a:r>
+              <a:rPr lang="en-AU" sz="2000" dirty="0" err="1">
+                <a:solidFill>
+                  <a:srgbClr val="000000"/>
+                </a:solidFill>
+                <a:latin typeface="Consolas" panose="020B0609020204030204" pitchFamily="49" charset="0"/>
+                <a:ea typeface="Times New Roman" panose="02020603050405020304" pitchFamily="18" charset="0"/>
+                <a:cs typeface="Times New Roman" panose="02020603050405020304" pitchFamily="18" charset="0"/>
+              </a:rPr>
+              <a:t>max_note_cc</a:t>
+            </a:r>
+            <a:r>
+              <a:rPr lang="en-AU" sz="2000" dirty="0">
+                <a:solidFill>
+                  <a:srgbClr val="000000"/>
+                </a:solidFill>
+                <a:latin typeface="Consolas" panose="020B0609020204030204" pitchFamily="49" charset="0"/>
+                <a:ea typeface="Times New Roman" panose="02020603050405020304" pitchFamily="18" charset="0"/>
+                <a:cs typeface="Times New Roman" panose="02020603050405020304" pitchFamily="18" charset="0"/>
+              </a:rPr>
+              <a:t>;</a:t>
+            </a:r>
+            <a:endParaRPr lang="en-AU" sz="2400" dirty="0">
+              <a:latin typeface="Calibri" panose="020F0502020204030204" pitchFamily="34" charset="0"/>
+              <a:ea typeface="Calibri" panose="020F0502020204030204" pitchFamily="34" charset="0"/>
+              <a:cs typeface="Times New Roman" panose="02020603050405020304" pitchFamily="18" charset="0"/>
+            </a:endParaRPr>
+          </a:p>
+          <a:p>
+            <a:pPr marL="34290" indent="0">
+              <a:spcAft>
+                <a:spcPts val="0"/>
+              </a:spcAft>
+              <a:buNone/>
+            </a:pPr>
+            <a:r>
+              <a:rPr lang="en-AU" sz="2000" dirty="0">
+                <a:solidFill>
+                  <a:srgbClr val="000000"/>
+                </a:solidFill>
+                <a:latin typeface="Consolas" panose="020B0609020204030204" pitchFamily="49" charset="0"/>
+                <a:ea typeface="Times New Roman" panose="02020603050405020304" pitchFamily="18" charset="0"/>
+                <a:cs typeface="Times New Roman" panose="02020603050405020304" pitchFamily="18" charset="0"/>
+              </a:rPr>
+              <a:t>        </a:t>
+            </a:r>
+            <a:r>
+              <a:rPr lang="en-AU" sz="2000" dirty="0" err="1">
+                <a:solidFill>
+                  <a:srgbClr val="000000"/>
+                </a:solidFill>
+                <a:latin typeface="Consolas" panose="020B0609020204030204" pitchFamily="49" charset="0"/>
+                <a:ea typeface="Times New Roman" panose="02020603050405020304" pitchFamily="18" charset="0"/>
+                <a:cs typeface="Times New Roman" panose="02020603050405020304" pitchFamily="18" charset="0"/>
+              </a:rPr>
+              <a:t>note_pitch_pulse</a:t>
+            </a:r>
+            <a:r>
+              <a:rPr lang="en-AU" sz="2000" dirty="0">
+                <a:solidFill>
+                  <a:srgbClr val="000000"/>
+                </a:solidFill>
+                <a:latin typeface="Consolas" panose="020B0609020204030204" pitchFamily="49" charset="0"/>
+                <a:ea typeface="Times New Roman" panose="02020603050405020304" pitchFamily="18" charset="0"/>
+                <a:cs typeface="Times New Roman" panose="02020603050405020304" pitchFamily="18" charset="0"/>
+              </a:rPr>
+              <a:t> : </a:t>
+            </a:r>
+            <a:r>
+              <a:rPr lang="en-AU" sz="2000" dirty="0">
+                <a:solidFill>
+                  <a:srgbClr val="0000FF"/>
+                </a:solidFill>
+                <a:latin typeface="Consolas" panose="020B0609020204030204" pitchFamily="49" charset="0"/>
+                <a:ea typeface="Times New Roman" panose="02020603050405020304" pitchFamily="18" charset="0"/>
+                <a:cs typeface="Times New Roman" panose="02020603050405020304" pitchFamily="18" charset="0"/>
+              </a:rPr>
+              <a:t>out</a:t>
+            </a:r>
+            <a:r>
+              <a:rPr lang="en-AU" sz="2000" dirty="0">
+                <a:solidFill>
+                  <a:srgbClr val="000000"/>
+                </a:solidFill>
+                <a:latin typeface="Consolas" panose="020B0609020204030204" pitchFamily="49" charset="0"/>
+                <a:ea typeface="Times New Roman" panose="02020603050405020304" pitchFamily="18" charset="0"/>
+                <a:cs typeface="Times New Roman" panose="02020603050405020304" pitchFamily="18" charset="0"/>
+              </a:rPr>
+              <a:t> </a:t>
+            </a:r>
+            <a:r>
+              <a:rPr lang="en-AU" sz="2000" dirty="0" err="1">
+                <a:solidFill>
+                  <a:srgbClr val="000000"/>
+                </a:solidFill>
+                <a:latin typeface="Consolas" panose="020B0609020204030204" pitchFamily="49" charset="0"/>
+                <a:ea typeface="Times New Roman" panose="02020603050405020304" pitchFamily="18" charset="0"/>
+                <a:cs typeface="Times New Roman" panose="02020603050405020304" pitchFamily="18" charset="0"/>
+              </a:rPr>
+              <a:t>std_logic</a:t>
+            </a:r>
+            <a:r>
+              <a:rPr lang="en-AU" sz="2000" dirty="0">
+                <a:solidFill>
+                  <a:srgbClr val="000000"/>
+                </a:solidFill>
+                <a:latin typeface="Consolas" panose="020B0609020204030204" pitchFamily="49" charset="0"/>
+                <a:ea typeface="Times New Roman" panose="02020603050405020304" pitchFamily="18" charset="0"/>
+                <a:cs typeface="Times New Roman" panose="02020603050405020304" pitchFamily="18" charset="0"/>
+              </a:rPr>
+              <a:t>);</a:t>
+            </a:r>
+            <a:endParaRPr lang="en-AU" sz="2400" dirty="0">
+              <a:latin typeface="Calibri" panose="020F0502020204030204" pitchFamily="34" charset="0"/>
+              <a:ea typeface="Calibri" panose="020F0502020204030204" pitchFamily="34" charset="0"/>
+              <a:cs typeface="Times New Roman" panose="02020603050405020304" pitchFamily="18" charset="0"/>
+            </a:endParaRPr>
+          </a:p>
+          <a:p>
+            <a:pPr marL="34290" indent="0">
+              <a:spcAft>
+                <a:spcPts val="0"/>
+              </a:spcAft>
+              <a:buNone/>
+            </a:pPr>
+            <a:r>
+              <a:rPr lang="en-AU" sz="2000" dirty="0">
+                <a:solidFill>
+                  <a:srgbClr val="0000FF"/>
+                </a:solidFill>
+                <a:latin typeface="Consolas" panose="020B0609020204030204" pitchFamily="49" charset="0"/>
+                <a:ea typeface="Times New Roman" panose="02020603050405020304" pitchFamily="18" charset="0"/>
+                <a:cs typeface="Times New Roman" panose="02020603050405020304" pitchFamily="18" charset="0"/>
+              </a:rPr>
+              <a:t>end</a:t>
+            </a:r>
+            <a:r>
+              <a:rPr lang="en-AU" sz="2000" dirty="0">
+                <a:solidFill>
+                  <a:srgbClr val="000000"/>
+                </a:solidFill>
+                <a:latin typeface="Consolas" panose="020B0609020204030204" pitchFamily="49" charset="0"/>
+                <a:ea typeface="Times New Roman" panose="02020603050405020304" pitchFamily="18" charset="0"/>
+                <a:cs typeface="Times New Roman" panose="02020603050405020304" pitchFamily="18" charset="0"/>
+              </a:rPr>
+              <a:t> </a:t>
+            </a:r>
+            <a:r>
+              <a:rPr lang="en-AU" sz="2000" dirty="0">
+                <a:solidFill>
+                  <a:srgbClr val="0000FF"/>
+                </a:solidFill>
+                <a:latin typeface="Consolas" panose="020B0609020204030204" pitchFamily="49" charset="0"/>
+                <a:ea typeface="Times New Roman" panose="02020603050405020304" pitchFamily="18" charset="0"/>
+                <a:cs typeface="Times New Roman" panose="02020603050405020304" pitchFamily="18" charset="0"/>
+              </a:rPr>
+              <a:t>component</a:t>
+            </a:r>
+            <a:r>
+              <a:rPr lang="en-AU" sz="2000" dirty="0">
+                <a:solidFill>
+                  <a:srgbClr val="000000"/>
+                </a:solidFill>
+                <a:latin typeface="Consolas" panose="020B0609020204030204" pitchFamily="49" charset="0"/>
+                <a:ea typeface="Times New Roman" panose="02020603050405020304" pitchFamily="18" charset="0"/>
+                <a:cs typeface="Times New Roman" panose="02020603050405020304" pitchFamily="18" charset="0"/>
+              </a:rPr>
+              <a:t>;</a:t>
+            </a:r>
+            <a:endParaRPr lang="en-AU" sz="2400" dirty="0">
+              <a:effectLst/>
+              <a:latin typeface="Calibri" panose="020F0502020204030204" pitchFamily="34" charset="0"/>
+              <a:ea typeface="Calibri" panose="020F0502020204030204" pitchFamily="34" charset="0"/>
+              <a:cs typeface="Times New Roman" panose="02020603050405020304" pitchFamily="18" charset="0"/>
+            </a:endParaRPr>
+          </a:p>
+        </p:txBody>
+      </p:sp>
+      <p:sp>
+        <p:nvSpPr>
+          <p:cNvPr id="3" name="Title 2">
+            <a:extLst>
+              <a:ext uri="{FF2B5EF4-FFF2-40B4-BE49-F238E27FC236}">
+                <a16:creationId xmlns:a16="http://schemas.microsoft.com/office/drawing/2014/main" id="{7E5726A0-0EE0-4D5E-8ABB-50D864C4AA11}"/>
+              </a:ext>
+            </a:extLst>
+          </p:cNvPr>
+          <p:cNvSpPr>
+            <a:spLocks noGrp="1"/>
+          </p:cNvSpPr>
+          <p:nvPr>
+            <p:ph type="title"/>
+          </p:nvPr>
+        </p:nvSpPr>
+        <p:spPr/>
+        <p:txBody>
+          <a:bodyPr/>
+          <a:lstStyle/>
+          <a:p>
+            <a:r>
+              <a:rPr lang="en-AU" sz="3600" dirty="0"/>
+              <a:t>NOTE PITCH PLAYER</a:t>
+            </a:r>
+          </a:p>
+        </p:txBody>
+      </p:sp>
+    </p:spTree>
+    <p:extLst>
+      <p:ext uri="{BB962C8B-B14F-4D97-AF65-F5344CB8AC3E}">
+        <p14:creationId xmlns:p14="http://schemas.microsoft.com/office/powerpoint/2010/main" val="3887823411"/>
+      </p:ext>
+    </p:extLst>
+  </p:cSld>
+  <p:clrMapOvr>
+    <a:masterClrMapping/>
+  </p:clrMapOvr>
+</p:sld>
+</file>
+
+<file path=ppt/slides/slide11.xml><?xml version="1.0" encoding="utf-8"?>
+<p:sld xmlns:a="http://schemas.openxmlformats.org/drawingml/2006/main" xmlns:r="http://schemas.openxmlformats.org/officeDocument/2006/relationships" xmlns:p="http://schemas.openxmlformats.org/presentationml/2006/main">
+  <p:cSld>
+    <p:spTree>
+      <p:nvGrpSpPr>
+        <p:cNvPr id="1" name=""/>
+        <p:cNvGrpSpPr/>
+        <p:nvPr/>
+      </p:nvGrpSpPr>
+      <p:grpSpPr>
+        <a:xfrm>
+          <a:off x="0" y="0"/>
+          <a:ext cx="0" cy="0"/>
+          <a:chOff x="0" y="0"/>
+          <a:chExt cx="0" cy="0"/>
+        </a:xfrm>
+      </p:grpSpPr>
+      <p:sp>
+        <p:nvSpPr>
+          <p:cNvPr id="2" name="Content Placeholder 1">
+            <a:extLst>
+              <a:ext uri="{FF2B5EF4-FFF2-40B4-BE49-F238E27FC236}">
+                <a16:creationId xmlns:a16="http://schemas.microsoft.com/office/drawing/2014/main" id="{E03CE05D-C3DA-47CC-AC1F-8C674769EC66}"/>
+              </a:ext>
+            </a:extLst>
+          </p:cNvPr>
+          <p:cNvSpPr>
+            <a:spLocks noGrp="1"/>
+          </p:cNvSpPr>
+          <p:nvPr>
+            <p:ph idx="1"/>
+          </p:nvPr>
+        </p:nvSpPr>
+        <p:spPr/>
+        <p:txBody>
+          <a:bodyPr>
+            <a:normAutofit/>
+          </a:bodyPr>
+          <a:lstStyle/>
+          <a:p>
+            <a:pPr marL="335756" indent="-308372"/>
+            <a:r>
+              <a:rPr lang="en-AU" sz="2400" dirty="0"/>
+              <a:t>Redesigned entire module</a:t>
+            </a:r>
+          </a:p>
+          <a:p>
+            <a:pPr marL="335756" indent="-308372"/>
+            <a:r>
+              <a:rPr lang="en-AU" sz="2250" dirty="0"/>
+              <a:t>Abstracted note length counter and note pitch player into two separate subcomponents</a:t>
+            </a:r>
+          </a:p>
+          <a:p>
+            <a:pPr marL="335756" indent="-308372"/>
+            <a:r>
+              <a:rPr lang="en-AU" sz="2250" dirty="0"/>
+              <a:t>Can now play different octaves, note types and tempos</a:t>
+            </a:r>
+          </a:p>
+          <a:p>
+            <a:pPr marL="335756" indent="-308372"/>
+            <a:r>
+              <a:rPr lang="en-AU" sz="2250" dirty="0"/>
+              <a:t>No longer using a sine wave</a:t>
+            </a:r>
+          </a:p>
+        </p:txBody>
+      </p:sp>
+      <p:sp>
+        <p:nvSpPr>
+          <p:cNvPr id="3" name="Title 2">
+            <a:extLst>
+              <a:ext uri="{FF2B5EF4-FFF2-40B4-BE49-F238E27FC236}">
+                <a16:creationId xmlns:a16="http://schemas.microsoft.com/office/drawing/2014/main" id="{7E5726A0-0EE0-4D5E-8ABB-50D864C4AA11}"/>
+              </a:ext>
+            </a:extLst>
+          </p:cNvPr>
+          <p:cNvSpPr>
+            <a:spLocks noGrp="1"/>
+          </p:cNvSpPr>
+          <p:nvPr>
+            <p:ph type="title"/>
+          </p:nvPr>
+        </p:nvSpPr>
+        <p:spPr/>
+        <p:txBody>
+          <a:bodyPr/>
+          <a:lstStyle/>
+          <a:p>
+            <a:r>
+              <a:rPr lang="en-AU" sz="3600" dirty="0"/>
+              <a:t>Progress: Music Playback</a:t>
+            </a:r>
+          </a:p>
+        </p:txBody>
+      </p:sp>
+    </p:spTree>
+    <p:extLst>
+      <p:ext uri="{BB962C8B-B14F-4D97-AF65-F5344CB8AC3E}">
+        <p14:creationId xmlns:p14="http://schemas.microsoft.com/office/powerpoint/2010/main" val="4150448887"/>
+      </p:ext>
+    </p:extLst>
+  </p:cSld>
+  <p:clrMapOvr>
+    <a:masterClrMapping/>
+  </p:clrMapOvr>
+</p:sld>
+</file>
+
+<file path=ppt/slides/slide12.xml><?xml version="1.0" encoding="utf-8"?>
+<p:sld xmlns:a="http://schemas.openxmlformats.org/drawingml/2006/main" xmlns:r="http://schemas.openxmlformats.org/officeDocument/2006/relationships" xmlns:p="http://schemas.openxmlformats.org/presentationml/2006/main">
+  <p:cSld>
+    <p:spTree>
+      <p:nvGrpSpPr>
+        <p:cNvPr id="1" name=""/>
+        <p:cNvGrpSpPr/>
+        <p:nvPr/>
+      </p:nvGrpSpPr>
+      <p:grpSpPr>
+        <a:xfrm>
+          <a:off x="0" y="0"/>
+          <a:ext cx="0" cy="0"/>
+          <a:chOff x="0" y="0"/>
+          <a:chExt cx="0" cy="0"/>
+        </a:xfrm>
+      </p:grpSpPr>
+      <p:sp>
+        <p:nvSpPr>
+          <p:cNvPr id="2" name="Content Placeholder 1">
+            <a:extLst>
+              <a:ext uri="{FF2B5EF4-FFF2-40B4-BE49-F238E27FC236}">
+                <a16:creationId xmlns:a16="http://schemas.microsoft.com/office/drawing/2014/main" id="{E03CE05D-C3DA-47CC-AC1F-8C674769EC66}"/>
+              </a:ext>
+            </a:extLst>
+          </p:cNvPr>
+          <p:cNvSpPr>
+            <a:spLocks noGrp="1"/>
+          </p:cNvSpPr>
+          <p:nvPr>
+            <p:ph idx="1"/>
+          </p:nvPr>
+        </p:nvSpPr>
+        <p:spPr/>
+        <p:txBody>
+          <a:bodyPr>
+            <a:normAutofit/>
+          </a:bodyPr>
+          <a:lstStyle/>
+          <a:p>
+            <a:pPr marL="335756" indent="-308372"/>
+            <a:r>
+              <a:rPr lang="en-AU" sz="2400" dirty="0"/>
+              <a:t>Sine tables make Xilinx take forever to compile</a:t>
+            </a:r>
+          </a:p>
+          <a:p>
+            <a:pPr marL="541496" lvl="1" indent="-308372"/>
+            <a:r>
+              <a:rPr lang="en-AU" sz="2250" dirty="0"/>
+              <a:t>Reverted back to square wave temporarily</a:t>
+            </a:r>
+          </a:p>
+          <a:p>
+            <a:pPr marL="335756" indent="-308372"/>
+            <a:r>
+              <a:rPr lang="en-AU" sz="2400" dirty="0"/>
+              <a:t>Length of music arrays cannot be above 15 notes</a:t>
+            </a:r>
+          </a:p>
+          <a:p>
+            <a:pPr marL="541496" lvl="1" indent="-308372"/>
+            <a:r>
+              <a:rPr lang="en-AU" sz="2100" dirty="0"/>
+              <a:t>Not inferring block RAM?</a:t>
+            </a:r>
+          </a:p>
+          <a:p>
+            <a:pPr marL="541496" lvl="1" indent="-308372"/>
+            <a:r>
+              <a:rPr lang="en-AU" sz="2100" dirty="0"/>
+              <a:t>Will try eliminating warnings</a:t>
+            </a:r>
+          </a:p>
+        </p:txBody>
+      </p:sp>
+      <p:sp>
+        <p:nvSpPr>
+          <p:cNvPr id="3" name="Title 2">
+            <a:extLst>
+              <a:ext uri="{FF2B5EF4-FFF2-40B4-BE49-F238E27FC236}">
+                <a16:creationId xmlns:a16="http://schemas.microsoft.com/office/drawing/2014/main" id="{7E5726A0-0EE0-4D5E-8ABB-50D864C4AA11}"/>
+              </a:ext>
+            </a:extLst>
+          </p:cNvPr>
+          <p:cNvSpPr>
+            <a:spLocks noGrp="1"/>
+          </p:cNvSpPr>
+          <p:nvPr>
+            <p:ph type="title"/>
+          </p:nvPr>
+        </p:nvSpPr>
+        <p:spPr/>
+        <p:txBody>
+          <a:bodyPr/>
+          <a:lstStyle/>
+          <a:p>
+            <a:r>
+              <a:rPr lang="en-AU" sz="3600" dirty="0"/>
+              <a:t>PROBLEMS</a:t>
+            </a:r>
+          </a:p>
+        </p:txBody>
+      </p:sp>
+      <p:pic>
+        <p:nvPicPr>
+          <p:cNvPr id="4" name="Picture 3">
+            <a:extLst>
+              <a:ext uri="{FF2B5EF4-FFF2-40B4-BE49-F238E27FC236}">
+                <a16:creationId xmlns:a16="http://schemas.microsoft.com/office/drawing/2014/main" id="{12F9A7E7-D57B-4247-B9E5-E8FBDC1FD1B3}"/>
+              </a:ext>
+            </a:extLst>
+          </p:cNvPr>
+          <p:cNvPicPr>
+            <a:picLocks noChangeAspect="1"/>
+          </p:cNvPicPr>
+          <p:nvPr/>
+        </p:nvPicPr>
+        <p:blipFill>
+          <a:blip r:embed="rId2"/>
+          <a:stretch>
+            <a:fillRect/>
+          </a:stretch>
+        </p:blipFill>
+        <p:spPr>
+          <a:xfrm>
+            <a:off x="2637082" y="3743324"/>
+            <a:ext cx="3895725" cy="1362075"/>
+          </a:xfrm>
+          <a:prstGeom prst="rect">
+            <a:avLst/>
+          </a:prstGeom>
+        </p:spPr>
+      </p:pic>
+    </p:spTree>
+    <p:extLst>
+      <p:ext uri="{BB962C8B-B14F-4D97-AF65-F5344CB8AC3E}">
+        <p14:creationId xmlns:p14="http://schemas.microsoft.com/office/powerpoint/2010/main" val="1016004100"/>
+      </p:ext>
+    </p:extLst>
+  </p:cSld>
+  <p:clrMapOvr>
+    <a:masterClrMapping/>
+  </p:clrMapOvr>
+  <p:timing>
+    <p:tnLst>
+      <p:par>
+        <p:cTn id="1" dur="indefinite" restart="never" nodeType="tmRoot">
+          <p:childTnLst>
+            <p:seq concurrent="1" nextAc="seek">
+              <p:cTn id="2" dur="indefinite" nodeType="mainSeq">
+                <p:childTnLst>
+                  <p:par>
+                    <p:cTn id="3" fill="hold">
+                      <p:stCondLst>
+                        <p:cond delay="indefinite"/>
+                      </p:stCondLst>
+                      <p:childTnLst>
+                        <p:par>
+                          <p:cTn id="4" fill="hold">
+                            <p:stCondLst>
+                              <p:cond delay="0"/>
+                            </p:stCondLst>
+                            <p:childTnLst>
+                              <p:par>
+                                <p:cTn id="5" presetID="1" presetClass="entr" presetSubtype="0" fill="hold" nodeType="clickEffect">
+                                  <p:stCondLst>
+                                    <p:cond delay="0"/>
+                                  </p:stCondLst>
+                                  <p:childTnLst>
+                                    <p:set>
+                                      <p:cBhvr>
+                                        <p:cTn id="6" dur="1" fill="hold">
+                                          <p:stCondLst>
+                                            <p:cond delay="0"/>
+                                          </p:stCondLst>
+                                        </p:cTn>
+                                        <p:tgtEl>
+                                          <p:spTgt spid="4"/>
+                                        </p:tgtEl>
+                                        <p:attrNameLst>
+                                          <p:attrName>style.visibility</p:attrName>
+                                        </p:attrNameLst>
+                                      </p:cBhvr>
+                                      <p:to>
+                                        <p:strVal val="visible"/>
+                                      </p:to>
+                                    </p:set>
+                                  </p:childTnLst>
+                                </p:cTn>
+                              </p:par>
+                            </p:childTnLst>
+                          </p:cTn>
+                        </p:par>
+                      </p:childTnLst>
+                    </p:cTn>
+                  </p:par>
+                </p:childTnLst>
+              </p:cTn>
+              <p:prevCondLst>
+                <p:cond evt="onPrev" delay="0">
+                  <p:tgtEl>
+                    <p:sldTgt/>
+                  </p:tgtEl>
+                </p:cond>
+              </p:prevCondLst>
+              <p:nextCondLst>
+                <p:cond evt="onNext" delay="0">
+                  <p:tgtEl>
+                    <p:sldTgt/>
+                  </p:tgtEl>
+                </p:cond>
+              </p:nextCondLst>
+            </p:seq>
+          </p:childTnLst>
+        </p:cTn>
+      </p:par>
+    </p:tnLst>
+  </p:timing>
+</p:sld>
+</file>
+
+<file path=ppt/slides/slide13.xml><?xml version="1.0" encoding="utf-8"?>
+<p:sld xmlns:a="http://schemas.openxmlformats.org/drawingml/2006/main" xmlns:r="http://schemas.openxmlformats.org/officeDocument/2006/relationships" xmlns:p="http://schemas.openxmlformats.org/presentationml/2006/main">
+  <p:cSld>
+    <p:spTree>
+      <p:nvGrpSpPr>
+        <p:cNvPr id="1" name=""/>
+        <p:cNvGrpSpPr/>
+        <p:nvPr/>
+      </p:nvGrpSpPr>
+      <p:grpSpPr>
+        <a:xfrm>
+          <a:off x="0" y="0"/>
+          <a:ext cx="0" cy="0"/>
+          <a:chOff x="0" y="0"/>
+          <a:chExt cx="0" cy="0"/>
+        </a:xfrm>
+      </p:grpSpPr>
+      <p:sp>
+        <p:nvSpPr>
+          <p:cNvPr id="2" name="Content Placeholder 1">
+            <a:extLst>
+              <a:ext uri="{FF2B5EF4-FFF2-40B4-BE49-F238E27FC236}">
+                <a16:creationId xmlns:a16="http://schemas.microsoft.com/office/drawing/2014/main" id="{E03CE05D-C3DA-47CC-AC1F-8C674769EC66}"/>
+              </a:ext>
+            </a:extLst>
+          </p:cNvPr>
+          <p:cNvSpPr>
+            <a:spLocks noGrp="1"/>
+          </p:cNvSpPr>
+          <p:nvPr>
+            <p:ph idx="1"/>
+          </p:nvPr>
+        </p:nvSpPr>
+        <p:spPr/>
+        <p:txBody>
+          <a:bodyPr>
+            <a:normAutofit/>
+          </a:bodyPr>
+          <a:lstStyle/>
+          <a:p>
+            <a:pPr marL="335756" indent="-308372"/>
+            <a:r>
+              <a:rPr lang="en-AU" sz="2250" dirty="0"/>
+              <a:t>Fix music length bug</a:t>
+            </a:r>
+          </a:p>
+          <a:p>
+            <a:pPr marL="335756" indent="-308372"/>
+            <a:r>
+              <a:rPr lang="en-AU" sz="2250" dirty="0"/>
+              <a:t>Incorporate sine wave into new music player</a:t>
+            </a:r>
+          </a:p>
+          <a:p>
+            <a:pPr marL="335756" indent="-308372"/>
+            <a:r>
+              <a:rPr lang="en-AU" sz="2250" dirty="0"/>
+              <a:t>Start working on ultrasonic sensor</a:t>
+            </a:r>
+          </a:p>
+          <a:p>
+            <a:pPr marL="335756" indent="-308372"/>
+            <a:r>
+              <a:rPr lang="en-AU" sz="2250" dirty="0"/>
+              <a:t>Web app music writer interface</a:t>
+            </a:r>
+          </a:p>
+        </p:txBody>
+      </p:sp>
+      <p:sp>
+        <p:nvSpPr>
+          <p:cNvPr id="3" name="Title 2">
+            <a:extLst>
+              <a:ext uri="{FF2B5EF4-FFF2-40B4-BE49-F238E27FC236}">
+                <a16:creationId xmlns:a16="http://schemas.microsoft.com/office/drawing/2014/main" id="{7E5726A0-0EE0-4D5E-8ABB-50D864C4AA11}"/>
+              </a:ext>
+            </a:extLst>
+          </p:cNvPr>
+          <p:cNvSpPr>
+            <a:spLocks noGrp="1"/>
+          </p:cNvSpPr>
+          <p:nvPr>
+            <p:ph type="title"/>
+          </p:nvPr>
+        </p:nvSpPr>
+        <p:spPr/>
+        <p:txBody>
+          <a:bodyPr/>
+          <a:lstStyle/>
+          <a:p>
+            <a:r>
+              <a:rPr lang="en-AU" sz="3600" dirty="0"/>
+              <a:t>To Do Next Week</a:t>
+            </a:r>
+          </a:p>
+        </p:txBody>
+      </p:sp>
+    </p:spTree>
+    <p:extLst>
+      <p:ext uri="{BB962C8B-B14F-4D97-AF65-F5344CB8AC3E}">
+        <p14:creationId xmlns:p14="http://schemas.microsoft.com/office/powerpoint/2010/main" val="302643827"/>
       </p:ext>
     </p:extLst>
   </p:cSld>
@@ -4086,7 +6629,7 @@
           <a:lstStyle/>
           <a:p>
             <a:r>
-              <a:rPr lang="en-AU" sz="4800" dirty="0"/>
+              <a:rPr lang="en-AU" sz="4000" dirty="0"/>
               <a:t>Gantt chart</a:t>
             </a:r>
           </a:p>
@@ -4114,8 +6657,8 @@
         </p:blipFill>
         <p:spPr>
           <a:xfrm>
-            <a:off x="341952" y="2099718"/>
-            <a:ext cx="11507108" cy="4222706"/>
+            <a:off x="256464" y="1860538"/>
+            <a:ext cx="8630331" cy="3167030"/>
           </a:xfrm>
           <a:prstGeom prst="rect">
             <a:avLst/>
@@ -4175,10 +6718,38 @@
           </a:bodyPr>
           <a:lstStyle/>
           <a:p>
-            <a:pPr marL="447675" indent="-411163"/>
-            <a:r>
-              <a:rPr lang="en-AU" sz="3200" dirty="0"/>
-              <a:t>People tend </a:t>
+            <a:pPr marL="335756" indent="-308372"/>
+            <a:r>
+              <a:rPr lang="en-AU" sz="2400" dirty="0"/>
+              <a:t>On track on hardware side</a:t>
+            </a:r>
+          </a:p>
+          <a:p>
+            <a:pPr marL="335756" indent="-308372"/>
+            <a:r>
+              <a:rPr lang="en-AU" sz="2400" dirty="0"/>
+              <a:t>Behind schedule on software side</a:t>
+            </a:r>
+          </a:p>
+          <a:p>
+            <a:pPr marL="335756" indent="-308372"/>
+            <a:r>
+              <a:rPr lang="en-AU" sz="2400" dirty="0"/>
+              <a:t>Progress only occurs in weeks an individual is presenting</a:t>
+            </a:r>
+          </a:p>
+          <a:p>
+            <a:pPr marL="335756" indent="-308372"/>
+            <a:r>
+              <a:rPr lang="en-AU" sz="2400" dirty="0"/>
+              <a:t>Poor git practice</a:t>
+            </a:r>
+          </a:p>
+          <a:p>
+            <a:pPr marL="541496" lvl="1" indent="-308372"/>
+            <a:r>
+              <a:rPr lang="en-AU" sz="2250" dirty="0"/>
+              <a:t>Not committing regularly enough</a:t>
             </a:r>
           </a:p>
         </p:txBody>
@@ -4205,7 +6776,7 @@
           <a:lstStyle/>
           <a:p>
             <a:r>
-              <a:rPr lang="en-AU" sz="4800" dirty="0"/>
+              <a:rPr lang="en-AU" sz="4000" dirty="0"/>
               <a:t>Progress</a:t>
             </a:r>
           </a:p>
@@ -4215,6 +6786,4395 @@
     <p:extLst>
       <p:ext uri="{BB962C8B-B14F-4D97-AF65-F5344CB8AC3E}">
         <p14:creationId xmlns:p14="http://schemas.microsoft.com/office/powerpoint/2010/main" val="119419367"/>
+      </p:ext>
+    </p:extLst>
+  </p:cSld>
+  <p:clrMapOvr>
+    <a:masterClrMapping/>
+  </p:clrMapOvr>
+</p:sld>
+</file>
+
+<file path=ppt/slides/slide4.xml><?xml version="1.0" encoding="utf-8"?>
+<p:sld xmlns:a="http://schemas.openxmlformats.org/drawingml/2006/main" xmlns:r="http://schemas.openxmlformats.org/officeDocument/2006/relationships" xmlns:p="http://schemas.openxmlformats.org/presentationml/2006/main">
+  <p:cSld>
+    <p:spTree>
+      <p:nvGrpSpPr>
+        <p:cNvPr id="1" name=""/>
+        <p:cNvGrpSpPr/>
+        <p:nvPr/>
+      </p:nvGrpSpPr>
+      <p:grpSpPr>
+        <a:xfrm>
+          <a:off x="0" y="0"/>
+          <a:ext cx="0" cy="0"/>
+          <a:chOff x="0" y="0"/>
+          <a:chExt cx="0" cy="0"/>
+        </a:xfrm>
+      </p:grpSpPr>
+      <p:sp>
+        <p:nvSpPr>
+          <p:cNvPr id="2" name="Content Placeholder 1">
+            <a:extLst>
+              <a:ext uri="{FF2B5EF4-FFF2-40B4-BE49-F238E27FC236}">
+                <a16:creationId xmlns:a16="http://schemas.microsoft.com/office/drawing/2014/main" id="{E03CE05D-C3DA-47CC-AC1F-8C674769EC66}"/>
+              </a:ext>
+            </a:extLst>
+          </p:cNvPr>
+          <p:cNvSpPr>
+            <a:spLocks noGrp="1"/>
+          </p:cNvSpPr>
+          <p:nvPr>
+            <p:ph idx="1"/>
+          </p:nvPr>
+        </p:nvSpPr>
+        <p:spPr/>
+        <p:txBody>
+          <a:bodyPr>
+            <a:normAutofit/>
+          </a:bodyPr>
+          <a:lstStyle/>
+          <a:p>
+            <a:pPr marL="335756" indent="-308372"/>
+            <a:r>
+              <a:rPr lang="en-AU" sz="2400" dirty="0"/>
+              <a:t>Can now display 4 digit number from 0000 – 9999</a:t>
+            </a:r>
+          </a:p>
+          <a:p>
+            <a:pPr marL="541496" lvl="1" indent="-308372"/>
+            <a:r>
+              <a:rPr lang="en-AU" sz="2250" dirty="0"/>
+              <a:t>Could previously only control each digit individually</a:t>
+            </a:r>
+          </a:p>
+          <a:p>
+            <a:pPr marL="335756" indent="-308372"/>
+            <a:r>
+              <a:rPr lang="en-AU" sz="2400" dirty="0"/>
+              <a:t>Needed for displaying tempo in BMP</a:t>
+            </a:r>
+          </a:p>
+          <a:p>
+            <a:pPr marL="335756" indent="-308372"/>
+            <a:r>
+              <a:rPr lang="en-AU" sz="2400" dirty="0"/>
+              <a:t>Very useful for debugging</a:t>
+            </a:r>
+          </a:p>
+          <a:p>
+            <a:pPr marL="541496" lvl="1" indent="-308372"/>
+            <a:r>
+              <a:rPr lang="en-AU" sz="2250" dirty="0"/>
+              <a:t>Can use as “print” statements</a:t>
+            </a:r>
+          </a:p>
+        </p:txBody>
+      </p:sp>
+      <p:sp>
+        <p:nvSpPr>
+          <p:cNvPr id="3" name="Title 2">
+            <a:extLst>
+              <a:ext uri="{FF2B5EF4-FFF2-40B4-BE49-F238E27FC236}">
+                <a16:creationId xmlns:a16="http://schemas.microsoft.com/office/drawing/2014/main" id="{7E5726A0-0EE0-4D5E-8ABB-50D864C4AA11}"/>
+              </a:ext>
+            </a:extLst>
+          </p:cNvPr>
+          <p:cNvSpPr>
+            <a:spLocks noGrp="1"/>
+          </p:cNvSpPr>
+          <p:nvPr>
+            <p:ph type="title"/>
+          </p:nvPr>
+        </p:nvSpPr>
+        <p:spPr/>
+        <p:txBody>
+          <a:bodyPr/>
+          <a:lstStyle/>
+          <a:p>
+            <a:r>
+              <a:rPr lang="en-AU" sz="3600" dirty="0"/>
+              <a:t>Progress: LCD</a:t>
+            </a:r>
+          </a:p>
+        </p:txBody>
+      </p:sp>
+      <p:pic>
+        <p:nvPicPr>
+          <p:cNvPr id="4" name="Picture 3">
+            <a:extLst>
+              <a:ext uri="{FF2B5EF4-FFF2-40B4-BE49-F238E27FC236}">
+                <a16:creationId xmlns:a16="http://schemas.microsoft.com/office/drawing/2014/main" id="{B1A51FBC-98B9-4CD6-BD77-59D222D31439}"/>
+              </a:ext>
+            </a:extLst>
+          </p:cNvPr>
+          <p:cNvPicPr>
+            <a:picLocks noChangeAspect="1"/>
+          </p:cNvPicPr>
+          <p:nvPr/>
+        </p:nvPicPr>
+        <p:blipFill rotWithShape="1">
+          <a:blip r:embed="rId2"/>
+          <a:srcRect b="8016"/>
+          <a:stretch/>
+        </p:blipFill>
+        <p:spPr>
+          <a:xfrm>
+            <a:off x="2661840" y="3687754"/>
+            <a:ext cx="3819580" cy="1675003"/>
+          </a:xfrm>
+          <a:prstGeom prst="rect">
+            <a:avLst/>
+          </a:prstGeom>
+        </p:spPr>
+      </p:pic>
+    </p:spTree>
+    <p:extLst>
+      <p:ext uri="{BB962C8B-B14F-4D97-AF65-F5344CB8AC3E}">
+        <p14:creationId xmlns:p14="http://schemas.microsoft.com/office/powerpoint/2010/main" val="832432314"/>
+      </p:ext>
+    </p:extLst>
+  </p:cSld>
+  <p:clrMapOvr>
+    <a:masterClrMapping/>
+  </p:clrMapOvr>
+</p:sld>
+</file>
+
+<file path=ppt/slides/slide5.xml><?xml version="1.0" encoding="utf-8"?>
+<p:sld xmlns:a="http://schemas.openxmlformats.org/drawingml/2006/main" xmlns:r="http://schemas.openxmlformats.org/officeDocument/2006/relationships" xmlns:p="http://schemas.openxmlformats.org/presentationml/2006/main">
+  <p:cSld>
+    <p:spTree>
+      <p:nvGrpSpPr>
+        <p:cNvPr id="1" name=""/>
+        <p:cNvGrpSpPr/>
+        <p:nvPr/>
+      </p:nvGrpSpPr>
+      <p:grpSpPr>
+        <a:xfrm>
+          <a:off x="0" y="0"/>
+          <a:ext cx="0" cy="0"/>
+          <a:chOff x="0" y="0"/>
+          <a:chExt cx="0" cy="0"/>
+        </a:xfrm>
+      </p:grpSpPr>
+      <p:sp>
+        <p:nvSpPr>
+          <p:cNvPr id="2" name="Content Placeholder 1">
+            <a:extLst>
+              <a:ext uri="{FF2B5EF4-FFF2-40B4-BE49-F238E27FC236}">
+                <a16:creationId xmlns:a16="http://schemas.microsoft.com/office/drawing/2014/main" id="{E03CE05D-C3DA-47CC-AC1F-8C674769EC66}"/>
+              </a:ext>
+            </a:extLst>
+          </p:cNvPr>
+          <p:cNvSpPr>
+            <a:spLocks noGrp="1"/>
+          </p:cNvSpPr>
+          <p:nvPr>
+            <p:ph idx="1"/>
+          </p:nvPr>
+        </p:nvSpPr>
+        <p:spPr/>
+        <p:txBody>
+          <a:bodyPr>
+            <a:normAutofit/>
+          </a:bodyPr>
+          <a:lstStyle/>
+          <a:p>
+            <a:pPr marL="335756" indent="-308372"/>
+            <a:r>
+              <a:rPr lang="en-AU" sz="2400" dirty="0"/>
+              <a:t>Redesigned entire module</a:t>
+            </a:r>
+          </a:p>
+          <a:p>
+            <a:pPr marL="335756" indent="-308372"/>
+            <a:r>
+              <a:rPr lang="en-AU" sz="2250" dirty="0"/>
+              <a:t>Abstracted note length counter and note pitch player into two separate subcomponents</a:t>
+            </a:r>
+          </a:p>
+        </p:txBody>
+      </p:sp>
+      <p:sp>
+        <p:nvSpPr>
+          <p:cNvPr id="3" name="Title 2">
+            <a:extLst>
+              <a:ext uri="{FF2B5EF4-FFF2-40B4-BE49-F238E27FC236}">
+                <a16:creationId xmlns:a16="http://schemas.microsoft.com/office/drawing/2014/main" id="{7E5726A0-0EE0-4D5E-8ABB-50D864C4AA11}"/>
+              </a:ext>
+            </a:extLst>
+          </p:cNvPr>
+          <p:cNvSpPr>
+            <a:spLocks noGrp="1"/>
+          </p:cNvSpPr>
+          <p:nvPr>
+            <p:ph type="title"/>
+          </p:nvPr>
+        </p:nvSpPr>
+        <p:spPr/>
+        <p:txBody>
+          <a:bodyPr/>
+          <a:lstStyle/>
+          <a:p>
+            <a:r>
+              <a:rPr lang="en-AU" sz="3600" dirty="0"/>
+              <a:t>Progress: Music Playback</a:t>
+            </a:r>
+          </a:p>
+        </p:txBody>
+      </p:sp>
+      <p:sp>
+        <p:nvSpPr>
+          <p:cNvPr id="4" name="Rectangle 3">
+            <a:extLst>
+              <a:ext uri="{FF2B5EF4-FFF2-40B4-BE49-F238E27FC236}">
+                <a16:creationId xmlns:a16="http://schemas.microsoft.com/office/drawing/2014/main" id="{96A81932-1AD6-47DA-B859-05F62DA78B00}"/>
+              </a:ext>
+            </a:extLst>
+          </p:cNvPr>
+          <p:cNvSpPr/>
+          <p:nvPr/>
+        </p:nvSpPr>
+        <p:spPr>
+          <a:xfrm>
+            <a:off x="1979940" y="2947240"/>
+            <a:ext cx="4980080" cy="2380462"/>
+          </a:xfrm>
+          <a:prstGeom prst="rect">
+            <a:avLst/>
+          </a:prstGeom>
+          <a:noFill/>
+          <a:ln>
+            <a:solidFill>
+              <a:schemeClr val="tx2"/>
+            </a:solidFill>
+          </a:ln>
+        </p:spPr>
+        <p:style>
+          <a:lnRef idx="2">
+            <a:schemeClr val="accent1">
+              <a:shade val="50000"/>
+            </a:schemeClr>
+          </a:lnRef>
+          <a:fillRef idx="1">
+            <a:schemeClr val="accent1"/>
+          </a:fillRef>
+          <a:effectRef idx="0">
+            <a:schemeClr val="accent1"/>
+          </a:effectRef>
+          <a:fontRef idx="minor">
+            <a:schemeClr val="lt1"/>
+          </a:fontRef>
+        </p:style>
+        <p:txBody>
+          <a:bodyPr rtlCol="0" anchor="ctr"/>
+          <a:lstStyle/>
+          <a:p>
+            <a:pPr algn="ctr"/>
+            <a:endParaRPr lang="en-AU"/>
+          </a:p>
+        </p:txBody>
+      </p:sp>
+      <p:sp>
+        <p:nvSpPr>
+          <p:cNvPr id="5" name="Rectangle 4">
+            <a:extLst>
+              <a:ext uri="{FF2B5EF4-FFF2-40B4-BE49-F238E27FC236}">
+                <a16:creationId xmlns:a16="http://schemas.microsoft.com/office/drawing/2014/main" id="{66578AD9-FA7D-44B3-B393-0E8BA0EACCC0}"/>
+              </a:ext>
+            </a:extLst>
+          </p:cNvPr>
+          <p:cNvSpPr/>
+          <p:nvPr/>
+        </p:nvSpPr>
+        <p:spPr>
+          <a:xfrm>
+            <a:off x="2275924" y="4031042"/>
+            <a:ext cx="2061808" cy="1074357"/>
+          </a:xfrm>
+          <a:prstGeom prst="rect">
+            <a:avLst/>
+          </a:prstGeom>
+          <a:noFill/>
+          <a:ln>
+            <a:solidFill>
+              <a:schemeClr val="tx2"/>
+            </a:solidFill>
+          </a:ln>
+        </p:spPr>
+        <p:style>
+          <a:lnRef idx="2">
+            <a:schemeClr val="accent1">
+              <a:shade val="50000"/>
+            </a:schemeClr>
+          </a:lnRef>
+          <a:fillRef idx="1">
+            <a:schemeClr val="accent1"/>
+          </a:fillRef>
+          <a:effectRef idx="0">
+            <a:schemeClr val="accent1"/>
+          </a:effectRef>
+          <a:fontRef idx="minor">
+            <a:schemeClr val="lt1"/>
+          </a:fontRef>
+        </p:style>
+        <p:txBody>
+          <a:bodyPr rtlCol="0" anchor="ctr"/>
+          <a:lstStyle/>
+          <a:p>
+            <a:pPr algn="ctr"/>
+            <a:endParaRPr lang="en-AU"/>
+          </a:p>
+        </p:txBody>
+      </p:sp>
+      <p:sp>
+        <p:nvSpPr>
+          <p:cNvPr id="6" name="Rectangle 5">
+            <a:extLst>
+              <a:ext uri="{FF2B5EF4-FFF2-40B4-BE49-F238E27FC236}">
+                <a16:creationId xmlns:a16="http://schemas.microsoft.com/office/drawing/2014/main" id="{BB6AB299-E094-4475-AD26-9B769FC68AFF}"/>
+              </a:ext>
+            </a:extLst>
+          </p:cNvPr>
+          <p:cNvSpPr/>
+          <p:nvPr/>
+        </p:nvSpPr>
+        <p:spPr>
+          <a:xfrm>
+            <a:off x="4633716" y="4031041"/>
+            <a:ext cx="2061808" cy="1074357"/>
+          </a:xfrm>
+          <a:prstGeom prst="rect">
+            <a:avLst/>
+          </a:prstGeom>
+          <a:noFill/>
+          <a:ln>
+            <a:solidFill>
+              <a:schemeClr val="tx2"/>
+            </a:solidFill>
+          </a:ln>
+        </p:spPr>
+        <p:style>
+          <a:lnRef idx="2">
+            <a:schemeClr val="accent1">
+              <a:shade val="50000"/>
+            </a:schemeClr>
+          </a:lnRef>
+          <a:fillRef idx="1">
+            <a:schemeClr val="accent1"/>
+          </a:fillRef>
+          <a:effectRef idx="0">
+            <a:schemeClr val="accent1"/>
+          </a:effectRef>
+          <a:fontRef idx="minor">
+            <a:schemeClr val="lt1"/>
+          </a:fontRef>
+        </p:style>
+        <p:txBody>
+          <a:bodyPr rtlCol="0" anchor="ctr"/>
+          <a:lstStyle/>
+          <a:p>
+            <a:pPr algn="ctr"/>
+            <a:endParaRPr lang="en-AU"/>
+          </a:p>
+        </p:txBody>
+      </p:sp>
+      <p:sp>
+        <p:nvSpPr>
+          <p:cNvPr id="7" name="TextBox 6">
+            <a:extLst>
+              <a:ext uri="{FF2B5EF4-FFF2-40B4-BE49-F238E27FC236}">
+                <a16:creationId xmlns:a16="http://schemas.microsoft.com/office/drawing/2014/main" id="{4E2F8FB9-78D3-4E47-947F-C66B487AC748}"/>
+              </a:ext>
+            </a:extLst>
+          </p:cNvPr>
+          <p:cNvSpPr txBox="1"/>
+          <p:nvPr/>
+        </p:nvSpPr>
+        <p:spPr>
+          <a:xfrm>
+            <a:off x="3414200" y="3267420"/>
+            <a:ext cx="2111559" cy="400110"/>
+          </a:xfrm>
+          <a:prstGeom prst="rect">
+            <a:avLst/>
+          </a:prstGeom>
+          <a:noFill/>
+          <a:ln>
+            <a:noFill/>
+          </a:ln>
+        </p:spPr>
+        <p:txBody>
+          <a:bodyPr wrap="square" rtlCol="0">
+            <a:spAutoFit/>
+          </a:bodyPr>
+          <a:lstStyle/>
+          <a:p>
+            <a:pPr algn="ctr"/>
+            <a:r>
+              <a:rPr lang="en-AU" sz="2000" dirty="0">
+                <a:solidFill>
+                  <a:schemeClr val="tx2"/>
+                </a:solidFill>
+              </a:rPr>
+              <a:t>Music Player</a:t>
+            </a:r>
+          </a:p>
+        </p:txBody>
+      </p:sp>
+      <p:sp>
+        <p:nvSpPr>
+          <p:cNvPr id="8" name="TextBox 7">
+            <a:extLst>
+              <a:ext uri="{FF2B5EF4-FFF2-40B4-BE49-F238E27FC236}">
+                <a16:creationId xmlns:a16="http://schemas.microsoft.com/office/drawing/2014/main" id="{E58FC45A-4E52-4579-822C-58D569917D10}"/>
+              </a:ext>
+            </a:extLst>
+          </p:cNvPr>
+          <p:cNvSpPr txBox="1"/>
+          <p:nvPr/>
+        </p:nvSpPr>
+        <p:spPr>
+          <a:xfrm>
+            <a:off x="2275925" y="4214276"/>
+            <a:ext cx="2061808" cy="707886"/>
+          </a:xfrm>
+          <a:prstGeom prst="rect">
+            <a:avLst/>
+          </a:prstGeom>
+          <a:noFill/>
+          <a:ln>
+            <a:noFill/>
+          </a:ln>
+        </p:spPr>
+        <p:txBody>
+          <a:bodyPr wrap="square" rtlCol="0">
+            <a:spAutoFit/>
+          </a:bodyPr>
+          <a:lstStyle/>
+          <a:p>
+            <a:pPr algn="ctr"/>
+            <a:r>
+              <a:rPr lang="en-AU" sz="2000" dirty="0">
+                <a:solidFill>
+                  <a:schemeClr val="tx2"/>
+                </a:solidFill>
+              </a:rPr>
+              <a:t>Note Length Counter</a:t>
+            </a:r>
+          </a:p>
+        </p:txBody>
+      </p:sp>
+      <p:sp>
+        <p:nvSpPr>
+          <p:cNvPr id="9" name="TextBox 8">
+            <a:extLst>
+              <a:ext uri="{FF2B5EF4-FFF2-40B4-BE49-F238E27FC236}">
+                <a16:creationId xmlns:a16="http://schemas.microsoft.com/office/drawing/2014/main" id="{3282D43D-7315-450C-B51E-5F21FC57821F}"/>
+              </a:ext>
+            </a:extLst>
+          </p:cNvPr>
+          <p:cNvSpPr txBox="1"/>
+          <p:nvPr/>
+        </p:nvSpPr>
+        <p:spPr>
+          <a:xfrm>
+            <a:off x="4633716" y="4214276"/>
+            <a:ext cx="2061808" cy="707886"/>
+          </a:xfrm>
+          <a:prstGeom prst="rect">
+            <a:avLst/>
+          </a:prstGeom>
+          <a:noFill/>
+          <a:ln>
+            <a:noFill/>
+          </a:ln>
+        </p:spPr>
+        <p:txBody>
+          <a:bodyPr wrap="square" rtlCol="0">
+            <a:spAutoFit/>
+          </a:bodyPr>
+          <a:lstStyle/>
+          <a:p>
+            <a:pPr algn="ctr"/>
+            <a:r>
+              <a:rPr lang="en-AU" sz="2000" dirty="0">
+                <a:solidFill>
+                  <a:schemeClr val="tx2"/>
+                </a:solidFill>
+              </a:rPr>
+              <a:t>Note Pitch</a:t>
+            </a:r>
+            <a:br>
+              <a:rPr lang="en-AU" sz="2000" dirty="0">
+                <a:solidFill>
+                  <a:schemeClr val="tx2"/>
+                </a:solidFill>
+              </a:rPr>
+            </a:br>
+            <a:r>
+              <a:rPr lang="en-AU" sz="2000" dirty="0">
+                <a:solidFill>
+                  <a:schemeClr val="tx2"/>
+                </a:solidFill>
+              </a:rPr>
+              <a:t>Player</a:t>
+            </a:r>
+          </a:p>
+        </p:txBody>
+      </p:sp>
+    </p:spTree>
+    <p:extLst>
+      <p:ext uri="{BB962C8B-B14F-4D97-AF65-F5344CB8AC3E}">
+        <p14:creationId xmlns:p14="http://schemas.microsoft.com/office/powerpoint/2010/main" val="931049609"/>
+      </p:ext>
+    </p:extLst>
+  </p:cSld>
+  <p:clrMapOvr>
+    <a:masterClrMapping/>
+  </p:clrMapOvr>
+</p:sld>
+</file>
+
+<file path=ppt/slides/slide6.xml><?xml version="1.0" encoding="utf-8"?>
+<p:sld xmlns:a="http://schemas.openxmlformats.org/drawingml/2006/main" xmlns:r="http://schemas.openxmlformats.org/officeDocument/2006/relationships" xmlns:p="http://schemas.openxmlformats.org/presentationml/2006/main">
+  <p:cSld>
+    <p:spTree>
+      <p:nvGrpSpPr>
+        <p:cNvPr id="1" name=""/>
+        <p:cNvGrpSpPr/>
+        <p:nvPr/>
+      </p:nvGrpSpPr>
+      <p:grpSpPr>
+        <a:xfrm>
+          <a:off x="0" y="0"/>
+          <a:ext cx="0" cy="0"/>
+          <a:chOff x="0" y="0"/>
+          <a:chExt cx="0" cy="0"/>
+        </a:xfrm>
+      </p:grpSpPr>
+      <p:sp>
+        <p:nvSpPr>
+          <p:cNvPr id="2" name="Content Placeholder 1">
+            <a:extLst>
+              <a:ext uri="{FF2B5EF4-FFF2-40B4-BE49-F238E27FC236}">
+                <a16:creationId xmlns:a16="http://schemas.microsoft.com/office/drawing/2014/main" id="{E03CE05D-C3DA-47CC-AC1F-8C674769EC66}"/>
+              </a:ext>
+            </a:extLst>
+          </p:cNvPr>
+          <p:cNvSpPr>
+            <a:spLocks noGrp="1"/>
+          </p:cNvSpPr>
+          <p:nvPr>
+            <p:ph idx="1"/>
+          </p:nvPr>
+        </p:nvSpPr>
+        <p:spPr>
+          <a:xfrm>
+            <a:off x="380999" y="1432558"/>
+            <a:ext cx="8407893" cy="4038727"/>
+          </a:xfrm>
+        </p:spPr>
+        <p:txBody>
+          <a:bodyPr>
+            <a:normAutofit/>
+          </a:bodyPr>
+          <a:lstStyle/>
+          <a:p>
+            <a:pPr marL="34290" indent="0">
+              <a:spcAft>
+                <a:spcPts val="0"/>
+              </a:spcAft>
+              <a:buNone/>
+            </a:pPr>
+            <a:r>
+              <a:rPr lang="en-AU" sz="2000" dirty="0">
+                <a:solidFill>
+                  <a:srgbClr val="0000FF"/>
+                </a:solidFill>
+                <a:latin typeface="Consolas" panose="020B0609020204030204" pitchFamily="49" charset="0"/>
+                <a:ea typeface="Times New Roman" panose="02020603050405020304" pitchFamily="18" charset="0"/>
+                <a:cs typeface="Times New Roman" panose="02020603050405020304" pitchFamily="18" charset="0"/>
+              </a:rPr>
+              <a:t>entity</a:t>
+            </a:r>
+            <a:r>
+              <a:rPr lang="en-AU" sz="2000" dirty="0">
+                <a:solidFill>
+                  <a:srgbClr val="000000"/>
+                </a:solidFill>
+                <a:latin typeface="Consolas" panose="020B0609020204030204" pitchFamily="49" charset="0"/>
+                <a:ea typeface="Times New Roman" panose="02020603050405020304" pitchFamily="18" charset="0"/>
+                <a:cs typeface="Times New Roman" panose="02020603050405020304" pitchFamily="18" charset="0"/>
+              </a:rPr>
+              <a:t> </a:t>
+            </a:r>
+            <a:r>
+              <a:rPr lang="en-AU" sz="2000" dirty="0" err="1">
+                <a:solidFill>
+                  <a:srgbClr val="000000"/>
+                </a:solidFill>
+                <a:latin typeface="Consolas" panose="020B0609020204030204" pitchFamily="49" charset="0"/>
+                <a:ea typeface="Times New Roman" panose="02020603050405020304" pitchFamily="18" charset="0"/>
+                <a:cs typeface="Times New Roman" panose="02020603050405020304" pitchFamily="18" charset="0"/>
+              </a:rPr>
+              <a:t>music_player</a:t>
+            </a:r>
+            <a:r>
+              <a:rPr lang="en-AU" sz="2000" dirty="0">
+                <a:solidFill>
+                  <a:srgbClr val="000000"/>
+                </a:solidFill>
+                <a:latin typeface="Consolas" panose="020B0609020204030204" pitchFamily="49" charset="0"/>
+                <a:ea typeface="Times New Roman" panose="02020603050405020304" pitchFamily="18" charset="0"/>
+                <a:cs typeface="Times New Roman" panose="02020603050405020304" pitchFamily="18" charset="0"/>
+              </a:rPr>
+              <a:t> </a:t>
+            </a:r>
+            <a:r>
+              <a:rPr lang="en-AU" sz="2000" dirty="0">
+                <a:solidFill>
+                  <a:srgbClr val="0000FF"/>
+                </a:solidFill>
+                <a:latin typeface="Consolas" panose="020B0609020204030204" pitchFamily="49" charset="0"/>
+                <a:ea typeface="Times New Roman" panose="02020603050405020304" pitchFamily="18" charset="0"/>
+                <a:cs typeface="Times New Roman" panose="02020603050405020304" pitchFamily="18" charset="0"/>
+              </a:rPr>
+              <a:t>is</a:t>
+            </a:r>
+            <a:endParaRPr lang="en-AU" sz="2400" dirty="0">
+              <a:latin typeface="Calibri" panose="020F0502020204030204" pitchFamily="34" charset="0"/>
+              <a:ea typeface="Calibri" panose="020F0502020204030204" pitchFamily="34" charset="0"/>
+              <a:cs typeface="Times New Roman" panose="02020603050405020304" pitchFamily="18" charset="0"/>
+            </a:endParaRPr>
+          </a:p>
+          <a:p>
+            <a:pPr marL="34290" indent="0">
+              <a:spcAft>
+                <a:spcPts val="0"/>
+              </a:spcAft>
+              <a:buNone/>
+            </a:pPr>
+            <a:r>
+              <a:rPr lang="en-AU" sz="2000" dirty="0">
+                <a:solidFill>
+                  <a:srgbClr val="000000"/>
+                </a:solidFill>
+                <a:latin typeface="Consolas" panose="020B0609020204030204" pitchFamily="49" charset="0"/>
+                <a:ea typeface="Times New Roman" panose="02020603050405020304" pitchFamily="18" charset="0"/>
+                <a:cs typeface="Times New Roman" panose="02020603050405020304" pitchFamily="18" charset="0"/>
+              </a:rPr>
+              <a:t>    </a:t>
+            </a:r>
+            <a:r>
+              <a:rPr lang="en-AU" sz="2000" dirty="0">
+                <a:solidFill>
+                  <a:srgbClr val="0000FF"/>
+                </a:solidFill>
+                <a:latin typeface="Consolas" panose="020B0609020204030204" pitchFamily="49" charset="0"/>
+                <a:ea typeface="Times New Roman" panose="02020603050405020304" pitchFamily="18" charset="0"/>
+                <a:cs typeface="Times New Roman" panose="02020603050405020304" pitchFamily="18" charset="0"/>
+              </a:rPr>
+              <a:t>port </a:t>
+            </a:r>
+            <a:r>
+              <a:rPr lang="en-AU" sz="2000" dirty="0">
+                <a:solidFill>
+                  <a:srgbClr val="000000"/>
+                </a:solidFill>
+                <a:latin typeface="Consolas" panose="020B0609020204030204" pitchFamily="49" charset="0"/>
+                <a:ea typeface="Times New Roman" panose="02020603050405020304" pitchFamily="18" charset="0"/>
+                <a:cs typeface="Times New Roman" panose="02020603050405020304" pitchFamily="18" charset="0"/>
+              </a:rPr>
+              <a:t>(</a:t>
+            </a:r>
+            <a:endParaRPr lang="en-AU" sz="2400" dirty="0">
+              <a:latin typeface="Calibri" panose="020F0502020204030204" pitchFamily="34" charset="0"/>
+              <a:ea typeface="Calibri" panose="020F0502020204030204" pitchFamily="34" charset="0"/>
+              <a:cs typeface="Times New Roman" panose="02020603050405020304" pitchFamily="18" charset="0"/>
+            </a:endParaRPr>
+          </a:p>
+          <a:p>
+            <a:pPr marL="34290" indent="0">
+              <a:spcAft>
+                <a:spcPts val="0"/>
+              </a:spcAft>
+              <a:buNone/>
+            </a:pPr>
+            <a:r>
+              <a:rPr lang="en-AU" sz="2000" dirty="0">
+                <a:solidFill>
+                  <a:srgbClr val="000000"/>
+                </a:solidFill>
+                <a:latin typeface="Consolas" panose="020B0609020204030204" pitchFamily="49" charset="0"/>
+                <a:ea typeface="Times New Roman" panose="02020603050405020304" pitchFamily="18" charset="0"/>
+                <a:cs typeface="Times New Roman" panose="02020603050405020304" pitchFamily="18" charset="0"/>
+              </a:rPr>
+              <a:t>        </a:t>
+            </a:r>
+            <a:r>
+              <a:rPr lang="en-AU" sz="2000" dirty="0" err="1">
+                <a:solidFill>
+                  <a:srgbClr val="000000"/>
+                </a:solidFill>
+                <a:latin typeface="Consolas" panose="020B0609020204030204" pitchFamily="49" charset="0"/>
+                <a:ea typeface="Times New Roman" panose="02020603050405020304" pitchFamily="18" charset="0"/>
+                <a:cs typeface="Times New Roman" panose="02020603050405020304" pitchFamily="18" charset="0"/>
+              </a:rPr>
+              <a:t>clk</a:t>
+            </a:r>
+            <a:r>
+              <a:rPr lang="en-AU" sz="2000" dirty="0">
+                <a:solidFill>
+                  <a:srgbClr val="000000"/>
+                </a:solidFill>
+                <a:latin typeface="Consolas" panose="020B0609020204030204" pitchFamily="49" charset="0"/>
+                <a:ea typeface="Times New Roman" panose="02020603050405020304" pitchFamily="18" charset="0"/>
+                <a:cs typeface="Times New Roman" panose="02020603050405020304" pitchFamily="18" charset="0"/>
+              </a:rPr>
+              <a:t> : </a:t>
+            </a:r>
+            <a:r>
+              <a:rPr lang="en-AU" sz="2000" dirty="0">
+                <a:solidFill>
+                  <a:srgbClr val="0000FF"/>
+                </a:solidFill>
+                <a:latin typeface="Consolas" panose="020B0609020204030204" pitchFamily="49" charset="0"/>
+                <a:ea typeface="Times New Roman" panose="02020603050405020304" pitchFamily="18" charset="0"/>
+                <a:cs typeface="Times New Roman" panose="02020603050405020304" pitchFamily="18" charset="0"/>
+              </a:rPr>
+              <a:t>in</a:t>
+            </a:r>
+            <a:r>
+              <a:rPr lang="en-AU" sz="2000" dirty="0">
+                <a:solidFill>
+                  <a:srgbClr val="000000"/>
+                </a:solidFill>
+                <a:latin typeface="Consolas" panose="020B0609020204030204" pitchFamily="49" charset="0"/>
+                <a:ea typeface="Times New Roman" panose="02020603050405020304" pitchFamily="18" charset="0"/>
+                <a:cs typeface="Times New Roman" panose="02020603050405020304" pitchFamily="18" charset="0"/>
+              </a:rPr>
+              <a:t> </a:t>
+            </a:r>
+            <a:r>
+              <a:rPr lang="en-AU" sz="2000" dirty="0" err="1">
+                <a:solidFill>
+                  <a:srgbClr val="000000"/>
+                </a:solidFill>
+                <a:latin typeface="Consolas" panose="020B0609020204030204" pitchFamily="49" charset="0"/>
+                <a:ea typeface="Times New Roman" panose="02020603050405020304" pitchFamily="18" charset="0"/>
+                <a:cs typeface="Times New Roman" panose="02020603050405020304" pitchFamily="18" charset="0"/>
+              </a:rPr>
+              <a:t>std_logic</a:t>
+            </a:r>
+            <a:r>
+              <a:rPr lang="en-AU" sz="2000" dirty="0">
+                <a:solidFill>
+                  <a:srgbClr val="000000"/>
+                </a:solidFill>
+                <a:latin typeface="Consolas" panose="020B0609020204030204" pitchFamily="49" charset="0"/>
+                <a:ea typeface="Times New Roman" panose="02020603050405020304" pitchFamily="18" charset="0"/>
+                <a:cs typeface="Times New Roman" panose="02020603050405020304" pitchFamily="18" charset="0"/>
+              </a:rPr>
+              <a:t>;</a:t>
+            </a:r>
+            <a:endParaRPr lang="en-AU" sz="2400" dirty="0">
+              <a:latin typeface="Calibri" panose="020F0502020204030204" pitchFamily="34" charset="0"/>
+              <a:ea typeface="Calibri" panose="020F0502020204030204" pitchFamily="34" charset="0"/>
+              <a:cs typeface="Times New Roman" panose="02020603050405020304" pitchFamily="18" charset="0"/>
+            </a:endParaRPr>
+          </a:p>
+          <a:p>
+            <a:pPr marL="34290" indent="0">
+              <a:spcAft>
+                <a:spcPts val="0"/>
+              </a:spcAft>
+              <a:buNone/>
+            </a:pPr>
+            <a:r>
+              <a:rPr lang="en-AU" sz="2000" dirty="0">
+                <a:solidFill>
+                  <a:srgbClr val="000000"/>
+                </a:solidFill>
+                <a:latin typeface="Consolas" panose="020B0609020204030204" pitchFamily="49" charset="0"/>
+                <a:ea typeface="Times New Roman" panose="02020603050405020304" pitchFamily="18" charset="0"/>
+                <a:cs typeface="Times New Roman" panose="02020603050405020304" pitchFamily="18" charset="0"/>
+              </a:rPr>
+              <a:t>        </a:t>
+            </a:r>
+            <a:r>
+              <a:rPr lang="en-AU" sz="2000" dirty="0" err="1">
+                <a:solidFill>
+                  <a:srgbClr val="000000"/>
+                </a:solidFill>
+                <a:latin typeface="Consolas" panose="020B0609020204030204" pitchFamily="49" charset="0"/>
+                <a:ea typeface="Times New Roman" panose="02020603050405020304" pitchFamily="18" charset="0"/>
+                <a:cs typeface="Times New Roman" panose="02020603050405020304" pitchFamily="18" charset="0"/>
+              </a:rPr>
+              <a:t>btn</a:t>
+            </a:r>
+            <a:r>
+              <a:rPr lang="en-AU" sz="2000" dirty="0">
+                <a:solidFill>
+                  <a:srgbClr val="000000"/>
+                </a:solidFill>
+                <a:latin typeface="Consolas" panose="020B0609020204030204" pitchFamily="49" charset="0"/>
+                <a:ea typeface="Times New Roman" panose="02020603050405020304" pitchFamily="18" charset="0"/>
+                <a:cs typeface="Times New Roman" panose="02020603050405020304" pitchFamily="18" charset="0"/>
+              </a:rPr>
+              <a:t> : </a:t>
+            </a:r>
+            <a:r>
+              <a:rPr lang="en-AU" sz="2000" dirty="0">
+                <a:solidFill>
+                  <a:srgbClr val="0000FF"/>
+                </a:solidFill>
+                <a:latin typeface="Consolas" panose="020B0609020204030204" pitchFamily="49" charset="0"/>
+                <a:ea typeface="Times New Roman" panose="02020603050405020304" pitchFamily="18" charset="0"/>
+                <a:cs typeface="Times New Roman" panose="02020603050405020304" pitchFamily="18" charset="0"/>
+              </a:rPr>
+              <a:t>in</a:t>
+            </a:r>
+            <a:r>
+              <a:rPr lang="en-AU" sz="2000" dirty="0">
+                <a:solidFill>
+                  <a:srgbClr val="000000"/>
+                </a:solidFill>
+                <a:latin typeface="Consolas" panose="020B0609020204030204" pitchFamily="49" charset="0"/>
+                <a:ea typeface="Times New Roman" panose="02020603050405020304" pitchFamily="18" charset="0"/>
+                <a:cs typeface="Times New Roman" panose="02020603050405020304" pitchFamily="18" charset="0"/>
+              </a:rPr>
+              <a:t> </a:t>
+            </a:r>
+            <a:r>
+              <a:rPr lang="en-AU" sz="2000" dirty="0" err="1">
+                <a:solidFill>
+                  <a:srgbClr val="000000"/>
+                </a:solidFill>
+                <a:latin typeface="Consolas" panose="020B0609020204030204" pitchFamily="49" charset="0"/>
+                <a:ea typeface="Times New Roman" panose="02020603050405020304" pitchFamily="18" charset="0"/>
+                <a:cs typeface="Times New Roman" panose="02020603050405020304" pitchFamily="18" charset="0"/>
+              </a:rPr>
+              <a:t>std_logic_vector</a:t>
+            </a:r>
+            <a:r>
+              <a:rPr lang="en-AU" sz="2000" dirty="0">
+                <a:solidFill>
+                  <a:srgbClr val="000000"/>
+                </a:solidFill>
+                <a:latin typeface="Consolas" panose="020B0609020204030204" pitchFamily="49" charset="0"/>
+                <a:ea typeface="Times New Roman" panose="02020603050405020304" pitchFamily="18" charset="0"/>
+                <a:cs typeface="Times New Roman" panose="02020603050405020304" pitchFamily="18" charset="0"/>
+              </a:rPr>
+              <a:t>(</a:t>
+            </a:r>
+            <a:r>
+              <a:rPr lang="en-AU" sz="2000" dirty="0">
+                <a:solidFill>
+                  <a:srgbClr val="09885A"/>
+                </a:solidFill>
+                <a:latin typeface="Consolas" panose="020B0609020204030204" pitchFamily="49" charset="0"/>
+                <a:ea typeface="Times New Roman" panose="02020603050405020304" pitchFamily="18" charset="0"/>
+                <a:cs typeface="Times New Roman" panose="02020603050405020304" pitchFamily="18" charset="0"/>
+              </a:rPr>
+              <a:t>3</a:t>
+            </a:r>
+            <a:r>
+              <a:rPr lang="en-AU" sz="2000" dirty="0">
+                <a:solidFill>
+                  <a:srgbClr val="000000"/>
+                </a:solidFill>
+                <a:latin typeface="Consolas" panose="020B0609020204030204" pitchFamily="49" charset="0"/>
+                <a:ea typeface="Times New Roman" panose="02020603050405020304" pitchFamily="18" charset="0"/>
+                <a:cs typeface="Times New Roman" panose="02020603050405020304" pitchFamily="18" charset="0"/>
+              </a:rPr>
+              <a:t> </a:t>
+            </a:r>
+            <a:r>
+              <a:rPr lang="en-AU" sz="2000" dirty="0" err="1">
+                <a:solidFill>
+                  <a:srgbClr val="0000FF"/>
+                </a:solidFill>
+                <a:latin typeface="Consolas" panose="020B0609020204030204" pitchFamily="49" charset="0"/>
+                <a:ea typeface="Times New Roman" panose="02020603050405020304" pitchFamily="18" charset="0"/>
+                <a:cs typeface="Times New Roman" panose="02020603050405020304" pitchFamily="18" charset="0"/>
+              </a:rPr>
+              <a:t>downto</a:t>
+            </a:r>
+            <a:r>
+              <a:rPr lang="en-AU" sz="2000" dirty="0">
+                <a:solidFill>
+                  <a:srgbClr val="000000"/>
+                </a:solidFill>
+                <a:latin typeface="Consolas" panose="020B0609020204030204" pitchFamily="49" charset="0"/>
+                <a:ea typeface="Times New Roman" panose="02020603050405020304" pitchFamily="18" charset="0"/>
+                <a:cs typeface="Times New Roman" panose="02020603050405020304" pitchFamily="18" charset="0"/>
+              </a:rPr>
+              <a:t> </a:t>
+            </a:r>
+            <a:r>
+              <a:rPr lang="en-AU" sz="2000" dirty="0">
+                <a:solidFill>
+                  <a:srgbClr val="09885A"/>
+                </a:solidFill>
+                <a:latin typeface="Consolas" panose="020B0609020204030204" pitchFamily="49" charset="0"/>
+                <a:ea typeface="Times New Roman" panose="02020603050405020304" pitchFamily="18" charset="0"/>
+                <a:cs typeface="Times New Roman" panose="02020603050405020304" pitchFamily="18" charset="0"/>
+              </a:rPr>
+              <a:t>0</a:t>
+            </a:r>
+            <a:r>
+              <a:rPr lang="en-AU" sz="2000" dirty="0">
+                <a:solidFill>
+                  <a:srgbClr val="000000"/>
+                </a:solidFill>
+                <a:latin typeface="Consolas" panose="020B0609020204030204" pitchFamily="49" charset="0"/>
+                <a:ea typeface="Times New Roman" panose="02020603050405020304" pitchFamily="18" charset="0"/>
+                <a:cs typeface="Times New Roman" panose="02020603050405020304" pitchFamily="18" charset="0"/>
+              </a:rPr>
+              <a:t>);</a:t>
+            </a:r>
+            <a:endParaRPr lang="en-AU" sz="2400" dirty="0">
+              <a:latin typeface="Calibri" panose="020F0502020204030204" pitchFamily="34" charset="0"/>
+              <a:ea typeface="Calibri" panose="020F0502020204030204" pitchFamily="34" charset="0"/>
+              <a:cs typeface="Times New Roman" panose="02020603050405020304" pitchFamily="18" charset="0"/>
+            </a:endParaRPr>
+          </a:p>
+          <a:p>
+            <a:pPr marL="34290" indent="0">
+              <a:spcAft>
+                <a:spcPts val="0"/>
+              </a:spcAft>
+              <a:buNone/>
+            </a:pPr>
+            <a:r>
+              <a:rPr lang="en-AU" sz="2000" dirty="0">
+                <a:solidFill>
+                  <a:srgbClr val="000000"/>
+                </a:solidFill>
+                <a:latin typeface="Consolas" panose="020B0609020204030204" pitchFamily="49" charset="0"/>
+                <a:ea typeface="Times New Roman" panose="02020603050405020304" pitchFamily="18" charset="0"/>
+                <a:cs typeface="Times New Roman" panose="02020603050405020304" pitchFamily="18" charset="0"/>
+              </a:rPr>
+              <a:t>        </a:t>
+            </a:r>
+            <a:r>
+              <a:rPr lang="en-AU" sz="2000" dirty="0" err="1">
+                <a:solidFill>
+                  <a:srgbClr val="000000"/>
+                </a:solidFill>
+                <a:latin typeface="Consolas" panose="020B0609020204030204" pitchFamily="49" charset="0"/>
+                <a:ea typeface="Times New Roman" panose="02020603050405020304" pitchFamily="18" charset="0"/>
+                <a:cs typeface="Times New Roman" panose="02020603050405020304" pitchFamily="18" charset="0"/>
+              </a:rPr>
+              <a:t>sw</a:t>
+            </a:r>
+            <a:r>
+              <a:rPr lang="en-AU" sz="2000" dirty="0">
+                <a:solidFill>
+                  <a:srgbClr val="000000"/>
+                </a:solidFill>
+                <a:latin typeface="Consolas" panose="020B0609020204030204" pitchFamily="49" charset="0"/>
+                <a:ea typeface="Times New Roman" panose="02020603050405020304" pitchFamily="18" charset="0"/>
+                <a:cs typeface="Times New Roman" panose="02020603050405020304" pitchFamily="18" charset="0"/>
+              </a:rPr>
+              <a:t> : </a:t>
+            </a:r>
+            <a:r>
+              <a:rPr lang="en-AU" sz="2000" dirty="0">
+                <a:solidFill>
+                  <a:srgbClr val="0000FF"/>
+                </a:solidFill>
+                <a:latin typeface="Consolas" panose="020B0609020204030204" pitchFamily="49" charset="0"/>
+                <a:ea typeface="Times New Roman" panose="02020603050405020304" pitchFamily="18" charset="0"/>
+                <a:cs typeface="Times New Roman" panose="02020603050405020304" pitchFamily="18" charset="0"/>
+              </a:rPr>
+              <a:t>in</a:t>
+            </a:r>
+            <a:r>
+              <a:rPr lang="en-AU" sz="2000" dirty="0">
+                <a:solidFill>
+                  <a:srgbClr val="000000"/>
+                </a:solidFill>
+                <a:latin typeface="Consolas" panose="020B0609020204030204" pitchFamily="49" charset="0"/>
+                <a:ea typeface="Times New Roman" panose="02020603050405020304" pitchFamily="18" charset="0"/>
+                <a:cs typeface="Times New Roman" panose="02020603050405020304" pitchFamily="18" charset="0"/>
+              </a:rPr>
+              <a:t> </a:t>
+            </a:r>
+            <a:r>
+              <a:rPr lang="en-AU" sz="2000" dirty="0" err="1">
+                <a:solidFill>
+                  <a:srgbClr val="000000"/>
+                </a:solidFill>
+                <a:latin typeface="Consolas" panose="020B0609020204030204" pitchFamily="49" charset="0"/>
+                <a:ea typeface="Times New Roman" panose="02020603050405020304" pitchFamily="18" charset="0"/>
+                <a:cs typeface="Times New Roman" panose="02020603050405020304" pitchFamily="18" charset="0"/>
+              </a:rPr>
+              <a:t>std_logic_vector</a:t>
+            </a:r>
+            <a:r>
+              <a:rPr lang="en-AU" sz="2000" dirty="0">
+                <a:solidFill>
+                  <a:srgbClr val="000000"/>
+                </a:solidFill>
+                <a:latin typeface="Consolas" panose="020B0609020204030204" pitchFamily="49" charset="0"/>
+                <a:ea typeface="Times New Roman" panose="02020603050405020304" pitchFamily="18" charset="0"/>
+                <a:cs typeface="Times New Roman" panose="02020603050405020304" pitchFamily="18" charset="0"/>
+              </a:rPr>
+              <a:t>(</a:t>
+            </a:r>
+            <a:r>
+              <a:rPr lang="en-AU" sz="2000" dirty="0">
+                <a:solidFill>
+                  <a:srgbClr val="09885A"/>
+                </a:solidFill>
+                <a:latin typeface="Consolas" panose="020B0609020204030204" pitchFamily="49" charset="0"/>
+                <a:ea typeface="Times New Roman" panose="02020603050405020304" pitchFamily="18" charset="0"/>
+                <a:cs typeface="Times New Roman" panose="02020603050405020304" pitchFamily="18" charset="0"/>
+              </a:rPr>
+              <a:t>7</a:t>
+            </a:r>
+            <a:r>
+              <a:rPr lang="en-AU" sz="2000" dirty="0">
+                <a:solidFill>
+                  <a:srgbClr val="000000"/>
+                </a:solidFill>
+                <a:latin typeface="Consolas" panose="020B0609020204030204" pitchFamily="49" charset="0"/>
+                <a:ea typeface="Times New Roman" panose="02020603050405020304" pitchFamily="18" charset="0"/>
+                <a:cs typeface="Times New Roman" panose="02020603050405020304" pitchFamily="18" charset="0"/>
+              </a:rPr>
+              <a:t> </a:t>
+            </a:r>
+            <a:r>
+              <a:rPr lang="en-AU" sz="2000" dirty="0" err="1">
+                <a:solidFill>
+                  <a:srgbClr val="0000FF"/>
+                </a:solidFill>
+                <a:latin typeface="Consolas" panose="020B0609020204030204" pitchFamily="49" charset="0"/>
+                <a:ea typeface="Times New Roman" panose="02020603050405020304" pitchFamily="18" charset="0"/>
+                <a:cs typeface="Times New Roman" panose="02020603050405020304" pitchFamily="18" charset="0"/>
+              </a:rPr>
+              <a:t>downto</a:t>
+            </a:r>
+            <a:r>
+              <a:rPr lang="en-AU" sz="2000" dirty="0">
+                <a:solidFill>
+                  <a:srgbClr val="000000"/>
+                </a:solidFill>
+                <a:latin typeface="Consolas" panose="020B0609020204030204" pitchFamily="49" charset="0"/>
+                <a:ea typeface="Times New Roman" panose="02020603050405020304" pitchFamily="18" charset="0"/>
+                <a:cs typeface="Times New Roman" panose="02020603050405020304" pitchFamily="18" charset="0"/>
+              </a:rPr>
+              <a:t> </a:t>
+            </a:r>
+            <a:r>
+              <a:rPr lang="en-AU" sz="2000" dirty="0">
+                <a:solidFill>
+                  <a:srgbClr val="09885A"/>
+                </a:solidFill>
+                <a:latin typeface="Consolas" panose="020B0609020204030204" pitchFamily="49" charset="0"/>
+                <a:ea typeface="Times New Roman" panose="02020603050405020304" pitchFamily="18" charset="0"/>
+                <a:cs typeface="Times New Roman" panose="02020603050405020304" pitchFamily="18" charset="0"/>
+              </a:rPr>
+              <a:t>0</a:t>
+            </a:r>
+            <a:r>
+              <a:rPr lang="en-AU" sz="2000" dirty="0">
+                <a:solidFill>
+                  <a:srgbClr val="000000"/>
+                </a:solidFill>
+                <a:latin typeface="Consolas" panose="020B0609020204030204" pitchFamily="49" charset="0"/>
+                <a:ea typeface="Times New Roman" panose="02020603050405020304" pitchFamily="18" charset="0"/>
+                <a:cs typeface="Times New Roman" panose="02020603050405020304" pitchFamily="18" charset="0"/>
+              </a:rPr>
+              <a:t>);</a:t>
+            </a:r>
+            <a:endParaRPr lang="en-AU" sz="2400" dirty="0">
+              <a:latin typeface="Calibri" panose="020F0502020204030204" pitchFamily="34" charset="0"/>
+              <a:ea typeface="Calibri" panose="020F0502020204030204" pitchFamily="34" charset="0"/>
+              <a:cs typeface="Times New Roman" panose="02020603050405020304" pitchFamily="18" charset="0"/>
+            </a:endParaRPr>
+          </a:p>
+          <a:p>
+            <a:pPr marL="34290" indent="0">
+              <a:spcAft>
+                <a:spcPts val="0"/>
+              </a:spcAft>
+              <a:buNone/>
+            </a:pPr>
+            <a:r>
+              <a:rPr lang="en-AU" sz="2000" dirty="0">
+                <a:solidFill>
+                  <a:srgbClr val="000000"/>
+                </a:solidFill>
+                <a:latin typeface="Consolas" panose="020B0609020204030204" pitchFamily="49" charset="0"/>
+                <a:ea typeface="Times New Roman" panose="02020603050405020304" pitchFamily="18" charset="0"/>
+                <a:cs typeface="Times New Roman" panose="02020603050405020304" pitchFamily="18" charset="0"/>
+              </a:rPr>
+              <a:t>        led : </a:t>
+            </a:r>
+            <a:r>
+              <a:rPr lang="en-AU" sz="2000" dirty="0">
+                <a:solidFill>
+                  <a:srgbClr val="0000FF"/>
+                </a:solidFill>
+                <a:latin typeface="Consolas" panose="020B0609020204030204" pitchFamily="49" charset="0"/>
+                <a:ea typeface="Times New Roman" panose="02020603050405020304" pitchFamily="18" charset="0"/>
+                <a:cs typeface="Times New Roman" panose="02020603050405020304" pitchFamily="18" charset="0"/>
+              </a:rPr>
+              <a:t>out</a:t>
+            </a:r>
+            <a:r>
+              <a:rPr lang="en-AU" sz="2000" dirty="0">
+                <a:solidFill>
+                  <a:srgbClr val="000000"/>
+                </a:solidFill>
+                <a:latin typeface="Consolas" panose="020B0609020204030204" pitchFamily="49" charset="0"/>
+                <a:ea typeface="Times New Roman" panose="02020603050405020304" pitchFamily="18" charset="0"/>
+                <a:cs typeface="Times New Roman" panose="02020603050405020304" pitchFamily="18" charset="0"/>
+              </a:rPr>
+              <a:t> </a:t>
+            </a:r>
+            <a:r>
+              <a:rPr lang="en-AU" sz="2000" dirty="0" err="1">
+                <a:solidFill>
+                  <a:srgbClr val="000000"/>
+                </a:solidFill>
+                <a:latin typeface="Consolas" panose="020B0609020204030204" pitchFamily="49" charset="0"/>
+                <a:ea typeface="Times New Roman" panose="02020603050405020304" pitchFamily="18" charset="0"/>
+                <a:cs typeface="Times New Roman" panose="02020603050405020304" pitchFamily="18" charset="0"/>
+              </a:rPr>
+              <a:t>std_logic_vector</a:t>
+            </a:r>
+            <a:r>
+              <a:rPr lang="en-AU" sz="2000" dirty="0">
+                <a:solidFill>
+                  <a:srgbClr val="000000"/>
+                </a:solidFill>
+                <a:latin typeface="Consolas" panose="020B0609020204030204" pitchFamily="49" charset="0"/>
+                <a:ea typeface="Times New Roman" panose="02020603050405020304" pitchFamily="18" charset="0"/>
+                <a:cs typeface="Times New Roman" panose="02020603050405020304" pitchFamily="18" charset="0"/>
+              </a:rPr>
+              <a:t>(</a:t>
+            </a:r>
+            <a:r>
+              <a:rPr lang="en-AU" sz="2000" dirty="0">
+                <a:solidFill>
+                  <a:srgbClr val="09885A"/>
+                </a:solidFill>
+                <a:latin typeface="Consolas" panose="020B0609020204030204" pitchFamily="49" charset="0"/>
+                <a:ea typeface="Times New Roman" panose="02020603050405020304" pitchFamily="18" charset="0"/>
+                <a:cs typeface="Times New Roman" panose="02020603050405020304" pitchFamily="18" charset="0"/>
+              </a:rPr>
+              <a:t>7</a:t>
+            </a:r>
+            <a:r>
+              <a:rPr lang="en-AU" sz="2000" dirty="0">
+                <a:solidFill>
+                  <a:srgbClr val="000000"/>
+                </a:solidFill>
+                <a:latin typeface="Consolas" panose="020B0609020204030204" pitchFamily="49" charset="0"/>
+                <a:ea typeface="Times New Roman" panose="02020603050405020304" pitchFamily="18" charset="0"/>
+                <a:cs typeface="Times New Roman" panose="02020603050405020304" pitchFamily="18" charset="0"/>
+              </a:rPr>
+              <a:t> </a:t>
+            </a:r>
+            <a:r>
+              <a:rPr lang="en-AU" sz="2000" dirty="0" err="1">
+                <a:solidFill>
+                  <a:srgbClr val="0000FF"/>
+                </a:solidFill>
+                <a:latin typeface="Consolas" panose="020B0609020204030204" pitchFamily="49" charset="0"/>
+                <a:ea typeface="Times New Roman" panose="02020603050405020304" pitchFamily="18" charset="0"/>
+                <a:cs typeface="Times New Roman" panose="02020603050405020304" pitchFamily="18" charset="0"/>
+              </a:rPr>
+              <a:t>downto</a:t>
+            </a:r>
+            <a:r>
+              <a:rPr lang="en-AU" sz="2000" dirty="0">
+                <a:solidFill>
+                  <a:srgbClr val="000000"/>
+                </a:solidFill>
+                <a:latin typeface="Consolas" panose="020B0609020204030204" pitchFamily="49" charset="0"/>
+                <a:ea typeface="Times New Roman" panose="02020603050405020304" pitchFamily="18" charset="0"/>
+                <a:cs typeface="Times New Roman" panose="02020603050405020304" pitchFamily="18" charset="0"/>
+              </a:rPr>
+              <a:t> </a:t>
+            </a:r>
+            <a:r>
+              <a:rPr lang="en-AU" sz="2000" dirty="0">
+                <a:solidFill>
+                  <a:srgbClr val="09885A"/>
+                </a:solidFill>
+                <a:latin typeface="Consolas" panose="020B0609020204030204" pitchFamily="49" charset="0"/>
+                <a:ea typeface="Times New Roman" panose="02020603050405020304" pitchFamily="18" charset="0"/>
+                <a:cs typeface="Times New Roman" panose="02020603050405020304" pitchFamily="18" charset="0"/>
+              </a:rPr>
+              <a:t>0</a:t>
+            </a:r>
+            <a:r>
+              <a:rPr lang="en-AU" sz="2000" dirty="0">
+                <a:solidFill>
+                  <a:srgbClr val="000000"/>
+                </a:solidFill>
+                <a:latin typeface="Consolas" panose="020B0609020204030204" pitchFamily="49" charset="0"/>
+                <a:ea typeface="Times New Roman" panose="02020603050405020304" pitchFamily="18" charset="0"/>
+                <a:cs typeface="Times New Roman" panose="02020603050405020304" pitchFamily="18" charset="0"/>
+              </a:rPr>
+              <a:t>);</a:t>
+            </a:r>
+            <a:endParaRPr lang="en-AU" sz="2400" dirty="0">
+              <a:latin typeface="Calibri" panose="020F0502020204030204" pitchFamily="34" charset="0"/>
+              <a:ea typeface="Calibri" panose="020F0502020204030204" pitchFamily="34" charset="0"/>
+              <a:cs typeface="Times New Roman" panose="02020603050405020304" pitchFamily="18" charset="0"/>
+            </a:endParaRPr>
+          </a:p>
+          <a:p>
+            <a:pPr marL="34290" indent="0">
+              <a:spcAft>
+                <a:spcPts val="0"/>
+              </a:spcAft>
+              <a:buNone/>
+            </a:pPr>
+            <a:r>
+              <a:rPr lang="en-AU" sz="2000" dirty="0">
+                <a:solidFill>
+                  <a:srgbClr val="000000"/>
+                </a:solidFill>
+                <a:latin typeface="Consolas" panose="020B0609020204030204" pitchFamily="49" charset="0"/>
+                <a:ea typeface="Times New Roman" panose="02020603050405020304" pitchFamily="18" charset="0"/>
+                <a:cs typeface="Times New Roman" panose="02020603050405020304" pitchFamily="18" charset="0"/>
+              </a:rPr>
+              <a:t>        s : </a:t>
+            </a:r>
+            <a:r>
+              <a:rPr lang="en-AU" sz="2000" dirty="0">
+                <a:solidFill>
+                  <a:srgbClr val="0000FF"/>
+                </a:solidFill>
+                <a:latin typeface="Consolas" panose="020B0609020204030204" pitchFamily="49" charset="0"/>
+                <a:ea typeface="Times New Roman" panose="02020603050405020304" pitchFamily="18" charset="0"/>
+                <a:cs typeface="Times New Roman" panose="02020603050405020304" pitchFamily="18" charset="0"/>
+              </a:rPr>
+              <a:t>out</a:t>
+            </a:r>
+            <a:r>
+              <a:rPr lang="en-AU" sz="2000" dirty="0">
+                <a:solidFill>
+                  <a:srgbClr val="000000"/>
+                </a:solidFill>
+                <a:latin typeface="Consolas" panose="020B0609020204030204" pitchFamily="49" charset="0"/>
+                <a:ea typeface="Times New Roman" panose="02020603050405020304" pitchFamily="18" charset="0"/>
+                <a:cs typeface="Times New Roman" panose="02020603050405020304" pitchFamily="18" charset="0"/>
+              </a:rPr>
+              <a:t> </a:t>
+            </a:r>
+            <a:r>
+              <a:rPr lang="en-AU" sz="2000" dirty="0" err="1">
+                <a:solidFill>
+                  <a:srgbClr val="000000"/>
+                </a:solidFill>
+                <a:latin typeface="Consolas" panose="020B0609020204030204" pitchFamily="49" charset="0"/>
+                <a:ea typeface="Times New Roman" panose="02020603050405020304" pitchFamily="18" charset="0"/>
+                <a:cs typeface="Times New Roman" panose="02020603050405020304" pitchFamily="18" charset="0"/>
+              </a:rPr>
+              <a:t>std_logic</a:t>
+            </a:r>
+            <a:r>
+              <a:rPr lang="en-AU" sz="2400" dirty="0">
+                <a:latin typeface="Calibri" panose="020F0502020204030204" pitchFamily="34" charset="0"/>
+                <a:ea typeface="Times New Roman" panose="02020603050405020304" pitchFamily="18" charset="0"/>
+                <a:cs typeface="Times New Roman" panose="02020603050405020304" pitchFamily="18" charset="0"/>
+              </a:rPr>
+              <a:t> </a:t>
+            </a:r>
+            <a:r>
+              <a:rPr lang="en-AU" sz="2000" dirty="0">
+                <a:solidFill>
+                  <a:srgbClr val="000000"/>
+                </a:solidFill>
+                <a:latin typeface="Consolas" panose="020B0609020204030204" pitchFamily="49" charset="0"/>
+                <a:ea typeface="Times New Roman" panose="02020603050405020304" pitchFamily="18" charset="0"/>
+                <a:cs typeface="Times New Roman" panose="02020603050405020304" pitchFamily="18" charset="0"/>
+              </a:rPr>
+              <a:t>);</a:t>
+            </a:r>
+            <a:endParaRPr lang="en-AU" sz="2400" dirty="0">
+              <a:latin typeface="Calibri" panose="020F0502020204030204" pitchFamily="34" charset="0"/>
+              <a:ea typeface="Calibri" panose="020F0502020204030204" pitchFamily="34" charset="0"/>
+              <a:cs typeface="Times New Roman" panose="02020603050405020304" pitchFamily="18" charset="0"/>
+            </a:endParaRPr>
+          </a:p>
+          <a:p>
+            <a:pPr marL="34290" indent="0">
+              <a:spcAft>
+                <a:spcPts val="0"/>
+              </a:spcAft>
+              <a:buNone/>
+            </a:pPr>
+            <a:r>
+              <a:rPr lang="en-AU" sz="2000" dirty="0">
+                <a:solidFill>
+                  <a:srgbClr val="0000FF"/>
+                </a:solidFill>
+                <a:latin typeface="Consolas" panose="020B0609020204030204" pitchFamily="49" charset="0"/>
+                <a:ea typeface="Times New Roman" panose="02020603050405020304" pitchFamily="18" charset="0"/>
+                <a:cs typeface="Times New Roman" panose="02020603050405020304" pitchFamily="18" charset="0"/>
+              </a:rPr>
+              <a:t>end</a:t>
+            </a:r>
+            <a:r>
+              <a:rPr lang="en-AU" sz="2000" dirty="0">
+                <a:solidFill>
+                  <a:srgbClr val="000000"/>
+                </a:solidFill>
+                <a:latin typeface="Consolas" panose="020B0609020204030204" pitchFamily="49" charset="0"/>
+                <a:ea typeface="Times New Roman" panose="02020603050405020304" pitchFamily="18" charset="0"/>
+                <a:cs typeface="Times New Roman" panose="02020603050405020304" pitchFamily="18" charset="0"/>
+              </a:rPr>
+              <a:t> </a:t>
+            </a:r>
+            <a:r>
+              <a:rPr lang="en-AU" sz="2000" dirty="0" err="1">
+                <a:solidFill>
+                  <a:srgbClr val="000000"/>
+                </a:solidFill>
+                <a:latin typeface="Consolas" panose="020B0609020204030204" pitchFamily="49" charset="0"/>
+                <a:ea typeface="Times New Roman" panose="02020603050405020304" pitchFamily="18" charset="0"/>
+                <a:cs typeface="Times New Roman" panose="02020603050405020304" pitchFamily="18" charset="0"/>
+              </a:rPr>
+              <a:t>music_player</a:t>
+            </a:r>
+            <a:r>
+              <a:rPr lang="en-AU" sz="2000" dirty="0">
+                <a:solidFill>
+                  <a:srgbClr val="000000"/>
+                </a:solidFill>
+                <a:latin typeface="Consolas" panose="020B0609020204030204" pitchFamily="49" charset="0"/>
+                <a:ea typeface="Times New Roman" panose="02020603050405020304" pitchFamily="18" charset="0"/>
+                <a:cs typeface="Times New Roman" panose="02020603050405020304" pitchFamily="18" charset="0"/>
+              </a:rPr>
+              <a:t>;</a:t>
+            </a:r>
+            <a:endParaRPr lang="en-AU" sz="2400" dirty="0">
+              <a:latin typeface="Calibri" panose="020F0502020204030204" pitchFamily="34" charset="0"/>
+              <a:ea typeface="Calibri" panose="020F0502020204030204" pitchFamily="34" charset="0"/>
+              <a:cs typeface="Times New Roman" panose="02020603050405020304" pitchFamily="18" charset="0"/>
+            </a:endParaRPr>
+          </a:p>
+          <a:p>
+            <a:pPr marL="27384" indent="0">
+              <a:buNone/>
+            </a:pPr>
+            <a:endParaRPr lang="en-AU" sz="2000" dirty="0"/>
+          </a:p>
+        </p:txBody>
+      </p:sp>
+      <p:sp>
+        <p:nvSpPr>
+          <p:cNvPr id="3" name="Title 2">
+            <a:extLst>
+              <a:ext uri="{FF2B5EF4-FFF2-40B4-BE49-F238E27FC236}">
+                <a16:creationId xmlns:a16="http://schemas.microsoft.com/office/drawing/2014/main" id="{7E5726A0-0EE0-4D5E-8ABB-50D864C4AA11}"/>
+              </a:ext>
+            </a:extLst>
+          </p:cNvPr>
+          <p:cNvSpPr>
+            <a:spLocks noGrp="1"/>
+          </p:cNvSpPr>
+          <p:nvPr>
+            <p:ph type="title"/>
+          </p:nvPr>
+        </p:nvSpPr>
+        <p:spPr/>
+        <p:txBody>
+          <a:bodyPr/>
+          <a:lstStyle/>
+          <a:p>
+            <a:r>
+              <a:rPr lang="en-AU" sz="3600" dirty="0"/>
+              <a:t>TOP LEVEL</a:t>
+            </a:r>
+          </a:p>
+        </p:txBody>
+      </p:sp>
+    </p:spTree>
+    <p:extLst>
+      <p:ext uri="{BB962C8B-B14F-4D97-AF65-F5344CB8AC3E}">
+        <p14:creationId xmlns:p14="http://schemas.microsoft.com/office/powerpoint/2010/main" val="1948289515"/>
+      </p:ext>
+    </p:extLst>
+  </p:cSld>
+  <p:clrMapOvr>
+    <a:masterClrMapping/>
+  </p:clrMapOvr>
+</p:sld>
+</file>
+
+<file path=ppt/slides/slide7.xml><?xml version="1.0" encoding="utf-8"?>
+<p:sld xmlns:a="http://schemas.openxmlformats.org/drawingml/2006/main" xmlns:r="http://schemas.openxmlformats.org/officeDocument/2006/relationships" xmlns:p="http://schemas.openxmlformats.org/presentationml/2006/main">
+  <p:cSld>
+    <p:spTree>
+      <p:nvGrpSpPr>
+        <p:cNvPr id="1" name=""/>
+        <p:cNvGrpSpPr/>
+        <p:nvPr/>
+      </p:nvGrpSpPr>
+      <p:grpSpPr>
+        <a:xfrm>
+          <a:off x="0" y="0"/>
+          <a:ext cx="0" cy="0"/>
+          <a:chOff x="0" y="0"/>
+          <a:chExt cx="0" cy="0"/>
+        </a:xfrm>
+      </p:grpSpPr>
+      <p:sp>
+        <p:nvSpPr>
+          <p:cNvPr id="2" name="Content Placeholder 1">
+            <a:extLst>
+              <a:ext uri="{FF2B5EF4-FFF2-40B4-BE49-F238E27FC236}">
+                <a16:creationId xmlns:a16="http://schemas.microsoft.com/office/drawing/2014/main" id="{E03CE05D-C3DA-47CC-AC1F-8C674769EC66}"/>
+              </a:ext>
+            </a:extLst>
+          </p:cNvPr>
+          <p:cNvSpPr>
+            <a:spLocks noGrp="1"/>
+          </p:cNvSpPr>
+          <p:nvPr>
+            <p:ph idx="1"/>
+          </p:nvPr>
+        </p:nvSpPr>
+        <p:spPr>
+          <a:xfrm>
+            <a:off x="380999" y="1432558"/>
+            <a:ext cx="8407893" cy="4038727"/>
+          </a:xfrm>
+        </p:spPr>
+        <p:txBody>
+          <a:bodyPr>
+            <a:normAutofit fontScale="92500" lnSpcReduction="20000"/>
+          </a:bodyPr>
+          <a:lstStyle/>
+          <a:p>
+            <a:pPr marL="34290" indent="0">
+              <a:spcAft>
+                <a:spcPts val="0"/>
+              </a:spcAft>
+              <a:buNone/>
+            </a:pPr>
+            <a:r>
+              <a:rPr lang="en-AU" sz="2000" dirty="0">
+                <a:solidFill>
+                  <a:srgbClr val="0000FF"/>
+                </a:solidFill>
+                <a:latin typeface="Consolas" panose="020B0609020204030204" pitchFamily="49" charset="0"/>
+                <a:ea typeface="Times New Roman" panose="02020603050405020304" pitchFamily="18" charset="0"/>
+                <a:cs typeface="Times New Roman" panose="02020603050405020304" pitchFamily="18" charset="0"/>
+              </a:rPr>
+              <a:t>component</a:t>
+            </a:r>
+            <a:r>
+              <a:rPr lang="en-AU" sz="2000" dirty="0">
+                <a:solidFill>
+                  <a:srgbClr val="000000"/>
+                </a:solidFill>
+                <a:latin typeface="Consolas" panose="020B0609020204030204" pitchFamily="49" charset="0"/>
+                <a:ea typeface="Times New Roman" panose="02020603050405020304" pitchFamily="18" charset="0"/>
+                <a:cs typeface="Times New Roman" panose="02020603050405020304" pitchFamily="18" charset="0"/>
+              </a:rPr>
+              <a:t> </a:t>
+            </a:r>
+            <a:r>
+              <a:rPr lang="en-AU" sz="2000" dirty="0" err="1">
+                <a:solidFill>
+                  <a:srgbClr val="000000"/>
+                </a:solidFill>
+                <a:latin typeface="Consolas" panose="020B0609020204030204" pitchFamily="49" charset="0"/>
+                <a:ea typeface="Times New Roman" panose="02020603050405020304" pitchFamily="18" charset="0"/>
+                <a:cs typeface="Times New Roman" panose="02020603050405020304" pitchFamily="18" charset="0"/>
+              </a:rPr>
+              <a:t>note_length_counter</a:t>
+            </a:r>
+            <a:r>
+              <a:rPr lang="en-AU" sz="2000" dirty="0">
+                <a:solidFill>
+                  <a:srgbClr val="000000"/>
+                </a:solidFill>
+                <a:latin typeface="Consolas" panose="020B0609020204030204" pitchFamily="49" charset="0"/>
+                <a:ea typeface="Times New Roman" panose="02020603050405020304" pitchFamily="18" charset="0"/>
+                <a:cs typeface="Times New Roman" panose="02020603050405020304" pitchFamily="18" charset="0"/>
+              </a:rPr>
+              <a:t> </a:t>
+            </a:r>
+            <a:r>
+              <a:rPr lang="en-AU" sz="2000" dirty="0">
+                <a:solidFill>
+                  <a:srgbClr val="0000FF"/>
+                </a:solidFill>
+                <a:latin typeface="Consolas" panose="020B0609020204030204" pitchFamily="49" charset="0"/>
+                <a:ea typeface="Times New Roman" panose="02020603050405020304" pitchFamily="18" charset="0"/>
+                <a:cs typeface="Times New Roman" panose="02020603050405020304" pitchFamily="18" charset="0"/>
+              </a:rPr>
+              <a:t>is</a:t>
+            </a:r>
+            <a:endParaRPr lang="en-AU" sz="2400" dirty="0">
+              <a:latin typeface="Calibri" panose="020F0502020204030204" pitchFamily="34" charset="0"/>
+              <a:ea typeface="Calibri" panose="020F0502020204030204" pitchFamily="34" charset="0"/>
+              <a:cs typeface="Times New Roman" panose="02020603050405020304" pitchFamily="18" charset="0"/>
+            </a:endParaRPr>
+          </a:p>
+          <a:p>
+            <a:pPr marL="34290" indent="0">
+              <a:spcAft>
+                <a:spcPts val="0"/>
+              </a:spcAft>
+              <a:buNone/>
+            </a:pPr>
+            <a:r>
+              <a:rPr lang="en-AU" sz="2000" dirty="0">
+                <a:solidFill>
+                  <a:srgbClr val="000000"/>
+                </a:solidFill>
+                <a:latin typeface="Consolas" panose="020B0609020204030204" pitchFamily="49" charset="0"/>
+                <a:ea typeface="Times New Roman" panose="02020603050405020304" pitchFamily="18" charset="0"/>
+                <a:cs typeface="Times New Roman" panose="02020603050405020304" pitchFamily="18" charset="0"/>
+              </a:rPr>
+              <a:t>    </a:t>
+            </a:r>
+            <a:r>
+              <a:rPr lang="en-AU" sz="2000" dirty="0">
+                <a:solidFill>
+                  <a:srgbClr val="0000FF"/>
+                </a:solidFill>
+                <a:latin typeface="Consolas" panose="020B0609020204030204" pitchFamily="49" charset="0"/>
+                <a:ea typeface="Times New Roman" panose="02020603050405020304" pitchFamily="18" charset="0"/>
+                <a:cs typeface="Times New Roman" panose="02020603050405020304" pitchFamily="18" charset="0"/>
+              </a:rPr>
+              <a:t>port</a:t>
+            </a:r>
+            <a:r>
+              <a:rPr lang="en-AU" sz="2000" dirty="0">
+                <a:solidFill>
+                  <a:srgbClr val="000000"/>
+                </a:solidFill>
+                <a:latin typeface="Consolas" panose="020B0609020204030204" pitchFamily="49" charset="0"/>
+                <a:ea typeface="Times New Roman" panose="02020603050405020304" pitchFamily="18" charset="0"/>
+                <a:cs typeface="Times New Roman" panose="02020603050405020304" pitchFamily="18" charset="0"/>
+              </a:rPr>
+              <a:t> (</a:t>
+            </a:r>
+            <a:endParaRPr lang="en-AU" sz="2400" dirty="0">
+              <a:latin typeface="Calibri" panose="020F0502020204030204" pitchFamily="34" charset="0"/>
+              <a:ea typeface="Calibri" panose="020F0502020204030204" pitchFamily="34" charset="0"/>
+              <a:cs typeface="Times New Roman" panose="02020603050405020304" pitchFamily="18" charset="0"/>
+            </a:endParaRPr>
+          </a:p>
+          <a:p>
+            <a:pPr marL="34290" indent="0">
+              <a:spcAft>
+                <a:spcPts val="0"/>
+              </a:spcAft>
+              <a:buNone/>
+            </a:pPr>
+            <a:r>
+              <a:rPr lang="en-AU" sz="2000" dirty="0">
+                <a:solidFill>
+                  <a:srgbClr val="000000"/>
+                </a:solidFill>
+                <a:latin typeface="Consolas" panose="020B0609020204030204" pitchFamily="49" charset="0"/>
+                <a:ea typeface="Times New Roman" panose="02020603050405020304" pitchFamily="18" charset="0"/>
+                <a:cs typeface="Times New Roman" panose="02020603050405020304" pitchFamily="18" charset="0"/>
+              </a:rPr>
+              <a:t>        </a:t>
+            </a:r>
+            <a:r>
+              <a:rPr lang="en-AU" sz="2000" dirty="0" err="1">
+                <a:solidFill>
+                  <a:srgbClr val="000000"/>
+                </a:solidFill>
+                <a:latin typeface="Consolas" panose="020B0609020204030204" pitchFamily="49" charset="0"/>
+                <a:ea typeface="Times New Roman" panose="02020603050405020304" pitchFamily="18" charset="0"/>
+                <a:cs typeface="Times New Roman" panose="02020603050405020304" pitchFamily="18" charset="0"/>
+              </a:rPr>
+              <a:t>rst</a:t>
+            </a:r>
+            <a:r>
+              <a:rPr lang="en-AU" sz="2000" dirty="0">
+                <a:solidFill>
+                  <a:srgbClr val="000000"/>
+                </a:solidFill>
+                <a:latin typeface="Consolas" panose="020B0609020204030204" pitchFamily="49" charset="0"/>
+                <a:ea typeface="Times New Roman" panose="02020603050405020304" pitchFamily="18" charset="0"/>
+                <a:cs typeface="Times New Roman" panose="02020603050405020304" pitchFamily="18" charset="0"/>
+              </a:rPr>
+              <a:t> : </a:t>
+            </a:r>
+            <a:r>
+              <a:rPr lang="en-AU" sz="2000" dirty="0">
+                <a:solidFill>
+                  <a:srgbClr val="0000FF"/>
+                </a:solidFill>
+                <a:latin typeface="Consolas" panose="020B0609020204030204" pitchFamily="49" charset="0"/>
+                <a:ea typeface="Times New Roman" panose="02020603050405020304" pitchFamily="18" charset="0"/>
+                <a:cs typeface="Times New Roman" panose="02020603050405020304" pitchFamily="18" charset="0"/>
+              </a:rPr>
+              <a:t>in</a:t>
+            </a:r>
+            <a:r>
+              <a:rPr lang="en-AU" sz="2000" dirty="0">
+                <a:solidFill>
+                  <a:srgbClr val="000000"/>
+                </a:solidFill>
+                <a:latin typeface="Consolas" panose="020B0609020204030204" pitchFamily="49" charset="0"/>
+                <a:ea typeface="Times New Roman" panose="02020603050405020304" pitchFamily="18" charset="0"/>
+                <a:cs typeface="Times New Roman" panose="02020603050405020304" pitchFamily="18" charset="0"/>
+              </a:rPr>
+              <a:t> </a:t>
+            </a:r>
+            <a:r>
+              <a:rPr lang="en-AU" sz="2000" dirty="0" err="1">
+                <a:solidFill>
+                  <a:srgbClr val="000000"/>
+                </a:solidFill>
+                <a:latin typeface="Consolas" panose="020B0609020204030204" pitchFamily="49" charset="0"/>
+                <a:ea typeface="Times New Roman" panose="02020603050405020304" pitchFamily="18" charset="0"/>
+                <a:cs typeface="Times New Roman" panose="02020603050405020304" pitchFamily="18" charset="0"/>
+              </a:rPr>
+              <a:t>std_logic</a:t>
+            </a:r>
+            <a:r>
+              <a:rPr lang="en-AU" sz="2000" dirty="0">
+                <a:solidFill>
+                  <a:srgbClr val="000000"/>
+                </a:solidFill>
+                <a:latin typeface="Consolas" panose="020B0609020204030204" pitchFamily="49" charset="0"/>
+                <a:ea typeface="Times New Roman" panose="02020603050405020304" pitchFamily="18" charset="0"/>
+                <a:cs typeface="Times New Roman" panose="02020603050405020304" pitchFamily="18" charset="0"/>
+              </a:rPr>
+              <a:t>;</a:t>
+            </a:r>
+            <a:endParaRPr lang="en-AU" sz="2400" dirty="0">
+              <a:latin typeface="Calibri" panose="020F0502020204030204" pitchFamily="34" charset="0"/>
+              <a:ea typeface="Calibri" panose="020F0502020204030204" pitchFamily="34" charset="0"/>
+              <a:cs typeface="Times New Roman" panose="02020603050405020304" pitchFamily="18" charset="0"/>
+            </a:endParaRPr>
+          </a:p>
+          <a:p>
+            <a:pPr marL="34290" indent="0">
+              <a:spcAft>
+                <a:spcPts val="0"/>
+              </a:spcAft>
+              <a:buNone/>
+            </a:pPr>
+            <a:r>
+              <a:rPr lang="en-AU" sz="2000" dirty="0">
+                <a:solidFill>
+                  <a:srgbClr val="000000"/>
+                </a:solidFill>
+                <a:latin typeface="Consolas" panose="020B0609020204030204" pitchFamily="49" charset="0"/>
+                <a:ea typeface="Times New Roman" panose="02020603050405020304" pitchFamily="18" charset="0"/>
+                <a:cs typeface="Times New Roman" panose="02020603050405020304" pitchFamily="18" charset="0"/>
+              </a:rPr>
+              <a:t>        </a:t>
+            </a:r>
+            <a:r>
+              <a:rPr lang="en-AU" sz="2000" dirty="0" err="1">
+                <a:solidFill>
+                  <a:srgbClr val="000000"/>
+                </a:solidFill>
+                <a:latin typeface="Consolas" panose="020B0609020204030204" pitchFamily="49" charset="0"/>
+                <a:ea typeface="Times New Roman" panose="02020603050405020304" pitchFamily="18" charset="0"/>
+                <a:cs typeface="Times New Roman" panose="02020603050405020304" pitchFamily="18" charset="0"/>
+              </a:rPr>
+              <a:t>clk</a:t>
+            </a:r>
+            <a:r>
+              <a:rPr lang="en-AU" sz="2000" dirty="0">
+                <a:solidFill>
+                  <a:srgbClr val="000000"/>
+                </a:solidFill>
+                <a:latin typeface="Consolas" panose="020B0609020204030204" pitchFamily="49" charset="0"/>
+                <a:ea typeface="Times New Roman" panose="02020603050405020304" pitchFamily="18" charset="0"/>
+                <a:cs typeface="Times New Roman" panose="02020603050405020304" pitchFamily="18" charset="0"/>
+              </a:rPr>
+              <a:t> : </a:t>
+            </a:r>
+            <a:r>
+              <a:rPr lang="en-AU" sz="2000" dirty="0">
+                <a:solidFill>
+                  <a:srgbClr val="0000FF"/>
+                </a:solidFill>
+                <a:latin typeface="Consolas" panose="020B0609020204030204" pitchFamily="49" charset="0"/>
+                <a:ea typeface="Times New Roman" panose="02020603050405020304" pitchFamily="18" charset="0"/>
+                <a:cs typeface="Times New Roman" panose="02020603050405020304" pitchFamily="18" charset="0"/>
+              </a:rPr>
+              <a:t>in</a:t>
+            </a:r>
+            <a:r>
+              <a:rPr lang="en-AU" sz="2000" dirty="0">
+                <a:solidFill>
+                  <a:srgbClr val="000000"/>
+                </a:solidFill>
+                <a:latin typeface="Consolas" panose="020B0609020204030204" pitchFamily="49" charset="0"/>
+                <a:ea typeface="Times New Roman" panose="02020603050405020304" pitchFamily="18" charset="0"/>
+                <a:cs typeface="Times New Roman" panose="02020603050405020304" pitchFamily="18" charset="0"/>
+              </a:rPr>
+              <a:t> </a:t>
+            </a:r>
+            <a:r>
+              <a:rPr lang="en-AU" sz="2000" dirty="0" err="1">
+                <a:solidFill>
+                  <a:srgbClr val="000000"/>
+                </a:solidFill>
+                <a:latin typeface="Consolas" panose="020B0609020204030204" pitchFamily="49" charset="0"/>
+                <a:ea typeface="Times New Roman" panose="02020603050405020304" pitchFamily="18" charset="0"/>
+                <a:cs typeface="Times New Roman" panose="02020603050405020304" pitchFamily="18" charset="0"/>
+              </a:rPr>
+              <a:t>std_logic</a:t>
+            </a:r>
+            <a:r>
+              <a:rPr lang="en-AU" sz="2000" dirty="0">
+                <a:solidFill>
+                  <a:srgbClr val="000000"/>
+                </a:solidFill>
+                <a:latin typeface="Consolas" panose="020B0609020204030204" pitchFamily="49" charset="0"/>
+                <a:ea typeface="Times New Roman" panose="02020603050405020304" pitchFamily="18" charset="0"/>
+                <a:cs typeface="Times New Roman" panose="02020603050405020304" pitchFamily="18" charset="0"/>
+              </a:rPr>
+              <a:t>;</a:t>
+            </a:r>
+            <a:endParaRPr lang="en-AU" sz="2400" dirty="0">
+              <a:latin typeface="Calibri" panose="020F0502020204030204" pitchFamily="34" charset="0"/>
+              <a:ea typeface="Calibri" panose="020F0502020204030204" pitchFamily="34" charset="0"/>
+              <a:cs typeface="Times New Roman" panose="02020603050405020304" pitchFamily="18" charset="0"/>
+            </a:endParaRPr>
+          </a:p>
+          <a:p>
+            <a:pPr marL="34290" indent="0">
+              <a:spcAft>
+                <a:spcPts val="0"/>
+              </a:spcAft>
+              <a:buNone/>
+            </a:pPr>
+            <a:r>
+              <a:rPr lang="en-AU" sz="2000" dirty="0">
+                <a:solidFill>
+                  <a:srgbClr val="000000"/>
+                </a:solidFill>
+                <a:latin typeface="Consolas" panose="020B0609020204030204" pitchFamily="49" charset="0"/>
+                <a:ea typeface="Times New Roman" panose="02020603050405020304" pitchFamily="18" charset="0"/>
+                <a:cs typeface="Times New Roman" panose="02020603050405020304" pitchFamily="18" charset="0"/>
+              </a:rPr>
+              <a:t>        </a:t>
+            </a:r>
+            <a:r>
+              <a:rPr lang="en-AU" sz="2000" dirty="0" err="1">
+                <a:solidFill>
+                  <a:srgbClr val="000000"/>
+                </a:solidFill>
+                <a:latin typeface="Consolas" panose="020B0609020204030204" pitchFamily="49" charset="0"/>
+                <a:ea typeface="Times New Roman" panose="02020603050405020304" pitchFamily="18" charset="0"/>
+                <a:cs typeface="Times New Roman" panose="02020603050405020304" pitchFamily="18" charset="0"/>
+              </a:rPr>
+              <a:t>is_staccato</a:t>
+            </a:r>
+            <a:r>
+              <a:rPr lang="en-AU" sz="2000" dirty="0">
+                <a:solidFill>
+                  <a:srgbClr val="000000"/>
+                </a:solidFill>
+                <a:latin typeface="Consolas" panose="020B0609020204030204" pitchFamily="49" charset="0"/>
+                <a:ea typeface="Times New Roman" panose="02020603050405020304" pitchFamily="18" charset="0"/>
+                <a:cs typeface="Times New Roman" panose="02020603050405020304" pitchFamily="18" charset="0"/>
+              </a:rPr>
+              <a:t> : </a:t>
+            </a:r>
+            <a:r>
+              <a:rPr lang="en-AU" sz="2000" dirty="0">
+                <a:solidFill>
+                  <a:srgbClr val="0000FF"/>
+                </a:solidFill>
+                <a:latin typeface="Consolas" panose="020B0609020204030204" pitchFamily="49" charset="0"/>
+                <a:ea typeface="Times New Roman" panose="02020603050405020304" pitchFamily="18" charset="0"/>
+                <a:cs typeface="Times New Roman" panose="02020603050405020304" pitchFamily="18" charset="0"/>
+              </a:rPr>
+              <a:t>in</a:t>
+            </a:r>
+            <a:r>
+              <a:rPr lang="en-AU" sz="2000" dirty="0">
+                <a:solidFill>
+                  <a:srgbClr val="000000"/>
+                </a:solidFill>
+                <a:latin typeface="Consolas" panose="020B0609020204030204" pitchFamily="49" charset="0"/>
+                <a:ea typeface="Times New Roman" panose="02020603050405020304" pitchFamily="18" charset="0"/>
+                <a:cs typeface="Times New Roman" panose="02020603050405020304" pitchFamily="18" charset="0"/>
+              </a:rPr>
+              <a:t> </a:t>
+            </a:r>
+            <a:r>
+              <a:rPr lang="en-AU" sz="2000" dirty="0" err="1">
+                <a:solidFill>
+                  <a:srgbClr val="000000"/>
+                </a:solidFill>
+                <a:latin typeface="Consolas" panose="020B0609020204030204" pitchFamily="49" charset="0"/>
+                <a:ea typeface="Times New Roman" panose="02020603050405020304" pitchFamily="18" charset="0"/>
+                <a:cs typeface="Times New Roman" panose="02020603050405020304" pitchFamily="18" charset="0"/>
+              </a:rPr>
+              <a:t>std_logic</a:t>
+            </a:r>
+            <a:r>
+              <a:rPr lang="en-AU" sz="2000" dirty="0">
+                <a:solidFill>
+                  <a:srgbClr val="000000"/>
+                </a:solidFill>
+                <a:latin typeface="Consolas" panose="020B0609020204030204" pitchFamily="49" charset="0"/>
+                <a:ea typeface="Times New Roman" panose="02020603050405020304" pitchFamily="18" charset="0"/>
+                <a:cs typeface="Times New Roman" panose="02020603050405020304" pitchFamily="18" charset="0"/>
+              </a:rPr>
+              <a:t>;</a:t>
+            </a:r>
+            <a:endParaRPr lang="en-AU" sz="2400" dirty="0">
+              <a:latin typeface="Calibri" panose="020F0502020204030204" pitchFamily="34" charset="0"/>
+              <a:ea typeface="Calibri" panose="020F0502020204030204" pitchFamily="34" charset="0"/>
+              <a:cs typeface="Times New Roman" panose="02020603050405020304" pitchFamily="18" charset="0"/>
+            </a:endParaRPr>
+          </a:p>
+          <a:p>
+            <a:pPr marL="34290" indent="0">
+              <a:spcAft>
+                <a:spcPts val="0"/>
+              </a:spcAft>
+              <a:buNone/>
+            </a:pPr>
+            <a:r>
+              <a:rPr lang="en-AU" sz="2000" dirty="0">
+                <a:solidFill>
+                  <a:srgbClr val="000000"/>
+                </a:solidFill>
+                <a:latin typeface="Consolas" panose="020B0609020204030204" pitchFamily="49" charset="0"/>
+                <a:ea typeface="Times New Roman" panose="02020603050405020304" pitchFamily="18" charset="0"/>
+                <a:cs typeface="Times New Roman" panose="02020603050405020304" pitchFamily="18" charset="0"/>
+              </a:rPr>
+              <a:t>        </a:t>
+            </a:r>
+            <a:r>
+              <a:rPr lang="en-AU" sz="2000" dirty="0" err="1">
+                <a:solidFill>
+                  <a:srgbClr val="000000"/>
+                </a:solidFill>
+                <a:latin typeface="Consolas" panose="020B0609020204030204" pitchFamily="49" charset="0"/>
+                <a:ea typeface="Times New Roman" panose="02020603050405020304" pitchFamily="18" charset="0"/>
+                <a:cs typeface="Times New Roman" panose="02020603050405020304" pitchFamily="18" charset="0"/>
+              </a:rPr>
+              <a:t>is_slurred</a:t>
+            </a:r>
+            <a:r>
+              <a:rPr lang="en-AU" sz="2000" dirty="0">
+                <a:solidFill>
+                  <a:srgbClr val="000000"/>
+                </a:solidFill>
+                <a:latin typeface="Consolas" panose="020B0609020204030204" pitchFamily="49" charset="0"/>
+                <a:ea typeface="Times New Roman" panose="02020603050405020304" pitchFamily="18" charset="0"/>
+                <a:cs typeface="Times New Roman" panose="02020603050405020304" pitchFamily="18" charset="0"/>
+              </a:rPr>
+              <a:t> : </a:t>
+            </a:r>
+            <a:r>
+              <a:rPr lang="en-AU" sz="2000" dirty="0">
+                <a:solidFill>
+                  <a:srgbClr val="0000FF"/>
+                </a:solidFill>
+                <a:latin typeface="Consolas" panose="020B0609020204030204" pitchFamily="49" charset="0"/>
+                <a:ea typeface="Times New Roman" panose="02020603050405020304" pitchFamily="18" charset="0"/>
+                <a:cs typeface="Times New Roman" panose="02020603050405020304" pitchFamily="18" charset="0"/>
+              </a:rPr>
+              <a:t>in</a:t>
+            </a:r>
+            <a:r>
+              <a:rPr lang="en-AU" sz="2000" dirty="0">
+                <a:solidFill>
+                  <a:srgbClr val="000000"/>
+                </a:solidFill>
+                <a:latin typeface="Consolas" panose="020B0609020204030204" pitchFamily="49" charset="0"/>
+                <a:ea typeface="Times New Roman" panose="02020603050405020304" pitchFamily="18" charset="0"/>
+                <a:cs typeface="Times New Roman" panose="02020603050405020304" pitchFamily="18" charset="0"/>
+              </a:rPr>
+              <a:t> </a:t>
+            </a:r>
+            <a:r>
+              <a:rPr lang="en-AU" sz="2000" dirty="0" err="1">
+                <a:solidFill>
+                  <a:srgbClr val="000000"/>
+                </a:solidFill>
+                <a:latin typeface="Consolas" panose="020B0609020204030204" pitchFamily="49" charset="0"/>
+                <a:ea typeface="Times New Roman" panose="02020603050405020304" pitchFamily="18" charset="0"/>
+                <a:cs typeface="Times New Roman" panose="02020603050405020304" pitchFamily="18" charset="0"/>
+              </a:rPr>
+              <a:t>std_logic</a:t>
+            </a:r>
+            <a:r>
+              <a:rPr lang="en-AU" sz="2000" dirty="0">
+                <a:solidFill>
+                  <a:srgbClr val="000000"/>
+                </a:solidFill>
+                <a:latin typeface="Consolas" panose="020B0609020204030204" pitchFamily="49" charset="0"/>
+                <a:ea typeface="Times New Roman" panose="02020603050405020304" pitchFamily="18" charset="0"/>
+                <a:cs typeface="Times New Roman" panose="02020603050405020304" pitchFamily="18" charset="0"/>
+              </a:rPr>
+              <a:t>;</a:t>
+            </a:r>
+            <a:endParaRPr lang="en-AU" sz="2400" dirty="0">
+              <a:latin typeface="Calibri" panose="020F0502020204030204" pitchFamily="34" charset="0"/>
+              <a:ea typeface="Calibri" panose="020F0502020204030204" pitchFamily="34" charset="0"/>
+              <a:cs typeface="Times New Roman" panose="02020603050405020304" pitchFamily="18" charset="0"/>
+            </a:endParaRPr>
+          </a:p>
+          <a:p>
+            <a:pPr marL="34290" indent="0">
+              <a:spcAft>
+                <a:spcPts val="0"/>
+              </a:spcAft>
+              <a:buNone/>
+            </a:pPr>
+            <a:r>
+              <a:rPr lang="en-AU" sz="2000" dirty="0">
+                <a:solidFill>
+                  <a:srgbClr val="000000"/>
+                </a:solidFill>
+                <a:latin typeface="Consolas" panose="020B0609020204030204" pitchFamily="49" charset="0"/>
+                <a:ea typeface="Times New Roman" panose="02020603050405020304" pitchFamily="18" charset="0"/>
+                <a:cs typeface="Times New Roman" panose="02020603050405020304" pitchFamily="18" charset="0"/>
+              </a:rPr>
+              <a:t>        </a:t>
+            </a:r>
+            <a:r>
+              <a:rPr lang="en-AU" sz="2000" dirty="0" err="1">
+                <a:solidFill>
+                  <a:srgbClr val="000000"/>
+                </a:solidFill>
+                <a:latin typeface="Consolas" panose="020B0609020204030204" pitchFamily="49" charset="0"/>
+                <a:ea typeface="Times New Roman" panose="02020603050405020304" pitchFamily="18" charset="0"/>
+                <a:cs typeface="Times New Roman" panose="02020603050405020304" pitchFamily="18" charset="0"/>
+              </a:rPr>
+              <a:t>note_length_in_twelfths</a:t>
+            </a:r>
+            <a:r>
+              <a:rPr lang="en-AU" sz="2000" dirty="0">
+                <a:solidFill>
+                  <a:srgbClr val="000000"/>
+                </a:solidFill>
+                <a:latin typeface="Consolas" panose="020B0609020204030204" pitchFamily="49" charset="0"/>
+                <a:ea typeface="Times New Roman" panose="02020603050405020304" pitchFamily="18" charset="0"/>
+                <a:cs typeface="Times New Roman" panose="02020603050405020304" pitchFamily="18" charset="0"/>
+              </a:rPr>
+              <a:t> : </a:t>
+            </a:r>
+            <a:r>
+              <a:rPr lang="en-AU" sz="2000" dirty="0">
+                <a:solidFill>
+                  <a:srgbClr val="0000FF"/>
+                </a:solidFill>
+                <a:latin typeface="Consolas" panose="020B0609020204030204" pitchFamily="49" charset="0"/>
+                <a:ea typeface="Times New Roman" panose="02020603050405020304" pitchFamily="18" charset="0"/>
+                <a:cs typeface="Times New Roman" panose="02020603050405020304" pitchFamily="18" charset="0"/>
+              </a:rPr>
+              <a:t>in</a:t>
+            </a:r>
+            <a:r>
+              <a:rPr lang="en-AU" sz="2000" dirty="0">
+                <a:solidFill>
+                  <a:srgbClr val="000000"/>
+                </a:solidFill>
+                <a:latin typeface="Consolas" panose="020B0609020204030204" pitchFamily="49" charset="0"/>
+                <a:ea typeface="Times New Roman" panose="02020603050405020304" pitchFamily="18" charset="0"/>
+                <a:cs typeface="Times New Roman" panose="02020603050405020304" pitchFamily="18" charset="0"/>
+              </a:rPr>
+              <a:t> natural </a:t>
+            </a:r>
+            <a:r>
+              <a:rPr lang="en-AU" sz="2000" dirty="0">
+                <a:solidFill>
+                  <a:srgbClr val="0000FF"/>
+                </a:solidFill>
+                <a:latin typeface="Consolas" panose="020B0609020204030204" pitchFamily="49" charset="0"/>
+                <a:ea typeface="Times New Roman" panose="02020603050405020304" pitchFamily="18" charset="0"/>
+                <a:cs typeface="Times New Roman" panose="02020603050405020304" pitchFamily="18" charset="0"/>
+              </a:rPr>
+              <a:t>range</a:t>
+            </a:r>
+            <a:r>
+              <a:rPr lang="en-AU" sz="2000" dirty="0">
+                <a:solidFill>
+                  <a:srgbClr val="000000"/>
+                </a:solidFill>
+                <a:latin typeface="Consolas" panose="020B0609020204030204" pitchFamily="49" charset="0"/>
+                <a:ea typeface="Times New Roman" panose="02020603050405020304" pitchFamily="18" charset="0"/>
+                <a:cs typeface="Times New Roman" panose="02020603050405020304" pitchFamily="18" charset="0"/>
+              </a:rPr>
+              <a:t>  </a:t>
+            </a:r>
+            <a:br>
+              <a:rPr lang="en-AU" sz="2000" dirty="0">
+                <a:solidFill>
+                  <a:srgbClr val="000000"/>
+                </a:solidFill>
+                <a:latin typeface="Consolas" panose="020B0609020204030204" pitchFamily="49" charset="0"/>
+                <a:ea typeface="Times New Roman" panose="02020603050405020304" pitchFamily="18" charset="0"/>
+                <a:cs typeface="Times New Roman" panose="02020603050405020304" pitchFamily="18" charset="0"/>
+              </a:rPr>
+            </a:br>
+            <a:r>
+              <a:rPr lang="en-AU" sz="2000" dirty="0">
+                <a:solidFill>
+                  <a:srgbClr val="000000"/>
+                </a:solidFill>
+                <a:latin typeface="Consolas" panose="020B0609020204030204" pitchFamily="49" charset="0"/>
+                <a:ea typeface="Times New Roman" panose="02020603050405020304" pitchFamily="18" charset="0"/>
+                <a:cs typeface="Times New Roman" panose="02020603050405020304" pitchFamily="18" charset="0"/>
+              </a:rPr>
+              <a:t>            </a:t>
+            </a:r>
+            <a:r>
+              <a:rPr lang="en-AU" sz="2000" dirty="0" err="1">
+                <a:solidFill>
+                  <a:srgbClr val="000000"/>
+                </a:solidFill>
+                <a:latin typeface="Consolas" panose="020B0609020204030204" pitchFamily="49" charset="0"/>
+                <a:ea typeface="Times New Roman" panose="02020603050405020304" pitchFamily="18" charset="0"/>
+                <a:cs typeface="Times New Roman" panose="02020603050405020304" pitchFamily="18" charset="0"/>
+              </a:rPr>
+              <a:t>min_note_length_in_twelfths</a:t>
+            </a:r>
+            <a:r>
+              <a:rPr lang="en-AU" sz="2000" dirty="0">
+                <a:solidFill>
+                  <a:srgbClr val="000000"/>
+                </a:solidFill>
+                <a:latin typeface="Consolas" panose="020B0609020204030204" pitchFamily="49" charset="0"/>
+                <a:ea typeface="Times New Roman" panose="02020603050405020304" pitchFamily="18" charset="0"/>
+                <a:cs typeface="Times New Roman" panose="02020603050405020304" pitchFamily="18" charset="0"/>
+              </a:rPr>
+              <a:t> </a:t>
+            </a:r>
+            <a:r>
+              <a:rPr lang="en-AU" sz="2000" dirty="0">
+                <a:solidFill>
+                  <a:srgbClr val="0000FF"/>
+                </a:solidFill>
+                <a:latin typeface="Consolas" panose="020B0609020204030204" pitchFamily="49" charset="0"/>
+                <a:ea typeface="Times New Roman" panose="02020603050405020304" pitchFamily="18" charset="0"/>
+                <a:cs typeface="Times New Roman" panose="02020603050405020304" pitchFamily="18" charset="0"/>
+              </a:rPr>
+              <a:t>to</a:t>
+            </a:r>
+            <a:r>
+              <a:rPr lang="en-AU" sz="2000" dirty="0">
+                <a:solidFill>
+                  <a:srgbClr val="000000"/>
+                </a:solidFill>
+                <a:latin typeface="Consolas" panose="020B0609020204030204" pitchFamily="49" charset="0"/>
+                <a:ea typeface="Times New Roman" panose="02020603050405020304" pitchFamily="18" charset="0"/>
+                <a:cs typeface="Times New Roman" panose="02020603050405020304" pitchFamily="18" charset="0"/>
+              </a:rPr>
+              <a:t>  </a:t>
+            </a:r>
+            <a:br>
+              <a:rPr lang="en-AU" sz="2000" dirty="0">
+                <a:solidFill>
+                  <a:srgbClr val="000000"/>
+                </a:solidFill>
+                <a:latin typeface="Consolas" panose="020B0609020204030204" pitchFamily="49" charset="0"/>
+                <a:ea typeface="Times New Roman" panose="02020603050405020304" pitchFamily="18" charset="0"/>
+                <a:cs typeface="Times New Roman" panose="02020603050405020304" pitchFamily="18" charset="0"/>
+              </a:rPr>
+            </a:br>
+            <a:r>
+              <a:rPr lang="en-AU" sz="2000" dirty="0">
+                <a:solidFill>
+                  <a:srgbClr val="000000"/>
+                </a:solidFill>
+                <a:latin typeface="Consolas" panose="020B0609020204030204" pitchFamily="49" charset="0"/>
+                <a:ea typeface="Times New Roman" panose="02020603050405020304" pitchFamily="18" charset="0"/>
+                <a:cs typeface="Times New Roman" panose="02020603050405020304" pitchFamily="18" charset="0"/>
+              </a:rPr>
+              <a:t>            </a:t>
+            </a:r>
+            <a:r>
+              <a:rPr lang="en-AU" sz="2000" dirty="0" err="1">
+                <a:solidFill>
+                  <a:srgbClr val="000000"/>
+                </a:solidFill>
+                <a:latin typeface="Consolas" panose="020B0609020204030204" pitchFamily="49" charset="0"/>
+                <a:ea typeface="Times New Roman" panose="02020603050405020304" pitchFamily="18" charset="0"/>
+                <a:cs typeface="Times New Roman" panose="02020603050405020304" pitchFamily="18" charset="0"/>
+              </a:rPr>
+              <a:t>max_note_length_in_twelfths</a:t>
+            </a:r>
+            <a:r>
+              <a:rPr lang="en-AU" sz="2000" dirty="0">
+                <a:solidFill>
+                  <a:srgbClr val="000000"/>
+                </a:solidFill>
+                <a:latin typeface="Consolas" panose="020B0609020204030204" pitchFamily="49" charset="0"/>
+                <a:ea typeface="Times New Roman" panose="02020603050405020304" pitchFamily="18" charset="0"/>
+                <a:cs typeface="Times New Roman" panose="02020603050405020304" pitchFamily="18" charset="0"/>
+              </a:rPr>
+              <a:t>;</a:t>
+            </a:r>
+            <a:endParaRPr lang="en-AU" sz="2400" dirty="0">
+              <a:latin typeface="Calibri" panose="020F0502020204030204" pitchFamily="34" charset="0"/>
+              <a:ea typeface="Calibri" panose="020F0502020204030204" pitchFamily="34" charset="0"/>
+              <a:cs typeface="Times New Roman" panose="02020603050405020304" pitchFamily="18" charset="0"/>
+            </a:endParaRPr>
+          </a:p>
+          <a:p>
+            <a:pPr marL="34290" indent="0">
+              <a:spcAft>
+                <a:spcPts val="0"/>
+              </a:spcAft>
+              <a:buNone/>
+            </a:pPr>
+            <a:r>
+              <a:rPr lang="en-AU" sz="2000" dirty="0">
+                <a:solidFill>
+                  <a:srgbClr val="000000"/>
+                </a:solidFill>
+                <a:latin typeface="Consolas" panose="020B0609020204030204" pitchFamily="49" charset="0"/>
+                <a:ea typeface="Times New Roman" panose="02020603050405020304" pitchFamily="18" charset="0"/>
+                <a:cs typeface="Times New Roman" panose="02020603050405020304" pitchFamily="18" charset="0"/>
+              </a:rPr>
+              <a:t>        </a:t>
+            </a:r>
+            <a:r>
+              <a:rPr lang="en-AU" sz="2000" dirty="0" err="1">
+                <a:solidFill>
+                  <a:srgbClr val="000000"/>
+                </a:solidFill>
+                <a:latin typeface="Consolas" panose="020B0609020204030204" pitchFamily="49" charset="0"/>
+                <a:ea typeface="Times New Roman" panose="02020603050405020304" pitchFamily="18" charset="0"/>
+                <a:cs typeface="Times New Roman" panose="02020603050405020304" pitchFamily="18" charset="0"/>
+              </a:rPr>
+              <a:t>twelfth_cc</a:t>
+            </a:r>
+            <a:r>
+              <a:rPr lang="en-AU" sz="2000" dirty="0">
+                <a:solidFill>
+                  <a:srgbClr val="000000"/>
+                </a:solidFill>
+                <a:latin typeface="Consolas" panose="020B0609020204030204" pitchFamily="49" charset="0"/>
+                <a:ea typeface="Times New Roman" panose="02020603050405020304" pitchFamily="18" charset="0"/>
+                <a:cs typeface="Times New Roman" panose="02020603050405020304" pitchFamily="18" charset="0"/>
+              </a:rPr>
+              <a:t> : </a:t>
+            </a:r>
+            <a:r>
+              <a:rPr lang="en-AU" sz="2000" dirty="0">
+                <a:solidFill>
+                  <a:srgbClr val="0000FF"/>
+                </a:solidFill>
+                <a:latin typeface="Consolas" panose="020B0609020204030204" pitchFamily="49" charset="0"/>
+                <a:ea typeface="Times New Roman" panose="02020603050405020304" pitchFamily="18" charset="0"/>
+                <a:cs typeface="Times New Roman" panose="02020603050405020304" pitchFamily="18" charset="0"/>
+              </a:rPr>
+              <a:t>in</a:t>
+            </a:r>
+            <a:r>
+              <a:rPr lang="en-AU" sz="2000" dirty="0">
+                <a:solidFill>
+                  <a:srgbClr val="000000"/>
+                </a:solidFill>
+                <a:latin typeface="Consolas" panose="020B0609020204030204" pitchFamily="49" charset="0"/>
+                <a:ea typeface="Times New Roman" panose="02020603050405020304" pitchFamily="18" charset="0"/>
+                <a:cs typeface="Times New Roman" panose="02020603050405020304" pitchFamily="18" charset="0"/>
+              </a:rPr>
+              <a:t> natural </a:t>
+            </a:r>
+            <a:r>
+              <a:rPr lang="en-AU" sz="2000" dirty="0">
+                <a:solidFill>
+                  <a:srgbClr val="0000FF"/>
+                </a:solidFill>
+                <a:latin typeface="Consolas" panose="020B0609020204030204" pitchFamily="49" charset="0"/>
+                <a:ea typeface="Times New Roman" panose="02020603050405020304" pitchFamily="18" charset="0"/>
+                <a:cs typeface="Times New Roman" panose="02020603050405020304" pitchFamily="18" charset="0"/>
+              </a:rPr>
+              <a:t>range</a:t>
+            </a:r>
+            <a:r>
+              <a:rPr lang="en-AU" sz="2000" dirty="0">
+                <a:solidFill>
+                  <a:srgbClr val="000000"/>
+                </a:solidFill>
+                <a:latin typeface="Consolas" panose="020B0609020204030204" pitchFamily="49" charset="0"/>
+                <a:ea typeface="Times New Roman" panose="02020603050405020304" pitchFamily="18" charset="0"/>
+                <a:cs typeface="Times New Roman" panose="02020603050405020304" pitchFamily="18" charset="0"/>
+              </a:rPr>
+              <a:t> </a:t>
+            </a:r>
+            <a:r>
+              <a:rPr lang="en-AU" sz="2000" dirty="0" err="1">
+                <a:solidFill>
+                  <a:srgbClr val="000000"/>
+                </a:solidFill>
+                <a:latin typeface="Consolas" panose="020B0609020204030204" pitchFamily="49" charset="0"/>
+                <a:ea typeface="Times New Roman" panose="02020603050405020304" pitchFamily="18" charset="0"/>
+                <a:cs typeface="Times New Roman" panose="02020603050405020304" pitchFamily="18" charset="0"/>
+              </a:rPr>
+              <a:t>min_twelfth_cc</a:t>
+            </a:r>
+            <a:r>
+              <a:rPr lang="en-AU" sz="2000" dirty="0">
+                <a:solidFill>
+                  <a:srgbClr val="000000"/>
+                </a:solidFill>
+                <a:latin typeface="Consolas" panose="020B0609020204030204" pitchFamily="49" charset="0"/>
+                <a:ea typeface="Times New Roman" panose="02020603050405020304" pitchFamily="18" charset="0"/>
+                <a:cs typeface="Times New Roman" panose="02020603050405020304" pitchFamily="18" charset="0"/>
+              </a:rPr>
+              <a:t> </a:t>
+            </a:r>
+            <a:r>
+              <a:rPr lang="en-AU" sz="2000" dirty="0">
+                <a:solidFill>
+                  <a:srgbClr val="0000FF"/>
+                </a:solidFill>
+                <a:latin typeface="Consolas" panose="020B0609020204030204" pitchFamily="49" charset="0"/>
+                <a:ea typeface="Times New Roman" panose="02020603050405020304" pitchFamily="18" charset="0"/>
+                <a:cs typeface="Times New Roman" panose="02020603050405020304" pitchFamily="18" charset="0"/>
+              </a:rPr>
+              <a:t>to</a:t>
+            </a:r>
+            <a:r>
+              <a:rPr lang="en-AU" sz="2000" dirty="0">
+                <a:solidFill>
+                  <a:srgbClr val="000000"/>
+                </a:solidFill>
+                <a:latin typeface="Consolas" panose="020B0609020204030204" pitchFamily="49" charset="0"/>
+                <a:ea typeface="Times New Roman" panose="02020603050405020304" pitchFamily="18" charset="0"/>
+                <a:cs typeface="Times New Roman" panose="02020603050405020304" pitchFamily="18" charset="0"/>
+              </a:rPr>
+              <a:t> </a:t>
+            </a:r>
+            <a:br>
+              <a:rPr lang="en-AU" sz="2000" dirty="0">
+                <a:solidFill>
+                  <a:srgbClr val="000000"/>
+                </a:solidFill>
+                <a:latin typeface="Consolas" panose="020B0609020204030204" pitchFamily="49" charset="0"/>
+                <a:ea typeface="Times New Roman" panose="02020603050405020304" pitchFamily="18" charset="0"/>
+                <a:cs typeface="Times New Roman" panose="02020603050405020304" pitchFamily="18" charset="0"/>
+              </a:rPr>
+            </a:br>
+            <a:r>
+              <a:rPr lang="en-AU" sz="2000" dirty="0">
+                <a:solidFill>
+                  <a:srgbClr val="000000"/>
+                </a:solidFill>
+                <a:latin typeface="Consolas" panose="020B0609020204030204" pitchFamily="49" charset="0"/>
+                <a:ea typeface="Times New Roman" panose="02020603050405020304" pitchFamily="18" charset="0"/>
+                <a:cs typeface="Times New Roman" panose="02020603050405020304" pitchFamily="18" charset="0"/>
+              </a:rPr>
+              <a:t>            </a:t>
+            </a:r>
+            <a:r>
+              <a:rPr lang="en-AU" sz="2000" dirty="0" err="1">
+                <a:solidFill>
+                  <a:srgbClr val="000000"/>
+                </a:solidFill>
+                <a:latin typeface="Consolas" panose="020B0609020204030204" pitchFamily="49" charset="0"/>
+                <a:ea typeface="Times New Roman" panose="02020603050405020304" pitchFamily="18" charset="0"/>
+                <a:cs typeface="Times New Roman" panose="02020603050405020304" pitchFamily="18" charset="0"/>
+              </a:rPr>
+              <a:t>max_twelfth_cc</a:t>
+            </a:r>
+            <a:r>
+              <a:rPr lang="en-AU" sz="2000" dirty="0">
+                <a:solidFill>
+                  <a:srgbClr val="000000"/>
+                </a:solidFill>
+                <a:latin typeface="Consolas" panose="020B0609020204030204" pitchFamily="49" charset="0"/>
+                <a:ea typeface="Times New Roman" panose="02020603050405020304" pitchFamily="18" charset="0"/>
+                <a:cs typeface="Times New Roman" panose="02020603050405020304" pitchFamily="18" charset="0"/>
+              </a:rPr>
+              <a:t>;</a:t>
+            </a:r>
+            <a:endParaRPr lang="en-AU" sz="2400" dirty="0">
+              <a:latin typeface="Calibri" panose="020F0502020204030204" pitchFamily="34" charset="0"/>
+              <a:ea typeface="Calibri" panose="020F0502020204030204" pitchFamily="34" charset="0"/>
+              <a:cs typeface="Times New Roman" panose="02020603050405020304" pitchFamily="18" charset="0"/>
+            </a:endParaRPr>
+          </a:p>
+          <a:p>
+            <a:pPr marL="34290" indent="0">
+              <a:spcAft>
+                <a:spcPts val="0"/>
+              </a:spcAft>
+              <a:buNone/>
+            </a:pPr>
+            <a:r>
+              <a:rPr lang="en-AU" sz="2000" dirty="0">
+                <a:solidFill>
+                  <a:srgbClr val="000000"/>
+                </a:solidFill>
+                <a:latin typeface="Consolas" panose="020B0609020204030204" pitchFamily="49" charset="0"/>
+                <a:ea typeface="Times New Roman" panose="02020603050405020304" pitchFamily="18" charset="0"/>
+                <a:cs typeface="Times New Roman" panose="02020603050405020304" pitchFamily="18" charset="0"/>
+              </a:rPr>
+              <a:t>        </a:t>
+            </a:r>
+            <a:r>
+              <a:rPr lang="en-AU" sz="2000" dirty="0" err="1">
+                <a:solidFill>
+                  <a:srgbClr val="000000"/>
+                </a:solidFill>
+                <a:latin typeface="Consolas" panose="020B0609020204030204" pitchFamily="49" charset="0"/>
+                <a:ea typeface="Times New Roman" panose="02020603050405020304" pitchFamily="18" charset="0"/>
+                <a:cs typeface="Times New Roman" panose="02020603050405020304" pitchFamily="18" charset="0"/>
+              </a:rPr>
+              <a:t>is_mute</a:t>
+            </a:r>
+            <a:r>
+              <a:rPr lang="en-AU" sz="2000" dirty="0">
+                <a:solidFill>
+                  <a:srgbClr val="000000"/>
+                </a:solidFill>
+                <a:latin typeface="Consolas" panose="020B0609020204030204" pitchFamily="49" charset="0"/>
+                <a:ea typeface="Times New Roman" panose="02020603050405020304" pitchFamily="18" charset="0"/>
+                <a:cs typeface="Times New Roman" panose="02020603050405020304" pitchFamily="18" charset="0"/>
+              </a:rPr>
+              <a:t> : </a:t>
+            </a:r>
+            <a:r>
+              <a:rPr lang="en-AU" sz="2000" dirty="0">
+                <a:solidFill>
+                  <a:srgbClr val="0000FF"/>
+                </a:solidFill>
+                <a:latin typeface="Consolas" panose="020B0609020204030204" pitchFamily="49" charset="0"/>
+                <a:ea typeface="Times New Roman" panose="02020603050405020304" pitchFamily="18" charset="0"/>
+                <a:cs typeface="Times New Roman" panose="02020603050405020304" pitchFamily="18" charset="0"/>
+              </a:rPr>
+              <a:t>out</a:t>
+            </a:r>
+            <a:r>
+              <a:rPr lang="en-AU" sz="2000" dirty="0">
+                <a:solidFill>
+                  <a:srgbClr val="000000"/>
+                </a:solidFill>
+                <a:latin typeface="Consolas" panose="020B0609020204030204" pitchFamily="49" charset="0"/>
+                <a:ea typeface="Times New Roman" panose="02020603050405020304" pitchFamily="18" charset="0"/>
+                <a:cs typeface="Times New Roman" panose="02020603050405020304" pitchFamily="18" charset="0"/>
+              </a:rPr>
+              <a:t> </a:t>
+            </a:r>
+            <a:r>
+              <a:rPr lang="en-AU" sz="2000" dirty="0" err="1">
+                <a:solidFill>
+                  <a:srgbClr val="000000"/>
+                </a:solidFill>
+                <a:latin typeface="Consolas" panose="020B0609020204030204" pitchFamily="49" charset="0"/>
+                <a:ea typeface="Times New Roman" panose="02020603050405020304" pitchFamily="18" charset="0"/>
+                <a:cs typeface="Times New Roman" panose="02020603050405020304" pitchFamily="18" charset="0"/>
+              </a:rPr>
+              <a:t>std_logic</a:t>
+            </a:r>
+            <a:r>
+              <a:rPr lang="en-AU" sz="2000" dirty="0">
+                <a:solidFill>
+                  <a:srgbClr val="000000"/>
+                </a:solidFill>
+                <a:latin typeface="Consolas" panose="020B0609020204030204" pitchFamily="49" charset="0"/>
+                <a:ea typeface="Times New Roman" panose="02020603050405020304" pitchFamily="18" charset="0"/>
+                <a:cs typeface="Times New Roman" panose="02020603050405020304" pitchFamily="18" charset="0"/>
+              </a:rPr>
+              <a:t>;</a:t>
+            </a:r>
+            <a:endParaRPr lang="en-AU" sz="2400" dirty="0">
+              <a:latin typeface="Calibri" panose="020F0502020204030204" pitchFamily="34" charset="0"/>
+              <a:ea typeface="Calibri" panose="020F0502020204030204" pitchFamily="34" charset="0"/>
+              <a:cs typeface="Times New Roman" panose="02020603050405020304" pitchFamily="18" charset="0"/>
+            </a:endParaRPr>
+          </a:p>
+          <a:p>
+            <a:pPr marL="34290" indent="0">
+              <a:spcAft>
+                <a:spcPts val="0"/>
+              </a:spcAft>
+              <a:buNone/>
+            </a:pPr>
+            <a:r>
+              <a:rPr lang="en-AU" sz="2000" dirty="0">
+                <a:solidFill>
+                  <a:srgbClr val="000000"/>
+                </a:solidFill>
+                <a:latin typeface="Consolas" panose="020B0609020204030204" pitchFamily="49" charset="0"/>
+                <a:ea typeface="Times New Roman" panose="02020603050405020304" pitchFamily="18" charset="0"/>
+                <a:cs typeface="Times New Roman" panose="02020603050405020304" pitchFamily="18" charset="0"/>
+              </a:rPr>
+              <a:t>        </a:t>
+            </a:r>
+            <a:r>
+              <a:rPr lang="en-AU" sz="2000" dirty="0" err="1">
+                <a:solidFill>
+                  <a:srgbClr val="000000"/>
+                </a:solidFill>
+                <a:latin typeface="Consolas" panose="020B0609020204030204" pitchFamily="49" charset="0"/>
+                <a:ea typeface="Times New Roman" panose="02020603050405020304" pitchFamily="18" charset="0"/>
+                <a:cs typeface="Times New Roman" panose="02020603050405020304" pitchFamily="18" charset="0"/>
+              </a:rPr>
+              <a:t>is_new_note</a:t>
+            </a:r>
+            <a:r>
+              <a:rPr lang="en-AU" sz="2000" dirty="0">
+                <a:solidFill>
+                  <a:srgbClr val="000000"/>
+                </a:solidFill>
+                <a:latin typeface="Consolas" panose="020B0609020204030204" pitchFamily="49" charset="0"/>
+                <a:ea typeface="Times New Roman" panose="02020603050405020304" pitchFamily="18" charset="0"/>
+                <a:cs typeface="Times New Roman" panose="02020603050405020304" pitchFamily="18" charset="0"/>
+              </a:rPr>
+              <a:t> : </a:t>
+            </a:r>
+            <a:r>
+              <a:rPr lang="en-AU" sz="2000" dirty="0">
+                <a:solidFill>
+                  <a:srgbClr val="0000FF"/>
+                </a:solidFill>
+                <a:latin typeface="Consolas" panose="020B0609020204030204" pitchFamily="49" charset="0"/>
+                <a:ea typeface="Times New Roman" panose="02020603050405020304" pitchFamily="18" charset="0"/>
+                <a:cs typeface="Times New Roman" panose="02020603050405020304" pitchFamily="18" charset="0"/>
+              </a:rPr>
+              <a:t>out</a:t>
+            </a:r>
+            <a:r>
+              <a:rPr lang="en-AU" sz="2000" dirty="0">
+                <a:solidFill>
+                  <a:srgbClr val="000000"/>
+                </a:solidFill>
+                <a:latin typeface="Consolas" panose="020B0609020204030204" pitchFamily="49" charset="0"/>
+                <a:ea typeface="Times New Roman" panose="02020603050405020304" pitchFamily="18" charset="0"/>
+                <a:cs typeface="Times New Roman" panose="02020603050405020304" pitchFamily="18" charset="0"/>
+              </a:rPr>
+              <a:t> </a:t>
+            </a:r>
+            <a:r>
+              <a:rPr lang="en-AU" sz="2000" dirty="0" err="1">
+                <a:solidFill>
+                  <a:srgbClr val="000000"/>
+                </a:solidFill>
+                <a:latin typeface="Consolas" panose="020B0609020204030204" pitchFamily="49" charset="0"/>
+                <a:ea typeface="Times New Roman" panose="02020603050405020304" pitchFamily="18" charset="0"/>
+                <a:cs typeface="Times New Roman" panose="02020603050405020304" pitchFamily="18" charset="0"/>
+              </a:rPr>
+              <a:t>std_logic</a:t>
+            </a:r>
+            <a:r>
+              <a:rPr lang="en-AU" sz="2000" dirty="0">
+                <a:solidFill>
+                  <a:srgbClr val="000000"/>
+                </a:solidFill>
+                <a:latin typeface="Consolas" panose="020B0609020204030204" pitchFamily="49" charset="0"/>
+                <a:ea typeface="Times New Roman" panose="02020603050405020304" pitchFamily="18" charset="0"/>
+                <a:cs typeface="Times New Roman" panose="02020603050405020304" pitchFamily="18" charset="0"/>
+              </a:rPr>
+              <a:t>);</a:t>
+            </a:r>
+            <a:endParaRPr lang="en-AU" sz="2400" dirty="0">
+              <a:latin typeface="Calibri" panose="020F0502020204030204" pitchFamily="34" charset="0"/>
+              <a:ea typeface="Calibri" panose="020F0502020204030204" pitchFamily="34" charset="0"/>
+              <a:cs typeface="Times New Roman" panose="02020603050405020304" pitchFamily="18" charset="0"/>
+            </a:endParaRPr>
+          </a:p>
+          <a:p>
+            <a:pPr marL="34290" indent="0">
+              <a:spcAft>
+                <a:spcPts val="0"/>
+              </a:spcAft>
+              <a:buNone/>
+            </a:pPr>
+            <a:r>
+              <a:rPr lang="en-AU" sz="2000" dirty="0">
+                <a:solidFill>
+                  <a:srgbClr val="0000FF"/>
+                </a:solidFill>
+                <a:latin typeface="Consolas" panose="020B0609020204030204" pitchFamily="49" charset="0"/>
+                <a:ea typeface="Times New Roman" panose="02020603050405020304" pitchFamily="18" charset="0"/>
+                <a:cs typeface="Times New Roman" panose="02020603050405020304" pitchFamily="18" charset="0"/>
+              </a:rPr>
+              <a:t>end</a:t>
+            </a:r>
+            <a:r>
+              <a:rPr lang="en-AU" sz="2000" dirty="0">
+                <a:solidFill>
+                  <a:srgbClr val="000000"/>
+                </a:solidFill>
+                <a:latin typeface="Consolas" panose="020B0609020204030204" pitchFamily="49" charset="0"/>
+                <a:ea typeface="Times New Roman" panose="02020603050405020304" pitchFamily="18" charset="0"/>
+                <a:cs typeface="Times New Roman" panose="02020603050405020304" pitchFamily="18" charset="0"/>
+              </a:rPr>
+              <a:t> </a:t>
+            </a:r>
+            <a:r>
+              <a:rPr lang="en-AU" sz="2000" dirty="0">
+                <a:solidFill>
+                  <a:srgbClr val="0000FF"/>
+                </a:solidFill>
+                <a:latin typeface="Consolas" panose="020B0609020204030204" pitchFamily="49" charset="0"/>
+                <a:ea typeface="Times New Roman" panose="02020603050405020304" pitchFamily="18" charset="0"/>
+                <a:cs typeface="Times New Roman" panose="02020603050405020304" pitchFamily="18" charset="0"/>
+              </a:rPr>
+              <a:t>component</a:t>
+            </a:r>
+            <a:r>
+              <a:rPr lang="en-AU" sz="2000" dirty="0">
+                <a:solidFill>
+                  <a:srgbClr val="000000"/>
+                </a:solidFill>
+                <a:latin typeface="Consolas" panose="020B0609020204030204" pitchFamily="49" charset="0"/>
+                <a:ea typeface="Times New Roman" panose="02020603050405020304" pitchFamily="18" charset="0"/>
+                <a:cs typeface="Times New Roman" panose="02020603050405020304" pitchFamily="18" charset="0"/>
+              </a:rPr>
+              <a:t>;</a:t>
+            </a:r>
+            <a:endParaRPr lang="en-AU" sz="2400" dirty="0">
+              <a:effectLst/>
+              <a:latin typeface="Calibri" panose="020F0502020204030204" pitchFamily="34" charset="0"/>
+              <a:ea typeface="Calibri" panose="020F0502020204030204" pitchFamily="34" charset="0"/>
+              <a:cs typeface="Times New Roman" panose="02020603050405020304" pitchFamily="18" charset="0"/>
+            </a:endParaRPr>
+          </a:p>
+        </p:txBody>
+      </p:sp>
+      <p:sp>
+        <p:nvSpPr>
+          <p:cNvPr id="3" name="Title 2">
+            <a:extLst>
+              <a:ext uri="{FF2B5EF4-FFF2-40B4-BE49-F238E27FC236}">
+                <a16:creationId xmlns:a16="http://schemas.microsoft.com/office/drawing/2014/main" id="{7E5726A0-0EE0-4D5E-8ABB-50D864C4AA11}"/>
+              </a:ext>
+            </a:extLst>
+          </p:cNvPr>
+          <p:cNvSpPr>
+            <a:spLocks noGrp="1"/>
+          </p:cNvSpPr>
+          <p:nvPr>
+            <p:ph type="title"/>
+          </p:nvPr>
+        </p:nvSpPr>
+        <p:spPr/>
+        <p:txBody>
+          <a:bodyPr/>
+          <a:lstStyle/>
+          <a:p>
+            <a:r>
+              <a:rPr lang="en-AU" sz="3600" dirty="0"/>
+              <a:t>Note LENGTH COUNTER</a:t>
+            </a:r>
+          </a:p>
+        </p:txBody>
+      </p:sp>
+    </p:spTree>
+    <p:extLst>
+      <p:ext uri="{BB962C8B-B14F-4D97-AF65-F5344CB8AC3E}">
+        <p14:creationId xmlns:p14="http://schemas.microsoft.com/office/powerpoint/2010/main" val="1191827598"/>
+      </p:ext>
+    </p:extLst>
+  </p:cSld>
+  <p:clrMapOvr>
+    <a:masterClrMapping/>
+  </p:clrMapOvr>
+</p:sld>
+</file>
+
+<file path=ppt/slides/slide8.xml><?xml version="1.0" encoding="utf-8"?>
+<p:sld xmlns:a="http://schemas.openxmlformats.org/drawingml/2006/main" xmlns:r="http://schemas.openxmlformats.org/officeDocument/2006/relationships" xmlns:p="http://schemas.openxmlformats.org/presentationml/2006/main">
+  <p:cSld>
+    <p:spTree>
+      <p:nvGrpSpPr>
+        <p:cNvPr id="1" name=""/>
+        <p:cNvGrpSpPr/>
+        <p:nvPr/>
+      </p:nvGrpSpPr>
+      <p:grpSpPr>
+        <a:xfrm>
+          <a:off x="0" y="0"/>
+          <a:ext cx="0" cy="0"/>
+          <a:chOff x="0" y="0"/>
+          <a:chExt cx="0" cy="0"/>
+        </a:xfrm>
+      </p:grpSpPr>
+      <p:sp>
+        <p:nvSpPr>
+          <p:cNvPr id="3" name="Title 2">
+            <a:extLst>
+              <a:ext uri="{FF2B5EF4-FFF2-40B4-BE49-F238E27FC236}">
+                <a16:creationId xmlns:a16="http://schemas.microsoft.com/office/drawing/2014/main" id="{7E5726A0-0EE0-4D5E-8ABB-50D864C4AA11}"/>
+              </a:ext>
+            </a:extLst>
+          </p:cNvPr>
+          <p:cNvSpPr>
+            <a:spLocks noGrp="1"/>
+          </p:cNvSpPr>
+          <p:nvPr>
+            <p:ph type="title"/>
+          </p:nvPr>
+        </p:nvSpPr>
+        <p:spPr/>
+        <p:txBody>
+          <a:bodyPr/>
+          <a:lstStyle/>
+          <a:p>
+            <a:r>
+              <a:rPr lang="en-AU" sz="3600" dirty="0"/>
+              <a:t>Note Durations</a:t>
+            </a:r>
+          </a:p>
+        </p:txBody>
+      </p:sp>
+      <p:graphicFrame>
+        <p:nvGraphicFramePr>
+          <p:cNvPr id="8" name="Content Placeholder 7">
+            <a:extLst>
+              <a:ext uri="{FF2B5EF4-FFF2-40B4-BE49-F238E27FC236}">
+                <a16:creationId xmlns:a16="http://schemas.microsoft.com/office/drawing/2014/main" id="{A89B464B-DA73-4449-8338-63B37CDC0533}"/>
+              </a:ext>
+            </a:extLst>
+          </p:cNvPr>
+          <p:cNvGraphicFramePr>
+            <a:graphicFrameLocks noGrp="1"/>
+          </p:cNvGraphicFramePr>
+          <p:nvPr>
+            <p:ph idx="1"/>
+            <p:extLst>
+              <p:ext uri="{D42A27DB-BD31-4B8C-83A1-F6EECF244321}">
+                <p14:modId xmlns:p14="http://schemas.microsoft.com/office/powerpoint/2010/main" val="1368427330"/>
+              </p:ext>
+            </p:extLst>
+          </p:nvPr>
+        </p:nvGraphicFramePr>
+        <p:xfrm>
+          <a:off x="381000" y="1481177"/>
+          <a:ext cx="8407401" cy="3952333"/>
+        </p:xfrm>
+        <a:graphic>
+          <a:graphicData uri="http://schemas.openxmlformats.org/drawingml/2006/table">
+            <a:tbl>
+              <a:tblPr firstRow="1" bandRow="1">
+                <a:tableStyleId>{D27102A9-8310-4765-A935-A1911B00CA55}</a:tableStyleId>
+              </a:tblPr>
+              <a:tblGrid>
+                <a:gridCol w="2802467">
+                  <a:extLst>
+                    <a:ext uri="{9D8B030D-6E8A-4147-A177-3AD203B41FA5}">
+                      <a16:colId xmlns:a16="http://schemas.microsoft.com/office/drawing/2014/main" val="3221287423"/>
+                    </a:ext>
+                  </a:extLst>
+                </a:gridCol>
+                <a:gridCol w="2802467">
+                  <a:extLst>
+                    <a:ext uri="{9D8B030D-6E8A-4147-A177-3AD203B41FA5}">
+                      <a16:colId xmlns:a16="http://schemas.microsoft.com/office/drawing/2014/main" val="135144077"/>
+                    </a:ext>
+                  </a:extLst>
+                </a:gridCol>
+                <a:gridCol w="2802467">
+                  <a:extLst>
+                    <a:ext uri="{9D8B030D-6E8A-4147-A177-3AD203B41FA5}">
+                      <a16:colId xmlns:a16="http://schemas.microsoft.com/office/drawing/2014/main" val="728026696"/>
+                    </a:ext>
+                  </a:extLst>
+                </a:gridCol>
+              </a:tblGrid>
+              <a:tr h="359303">
+                <a:tc>
+                  <a:txBody>
+                    <a:bodyPr/>
+                    <a:lstStyle/>
+                    <a:p>
+                      <a:r>
+                        <a:rPr lang="en-AU" dirty="0"/>
+                        <a:t>Duration</a:t>
+                      </a:r>
+                    </a:p>
+                  </a:txBody>
+                  <a:tcPr/>
+                </a:tc>
+                <a:tc>
+                  <a:txBody>
+                    <a:bodyPr/>
+                    <a:lstStyle/>
+                    <a:p>
+                      <a:r>
+                        <a:rPr lang="en-AU" dirty="0"/>
+                        <a:t>Length in Beats</a:t>
+                      </a:r>
+                    </a:p>
+                  </a:txBody>
+                  <a:tcPr/>
+                </a:tc>
+                <a:tc>
+                  <a:txBody>
+                    <a:bodyPr/>
+                    <a:lstStyle/>
+                    <a:p>
+                      <a:r>
+                        <a:rPr lang="en-AU" dirty="0"/>
+                        <a:t>Length in Twelfths</a:t>
+                      </a:r>
+                    </a:p>
+                  </a:txBody>
+                  <a:tcPr/>
+                </a:tc>
+                <a:extLst>
+                  <a:ext uri="{0D108BD9-81ED-4DB2-BD59-A6C34878D82A}">
+                    <a16:rowId xmlns:a16="http://schemas.microsoft.com/office/drawing/2014/main" val="1481209190"/>
+                  </a:ext>
+                </a:extLst>
+              </a:tr>
+              <a:tr h="359303">
+                <a:tc>
+                  <a:txBody>
+                    <a:bodyPr/>
+                    <a:lstStyle/>
+                    <a:p>
+                      <a:r>
+                        <a:rPr lang="en-AU" dirty="0"/>
+                        <a:t>Semiquaver</a:t>
+                      </a:r>
+                    </a:p>
+                  </a:txBody>
+                  <a:tcPr/>
+                </a:tc>
+                <a:tc>
+                  <a:txBody>
+                    <a:bodyPr/>
+                    <a:lstStyle/>
+                    <a:p>
+                      <a:r>
+                        <a:rPr lang="en-AU" dirty="0"/>
+                        <a:t>1/4</a:t>
+                      </a:r>
+                    </a:p>
+                  </a:txBody>
+                  <a:tcPr/>
+                </a:tc>
+                <a:tc>
+                  <a:txBody>
+                    <a:bodyPr/>
+                    <a:lstStyle/>
+                    <a:p>
+                      <a:r>
+                        <a:rPr lang="en-AU" dirty="0"/>
+                        <a:t>3</a:t>
+                      </a:r>
+                    </a:p>
+                  </a:txBody>
+                  <a:tcPr/>
+                </a:tc>
+                <a:extLst>
+                  <a:ext uri="{0D108BD9-81ED-4DB2-BD59-A6C34878D82A}">
+                    <a16:rowId xmlns:a16="http://schemas.microsoft.com/office/drawing/2014/main" val="2328772378"/>
+                  </a:ext>
+                </a:extLst>
+              </a:tr>
+              <a:tr h="359303">
+                <a:tc>
+                  <a:txBody>
+                    <a:bodyPr/>
+                    <a:lstStyle/>
+                    <a:p>
+                      <a:r>
+                        <a:rPr lang="en-AU" dirty="0" err="1"/>
+                        <a:t>Tuplet</a:t>
+                      </a:r>
+                      <a:endParaRPr lang="en-AU" dirty="0"/>
+                    </a:p>
+                  </a:txBody>
+                  <a:tcPr/>
+                </a:tc>
+                <a:tc>
+                  <a:txBody>
+                    <a:bodyPr/>
+                    <a:lstStyle/>
+                    <a:p>
+                      <a:r>
+                        <a:rPr lang="en-AU" dirty="0"/>
+                        <a:t>1/3</a:t>
+                      </a:r>
+                    </a:p>
+                  </a:txBody>
+                  <a:tcPr/>
+                </a:tc>
+                <a:tc>
+                  <a:txBody>
+                    <a:bodyPr/>
+                    <a:lstStyle/>
+                    <a:p>
+                      <a:r>
+                        <a:rPr lang="en-AU" dirty="0"/>
+                        <a:t>4</a:t>
+                      </a:r>
+                    </a:p>
+                  </a:txBody>
+                  <a:tcPr/>
+                </a:tc>
+                <a:extLst>
+                  <a:ext uri="{0D108BD9-81ED-4DB2-BD59-A6C34878D82A}">
+                    <a16:rowId xmlns:a16="http://schemas.microsoft.com/office/drawing/2014/main" val="943698661"/>
+                  </a:ext>
+                </a:extLst>
+              </a:tr>
+              <a:tr h="359303">
+                <a:tc>
+                  <a:txBody>
+                    <a:bodyPr/>
+                    <a:lstStyle/>
+                    <a:p>
+                      <a:r>
+                        <a:rPr lang="en-AU" dirty="0"/>
+                        <a:t>Quaver</a:t>
+                      </a:r>
+                    </a:p>
+                  </a:txBody>
+                  <a:tcPr/>
+                </a:tc>
+                <a:tc>
+                  <a:txBody>
+                    <a:bodyPr/>
+                    <a:lstStyle/>
+                    <a:p>
+                      <a:r>
+                        <a:rPr lang="en-AU" dirty="0"/>
+                        <a:t>1/2</a:t>
+                      </a:r>
+                    </a:p>
+                  </a:txBody>
+                  <a:tcPr/>
+                </a:tc>
+                <a:tc>
+                  <a:txBody>
+                    <a:bodyPr/>
+                    <a:lstStyle/>
+                    <a:p>
+                      <a:r>
+                        <a:rPr lang="en-AU" dirty="0"/>
+                        <a:t>6</a:t>
+                      </a:r>
+                    </a:p>
+                  </a:txBody>
+                  <a:tcPr/>
+                </a:tc>
+                <a:extLst>
+                  <a:ext uri="{0D108BD9-81ED-4DB2-BD59-A6C34878D82A}">
+                    <a16:rowId xmlns:a16="http://schemas.microsoft.com/office/drawing/2014/main" val="1469967757"/>
+                  </a:ext>
+                </a:extLst>
+              </a:tr>
+              <a:tr h="359303">
+                <a:tc>
+                  <a:txBody>
+                    <a:bodyPr/>
+                    <a:lstStyle/>
+                    <a:p>
+                      <a:r>
+                        <a:rPr lang="en-AU" dirty="0"/>
+                        <a:t>Dotted Quaver</a:t>
+                      </a:r>
+                    </a:p>
+                  </a:txBody>
+                  <a:tcPr/>
+                </a:tc>
+                <a:tc>
+                  <a:txBody>
+                    <a:bodyPr/>
+                    <a:lstStyle/>
+                    <a:p>
+                      <a:r>
+                        <a:rPr lang="en-AU" dirty="0"/>
+                        <a:t>3/4</a:t>
+                      </a:r>
+                    </a:p>
+                  </a:txBody>
+                  <a:tcPr/>
+                </a:tc>
+                <a:tc>
+                  <a:txBody>
+                    <a:bodyPr/>
+                    <a:lstStyle/>
+                    <a:p>
+                      <a:r>
+                        <a:rPr lang="en-AU" dirty="0"/>
+                        <a:t>9</a:t>
+                      </a:r>
+                    </a:p>
+                  </a:txBody>
+                  <a:tcPr/>
+                </a:tc>
+                <a:extLst>
+                  <a:ext uri="{0D108BD9-81ED-4DB2-BD59-A6C34878D82A}">
+                    <a16:rowId xmlns:a16="http://schemas.microsoft.com/office/drawing/2014/main" val="4021822547"/>
+                  </a:ext>
+                </a:extLst>
+              </a:tr>
+              <a:tr h="359303">
+                <a:tc>
+                  <a:txBody>
+                    <a:bodyPr/>
+                    <a:lstStyle/>
+                    <a:p>
+                      <a:r>
+                        <a:rPr lang="en-AU" dirty="0"/>
+                        <a:t>Crotchet</a:t>
+                      </a:r>
+                    </a:p>
+                  </a:txBody>
+                  <a:tcPr/>
+                </a:tc>
+                <a:tc>
+                  <a:txBody>
+                    <a:bodyPr/>
+                    <a:lstStyle/>
+                    <a:p>
+                      <a:r>
+                        <a:rPr lang="en-AU" dirty="0"/>
+                        <a:t>1</a:t>
+                      </a:r>
+                    </a:p>
+                  </a:txBody>
+                  <a:tcPr/>
+                </a:tc>
+                <a:tc>
+                  <a:txBody>
+                    <a:bodyPr/>
+                    <a:lstStyle/>
+                    <a:p>
+                      <a:r>
+                        <a:rPr lang="en-AU" dirty="0"/>
+                        <a:t>12</a:t>
+                      </a:r>
+                    </a:p>
+                  </a:txBody>
+                  <a:tcPr/>
+                </a:tc>
+                <a:extLst>
+                  <a:ext uri="{0D108BD9-81ED-4DB2-BD59-A6C34878D82A}">
+                    <a16:rowId xmlns:a16="http://schemas.microsoft.com/office/drawing/2014/main" val="2414945153"/>
+                  </a:ext>
+                </a:extLst>
+              </a:tr>
+              <a:tr h="359303">
+                <a:tc>
+                  <a:txBody>
+                    <a:bodyPr/>
+                    <a:lstStyle/>
+                    <a:p>
+                      <a:r>
+                        <a:rPr lang="en-AU" dirty="0"/>
+                        <a:t>Dotted Crotchet</a:t>
+                      </a:r>
+                    </a:p>
+                  </a:txBody>
+                  <a:tcPr/>
+                </a:tc>
+                <a:tc>
+                  <a:txBody>
+                    <a:bodyPr/>
+                    <a:lstStyle/>
+                    <a:p>
+                      <a:r>
+                        <a:rPr lang="en-AU" dirty="0"/>
+                        <a:t>3/2</a:t>
+                      </a:r>
+                    </a:p>
+                  </a:txBody>
+                  <a:tcPr/>
+                </a:tc>
+                <a:tc>
+                  <a:txBody>
+                    <a:bodyPr/>
+                    <a:lstStyle/>
+                    <a:p>
+                      <a:r>
+                        <a:rPr lang="en-AU" dirty="0"/>
+                        <a:t>18</a:t>
+                      </a:r>
+                    </a:p>
+                  </a:txBody>
+                  <a:tcPr/>
+                </a:tc>
+                <a:extLst>
+                  <a:ext uri="{0D108BD9-81ED-4DB2-BD59-A6C34878D82A}">
+                    <a16:rowId xmlns:a16="http://schemas.microsoft.com/office/drawing/2014/main" val="3118695110"/>
+                  </a:ext>
+                </a:extLst>
+              </a:tr>
+              <a:tr h="359303">
+                <a:tc>
+                  <a:txBody>
+                    <a:bodyPr/>
+                    <a:lstStyle/>
+                    <a:p>
+                      <a:r>
+                        <a:rPr lang="en-AU" dirty="0"/>
+                        <a:t>Minim</a:t>
+                      </a:r>
+                    </a:p>
+                  </a:txBody>
+                  <a:tcPr/>
+                </a:tc>
+                <a:tc>
+                  <a:txBody>
+                    <a:bodyPr/>
+                    <a:lstStyle/>
+                    <a:p>
+                      <a:r>
+                        <a:rPr lang="en-AU" dirty="0"/>
+                        <a:t>2</a:t>
+                      </a:r>
+                    </a:p>
+                  </a:txBody>
+                  <a:tcPr/>
+                </a:tc>
+                <a:tc>
+                  <a:txBody>
+                    <a:bodyPr/>
+                    <a:lstStyle/>
+                    <a:p>
+                      <a:r>
+                        <a:rPr lang="en-AU" dirty="0"/>
+                        <a:t>24</a:t>
+                      </a:r>
+                    </a:p>
+                  </a:txBody>
+                  <a:tcPr/>
+                </a:tc>
+                <a:extLst>
+                  <a:ext uri="{0D108BD9-81ED-4DB2-BD59-A6C34878D82A}">
+                    <a16:rowId xmlns:a16="http://schemas.microsoft.com/office/drawing/2014/main" val="3368672230"/>
+                  </a:ext>
+                </a:extLst>
+              </a:tr>
+              <a:tr h="359303">
+                <a:tc>
+                  <a:txBody>
+                    <a:bodyPr/>
+                    <a:lstStyle/>
+                    <a:p>
+                      <a:r>
+                        <a:rPr lang="en-AU" dirty="0"/>
+                        <a:t>Dotted Minim</a:t>
+                      </a:r>
+                    </a:p>
+                  </a:txBody>
+                  <a:tcPr/>
+                </a:tc>
+                <a:tc>
+                  <a:txBody>
+                    <a:bodyPr/>
+                    <a:lstStyle/>
+                    <a:p>
+                      <a:r>
+                        <a:rPr lang="en-AU" dirty="0"/>
+                        <a:t>3</a:t>
+                      </a:r>
+                    </a:p>
+                  </a:txBody>
+                  <a:tcPr/>
+                </a:tc>
+                <a:tc>
+                  <a:txBody>
+                    <a:bodyPr/>
+                    <a:lstStyle/>
+                    <a:p>
+                      <a:r>
+                        <a:rPr lang="en-AU" dirty="0"/>
+                        <a:t>36</a:t>
+                      </a:r>
+                    </a:p>
+                  </a:txBody>
+                  <a:tcPr/>
+                </a:tc>
+                <a:extLst>
+                  <a:ext uri="{0D108BD9-81ED-4DB2-BD59-A6C34878D82A}">
+                    <a16:rowId xmlns:a16="http://schemas.microsoft.com/office/drawing/2014/main" val="4071376542"/>
+                  </a:ext>
+                </a:extLst>
+              </a:tr>
+              <a:tr h="359303">
+                <a:tc>
+                  <a:txBody>
+                    <a:bodyPr/>
+                    <a:lstStyle/>
+                    <a:p>
+                      <a:r>
+                        <a:rPr lang="en-AU" dirty="0"/>
+                        <a:t>Semibreve</a:t>
+                      </a:r>
+                    </a:p>
+                  </a:txBody>
+                  <a:tcPr/>
+                </a:tc>
+                <a:tc>
+                  <a:txBody>
+                    <a:bodyPr/>
+                    <a:lstStyle/>
+                    <a:p>
+                      <a:r>
+                        <a:rPr lang="en-AU" dirty="0"/>
+                        <a:t>4</a:t>
+                      </a:r>
+                    </a:p>
+                  </a:txBody>
+                  <a:tcPr/>
+                </a:tc>
+                <a:tc>
+                  <a:txBody>
+                    <a:bodyPr/>
+                    <a:lstStyle/>
+                    <a:p>
+                      <a:r>
+                        <a:rPr lang="en-AU" dirty="0"/>
+                        <a:t>48</a:t>
+                      </a:r>
+                    </a:p>
+                  </a:txBody>
+                  <a:tcPr/>
+                </a:tc>
+                <a:extLst>
+                  <a:ext uri="{0D108BD9-81ED-4DB2-BD59-A6C34878D82A}">
+                    <a16:rowId xmlns:a16="http://schemas.microsoft.com/office/drawing/2014/main" val="1959999258"/>
+                  </a:ext>
+                </a:extLst>
+              </a:tr>
+              <a:tr h="359303">
+                <a:tc>
+                  <a:txBody>
+                    <a:bodyPr/>
+                    <a:lstStyle/>
+                    <a:p>
+                      <a:r>
+                        <a:rPr lang="en-AU" dirty="0"/>
+                        <a:t>Breve</a:t>
+                      </a:r>
+                    </a:p>
+                  </a:txBody>
+                  <a:tcPr/>
+                </a:tc>
+                <a:tc>
+                  <a:txBody>
+                    <a:bodyPr/>
+                    <a:lstStyle/>
+                    <a:p>
+                      <a:r>
+                        <a:rPr lang="en-AU" dirty="0"/>
+                        <a:t>8</a:t>
+                      </a:r>
+                    </a:p>
+                  </a:txBody>
+                  <a:tcPr/>
+                </a:tc>
+                <a:tc>
+                  <a:txBody>
+                    <a:bodyPr/>
+                    <a:lstStyle/>
+                    <a:p>
+                      <a:r>
+                        <a:rPr lang="en-AU" dirty="0"/>
+                        <a:t>96</a:t>
+                      </a:r>
+                    </a:p>
+                  </a:txBody>
+                  <a:tcPr/>
+                </a:tc>
+                <a:extLst>
+                  <a:ext uri="{0D108BD9-81ED-4DB2-BD59-A6C34878D82A}">
+                    <a16:rowId xmlns:a16="http://schemas.microsoft.com/office/drawing/2014/main" val="2437075178"/>
+                  </a:ext>
+                </a:extLst>
+              </a:tr>
+            </a:tbl>
+          </a:graphicData>
+        </a:graphic>
+      </p:graphicFrame>
+    </p:spTree>
+    <p:extLst>
+      <p:ext uri="{BB962C8B-B14F-4D97-AF65-F5344CB8AC3E}">
+        <p14:creationId xmlns:p14="http://schemas.microsoft.com/office/powerpoint/2010/main" val="2614139376"/>
+      </p:ext>
+    </p:extLst>
+  </p:cSld>
+  <p:clrMapOvr>
+    <a:masterClrMapping/>
+  </p:clrMapOvr>
+</p:sld>
+</file>
+
+<file path=ppt/slides/slide9.xml><?xml version="1.0" encoding="utf-8"?>
+<p:sld xmlns:a="http://schemas.openxmlformats.org/drawingml/2006/main" xmlns:r="http://schemas.openxmlformats.org/officeDocument/2006/relationships" xmlns:p="http://schemas.openxmlformats.org/presentationml/2006/main">
+  <p:cSld>
+    <p:spTree>
+      <p:nvGrpSpPr>
+        <p:cNvPr id="1" name=""/>
+        <p:cNvGrpSpPr/>
+        <p:nvPr/>
+      </p:nvGrpSpPr>
+      <p:grpSpPr>
+        <a:xfrm>
+          <a:off x="0" y="0"/>
+          <a:ext cx="0" cy="0"/>
+          <a:chOff x="0" y="0"/>
+          <a:chExt cx="0" cy="0"/>
+        </a:xfrm>
+      </p:grpSpPr>
+      <p:sp>
+        <p:nvSpPr>
+          <p:cNvPr id="2" name="Content Placeholder 1">
+            <a:extLst>
+              <a:ext uri="{FF2B5EF4-FFF2-40B4-BE49-F238E27FC236}">
+                <a16:creationId xmlns:a16="http://schemas.microsoft.com/office/drawing/2014/main" id="{E03CE05D-C3DA-47CC-AC1F-8C674769EC66}"/>
+              </a:ext>
+            </a:extLst>
+          </p:cNvPr>
+          <p:cNvSpPr>
+            <a:spLocks noGrp="1"/>
+          </p:cNvSpPr>
+          <p:nvPr>
+            <p:ph idx="1"/>
+          </p:nvPr>
+        </p:nvSpPr>
+        <p:spPr>
+          <a:xfrm>
+            <a:off x="380999" y="1432558"/>
+            <a:ext cx="8407893" cy="4038727"/>
+          </a:xfrm>
+        </p:spPr>
+        <p:txBody>
+          <a:bodyPr>
+            <a:normAutofit fontScale="92500" lnSpcReduction="20000"/>
+          </a:bodyPr>
+          <a:lstStyle/>
+          <a:p>
+            <a:pPr marL="34290" indent="0">
+              <a:spcAft>
+                <a:spcPts val="0"/>
+              </a:spcAft>
+              <a:buNone/>
+            </a:pPr>
+            <a:r>
+              <a:rPr lang="en-AU" sz="2000" dirty="0">
+                <a:solidFill>
+                  <a:srgbClr val="0000FF"/>
+                </a:solidFill>
+                <a:latin typeface="Consolas" panose="020B0609020204030204" pitchFamily="49" charset="0"/>
+                <a:ea typeface="Times New Roman" panose="02020603050405020304" pitchFamily="18" charset="0"/>
+                <a:cs typeface="Times New Roman" panose="02020603050405020304" pitchFamily="18" charset="0"/>
+              </a:rPr>
+              <a:t>component</a:t>
+            </a:r>
+            <a:r>
+              <a:rPr lang="en-AU" sz="2000" dirty="0">
+                <a:solidFill>
+                  <a:srgbClr val="000000"/>
+                </a:solidFill>
+                <a:latin typeface="Consolas" panose="020B0609020204030204" pitchFamily="49" charset="0"/>
+                <a:ea typeface="Times New Roman" panose="02020603050405020304" pitchFamily="18" charset="0"/>
+                <a:cs typeface="Times New Roman" panose="02020603050405020304" pitchFamily="18" charset="0"/>
+              </a:rPr>
+              <a:t> </a:t>
+            </a:r>
+            <a:r>
+              <a:rPr lang="en-AU" sz="2000" dirty="0" err="1">
+                <a:solidFill>
+                  <a:srgbClr val="000000"/>
+                </a:solidFill>
+                <a:latin typeface="Consolas" panose="020B0609020204030204" pitchFamily="49" charset="0"/>
+                <a:ea typeface="Times New Roman" panose="02020603050405020304" pitchFamily="18" charset="0"/>
+                <a:cs typeface="Times New Roman" panose="02020603050405020304" pitchFamily="18" charset="0"/>
+              </a:rPr>
+              <a:t>note_length_counter</a:t>
+            </a:r>
+            <a:r>
+              <a:rPr lang="en-AU" sz="2000" dirty="0">
+                <a:solidFill>
+                  <a:srgbClr val="000000"/>
+                </a:solidFill>
+                <a:latin typeface="Consolas" panose="020B0609020204030204" pitchFamily="49" charset="0"/>
+                <a:ea typeface="Times New Roman" panose="02020603050405020304" pitchFamily="18" charset="0"/>
+                <a:cs typeface="Times New Roman" panose="02020603050405020304" pitchFamily="18" charset="0"/>
+              </a:rPr>
+              <a:t> </a:t>
+            </a:r>
+            <a:r>
+              <a:rPr lang="en-AU" sz="2000" dirty="0">
+                <a:solidFill>
+                  <a:srgbClr val="0000FF"/>
+                </a:solidFill>
+                <a:latin typeface="Consolas" panose="020B0609020204030204" pitchFamily="49" charset="0"/>
+                <a:ea typeface="Times New Roman" panose="02020603050405020304" pitchFamily="18" charset="0"/>
+                <a:cs typeface="Times New Roman" panose="02020603050405020304" pitchFamily="18" charset="0"/>
+              </a:rPr>
+              <a:t>is</a:t>
+            </a:r>
+            <a:endParaRPr lang="en-AU" sz="2400" dirty="0">
+              <a:latin typeface="Calibri" panose="020F0502020204030204" pitchFamily="34" charset="0"/>
+              <a:ea typeface="Calibri" panose="020F0502020204030204" pitchFamily="34" charset="0"/>
+              <a:cs typeface="Times New Roman" panose="02020603050405020304" pitchFamily="18" charset="0"/>
+            </a:endParaRPr>
+          </a:p>
+          <a:p>
+            <a:pPr marL="34290" indent="0">
+              <a:spcAft>
+                <a:spcPts val="0"/>
+              </a:spcAft>
+              <a:buNone/>
+            </a:pPr>
+            <a:r>
+              <a:rPr lang="en-AU" sz="2000" dirty="0">
+                <a:solidFill>
+                  <a:srgbClr val="000000"/>
+                </a:solidFill>
+                <a:latin typeface="Consolas" panose="020B0609020204030204" pitchFamily="49" charset="0"/>
+                <a:ea typeface="Times New Roman" panose="02020603050405020304" pitchFamily="18" charset="0"/>
+                <a:cs typeface="Times New Roman" panose="02020603050405020304" pitchFamily="18" charset="0"/>
+              </a:rPr>
+              <a:t>    </a:t>
+            </a:r>
+            <a:r>
+              <a:rPr lang="en-AU" sz="2000" dirty="0">
+                <a:solidFill>
+                  <a:srgbClr val="0000FF"/>
+                </a:solidFill>
+                <a:latin typeface="Consolas" panose="020B0609020204030204" pitchFamily="49" charset="0"/>
+                <a:ea typeface="Times New Roman" panose="02020603050405020304" pitchFamily="18" charset="0"/>
+                <a:cs typeface="Times New Roman" panose="02020603050405020304" pitchFamily="18" charset="0"/>
+              </a:rPr>
+              <a:t>port</a:t>
+            </a:r>
+            <a:r>
+              <a:rPr lang="en-AU" sz="2000" dirty="0">
+                <a:solidFill>
+                  <a:srgbClr val="000000"/>
+                </a:solidFill>
+                <a:latin typeface="Consolas" panose="020B0609020204030204" pitchFamily="49" charset="0"/>
+                <a:ea typeface="Times New Roman" panose="02020603050405020304" pitchFamily="18" charset="0"/>
+                <a:cs typeface="Times New Roman" panose="02020603050405020304" pitchFamily="18" charset="0"/>
+              </a:rPr>
+              <a:t> (</a:t>
+            </a:r>
+            <a:endParaRPr lang="en-AU" sz="2400" dirty="0">
+              <a:latin typeface="Calibri" panose="020F0502020204030204" pitchFamily="34" charset="0"/>
+              <a:ea typeface="Calibri" panose="020F0502020204030204" pitchFamily="34" charset="0"/>
+              <a:cs typeface="Times New Roman" panose="02020603050405020304" pitchFamily="18" charset="0"/>
+            </a:endParaRPr>
+          </a:p>
+          <a:p>
+            <a:pPr marL="34290" indent="0">
+              <a:spcAft>
+                <a:spcPts val="0"/>
+              </a:spcAft>
+              <a:buNone/>
+            </a:pPr>
+            <a:r>
+              <a:rPr lang="en-AU" sz="2000" dirty="0">
+                <a:solidFill>
+                  <a:srgbClr val="000000"/>
+                </a:solidFill>
+                <a:latin typeface="Consolas" panose="020B0609020204030204" pitchFamily="49" charset="0"/>
+                <a:ea typeface="Times New Roman" panose="02020603050405020304" pitchFamily="18" charset="0"/>
+                <a:cs typeface="Times New Roman" panose="02020603050405020304" pitchFamily="18" charset="0"/>
+              </a:rPr>
+              <a:t>        </a:t>
+            </a:r>
+            <a:r>
+              <a:rPr lang="en-AU" sz="2000" dirty="0" err="1">
+                <a:solidFill>
+                  <a:srgbClr val="000000"/>
+                </a:solidFill>
+                <a:latin typeface="Consolas" panose="020B0609020204030204" pitchFamily="49" charset="0"/>
+                <a:ea typeface="Times New Roman" panose="02020603050405020304" pitchFamily="18" charset="0"/>
+                <a:cs typeface="Times New Roman" panose="02020603050405020304" pitchFamily="18" charset="0"/>
+              </a:rPr>
+              <a:t>rst</a:t>
+            </a:r>
+            <a:r>
+              <a:rPr lang="en-AU" sz="2000" dirty="0">
+                <a:solidFill>
+                  <a:srgbClr val="000000"/>
+                </a:solidFill>
+                <a:latin typeface="Consolas" panose="020B0609020204030204" pitchFamily="49" charset="0"/>
+                <a:ea typeface="Times New Roman" panose="02020603050405020304" pitchFamily="18" charset="0"/>
+                <a:cs typeface="Times New Roman" panose="02020603050405020304" pitchFamily="18" charset="0"/>
+              </a:rPr>
+              <a:t> : </a:t>
+            </a:r>
+            <a:r>
+              <a:rPr lang="en-AU" sz="2000" dirty="0">
+                <a:solidFill>
+                  <a:srgbClr val="0000FF"/>
+                </a:solidFill>
+                <a:latin typeface="Consolas" panose="020B0609020204030204" pitchFamily="49" charset="0"/>
+                <a:ea typeface="Times New Roman" panose="02020603050405020304" pitchFamily="18" charset="0"/>
+                <a:cs typeface="Times New Roman" panose="02020603050405020304" pitchFamily="18" charset="0"/>
+              </a:rPr>
+              <a:t>in</a:t>
+            </a:r>
+            <a:r>
+              <a:rPr lang="en-AU" sz="2000" dirty="0">
+                <a:solidFill>
+                  <a:srgbClr val="000000"/>
+                </a:solidFill>
+                <a:latin typeface="Consolas" panose="020B0609020204030204" pitchFamily="49" charset="0"/>
+                <a:ea typeface="Times New Roman" panose="02020603050405020304" pitchFamily="18" charset="0"/>
+                <a:cs typeface="Times New Roman" panose="02020603050405020304" pitchFamily="18" charset="0"/>
+              </a:rPr>
+              <a:t> </a:t>
+            </a:r>
+            <a:r>
+              <a:rPr lang="en-AU" sz="2000" dirty="0" err="1">
+                <a:solidFill>
+                  <a:srgbClr val="000000"/>
+                </a:solidFill>
+                <a:latin typeface="Consolas" panose="020B0609020204030204" pitchFamily="49" charset="0"/>
+                <a:ea typeface="Times New Roman" panose="02020603050405020304" pitchFamily="18" charset="0"/>
+                <a:cs typeface="Times New Roman" panose="02020603050405020304" pitchFamily="18" charset="0"/>
+              </a:rPr>
+              <a:t>std_logic</a:t>
+            </a:r>
+            <a:r>
+              <a:rPr lang="en-AU" sz="2000" dirty="0">
+                <a:solidFill>
+                  <a:srgbClr val="000000"/>
+                </a:solidFill>
+                <a:latin typeface="Consolas" panose="020B0609020204030204" pitchFamily="49" charset="0"/>
+                <a:ea typeface="Times New Roman" panose="02020603050405020304" pitchFamily="18" charset="0"/>
+                <a:cs typeface="Times New Roman" panose="02020603050405020304" pitchFamily="18" charset="0"/>
+              </a:rPr>
+              <a:t>;</a:t>
+            </a:r>
+            <a:endParaRPr lang="en-AU" sz="2400" dirty="0">
+              <a:latin typeface="Calibri" panose="020F0502020204030204" pitchFamily="34" charset="0"/>
+              <a:ea typeface="Calibri" panose="020F0502020204030204" pitchFamily="34" charset="0"/>
+              <a:cs typeface="Times New Roman" panose="02020603050405020304" pitchFamily="18" charset="0"/>
+            </a:endParaRPr>
+          </a:p>
+          <a:p>
+            <a:pPr marL="34290" indent="0">
+              <a:spcAft>
+                <a:spcPts val="0"/>
+              </a:spcAft>
+              <a:buNone/>
+            </a:pPr>
+            <a:r>
+              <a:rPr lang="en-AU" sz="2000" dirty="0">
+                <a:solidFill>
+                  <a:srgbClr val="000000"/>
+                </a:solidFill>
+                <a:latin typeface="Consolas" panose="020B0609020204030204" pitchFamily="49" charset="0"/>
+                <a:ea typeface="Times New Roman" panose="02020603050405020304" pitchFamily="18" charset="0"/>
+                <a:cs typeface="Times New Roman" panose="02020603050405020304" pitchFamily="18" charset="0"/>
+              </a:rPr>
+              <a:t>        </a:t>
+            </a:r>
+            <a:r>
+              <a:rPr lang="en-AU" sz="2000" dirty="0" err="1">
+                <a:solidFill>
+                  <a:srgbClr val="000000"/>
+                </a:solidFill>
+                <a:latin typeface="Consolas" panose="020B0609020204030204" pitchFamily="49" charset="0"/>
+                <a:ea typeface="Times New Roman" panose="02020603050405020304" pitchFamily="18" charset="0"/>
+                <a:cs typeface="Times New Roman" panose="02020603050405020304" pitchFamily="18" charset="0"/>
+              </a:rPr>
+              <a:t>clk</a:t>
+            </a:r>
+            <a:r>
+              <a:rPr lang="en-AU" sz="2000" dirty="0">
+                <a:solidFill>
+                  <a:srgbClr val="000000"/>
+                </a:solidFill>
+                <a:latin typeface="Consolas" panose="020B0609020204030204" pitchFamily="49" charset="0"/>
+                <a:ea typeface="Times New Roman" panose="02020603050405020304" pitchFamily="18" charset="0"/>
+                <a:cs typeface="Times New Roman" panose="02020603050405020304" pitchFamily="18" charset="0"/>
+              </a:rPr>
+              <a:t> : </a:t>
+            </a:r>
+            <a:r>
+              <a:rPr lang="en-AU" sz="2000" dirty="0">
+                <a:solidFill>
+                  <a:srgbClr val="0000FF"/>
+                </a:solidFill>
+                <a:latin typeface="Consolas" panose="020B0609020204030204" pitchFamily="49" charset="0"/>
+                <a:ea typeface="Times New Roman" panose="02020603050405020304" pitchFamily="18" charset="0"/>
+                <a:cs typeface="Times New Roman" panose="02020603050405020304" pitchFamily="18" charset="0"/>
+              </a:rPr>
+              <a:t>in</a:t>
+            </a:r>
+            <a:r>
+              <a:rPr lang="en-AU" sz="2000" dirty="0">
+                <a:solidFill>
+                  <a:srgbClr val="000000"/>
+                </a:solidFill>
+                <a:latin typeface="Consolas" panose="020B0609020204030204" pitchFamily="49" charset="0"/>
+                <a:ea typeface="Times New Roman" panose="02020603050405020304" pitchFamily="18" charset="0"/>
+                <a:cs typeface="Times New Roman" panose="02020603050405020304" pitchFamily="18" charset="0"/>
+              </a:rPr>
+              <a:t> </a:t>
+            </a:r>
+            <a:r>
+              <a:rPr lang="en-AU" sz="2000" dirty="0" err="1">
+                <a:solidFill>
+                  <a:srgbClr val="000000"/>
+                </a:solidFill>
+                <a:latin typeface="Consolas" panose="020B0609020204030204" pitchFamily="49" charset="0"/>
+                <a:ea typeface="Times New Roman" panose="02020603050405020304" pitchFamily="18" charset="0"/>
+                <a:cs typeface="Times New Roman" panose="02020603050405020304" pitchFamily="18" charset="0"/>
+              </a:rPr>
+              <a:t>std_logic</a:t>
+            </a:r>
+            <a:r>
+              <a:rPr lang="en-AU" sz="2000" dirty="0">
+                <a:solidFill>
+                  <a:srgbClr val="000000"/>
+                </a:solidFill>
+                <a:latin typeface="Consolas" panose="020B0609020204030204" pitchFamily="49" charset="0"/>
+                <a:ea typeface="Times New Roman" panose="02020603050405020304" pitchFamily="18" charset="0"/>
+                <a:cs typeface="Times New Roman" panose="02020603050405020304" pitchFamily="18" charset="0"/>
+              </a:rPr>
+              <a:t>;</a:t>
+            </a:r>
+            <a:endParaRPr lang="en-AU" sz="2400" dirty="0">
+              <a:latin typeface="Calibri" panose="020F0502020204030204" pitchFamily="34" charset="0"/>
+              <a:ea typeface="Calibri" panose="020F0502020204030204" pitchFamily="34" charset="0"/>
+              <a:cs typeface="Times New Roman" panose="02020603050405020304" pitchFamily="18" charset="0"/>
+            </a:endParaRPr>
+          </a:p>
+          <a:p>
+            <a:pPr marL="34290" indent="0">
+              <a:spcAft>
+                <a:spcPts val="0"/>
+              </a:spcAft>
+              <a:buNone/>
+            </a:pPr>
+            <a:r>
+              <a:rPr lang="en-AU" sz="2000" dirty="0">
+                <a:solidFill>
+                  <a:srgbClr val="000000"/>
+                </a:solidFill>
+                <a:latin typeface="Consolas" panose="020B0609020204030204" pitchFamily="49" charset="0"/>
+                <a:ea typeface="Times New Roman" panose="02020603050405020304" pitchFamily="18" charset="0"/>
+                <a:cs typeface="Times New Roman" panose="02020603050405020304" pitchFamily="18" charset="0"/>
+              </a:rPr>
+              <a:t>        </a:t>
+            </a:r>
+            <a:r>
+              <a:rPr lang="en-AU" sz="2000" dirty="0" err="1">
+                <a:solidFill>
+                  <a:srgbClr val="000000"/>
+                </a:solidFill>
+                <a:latin typeface="Consolas" panose="020B0609020204030204" pitchFamily="49" charset="0"/>
+                <a:ea typeface="Times New Roman" panose="02020603050405020304" pitchFamily="18" charset="0"/>
+                <a:cs typeface="Times New Roman" panose="02020603050405020304" pitchFamily="18" charset="0"/>
+              </a:rPr>
+              <a:t>is_staccato</a:t>
+            </a:r>
+            <a:r>
+              <a:rPr lang="en-AU" sz="2000" dirty="0">
+                <a:solidFill>
+                  <a:srgbClr val="000000"/>
+                </a:solidFill>
+                <a:latin typeface="Consolas" panose="020B0609020204030204" pitchFamily="49" charset="0"/>
+                <a:ea typeface="Times New Roman" panose="02020603050405020304" pitchFamily="18" charset="0"/>
+                <a:cs typeface="Times New Roman" panose="02020603050405020304" pitchFamily="18" charset="0"/>
+              </a:rPr>
+              <a:t> : </a:t>
+            </a:r>
+            <a:r>
+              <a:rPr lang="en-AU" sz="2000" dirty="0">
+                <a:solidFill>
+                  <a:srgbClr val="0000FF"/>
+                </a:solidFill>
+                <a:latin typeface="Consolas" panose="020B0609020204030204" pitchFamily="49" charset="0"/>
+                <a:ea typeface="Times New Roman" panose="02020603050405020304" pitchFamily="18" charset="0"/>
+                <a:cs typeface="Times New Roman" panose="02020603050405020304" pitchFamily="18" charset="0"/>
+              </a:rPr>
+              <a:t>in</a:t>
+            </a:r>
+            <a:r>
+              <a:rPr lang="en-AU" sz="2000" dirty="0">
+                <a:solidFill>
+                  <a:srgbClr val="000000"/>
+                </a:solidFill>
+                <a:latin typeface="Consolas" panose="020B0609020204030204" pitchFamily="49" charset="0"/>
+                <a:ea typeface="Times New Roman" panose="02020603050405020304" pitchFamily="18" charset="0"/>
+                <a:cs typeface="Times New Roman" panose="02020603050405020304" pitchFamily="18" charset="0"/>
+              </a:rPr>
+              <a:t> </a:t>
+            </a:r>
+            <a:r>
+              <a:rPr lang="en-AU" sz="2000" dirty="0" err="1">
+                <a:solidFill>
+                  <a:srgbClr val="000000"/>
+                </a:solidFill>
+                <a:latin typeface="Consolas" panose="020B0609020204030204" pitchFamily="49" charset="0"/>
+                <a:ea typeface="Times New Roman" panose="02020603050405020304" pitchFamily="18" charset="0"/>
+                <a:cs typeface="Times New Roman" panose="02020603050405020304" pitchFamily="18" charset="0"/>
+              </a:rPr>
+              <a:t>std_logic</a:t>
+            </a:r>
+            <a:r>
+              <a:rPr lang="en-AU" sz="2000" dirty="0">
+                <a:solidFill>
+                  <a:srgbClr val="000000"/>
+                </a:solidFill>
+                <a:latin typeface="Consolas" panose="020B0609020204030204" pitchFamily="49" charset="0"/>
+                <a:ea typeface="Times New Roman" panose="02020603050405020304" pitchFamily="18" charset="0"/>
+                <a:cs typeface="Times New Roman" panose="02020603050405020304" pitchFamily="18" charset="0"/>
+              </a:rPr>
+              <a:t>;</a:t>
+            </a:r>
+            <a:endParaRPr lang="en-AU" sz="2400" dirty="0">
+              <a:latin typeface="Calibri" panose="020F0502020204030204" pitchFamily="34" charset="0"/>
+              <a:ea typeface="Calibri" panose="020F0502020204030204" pitchFamily="34" charset="0"/>
+              <a:cs typeface="Times New Roman" panose="02020603050405020304" pitchFamily="18" charset="0"/>
+            </a:endParaRPr>
+          </a:p>
+          <a:p>
+            <a:pPr marL="34290" indent="0">
+              <a:spcAft>
+                <a:spcPts val="0"/>
+              </a:spcAft>
+              <a:buNone/>
+            </a:pPr>
+            <a:r>
+              <a:rPr lang="en-AU" sz="2000" dirty="0">
+                <a:solidFill>
+                  <a:srgbClr val="000000"/>
+                </a:solidFill>
+                <a:latin typeface="Consolas" panose="020B0609020204030204" pitchFamily="49" charset="0"/>
+                <a:ea typeface="Times New Roman" panose="02020603050405020304" pitchFamily="18" charset="0"/>
+                <a:cs typeface="Times New Roman" panose="02020603050405020304" pitchFamily="18" charset="0"/>
+              </a:rPr>
+              <a:t>        </a:t>
+            </a:r>
+            <a:r>
+              <a:rPr lang="en-AU" sz="2000" dirty="0" err="1">
+                <a:solidFill>
+                  <a:srgbClr val="000000"/>
+                </a:solidFill>
+                <a:latin typeface="Consolas" panose="020B0609020204030204" pitchFamily="49" charset="0"/>
+                <a:ea typeface="Times New Roman" panose="02020603050405020304" pitchFamily="18" charset="0"/>
+                <a:cs typeface="Times New Roman" panose="02020603050405020304" pitchFamily="18" charset="0"/>
+              </a:rPr>
+              <a:t>is_slurred</a:t>
+            </a:r>
+            <a:r>
+              <a:rPr lang="en-AU" sz="2000" dirty="0">
+                <a:solidFill>
+                  <a:srgbClr val="000000"/>
+                </a:solidFill>
+                <a:latin typeface="Consolas" panose="020B0609020204030204" pitchFamily="49" charset="0"/>
+                <a:ea typeface="Times New Roman" panose="02020603050405020304" pitchFamily="18" charset="0"/>
+                <a:cs typeface="Times New Roman" panose="02020603050405020304" pitchFamily="18" charset="0"/>
+              </a:rPr>
+              <a:t> : </a:t>
+            </a:r>
+            <a:r>
+              <a:rPr lang="en-AU" sz="2000" dirty="0">
+                <a:solidFill>
+                  <a:srgbClr val="0000FF"/>
+                </a:solidFill>
+                <a:latin typeface="Consolas" panose="020B0609020204030204" pitchFamily="49" charset="0"/>
+                <a:ea typeface="Times New Roman" panose="02020603050405020304" pitchFamily="18" charset="0"/>
+                <a:cs typeface="Times New Roman" panose="02020603050405020304" pitchFamily="18" charset="0"/>
+              </a:rPr>
+              <a:t>in</a:t>
+            </a:r>
+            <a:r>
+              <a:rPr lang="en-AU" sz="2000" dirty="0">
+                <a:solidFill>
+                  <a:srgbClr val="000000"/>
+                </a:solidFill>
+                <a:latin typeface="Consolas" panose="020B0609020204030204" pitchFamily="49" charset="0"/>
+                <a:ea typeface="Times New Roman" panose="02020603050405020304" pitchFamily="18" charset="0"/>
+                <a:cs typeface="Times New Roman" panose="02020603050405020304" pitchFamily="18" charset="0"/>
+              </a:rPr>
+              <a:t> </a:t>
+            </a:r>
+            <a:r>
+              <a:rPr lang="en-AU" sz="2000" dirty="0" err="1">
+                <a:solidFill>
+                  <a:srgbClr val="000000"/>
+                </a:solidFill>
+                <a:latin typeface="Consolas" panose="020B0609020204030204" pitchFamily="49" charset="0"/>
+                <a:ea typeface="Times New Roman" panose="02020603050405020304" pitchFamily="18" charset="0"/>
+                <a:cs typeface="Times New Roman" panose="02020603050405020304" pitchFamily="18" charset="0"/>
+              </a:rPr>
+              <a:t>std_logic</a:t>
+            </a:r>
+            <a:r>
+              <a:rPr lang="en-AU" sz="2000" dirty="0">
+                <a:solidFill>
+                  <a:srgbClr val="000000"/>
+                </a:solidFill>
+                <a:latin typeface="Consolas" panose="020B0609020204030204" pitchFamily="49" charset="0"/>
+                <a:ea typeface="Times New Roman" panose="02020603050405020304" pitchFamily="18" charset="0"/>
+                <a:cs typeface="Times New Roman" panose="02020603050405020304" pitchFamily="18" charset="0"/>
+              </a:rPr>
+              <a:t>;</a:t>
+            </a:r>
+            <a:endParaRPr lang="en-AU" sz="2400" dirty="0">
+              <a:latin typeface="Calibri" panose="020F0502020204030204" pitchFamily="34" charset="0"/>
+              <a:ea typeface="Calibri" panose="020F0502020204030204" pitchFamily="34" charset="0"/>
+              <a:cs typeface="Times New Roman" panose="02020603050405020304" pitchFamily="18" charset="0"/>
+            </a:endParaRPr>
+          </a:p>
+          <a:p>
+            <a:pPr marL="34290" indent="0">
+              <a:spcAft>
+                <a:spcPts val="0"/>
+              </a:spcAft>
+              <a:buNone/>
+            </a:pPr>
+            <a:r>
+              <a:rPr lang="en-AU" sz="2000" dirty="0">
+                <a:solidFill>
+                  <a:srgbClr val="000000"/>
+                </a:solidFill>
+                <a:latin typeface="Consolas" panose="020B0609020204030204" pitchFamily="49" charset="0"/>
+                <a:ea typeface="Times New Roman" panose="02020603050405020304" pitchFamily="18" charset="0"/>
+                <a:cs typeface="Times New Roman" panose="02020603050405020304" pitchFamily="18" charset="0"/>
+              </a:rPr>
+              <a:t>        </a:t>
+            </a:r>
+            <a:r>
+              <a:rPr lang="en-AU" sz="2000" dirty="0" err="1">
+                <a:solidFill>
+                  <a:srgbClr val="000000"/>
+                </a:solidFill>
+                <a:latin typeface="Consolas" panose="020B0609020204030204" pitchFamily="49" charset="0"/>
+                <a:ea typeface="Times New Roman" panose="02020603050405020304" pitchFamily="18" charset="0"/>
+                <a:cs typeface="Times New Roman" panose="02020603050405020304" pitchFamily="18" charset="0"/>
+              </a:rPr>
+              <a:t>note_length_in_twelfths</a:t>
+            </a:r>
+            <a:r>
+              <a:rPr lang="en-AU" sz="2000" dirty="0">
+                <a:solidFill>
+                  <a:srgbClr val="000000"/>
+                </a:solidFill>
+                <a:latin typeface="Consolas" panose="020B0609020204030204" pitchFamily="49" charset="0"/>
+                <a:ea typeface="Times New Roman" panose="02020603050405020304" pitchFamily="18" charset="0"/>
+                <a:cs typeface="Times New Roman" panose="02020603050405020304" pitchFamily="18" charset="0"/>
+              </a:rPr>
+              <a:t> : </a:t>
+            </a:r>
+            <a:r>
+              <a:rPr lang="en-AU" sz="2000" dirty="0">
+                <a:solidFill>
+                  <a:srgbClr val="0000FF"/>
+                </a:solidFill>
+                <a:latin typeface="Consolas" panose="020B0609020204030204" pitchFamily="49" charset="0"/>
+                <a:ea typeface="Times New Roman" panose="02020603050405020304" pitchFamily="18" charset="0"/>
+                <a:cs typeface="Times New Roman" panose="02020603050405020304" pitchFamily="18" charset="0"/>
+              </a:rPr>
+              <a:t>in</a:t>
+            </a:r>
+            <a:r>
+              <a:rPr lang="en-AU" sz="2000" dirty="0">
+                <a:solidFill>
+                  <a:srgbClr val="000000"/>
+                </a:solidFill>
+                <a:latin typeface="Consolas" panose="020B0609020204030204" pitchFamily="49" charset="0"/>
+                <a:ea typeface="Times New Roman" panose="02020603050405020304" pitchFamily="18" charset="0"/>
+                <a:cs typeface="Times New Roman" panose="02020603050405020304" pitchFamily="18" charset="0"/>
+              </a:rPr>
+              <a:t> natural </a:t>
+            </a:r>
+            <a:r>
+              <a:rPr lang="en-AU" sz="2000" dirty="0">
+                <a:solidFill>
+                  <a:srgbClr val="0000FF"/>
+                </a:solidFill>
+                <a:latin typeface="Consolas" panose="020B0609020204030204" pitchFamily="49" charset="0"/>
+                <a:ea typeface="Times New Roman" panose="02020603050405020304" pitchFamily="18" charset="0"/>
+                <a:cs typeface="Times New Roman" panose="02020603050405020304" pitchFamily="18" charset="0"/>
+              </a:rPr>
+              <a:t>range</a:t>
+            </a:r>
+            <a:r>
+              <a:rPr lang="en-AU" sz="2000" dirty="0">
+                <a:solidFill>
+                  <a:srgbClr val="000000"/>
+                </a:solidFill>
+                <a:latin typeface="Consolas" panose="020B0609020204030204" pitchFamily="49" charset="0"/>
+                <a:ea typeface="Times New Roman" panose="02020603050405020304" pitchFamily="18" charset="0"/>
+                <a:cs typeface="Times New Roman" panose="02020603050405020304" pitchFamily="18" charset="0"/>
+              </a:rPr>
+              <a:t>  </a:t>
+            </a:r>
+            <a:br>
+              <a:rPr lang="en-AU" sz="2000" dirty="0">
+                <a:solidFill>
+                  <a:srgbClr val="000000"/>
+                </a:solidFill>
+                <a:latin typeface="Consolas" panose="020B0609020204030204" pitchFamily="49" charset="0"/>
+                <a:ea typeface="Times New Roman" panose="02020603050405020304" pitchFamily="18" charset="0"/>
+                <a:cs typeface="Times New Roman" panose="02020603050405020304" pitchFamily="18" charset="0"/>
+              </a:rPr>
+            </a:br>
+            <a:r>
+              <a:rPr lang="en-AU" sz="2000" dirty="0">
+                <a:solidFill>
+                  <a:srgbClr val="000000"/>
+                </a:solidFill>
+                <a:latin typeface="Consolas" panose="020B0609020204030204" pitchFamily="49" charset="0"/>
+                <a:ea typeface="Times New Roman" panose="02020603050405020304" pitchFamily="18" charset="0"/>
+                <a:cs typeface="Times New Roman" panose="02020603050405020304" pitchFamily="18" charset="0"/>
+              </a:rPr>
+              <a:t>            </a:t>
+            </a:r>
+            <a:r>
+              <a:rPr lang="en-AU" sz="2000" dirty="0" err="1">
+                <a:solidFill>
+                  <a:srgbClr val="000000"/>
+                </a:solidFill>
+                <a:latin typeface="Consolas" panose="020B0609020204030204" pitchFamily="49" charset="0"/>
+                <a:ea typeface="Times New Roman" panose="02020603050405020304" pitchFamily="18" charset="0"/>
+                <a:cs typeface="Times New Roman" panose="02020603050405020304" pitchFamily="18" charset="0"/>
+              </a:rPr>
+              <a:t>min_note_length_in_twelfths</a:t>
+            </a:r>
+            <a:r>
+              <a:rPr lang="en-AU" sz="2000" dirty="0">
+                <a:solidFill>
+                  <a:srgbClr val="000000"/>
+                </a:solidFill>
+                <a:latin typeface="Consolas" panose="020B0609020204030204" pitchFamily="49" charset="0"/>
+                <a:ea typeface="Times New Roman" panose="02020603050405020304" pitchFamily="18" charset="0"/>
+                <a:cs typeface="Times New Roman" panose="02020603050405020304" pitchFamily="18" charset="0"/>
+              </a:rPr>
+              <a:t> </a:t>
+            </a:r>
+            <a:r>
+              <a:rPr lang="en-AU" sz="2000" dirty="0">
+                <a:solidFill>
+                  <a:srgbClr val="0000FF"/>
+                </a:solidFill>
+                <a:latin typeface="Consolas" panose="020B0609020204030204" pitchFamily="49" charset="0"/>
+                <a:ea typeface="Times New Roman" panose="02020603050405020304" pitchFamily="18" charset="0"/>
+                <a:cs typeface="Times New Roman" panose="02020603050405020304" pitchFamily="18" charset="0"/>
+              </a:rPr>
+              <a:t>to</a:t>
+            </a:r>
+            <a:r>
+              <a:rPr lang="en-AU" sz="2000" dirty="0">
+                <a:solidFill>
+                  <a:srgbClr val="000000"/>
+                </a:solidFill>
+                <a:latin typeface="Consolas" panose="020B0609020204030204" pitchFamily="49" charset="0"/>
+                <a:ea typeface="Times New Roman" panose="02020603050405020304" pitchFamily="18" charset="0"/>
+                <a:cs typeface="Times New Roman" panose="02020603050405020304" pitchFamily="18" charset="0"/>
+              </a:rPr>
+              <a:t>  </a:t>
+            </a:r>
+            <a:br>
+              <a:rPr lang="en-AU" sz="2000" dirty="0">
+                <a:solidFill>
+                  <a:srgbClr val="000000"/>
+                </a:solidFill>
+                <a:latin typeface="Consolas" panose="020B0609020204030204" pitchFamily="49" charset="0"/>
+                <a:ea typeface="Times New Roman" panose="02020603050405020304" pitchFamily="18" charset="0"/>
+                <a:cs typeface="Times New Roman" panose="02020603050405020304" pitchFamily="18" charset="0"/>
+              </a:rPr>
+            </a:br>
+            <a:r>
+              <a:rPr lang="en-AU" sz="2000" dirty="0">
+                <a:solidFill>
+                  <a:srgbClr val="000000"/>
+                </a:solidFill>
+                <a:latin typeface="Consolas" panose="020B0609020204030204" pitchFamily="49" charset="0"/>
+                <a:ea typeface="Times New Roman" panose="02020603050405020304" pitchFamily="18" charset="0"/>
+                <a:cs typeface="Times New Roman" panose="02020603050405020304" pitchFamily="18" charset="0"/>
+              </a:rPr>
+              <a:t>            </a:t>
+            </a:r>
+            <a:r>
+              <a:rPr lang="en-AU" sz="2000" dirty="0" err="1">
+                <a:solidFill>
+                  <a:srgbClr val="000000"/>
+                </a:solidFill>
+                <a:latin typeface="Consolas" panose="020B0609020204030204" pitchFamily="49" charset="0"/>
+                <a:ea typeface="Times New Roman" panose="02020603050405020304" pitchFamily="18" charset="0"/>
+                <a:cs typeface="Times New Roman" panose="02020603050405020304" pitchFamily="18" charset="0"/>
+              </a:rPr>
+              <a:t>max_note_length_in_twelfths</a:t>
+            </a:r>
+            <a:r>
+              <a:rPr lang="en-AU" sz="2000" dirty="0">
+                <a:solidFill>
+                  <a:srgbClr val="000000"/>
+                </a:solidFill>
+                <a:latin typeface="Consolas" panose="020B0609020204030204" pitchFamily="49" charset="0"/>
+                <a:ea typeface="Times New Roman" panose="02020603050405020304" pitchFamily="18" charset="0"/>
+                <a:cs typeface="Times New Roman" panose="02020603050405020304" pitchFamily="18" charset="0"/>
+              </a:rPr>
+              <a:t>;</a:t>
+            </a:r>
+            <a:endParaRPr lang="en-AU" sz="2400" dirty="0">
+              <a:latin typeface="Calibri" panose="020F0502020204030204" pitchFamily="34" charset="0"/>
+              <a:ea typeface="Calibri" panose="020F0502020204030204" pitchFamily="34" charset="0"/>
+              <a:cs typeface="Times New Roman" panose="02020603050405020304" pitchFamily="18" charset="0"/>
+            </a:endParaRPr>
+          </a:p>
+          <a:p>
+            <a:pPr marL="34290" indent="0">
+              <a:spcAft>
+                <a:spcPts val="0"/>
+              </a:spcAft>
+              <a:buNone/>
+            </a:pPr>
+            <a:r>
+              <a:rPr lang="en-AU" sz="2000" dirty="0">
+                <a:solidFill>
+                  <a:srgbClr val="000000"/>
+                </a:solidFill>
+                <a:latin typeface="Consolas" panose="020B0609020204030204" pitchFamily="49" charset="0"/>
+                <a:ea typeface="Times New Roman" panose="02020603050405020304" pitchFamily="18" charset="0"/>
+                <a:cs typeface="Times New Roman" panose="02020603050405020304" pitchFamily="18" charset="0"/>
+              </a:rPr>
+              <a:t>        </a:t>
+            </a:r>
+            <a:r>
+              <a:rPr lang="en-AU" sz="2000" dirty="0" err="1">
+                <a:solidFill>
+                  <a:srgbClr val="000000"/>
+                </a:solidFill>
+                <a:latin typeface="Consolas" panose="020B0609020204030204" pitchFamily="49" charset="0"/>
+                <a:ea typeface="Times New Roman" panose="02020603050405020304" pitchFamily="18" charset="0"/>
+                <a:cs typeface="Times New Roman" panose="02020603050405020304" pitchFamily="18" charset="0"/>
+              </a:rPr>
+              <a:t>twelfth_cc</a:t>
+            </a:r>
+            <a:r>
+              <a:rPr lang="en-AU" sz="2000" dirty="0">
+                <a:solidFill>
+                  <a:srgbClr val="000000"/>
+                </a:solidFill>
+                <a:latin typeface="Consolas" panose="020B0609020204030204" pitchFamily="49" charset="0"/>
+                <a:ea typeface="Times New Roman" panose="02020603050405020304" pitchFamily="18" charset="0"/>
+                <a:cs typeface="Times New Roman" panose="02020603050405020304" pitchFamily="18" charset="0"/>
+              </a:rPr>
+              <a:t> : </a:t>
+            </a:r>
+            <a:r>
+              <a:rPr lang="en-AU" sz="2000" dirty="0">
+                <a:solidFill>
+                  <a:srgbClr val="0000FF"/>
+                </a:solidFill>
+                <a:latin typeface="Consolas" panose="020B0609020204030204" pitchFamily="49" charset="0"/>
+                <a:ea typeface="Times New Roman" panose="02020603050405020304" pitchFamily="18" charset="0"/>
+                <a:cs typeface="Times New Roman" panose="02020603050405020304" pitchFamily="18" charset="0"/>
+              </a:rPr>
+              <a:t>in</a:t>
+            </a:r>
+            <a:r>
+              <a:rPr lang="en-AU" sz="2000" dirty="0">
+                <a:solidFill>
+                  <a:srgbClr val="000000"/>
+                </a:solidFill>
+                <a:latin typeface="Consolas" panose="020B0609020204030204" pitchFamily="49" charset="0"/>
+                <a:ea typeface="Times New Roman" panose="02020603050405020304" pitchFamily="18" charset="0"/>
+                <a:cs typeface="Times New Roman" panose="02020603050405020304" pitchFamily="18" charset="0"/>
+              </a:rPr>
+              <a:t> natural </a:t>
+            </a:r>
+            <a:r>
+              <a:rPr lang="en-AU" sz="2000" dirty="0">
+                <a:solidFill>
+                  <a:srgbClr val="0000FF"/>
+                </a:solidFill>
+                <a:latin typeface="Consolas" panose="020B0609020204030204" pitchFamily="49" charset="0"/>
+                <a:ea typeface="Times New Roman" panose="02020603050405020304" pitchFamily="18" charset="0"/>
+                <a:cs typeface="Times New Roman" panose="02020603050405020304" pitchFamily="18" charset="0"/>
+              </a:rPr>
+              <a:t>range</a:t>
+            </a:r>
+            <a:r>
+              <a:rPr lang="en-AU" sz="2000" dirty="0">
+                <a:solidFill>
+                  <a:srgbClr val="000000"/>
+                </a:solidFill>
+                <a:latin typeface="Consolas" panose="020B0609020204030204" pitchFamily="49" charset="0"/>
+                <a:ea typeface="Times New Roman" panose="02020603050405020304" pitchFamily="18" charset="0"/>
+                <a:cs typeface="Times New Roman" panose="02020603050405020304" pitchFamily="18" charset="0"/>
+              </a:rPr>
+              <a:t> </a:t>
+            </a:r>
+            <a:r>
+              <a:rPr lang="en-AU" sz="2000" dirty="0" err="1">
+                <a:solidFill>
+                  <a:srgbClr val="000000"/>
+                </a:solidFill>
+                <a:latin typeface="Consolas" panose="020B0609020204030204" pitchFamily="49" charset="0"/>
+                <a:ea typeface="Times New Roman" panose="02020603050405020304" pitchFamily="18" charset="0"/>
+                <a:cs typeface="Times New Roman" panose="02020603050405020304" pitchFamily="18" charset="0"/>
+              </a:rPr>
+              <a:t>min_twelfth_cc</a:t>
+            </a:r>
+            <a:r>
+              <a:rPr lang="en-AU" sz="2000" dirty="0">
+                <a:solidFill>
+                  <a:srgbClr val="000000"/>
+                </a:solidFill>
+                <a:latin typeface="Consolas" panose="020B0609020204030204" pitchFamily="49" charset="0"/>
+                <a:ea typeface="Times New Roman" panose="02020603050405020304" pitchFamily="18" charset="0"/>
+                <a:cs typeface="Times New Roman" panose="02020603050405020304" pitchFamily="18" charset="0"/>
+              </a:rPr>
+              <a:t> </a:t>
+            </a:r>
+            <a:r>
+              <a:rPr lang="en-AU" sz="2000" dirty="0">
+                <a:solidFill>
+                  <a:srgbClr val="0000FF"/>
+                </a:solidFill>
+                <a:latin typeface="Consolas" panose="020B0609020204030204" pitchFamily="49" charset="0"/>
+                <a:ea typeface="Times New Roman" panose="02020603050405020304" pitchFamily="18" charset="0"/>
+                <a:cs typeface="Times New Roman" panose="02020603050405020304" pitchFamily="18" charset="0"/>
+              </a:rPr>
+              <a:t>to</a:t>
+            </a:r>
+            <a:r>
+              <a:rPr lang="en-AU" sz="2000" dirty="0">
+                <a:solidFill>
+                  <a:srgbClr val="000000"/>
+                </a:solidFill>
+                <a:latin typeface="Consolas" panose="020B0609020204030204" pitchFamily="49" charset="0"/>
+                <a:ea typeface="Times New Roman" panose="02020603050405020304" pitchFamily="18" charset="0"/>
+                <a:cs typeface="Times New Roman" panose="02020603050405020304" pitchFamily="18" charset="0"/>
+              </a:rPr>
+              <a:t> </a:t>
+            </a:r>
+            <a:br>
+              <a:rPr lang="en-AU" sz="2000" dirty="0">
+                <a:solidFill>
+                  <a:srgbClr val="000000"/>
+                </a:solidFill>
+                <a:latin typeface="Consolas" panose="020B0609020204030204" pitchFamily="49" charset="0"/>
+                <a:ea typeface="Times New Roman" panose="02020603050405020304" pitchFamily="18" charset="0"/>
+                <a:cs typeface="Times New Roman" panose="02020603050405020304" pitchFamily="18" charset="0"/>
+              </a:rPr>
+            </a:br>
+            <a:r>
+              <a:rPr lang="en-AU" sz="2000" dirty="0">
+                <a:solidFill>
+                  <a:srgbClr val="000000"/>
+                </a:solidFill>
+                <a:latin typeface="Consolas" panose="020B0609020204030204" pitchFamily="49" charset="0"/>
+                <a:ea typeface="Times New Roman" panose="02020603050405020304" pitchFamily="18" charset="0"/>
+                <a:cs typeface="Times New Roman" panose="02020603050405020304" pitchFamily="18" charset="0"/>
+              </a:rPr>
+              <a:t>            </a:t>
+            </a:r>
+            <a:r>
+              <a:rPr lang="en-AU" sz="2000" dirty="0" err="1">
+                <a:solidFill>
+                  <a:srgbClr val="000000"/>
+                </a:solidFill>
+                <a:latin typeface="Consolas" panose="020B0609020204030204" pitchFamily="49" charset="0"/>
+                <a:ea typeface="Times New Roman" panose="02020603050405020304" pitchFamily="18" charset="0"/>
+                <a:cs typeface="Times New Roman" panose="02020603050405020304" pitchFamily="18" charset="0"/>
+              </a:rPr>
+              <a:t>max_twelfth_cc</a:t>
+            </a:r>
+            <a:r>
+              <a:rPr lang="en-AU" sz="2000" dirty="0">
+                <a:solidFill>
+                  <a:srgbClr val="000000"/>
+                </a:solidFill>
+                <a:latin typeface="Consolas" panose="020B0609020204030204" pitchFamily="49" charset="0"/>
+                <a:ea typeface="Times New Roman" panose="02020603050405020304" pitchFamily="18" charset="0"/>
+                <a:cs typeface="Times New Roman" panose="02020603050405020304" pitchFamily="18" charset="0"/>
+              </a:rPr>
+              <a:t>;</a:t>
+            </a:r>
+            <a:endParaRPr lang="en-AU" sz="2400" dirty="0">
+              <a:latin typeface="Calibri" panose="020F0502020204030204" pitchFamily="34" charset="0"/>
+              <a:ea typeface="Calibri" panose="020F0502020204030204" pitchFamily="34" charset="0"/>
+              <a:cs typeface="Times New Roman" panose="02020603050405020304" pitchFamily="18" charset="0"/>
+            </a:endParaRPr>
+          </a:p>
+          <a:p>
+            <a:pPr marL="34290" indent="0">
+              <a:spcAft>
+                <a:spcPts val="0"/>
+              </a:spcAft>
+              <a:buNone/>
+            </a:pPr>
+            <a:r>
+              <a:rPr lang="en-AU" sz="2000" dirty="0">
+                <a:solidFill>
+                  <a:srgbClr val="000000"/>
+                </a:solidFill>
+                <a:latin typeface="Consolas" panose="020B0609020204030204" pitchFamily="49" charset="0"/>
+                <a:ea typeface="Times New Roman" panose="02020603050405020304" pitchFamily="18" charset="0"/>
+                <a:cs typeface="Times New Roman" panose="02020603050405020304" pitchFamily="18" charset="0"/>
+              </a:rPr>
+              <a:t>        </a:t>
+            </a:r>
+            <a:r>
+              <a:rPr lang="en-AU" sz="2000" dirty="0" err="1">
+                <a:solidFill>
+                  <a:srgbClr val="000000"/>
+                </a:solidFill>
+                <a:latin typeface="Consolas" panose="020B0609020204030204" pitchFamily="49" charset="0"/>
+                <a:ea typeface="Times New Roman" panose="02020603050405020304" pitchFamily="18" charset="0"/>
+                <a:cs typeface="Times New Roman" panose="02020603050405020304" pitchFamily="18" charset="0"/>
+              </a:rPr>
+              <a:t>is_mute</a:t>
+            </a:r>
+            <a:r>
+              <a:rPr lang="en-AU" sz="2000" dirty="0">
+                <a:solidFill>
+                  <a:srgbClr val="000000"/>
+                </a:solidFill>
+                <a:latin typeface="Consolas" panose="020B0609020204030204" pitchFamily="49" charset="0"/>
+                <a:ea typeface="Times New Roman" panose="02020603050405020304" pitchFamily="18" charset="0"/>
+                <a:cs typeface="Times New Roman" panose="02020603050405020304" pitchFamily="18" charset="0"/>
+              </a:rPr>
+              <a:t> : </a:t>
+            </a:r>
+            <a:r>
+              <a:rPr lang="en-AU" sz="2000" dirty="0">
+                <a:solidFill>
+                  <a:srgbClr val="0000FF"/>
+                </a:solidFill>
+                <a:latin typeface="Consolas" panose="020B0609020204030204" pitchFamily="49" charset="0"/>
+                <a:ea typeface="Times New Roman" panose="02020603050405020304" pitchFamily="18" charset="0"/>
+                <a:cs typeface="Times New Roman" panose="02020603050405020304" pitchFamily="18" charset="0"/>
+              </a:rPr>
+              <a:t>out</a:t>
+            </a:r>
+            <a:r>
+              <a:rPr lang="en-AU" sz="2000" dirty="0">
+                <a:solidFill>
+                  <a:srgbClr val="000000"/>
+                </a:solidFill>
+                <a:latin typeface="Consolas" panose="020B0609020204030204" pitchFamily="49" charset="0"/>
+                <a:ea typeface="Times New Roman" panose="02020603050405020304" pitchFamily="18" charset="0"/>
+                <a:cs typeface="Times New Roman" panose="02020603050405020304" pitchFamily="18" charset="0"/>
+              </a:rPr>
+              <a:t> </a:t>
+            </a:r>
+            <a:r>
+              <a:rPr lang="en-AU" sz="2000" dirty="0" err="1">
+                <a:solidFill>
+                  <a:srgbClr val="000000"/>
+                </a:solidFill>
+                <a:latin typeface="Consolas" panose="020B0609020204030204" pitchFamily="49" charset="0"/>
+                <a:ea typeface="Times New Roman" panose="02020603050405020304" pitchFamily="18" charset="0"/>
+                <a:cs typeface="Times New Roman" panose="02020603050405020304" pitchFamily="18" charset="0"/>
+              </a:rPr>
+              <a:t>std_logic</a:t>
+            </a:r>
+            <a:r>
+              <a:rPr lang="en-AU" sz="2000" dirty="0">
+                <a:solidFill>
+                  <a:srgbClr val="000000"/>
+                </a:solidFill>
+                <a:latin typeface="Consolas" panose="020B0609020204030204" pitchFamily="49" charset="0"/>
+                <a:ea typeface="Times New Roman" panose="02020603050405020304" pitchFamily="18" charset="0"/>
+                <a:cs typeface="Times New Roman" panose="02020603050405020304" pitchFamily="18" charset="0"/>
+              </a:rPr>
+              <a:t>;</a:t>
+            </a:r>
+            <a:endParaRPr lang="en-AU" sz="2400" dirty="0">
+              <a:latin typeface="Calibri" panose="020F0502020204030204" pitchFamily="34" charset="0"/>
+              <a:ea typeface="Calibri" panose="020F0502020204030204" pitchFamily="34" charset="0"/>
+              <a:cs typeface="Times New Roman" panose="02020603050405020304" pitchFamily="18" charset="0"/>
+            </a:endParaRPr>
+          </a:p>
+          <a:p>
+            <a:pPr marL="34290" indent="0">
+              <a:spcAft>
+                <a:spcPts val="0"/>
+              </a:spcAft>
+              <a:buNone/>
+            </a:pPr>
+            <a:r>
+              <a:rPr lang="en-AU" sz="2000" dirty="0">
+                <a:solidFill>
+                  <a:srgbClr val="000000"/>
+                </a:solidFill>
+                <a:latin typeface="Consolas" panose="020B0609020204030204" pitchFamily="49" charset="0"/>
+                <a:ea typeface="Times New Roman" panose="02020603050405020304" pitchFamily="18" charset="0"/>
+                <a:cs typeface="Times New Roman" panose="02020603050405020304" pitchFamily="18" charset="0"/>
+              </a:rPr>
+              <a:t>        </a:t>
+            </a:r>
+            <a:r>
+              <a:rPr lang="en-AU" sz="2000" dirty="0" err="1">
+                <a:solidFill>
+                  <a:srgbClr val="000000"/>
+                </a:solidFill>
+                <a:latin typeface="Consolas" panose="020B0609020204030204" pitchFamily="49" charset="0"/>
+                <a:ea typeface="Times New Roman" panose="02020603050405020304" pitchFamily="18" charset="0"/>
+                <a:cs typeface="Times New Roman" panose="02020603050405020304" pitchFamily="18" charset="0"/>
+              </a:rPr>
+              <a:t>is_new_note</a:t>
+            </a:r>
+            <a:r>
+              <a:rPr lang="en-AU" sz="2000" dirty="0">
+                <a:solidFill>
+                  <a:srgbClr val="000000"/>
+                </a:solidFill>
+                <a:latin typeface="Consolas" panose="020B0609020204030204" pitchFamily="49" charset="0"/>
+                <a:ea typeface="Times New Roman" panose="02020603050405020304" pitchFamily="18" charset="0"/>
+                <a:cs typeface="Times New Roman" panose="02020603050405020304" pitchFamily="18" charset="0"/>
+              </a:rPr>
+              <a:t> : </a:t>
+            </a:r>
+            <a:r>
+              <a:rPr lang="en-AU" sz="2000" dirty="0">
+                <a:solidFill>
+                  <a:srgbClr val="0000FF"/>
+                </a:solidFill>
+                <a:latin typeface="Consolas" panose="020B0609020204030204" pitchFamily="49" charset="0"/>
+                <a:ea typeface="Times New Roman" panose="02020603050405020304" pitchFamily="18" charset="0"/>
+                <a:cs typeface="Times New Roman" panose="02020603050405020304" pitchFamily="18" charset="0"/>
+              </a:rPr>
+              <a:t>out</a:t>
+            </a:r>
+            <a:r>
+              <a:rPr lang="en-AU" sz="2000" dirty="0">
+                <a:solidFill>
+                  <a:srgbClr val="000000"/>
+                </a:solidFill>
+                <a:latin typeface="Consolas" panose="020B0609020204030204" pitchFamily="49" charset="0"/>
+                <a:ea typeface="Times New Roman" panose="02020603050405020304" pitchFamily="18" charset="0"/>
+                <a:cs typeface="Times New Roman" panose="02020603050405020304" pitchFamily="18" charset="0"/>
+              </a:rPr>
+              <a:t> </a:t>
+            </a:r>
+            <a:r>
+              <a:rPr lang="en-AU" sz="2000" dirty="0" err="1">
+                <a:solidFill>
+                  <a:srgbClr val="000000"/>
+                </a:solidFill>
+                <a:latin typeface="Consolas" panose="020B0609020204030204" pitchFamily="49" charset="0"/>
+                <a:ea typeface="Times New Roman" panose="02020603050405020304" pitchFamily="18" charset="0"/>
+                <a:cs typeface="Times New Roman" panose="02020603050405020304" pitchFamily="18" charset="0"/>
+              </a:rPr>
+              <a:t>std_logic</a:t>
+            </a:r>
+            <a:r>
+              <a:rPr lang="en-AU" sz="2000" dirty="0">
+                <a:solidFill>
+                  <a:srgbClr val="000000"/>
+                </a:solidFill>
+                <a:latin typeface="Consolas" panose="020B0609020204030204" pitchFamily="49" charset="0"/>
+                <a:ea typeface="Times New Roman" panose="02020603050405020304" pitchFamily="18" charset="0"/>
+                <a:cs typeface="Times New Roman" panose="02020603050405020304" pitchFamily="18" charset="0"/>
+              </a:rPr>
+              <a:t>);</a:t>
+            </a:r>
+            <a:endParaRPr lang="en-AU" sz="2400" dirty="0">
+              <a:latin typeface="Calibri" panose="020F0502020204030204" pitchFamily="34" charset="0"/>
+              <a:ea typeface="Calibri" panose="020F0502020204030204" pitchFamily="34" charset="0"/>
+              <a:cs typeface="Times New Roman" panose="02020603050405020304" pitchFamily="18" charset="0"/>
+            </a:endParaRPr>
+          </a:p>
+          <a:p>
+            <a:pPr marL="34290" indent="0">
+              <a:spcAft>
+                <a:spcPts val="0"/>
+              </a:spcAft>
+              <a:buNone/>
+            </a:pPr>
+            <a:r>
+              <a:rPr lang="en-AU" sz="2000" dirty="0">
+                <a:solidFill>
+                  <a:srgbClr val="0000FF"/>
+                </a:solidFill>
+                <a:latin typeface="Consolas" panose="020B0609020204030204" pitchFamily="49" charset="0"/>
+                <a:ea typeface="Times New Roman" panose="02020603050405020304" pitchFamily="18" charset="0"/>
+                <a:cs typeface="Times New Roman" panose="02020603050405020304" pitchFamily="18" charset="0"/>
+              </a:rPr>
+              <a:t>end</a:t>
+            </a:r>
+            <a:r>
+              <a:rPr lang="en-AU" sz="2000" dirty="0">
+                <a:solidFill>
+                  <a:srgbClr val="000000"/>
+                </a:solidFill>
+                <a:latin typeface="Consolas" panose="020B0609020204030204" pitchFamily="49" charset="0"/>
+                <a:ea typeface="Times New Roman" panose="02020603050405020304" pitchFamily="18" charset="0"/>
+                <a:cs typeface="Times New Roman" panose="02020603050405020304" pitchFamily="18" charset="0"/>
+              </a:rPr>
+              <a:t> </a:t>
+            </a:r>
+            <a:r>
+              <a:rPr lang="en-AU" sz="2000" dirty="0">
+                <a:solidFill>
+                  <a:srgbClr val="0000FF"/>
+                </a:solidFill>
+                <a:latin typeface="Consolas" panose="020B0609020204030204" pitchFamily="49" charset="0"/>
+                <a:ea typeface="Times New Roman" panose="02020603050405020304" pitchFamily="18" charset="0"/>
+                <a:cs typeface="Times New Roman" panose="02020603050405020304" pitchFamily="18" charset="0"/>
+              </a:rPr>
+              <a:t>component</a:t>
+            </a:r>
+            <a:r>
+              <a:rPr lang="en-AU" sz="2000" dirty="0">
+                <a:solidFill>
+                  <a:srgbClr val="000000"/>
+                </a:solidFill>
+                <a:latin typeface="Consolas" panose="020B0609020204030204" pitchFamily="49" charset="0"/>
+                <a:ea typeface="Times New Roman" panose="02020603050405020304" pitchFamily="18" charset="0"/>
+                <a:cs typeface="Times New Roman" panose="02020603050405020304" pitchFamily="18" charset="0"/>
+              </a:rPr>
+              <a:t>;</a:t>
+            </a:r>
+            <a:endParaRPr lang="en-AU" sz="2400" dirty="0">
+              <a:effectLst/>
+              <a:latin typeface="Calibri" panose="020F0502020204030204" pitchFamily="34" charset="0"/>
+              <a:ea typeface="Calibri" panose="020F0502020204030204" pitchFamily="34" charset="0"/>
+              <a:cs typeface="Times New Roman" panose="02020603050405020304" pitchFamily="18" charset="0"/>
+            </a:endParaRPr>
+          </a:p>
+        </p:txBody>
+      </p:sp>
+      <p:sp>
+        <p:nvSpPr>
+          <p:cNvPr id="3" name="Title 2">
+            <a:extLst>
+              <a:ext uri="{FF2B5EF4-FFF2-40B4-BE49-F238E27FC236}">
+                <a16:creationId xmlns:a16="http://schemas.microsoft.com/office/drawing/2014/main" id="{7E5726A0-0EE0-4D5E-8ABB-50D864C4AA11}"/>
+              </a:ext>
+            </a:extLst>
+          </p:cNvPr>
+          <p:cNvSpPr>
+            <a:spLocks noGrp="1"/>
+          </p:cNvSpPr>
+          <p:nvPr>
+            <p:ph type="title"/>
+          </p:nvPr>
+        </p:nvSpPr>
+        <p:spPr/>
+        <p:txBody>
+          <a:bodyPr/>
+          <a:lstStyle/>
+          <a:p>
+            <a:r>
+              <a:rPr lang="en-AU" sz="3600" dirty="0"/>
+              <a:t>Note LENGTH COUNTER</a:t>
+            </a:r>
+          </a:p>
+        </p:txBody>
+      </p:sp>
+    </p:spTree>
+    <p:extLst>
+      <p:ext uri="{BB962C8B-B14F-4D97-AF65-F5344CB8AC3E}">
+        <p14:creationId xmlns:p14="http://schemas.microsoft.com/office/powerpoint/2010/main" val="1409169864"/>
       </p:ext>
     </p:extLst>
   </p:cSld>
